--- a/docs/diagrams/UndoRedoNewCommand3StateListDiagram.pptx
+++ b/docs/diagrams/UndoRedoNewCommand3StateListDiagram.pptx
@@ -138,7 +138,7 @@
           <p:cNvPr id="2" name="Title 1">
             <a:extLst>
               <a:ext uri="{FF2B5EF4-FFF2-40B4-BE49-F238E27FC236}">
-                <a16:creationId xmlns:a16="http://schemas.microsoft.com/office/drawing/2014/main" id="{39FCC519-EE2E-4054-A653-93D611E0133E}"/>
+                <a16:creationId xmlns:a16="http://schemas.microsoft.com/office/drawing/2014/main" xmlns="" id="{39FCC519-EE2E-4054-A653-93D611E0133E}"/>
               </a:ext>
             </a:extLst>
           </p:cNvPr>
@@ -176,7 +176,7 @@
           <p:cNvPr id="3" name="Subtitle 2">
             <a:extLst>
               <a:ext uri="{FF2B5EF4-FFF2-40B4-BE49-F238E27FC236}">
-                <a16:creationId xmlns:a16="http://schemas.microsoft.com/office/drawing/2014/main" id="{3EDEA74E-4030-4F69-A055-4C6319EEEC29}"/>
+                <a16:creationId xmlns:a16="http://schemas.microsoft.com/office/drawing/2014/main" xmlns="" id="{3EDEA74E-4030-4F69-A055-4C6319EEEC29}"/>
               </a:ext>
             </a:extLst>
           </p:cNvPr>
@@ -247,7 +247,7 @@
           <p:cNvPr id="4" name="Date Placeholder 3">
             <a:extLst>
               <a:ext uri="{FF2B5EF4-FFF2-40B4-BE49-F238E27FC236}">
-                <a16:creationId xmlns:a16="http://schemas.microsoft.com/office/drawing/2014/main" id="{E5CC99E3-37A6-4485-B9A2-AF27A72608C6}"/>
+                <a16:creationId xmlns:a16="http://schemas.microsoft.com/office/drawing/2014/main" xmlns="" id="{E5CC99E3-37A6-4485-B9A2-AF27A72608C6}"/>
               </a:ext>
             </a:extLst>
           </p:cNvPr>
@@ -265,7 +265,7 @@
           <a:p>
             <a:fld id="{03EC4E3E-8101-482F-A883-8B55DAFF7C07}" type="datetimeFigureOut">
               <a:rPr lang="en-SG" smtClean="0"/>
-              <a:t>6/7/2018</a:t>
+              <a:t>4/3/19</a:t>
             </a:fld>
             <a:endParaRPr lang="en-SG"/>
           </a:p>
@@ -276,7 +276,7 @@
           <p:cNvPr id="5" name="Footer Placeholder 4">
             <a:extLst>
               <a:ext uri="{FF2B5EF4-FFF2-40B4-BE49-F238E27FC236}">
-                <a16:creationId xmlns:a16="http://schemas.microsoft.com/office/drawing/2014/main" id="{D75BD546-D949-4A25-8EA4-47DF23229409}"/>
+                <a16:creationId xmlns:a16="http://schemas.microsoft.com/office/drawing/2014/main" xmlns="" id="{D75BD546-D949-4A25-8EA4-47DF23229409}"/>
               </a:ext>
             </a:extLst>
           </p:cNvPr>
@@ -301,7 +301,7 @@
           <p:cNvPr id="6" name="Slide Number Placeholder 5">
             <a:extLst>
               <a:ext uri="{FF2B5EF4-FFF2-40B4-BE49-F238E27FC236}">
-                <a16:creationId xmlns:a16="http://schemas.microsoft.com/office/drawing/2014/main" id="{68147391-4DF6-4ACF-BCE9-C1A9DAC803E3}"/>
+                <a16:creationId xmlns:a16="http://schemas.microsoft.com/office/drawing/2014/main" xmlns="" id="{68147391-4DF6-4ACF-BCE9-C1A9DAC803E3}"/>
               </a:ext>
             </a:extLst>
           </p:cNvPr>
@@ -360,7 +360,7 @@
           <p:cNvPr id="2" name="Title 1">
             <a:extLst>
               <a:ext uri="{FF2B5EF4-FFF2-40B4-BE49-F238E27FC236}">
-                <a16:creationId xmlns:a16="http://schemas.microsoft.com/office/drawing/2014/main" id="{251D3DFE-0C62-45F5-B1BF-FD1F194ED112}"/>
+                <a16:creationId xmlns:a16="http://schemas.microsoft.com/office/drawing/2014/main" xmlns="" id="{251D3DFE-0C62-45F5-B1BF-FD1F194ED112}"/>
               </a:ext>
             </a:extLst>
           </p:cNvPr>
@@ -389,7 +389,7 @@
           <p:cNvPr id="3" name="Vertical Text Placeholder 2">
             <a:extLst>
               <a:ext uri="{FF2B5EF4-FFF2-40B4-BE49-F238E27FC236}">
-                <a16:creationId xmlns:a16="http://schemas.microsoft.com/office/drawing/2014/main" id="{D2392762-3586-4B6D-A174-2D3ACF0A125B}"/>
+                <a16:creationId xmlns:a16="http://schemas.microsoft.com/office/drawing/2014/main" xmlns="" id="{D2392762-3586-4B6D-A174-2D3ACF0A125B}"/>
               </a:ext>
             </a:extLst>
           </p:cNvPr>
@@ -447,7 +447,7 @@
           <p:cNvPr id="4" name="Date Placeholder 3">
             <a:extLst>
               <a:ext uri="{FF2B5EF4-FFF2-40B4-BE49-F238E27FC236}">
-                <a16:creationId xmlns:a16="http://schemas.microsoft.com/office/drawing/2014/main" id="{73B232E7-84FB-4535-9FC1-1BEF8F17421F}"/>
+                <a16:creationId xmlns:a16="http://schemas.microsoft.com/office/drawing/2014/main" xmlns="" id="{73B232E7-84FB-4535-9FC1-1BEF8F17421F}"/>
               </a:ext>
             </a:extLst>
           </p:cNvPr>
@@ -465,7 +465,7 @@
           <a:p>
             <a:fld id="{03EC4E3E-8101-482F-A883-8B55DAFF7C07}" type="datetimeFigureOut">
               <a:rPr lang="en-SG" smtClean="0"/>
-              <a:t>6/7/2018</a:t>
+              <a:t>4/3/19</a:t>
             </a:fld>
             <a:endParaRPr lang="en-SG"/>
           </a:p>
@@ -476,7 +476,7 @@
           <p:cNvPr id="5" name="Footer Placeholder 4">
             <a:extLst>
               <a:ext uri="{FF2B5EF4-FFF2-40B4-BE49-F238E27FC236}">
-                <a16:creationId xmlns:a16="http://schemas.microsoft.com/office/drawing/2014/main" id="{76F796EF-04EF-401A-AC84-F7BDBC99DE80}"/>
+                <a16:creationId xmlns:a16="http://schemas.microsoft.com/office/drawing/2014/main" xmlns="" id="{76F796EF-04EF-401A-AC84-F7BDBC99DE80}"/>
               </a:ext>
             </a:extLst>
           </p:cNvPr>
@@ -501,7 +501,7 @@
           <p:cNvPr id="6" name="Slide Number Placeholder 5">
             <a:extLst>
               <a:ext uri="{FF2B5EF4-FFF2-40B4-BE49-F238E27FC236}">
-                <a16:creationId xmlns:a16="http://schemas.microsoft.com/office/drawing/2014/main" id="{8F55F009-0A64-4649-A732-4AA6D619F1F3}"/>
+                <a16:creationId xmlns:a16="http://schemas.microsoft.com/office/drawing/2014/main" xmlns="" id="{8F55F009-0A64-4649-A732-4AA6D619F1F3}"/>
               </a:ext>
             </a:extLst>
           </p:cNvPr>
@@ -560,7 +560,7 @@
           <p:cNvPr id="2" name="Vertical Title 1">
             <a:extLst>
               <a:ext uri="{FF2B5EF4-FFF2-40B4-BE49-F238E27FC236}">
-                <a16:creationId xmlns:a16="http://schemas.microsoft.com/office/drawing/2014/main" id="{F7DE9595-D7A8-4E19-B4C6-E295F978F6A4}"/>
+                <a16:creationId xmlns:a16="http://schemas.microsoft.com/office/drawing/2014/main" xmlns="" id="{F7DE9595-D7A8-4E19-B4C6-E295F978F6A4}"/>
               </a:ext>
             </a:extLst>
           </p:cNvPr>
@@ -594,7 +594,7 @@
           <p:cNvPr id="3" name="Vertical Text Placeholder 2">
             <a:extLst>
               <a:ext uri="{FF2B5EF4-FFF2-40B4-BE49-F238E27FC236}">
-                <a16:creationId xmlns:a16="http://schemas.microsoft.com/office/drawing/2014/main" id="{0D2975B7-7A6D-40EA-B2F6-338022AD2BF1}"/>
+                <a16:creationId xmlns:a16="http://schemas.microsoft.com/office/drawing/2014/main" xmlns="" id="{0D2975B7-7A6D-40EA-B2F6-338022AD2BF1}"/>
               </a:ext>
             </a:extLst>
           </p:cNvPr>
@@ -657,7 +657,7 @@
           <p:cNvPr id="4" name="Date Placeholder 3">
             <a:extLst>
               <a:ext uri="{FF2B5EF4-FFF2-40B4-BE49-F238E27FC236}">
-                <a16:creationId xmlns:a16="http://schemas.microsoft.com/office/drawing/2014/main" id="{C8230AC3-1BED-4D2B-96D3-51C50E14A9E6}"/>
+                <a16:creationId xmlns:a16="http://schemas.microsoft.com/office/drawing/2014/main" xmlns="" id="{C8230AC3-1BED-4D2B-96D3-51C50E14A9E6}"/>
               </a:ext>
             </a:extLst>
           </p:cNvPr>
@@ -675,7 +675,7 @@
           <a:p>
             <a:fld id="{03EC4E3E-8101-482F-A883-8B55DAFF7C07}" type="datetimeFigureOut">
               <a:rPr lang="en-SG" smtClean="0"/>
-              <a:t>6/7/2018</a:t>
+              <a:t>4/3/19</a:t>
             </a:fld>
             <a:endParaRPr lang="en-SG"/>
           </a:p>
@@ -686,7 +686,7 @@
           <p:cNvPr id="5" name="Footer Placeholder 4">
             <a:extLst>
               <a:ext uri="{FF2B5EF4-FFF2-40B4-BE49-F238E27FC236}">
-                <a16:creationId xmlns:a16="http://schemas.microsoft.com/office/drawing/2014/main" id="{4AD6CA96-231A-43AD-B530-7C509651DE3B}"/>
+                <a16:creationId xmlns:a16="http://schemas.microsoft.com/office/drawing/2014/main" xmlns="" id="{4AD6CA96-231A-43AD-B530-7C509651DE3B}"/>
               </a:ext>
             </a:extLst>
           </p:cNvPr>
@@ -711,7 +711,7 @@
           <p:cNvPr id="6" name="Slide Number Placeholder 5">
             <a:extLst>
               <a:ext uri="{FF2B5EF4-FFF2-40B4-BE49-F238E27FC236}">
-                <a16:creationId xmlns:a16="http://schemas.microsoft.com/office/drawing/2014/main" id="{12063E3B-180A-454E-A661-6CCD48D7062C}"/>
+                <a16:creationId xmlns:a16="http://schemas.microsoft.com/office/drawing/2014/main" xmlns="" id="{12063E3B-180A-454E-A661-6CCD48D7062C}"/>
               </a:ext>
             </a:extLst>
           </p:cNvPr>
@@ -770,7 +770,7 @@
           <p:cNvPr id="2" name="Title 1">
             <a:extLst>
               <a:ext uri="{FF2B5EF4-FFF2-40B4-BE49-F238E27FC236}">
-                <a16:creationId xmlns:a16="http://schemas.microsoft.com/office/drawing/2014/main" id="{7E861C8D-BAF0-4DD9-92B9-591B272791CA}"/>
+                <a16:creationId xmlns:a16="http://schemas.microsoft.com/office/drawing/2014/main" xmlns="" id="{7E861C8D-BAF0-4DD9-92B9-591B272791CA}"/>
               </a:ext>
             </a:extLst>
           </p:cNvPr>
@@ -799,7 +799,7 @@
           <p:cNvPr id="3" name="Content Placeholder 2">
             <a:extLst>
               <a:ext uri="{FF2B5EF4-FFF2-40B4-BE49-F238E27FC236}">
-                <a16:creationId xmlns:a16="http://schemas.microsoft.com/office/drawing/2014/main" id="{534DA4BD-1D78-446B-B79F-C1229642DDEB}"/>
+                <a16:creationId xmlns:a16="http://schemas.microsoft.com/office/drawing/2014/main" xmlns="" id="{534DA4BD-1D78-446B-B79F-C1229642DDEB}"/>
               </a:ext>
             </a:extLst>
           </p:cNvPr>
@@ -857,7 +857,7 @@
           <p:cNvPr id="4" name="Date Placeholder 3">
             <a:extLst>
               <a:ext uri="{FF2B5EF4-FFF2-40B4-BE49-F238E27FC236}">
-                <a16:creationId xmlns:a16="http://schemas.microsoft.com/office/drawing/2014/main" id="{AD6BEDB5-7B62-4953-BECB-7F7F3E909CAC}"/>
+                <a16:creationId xmlns:a16="http://schemas.microsoft.com/office/drawing/2014/main" xmlns="" id="{AD6BEDB5-7B62-4953-BECB-7F7F3E909CAC}"/>
               </a:ext>
             </a:extLst>
           </p:cNvPr>
@@ -875,7 +875,7 @@
           <a:p>
             <a:fld id="{03EC4E3E-8101-482F-A883-8B55DAFF7C07}" type="datetimeFigureOut">
               <a:rPr lang="en-SG" smtClean="0"/>
-              <a:t>6/7/2018</a:t>
+              <a:t>4/3/19</a:t>
             </a:fld>
             <a:endParaRPr lang="en-SG"/>
           </a:p>
@@ -886,7 +886,7 @@
           <p:cNvPr id="5" name="Footer Placeholder 4">
             <a:extLst>
               <a:ext uri="{FF2B5EF4-FFF2-40B4-BE49-F238E27FC236}">
-                <a16:creationId xmlns:a16="http://schemas.microsoft.com/office/drawing/2014/main" id="{349CD732-2DD1-42BE-8480-5C6507018294}"/>
+                <a16:creationId xmlns:a16="http://schemas.microsoft.com/office/drawing/2014/main" xmlns="" id="{349CD732-2DD1-42BE-8480-5C6507018294}"/>
               </a:ext>
             </a:extLst>
           </p:cNvPr>
@@ -911,7 +911,7 @@
           <p:cNvPr id="6" name="Slide Number Placeholder 5">
             <a:extLst>
               <a:ext uri="{FF2B5EF4-FFF2-40B4-BE49-F238E27FC236}">
-                <a16:creationId xmlns:a16="http://schemas.microsoft.com/office/drawing/2014/main" id="{574C27E0-F36A-4438-9402-C2CB0377D92D}"/>
+                <a16:creationId xmlns:a16="http://schemas.microsoft.com/office/drawing/2014/main" xmlns="" id="{574C27E0-F36A-4438-9402-C2CB0377D92D}"/>
               </a:ext>
             </a:extLst>
           </p:cNvPr>
@@ -970,7 +970,7 @@
           <p:cNvPr id="2" name="Title 1">
             <a:extLst>
               <a:ext uri="{FF2B5EF4-FFF2-40B4-BE49-F238E27FC236}">
-                <a16:creationId xmlns:a16="http://schemas.microsoft.com/office/drawing/2014/main" id="{80A42FFA-8A45-40F8-9C5C-9906971B38AB}"/>
+                <a16:creationId xmlns:a16="http://schemas.microsoft.com/office/drawing/2014/main" xmlns="" id="{80A42FFA-8A45-40F8-9C5C-9906971B38AB}"/>
               </a:ext>
             </a:extLst>
           </p:cNvPr>
@@ -1008,7 +1008,7 @@
           <p:cNvPr id="3" name="Text Placeholder 2">
             <a:extLst>
               <a:ext uri="{FF2B5EF4-FFF2-40B4-BE49-F238E27FC236}">
-                <a16:creationId xmlns:a16="http://schemas.microsoft.com/office/drawing/2014/main" id="{7D8879A7-8225-4473-B738-B780B6224EC5}"/>
+                <a16:creationId xmlns:a16="http://schemas.microsoft.com/office/drawing/2014/main" xmlns="" id="{7D8879A7-8225-4473-B738-B780B6224EC5}"/>
               </a:ext>
             </a:extLst>
           </p:cNvPr>
@@ -1133,7 +1133,7 @@
           <p:cNvPr id="4" name="Date Placeholder 3">
             <a:extLst>
               <a:ext uri="{FF2B5EF4-FFF2-40B4-BE49-F238E27FC236}">
-                <a16:creationId xmlns:a16="http://schemas.microsoft.com/office/drawing/2014/main" id="{6CF7978C-FE65-4091-9152-E33029C12AEA}"/>
+                <a16:creationId xmlns:a16="http://schemas.microsoft.com/office/drawing/2014/main" xmlns="" id="{6CF7978C-FE65-4091-9152-E33029C12AEA}"/>
               </a:ext>
             </a:extLst>
           </p:cNvPr>
@@ -1151,7 +1151,7 @@
           <a:p>
             <a:fld id="{03EC4E3E-8101-482F-A883-8B55DAFF7C07}" type="datetimeFigureOut">
               <a:rPr lang="en-SG" smtClean="0"/>
-              <a:t>6/7/2018</a:t>
+              <a:t>4/3/19</a:t>
             </a:fld>
             <a:endParaRPr lang="en-SG"/>
           </a:p>
@@ -1162,7 +1162,7 @@
           <p:cNvPr id="5" name="Footer Placeholder 4">
             <a:extLst>
               <a:ext uri="{FF2B5EF4-FFF2-40B4-BE49-F238E27FC236}">
-                <a16:creationId xmlns:a16="http://schemas.microsoft.com/office/drawing/2014/main" id="{B344C9CC-480F-4DCB-AC70-D7A4CCA0B8B7}"/>
+                <a16:creationId xmlns:a16="http://schemas.microsoft.com/office/drawing/2014/main" xmlns="" id="{B344C9CC-480F-4DCB-AC70-D7A4CCA0B8B7}"/>
               </a:ext>
             </a:extLst>
           </p:cNvPr>
@@ -1187,7 +1187,7 @@
           <p:cNvPr id="6" name="Slide Number Placeholder 5">
             <a:extLst>
               <a:ext uri="{FF2B5EF4-FFF2-40B4-BE49-F238E27FC236}">
-                <a16:creationId xmlns:a16="http://schemas.microsoft.com/office/drawing/2014/main" id="{8F5A07EC-843A-4ED9-8F1C-AD703CA36D58}"/>
+                <a16:creationId xmlns:a16="http://schemas.microsoft.com/office/drawing/2014/main" xmlns="" id="{8F5A07EC-843A-4ED9-8F1C-AD703CA36D58}"/>
               </a:ext>
             </a:extLst>
           </p:cNvPr>
@@ -1246,7 +1246,7 @@
           <p:cNvPr id="2" name="Title 1">
             <a:extLst>
               <a:ext uri="{FF2B5EF4-FFF2-40B4-BE49-F238E27FC236}">
-                <a16:creationId xmlns:a16="http://schemas.microsoft.com/office/drawing/2014/main" id="{056EE2DA-07D9-4774-A8CA-0CA247F8C72A}"/>
+                <a16:creationId xmlns:a16="http://schemas.microsoft.com/office/drawing/2014/main" xmlns="" id="{056EE2DA-07D9-4774-A8CA-0CA247F8C72A}"/>
               </a:ext>
             </a:extLst>
           </p:cNvPr>
@@ -1275,7 +1275,7 @@
           <p:cNvPr id="3" name="Content Placeholder 2">
             <a:extLst>
               <a:ext uri="{FF2B5EF4-FFF2-40B4-BE49-F238E27FC236}">
-                <a16:creationId xmlns:a16="http://schemas.microsoft.com/office/drawing/2014/main" id="{3CF93A59-4E25-4FFA-8796-AA06EF3E5C3E}"/>
+                <a16:creationId xmlns:a16="http://schemas.microsoft.com/office/drawing/2014/main" xmlns="" id="{3CF93A59-4E25-4FFA-8796-AA06EF3E5C3E}"/>
               </a:ext>
             </a:extLst>
           </p:cNvPr>
@@ -1338,7 +1338,7 @@
           <p:cNvPr id="4" name="Content Placeholder 3">
             <a:extLst>
               <a:ext uri="{FF2B5EF4-FFF2-40B4-BE49-F238E27FC236}">
-                <a16:creationId xmlns:a16="http://schemas.microsoft.com/office/drawing/2014/main" id="{81373B10-E346-4893-AFEE-65E014405E2D}"/>
+                <a16:creationId xmlns:a16="http://schemas.microsoft.com/office/drawing/2014/main" xmlns="" id="{81373B10-E346-4893-AFEE-65E014405E2D}"/>
               </a:ext>
             </a:extLst>
           </p:cNvPr>
@@ -1401,7 +1401,7 @@
           <p:cNvPr id="5" name="Date Placeholder 4">
             <a:extLst>
               <a:ext uri="{FF2B5EF4-FFF2-40B4-BE49-F238E27FC236}">
-                <a16:creationId xmlns:a16="http://schemas.microsoft.com/office/drawing/2014/main" id="{D9C411A1-6D64-4C63-A758-5D2FEE677F45}"/>
+                <a16:creationId xmlns:a16="http://schemas.microsoft.com/office/drawing/2014/main" xmlns="" id="{D9C411A1-6D64-4C63-A758-5D2FEE677F45}"/>
               </a:ext>
             </a:extLst>
           </p:cNvPr>
@@ -1419,7 +1419,7 @@
           <a:p>
             <a:fld id="{03EC4E3E-8101-482F-A883-8B55DAFF7C07}" type="datetimeFigureOut">
               <a:rPr lang="en-SG" smtClean="0"/>
-              <a:t>6/7/2018</a:t>
+              <a:t>4/3/19</a:t>
             </a:fld>
             <a:endParaRPr lang="en-SG"/>
           </a:p>
@@ -1430,7 +1430,7 @@
           <p:cNvPr id="6" name="Footer Placeholder 5">
             <a:extLst>
               <a:ext uri="{FF2B5EF4-FFF2-40B4-BE49-F238E27FC236}">
-                <a16:creationId xmlns:a16="http://schemas.microsoft.com/office/drawing/2014/main" id="{8D9C2E46-644C-4155-A697-764A7A0AB1F4}"/>
+                <a16:creationId xmlns:a16="http://schemas.microsoft.com/office/drawing/2014/main" xmlns="" id="{8D9C2E46-644C-4155-A697-764A7A0AB1F4}"/>
               </a:ext>
             </a:extLst>
           </p:cNvPr>
@@ -1455,7 +1455,7 @@
           <p:cNvPr id="7" name="Slide Number Placeholder 6">
             <a:extLst>
               <a:ext uri="{FF2B5EF4-FFF2-40B4-BE49-F238E27FC236}">
-                <a16:creationId xmlns:a16="http://schemas.microsoft.com/office/drawing/2014/main" id="{6192DEDD-6479-45E4-B1F5-6EDD41BBB103}"/>
+                <a16:creationId xmlns:a16="http://schemas.microsoft.com/office/drawing/2014/main" xmlns="" id="{6192DEDD-6479-45E4-B1F5-6EDD41BBB103}"/>
               </a:ext>
             </a:extLst>
           </p:cNvPr>
@@ -1514,7 +1514,7 @@
           <p:cNvPr id="2" name="Title 1">
             <a:extLst>
               <a:ext uri="{FF2B5EF4-FFF2-40B4-BE49-F238E27FC236}">
-                <a16:creationId xmlns:a16="http://schemas.microsoft.com/office/drawing/2014/main" id="{DC0ED888-63EF-4CC0-8500-9C8DB672FEC2}"/>
+                <a16:creationId xmlns:a16="http://schemas.microsoft.com/office/drawing/2014/main" xmlns="" id="{DC0ED888-63EF-4CC0-8500-9C8DB672FEC2}"/>
               </a:ext>
             </a:extLst>
           </p:cNvPr>
@@ -1548,7 +1548,7 @@
           <p:cNvPr id="3" name="Text Placeholder 2">
             <a:extLst>
               <a:ext uri="{FF2B5EF4-FFF2-40B4-BE49-F238E27FC236}">
-                <a16:creationId xmlns:a16="http://schemas.microsoft.com/office/drawing/2014/main" id="{3C33BC1E-FB79-4906-A967-9C7046C6D272}"/>
+                <a16:creationId xmlns:a16="http://schemas.microsoft.com/office/drawing/2014/main" xmlns="" id="{3C33BC1E-FB79-4906-A967-9C7046C6D272}"/>
               </a:ext>
             </a:extLst>
           </p:cNvPr>
@@ -1619,7 +1619,7 @@
           <p:cNvPr id="4" name="Content Placeholder 3">
             <a:extLst>
               <a:ext uri="{FF2B5EF4-FFF2-40B4-BE49-F238E27FC236}">
-                <a16:creationId xmlns:a16="http://schemas.microsoft.com/office/drawing/2014/main" id="{697A4EC6-1C42-4BA4-8108-32579276C17B}"/>
+                <a16:creationId xmlns:a16="http://schemas.microsoft.com/office/drawing/2014/main" xmlns="" id="{697A4EC6-1C42-4BA4-8108-32579276C17B}"/>
               </a:ext>
             </a:extLst>
           </p:cNvPr>
@@ -1682,7 +1682,7 @@
           <p:cNvPr id="5" name="Text Placeholder 4">
             <a:extLst>
               <a:ext uri="{FF2B5EF4-FFF2-40B4-BE49-F238E27FC236}">
-                <a16:creationId xmlns:a16="http://schemas.microsoft.com/office/drawing/2014/main" id="{8A2CA209-B9F5-4E1E-B302-74CC2D4CFDFB}"/>
+                <a16:creationId xmlns:a16="http://schemas.microsoft.com/office/drawing/2014/main" xmlns="" id="{8A2CA209-B9F5-4E1E-B302-74CC2D4CFDFB}"/>
               </a:ext>
             </a:extLst>
           </p:cNvPr>
@@ -1753,7 +1753,7 @@
           <p:cNvPr id="6" name="Content Placeholder 5">
             <a:extLst>
               <a:ext uri="{FF2B5EF4-FFF2-40B4-BE49-F238E27FC236}">
-                <a16:creationId xmlns:a16="http://schemas.microsoft.com/office/drawing/2014/main" id="{0E6E876D-DC4D-40EE-BA38-CD01089602CF}"/>
+                <a16:creationId xmlns:a16="http://schemas.microsoft.com/office/drawing/2014/main" xmlns="" id="{0E6E876D-DC4D-40EE-BA38-CD01089602CF}"/>
               </a:ext>
             </a:extLst>
           </p:cNvPr>
@@ -1816,7 +1816,7 @@
           <p:cNvPr id="7" name="Date Placeholder 6">
             <a:extLst>
               <a:ext uri="{FF2B5EF4-FFF2-40B4-BE49-F238E27FC236}">
-                <a16:creationId xmlns:a16="http://schemas.microsoft.com/office/drawing/2014/main" id="{F24E1D97-8B3C-41A1-B0BA-BA833AD8BC7C}"/>
+                <a16:creationId xmlns:a16="http://schemas.microsoft.com/office/drawing/2014/main" xmlns="" id="{F24E1D97-8B3C-41A1-B0BA-BA833AD8BC7C}"/>
               </a:ext>
             </a:extLst>
           </p:cNvPr>
@@ -1834,7 +1834,7 @@
           <a:p>
             <a:fld id="{03EC4E3E-8101-482F-A883-8B55DAFF7C07}" type="datetimeFigureOut">
               <a:rPr lang="en-SG" smtClean="0"/>
-              <a:t>6/7/2018</a:t>
+              <a:t>4/3/19</a:t>
             </a:fld>
             <a:endParaRPr lang="en-SG"/>
           </a:p>
@@ -1845,7 +1845,7 @@
           <p:cNvPr id="8" name="Footer Placeholder 7">
             <a:extLst>
               <a:ext uri="{FF2B5EF4-FFF2-40B4-BE49-F238E27FC236}">
-                <a16:creationId xmlns:a16="http://schemas.microsoft.com/office/drawing/2014/main" id="{FC358D8F-B7DA-4DCE-AC8F-706450EEC0DC}"/>
+                <a16:creationId xmlns:a16="http://schemas.microsoft.com/office/drawing/2014/main" xmlns="" id="{FC358D8F-B7DA-4DCE-AC8F-706450EEC0DC}"/>
               </a:ext>
             </a:extLst>
           </p:cNvPr>
@@ -1870,7 +1870,7 @@
           <p:cNvPr id="9" name="Slide Number Placeholder 8">
             <a:extLst>
               <a:ext uri="{FF2B5EF4-FFF2-40B4-BE49-F238E27FC236}">
-                <a16:creationId xmlns:a16="http://schemas.microsoft.com/office/drawing/2014/main" id="{40CE354E-2C73-4B6F-8AEB-14D1378A77E1}"/>
+                <a16:creationId xmlns:a16="http://schemas.microsoft.com/office/drawing/2014/main" xmlns="" id="{40CE354E-2C73-4B6F-8AEB-14D1378A77E1}"/>
               </a:ext>
             </a:extLst>
           </p:cNvPr>
@@ -1929,7 +1929,7 @@
           <p:cNvPr id="2" name="Title 1">
             <a:extLst>
               <a:ext uri="{FF2B5EF4-FFF2-40B4-BE49-F238E27FC236}">
-                <a16:creationId xmlns:a16="http://schemas.microsoft.com/office/drawing/2014/main" id="{17D9D381-288C-43FB-86C2-AAA4FCFD43FD}"/>
+                <a16:creationId xmlns:a16="http://schemas.microsoft.com/office/drawing/2014/main" xmlns="" id="{17D9D381-288C-43FB-86C2-AAA4FCFD43FD}"/>
               </a:ext>
             </a:extLst>
           </p:cNvPr>
@@ -1958,7 +1958,7 @@
           <p:cNvPr id="3" name="Date Placeholder 2">
             <a:extLst>
               <a:ext uri="{FF2B5EF4-FFF2-40B4-BE49-F238E27FC236}">
-                <a16:creationId xmlns:a16="http://schemas.microsoft.com/office/drawing/2014/main" id="{A85D75E5-4830-4F75-8132-91122609F925}"/>
+                <a16:creationId xmlns:a16="http://schemas.microsoft.com/office/drawing/2014/main" xmlns="" id="{A85D75E5-4830-4F75-8132-91122609F925}"/>
               </a:ext>
             </a:extLst>
           </p:cNvPr>
@@ -1976,7 +1976,7 @@
           <a:p>
             <a:fld id="{03EC4E3E-8101-482F-A883-8B55DAFF7C07}" type="datetimeFigureOut">
               <a:rPr lang="en-SG" smtClean="0"/>
-              <a:t>6/7/2018</a:t>
+              <a:t>4/3/19</a:t>
             </a:fld>
             <a:endParaRPr lang="en-SG"/>
           </a:p>
@@ -1987,7 +1987,7 @@
           <p:cNvPr id="4" name="Footer Placeholder 3">
             <a:extLst>
               <a:ext uri="{FF2B5EF4-FFF2-40B4-BE49-F238E27FC236}">
-                <a16:creationId xmlns:a16="http://schemas.microsoft.com/office/drawing/2014/main" id="{0C14A42C-834F-43EA-8053-84D5A665CEE7}"/>
+                <a16:creationId xmlns:a16="http://schemas.microsoft.com/office/drawing/2014/main" xmlns="" id="{0C14A42C-834F-43EA-8053-84D5A665CEE7}"/>
               </a:ext>
             </a:extLst>
           </p:cNvPr>
@@ -2012,7 +2012,7 @@
           <p:cNvPr id="5" name="Slide Number Placeholder 4">
             <a:extLst>
               <a:ext uri="{FF2B5EF4-FFF2-40B4-BE49-F238E27FC236}">
-                <a16:creationId xmlns:a16="http://schemas.microsoft.com/office/drawing/2014/main" id="{38C1E789-CDA9-48FF-A7BA-F21E31600226}"/>
+                <a16:creationId xmlns:a16="http://schemas.microsoft.com/office/drawing/2014/main" xmlns="" id="{38C1E789-CDA9-48FF-A7BA-F21E31600226}"/>
               </a:ext>
             </a:extLst>
           </p:cNvPr>
@@ -2071,7 +2071,7 @@
           <p:cNvPr id="2" name="Date Placeholder 1">
             <a:extLst>
               <a:ext uri="{FF2B5EF4-FFF2-40B4-BE49-F238E27FC236}">
-                <a16:creationId xmlns:a16="http://schemas.microsoft.com/office/drawing/2014/main" id="{21A40ECD-0ABD-4F35-B481-512A01FC643D}"/>
+                <a16:creationId xmlns:a16="http://schemas.microsoft.com/office/drawing/2014/main" xmlns="" id="{21A40ECD-0ABD-4F35-B481-512A01FC643D}"/>
               </a:ext>
             </a:extLst>
           </p:cNvPr>
@@ -2089,7 +2089,7 @@
           <a:p>
             <a:fld id="{03EC4E3E-8101-482F-A883-8B55DAFF7C07}" type="datetimeFigureOut">
               <a:rPr lang="en-SG" smtClean="0"/>
-              <a:t>6/7/2018</a:t>
+              <a:t>4/3/19</a:t>
             </a:fld>
             <a:endParaRPr lang="en-SG"/>
           </a:p>
@@ -2100,7 +2100,7 @@
           <p:cNvPr id="3" name="Footer Placeholder 2">
             <a:extLst>
               <a:ext uri="{FF2B5EF4-FFF2-40B4-BE49-F238E27FC236}">
-                <a16:creationId xmlns:a16="http://schemas.microsoft.com/office/drawing/2014/main" id="{D44B8F11-A412-4FA6-9070-B9C742F699F3}"/>
+                <a16:creationId xmlns:a16="http://schemas.microsoft.com/office/drawing/2014/main" xmlns="" id="{D44B8F11-A412-4FA6-9070-B9C742F699F3}"/>
               </a:ext>
             </a:extLst>
           </p:cNvPr>
@@ -2125,7 +2125,7 @@
           <p:cNvPr id="4" name="Slide Number Placeholder 3">
             <a:extLst>
               <a:ext uri="{FF2B5EF4-FFF2-40B4-BE49-F238E27FC236}">
-                <a16:creationId xmlns:a16="http://schemas.microsoft.com/office/drawing/2014/main" id="{E3EA086A-DA0B-4378-A128-F213644ECB0C}"/>
+                <a16:creationId xmlns:a16="http://schemas.microsoft.com/office/drawing/2014/main" xmlns="" id="{E3EA086A-DA0B-4378-A128-F213644ECB0C}"/>
               </a:ext>
             </a:extLst>
           </p:cNvPr>
@@ -2184,7 +2184,7 @@
           <p:cNvPr id="2" name="Title 1">
             <a:extLst>
               <a:ext uri="{FF2B5EF4-FFF2-40B4-BE49-F238E27FC236}">
-                <a16:creationId xmlns:a16="http://schemas.microsoft.com/office/drawing/2014/main" id="{765D165A-D423-4E89-A075-D59A9FB59792}"/>
+                <a16:creationId xmlns:a16="http://schemas.microsoft.com/office/drawing/2014/main" xmlns="" id="{765D165A-D423-4E89-A075-D59A9FB59792}"/>
               </a:ext>
             </a:extLst>
           </p:cNvPr>
@@ -2222,7 +2222,7 @@
           <p:cNvPr id="3" name="Content Placeholder 2">
             <a:extLst>
               <a:ext uri="{FF2B5EF4-FFF2-40B4-BE49-F238E27FC236}">
-                <a16:creationId xmlns:a16="http://schemas.microsoft.com/office/drawing/2014/main" id="{77C2A5CC-2876-49CA-993D-F4F73FC9D2B0}"/>
+                <a16:creationId xmlns:a16="http://schemas.microsoft.com/office/drawing/2014/main" xmlns="" id="{77C2A5CC-2876-49CA-993D-F4F73FC9D2B0}"/>
               </a:ext>
             </a:extLst>
           </p:cNvPr>
@@ -2313,7 +2313,7 @@
           <p:cNvPr id="4" name="Text Placeholder 3">
             <a:extLst>
               <a:ext uri="{FF2B5EF4-FFF2-40B4-BE49-F238E27FC236}">
-                <a16:creationId xmlns:a16="http://schemas.microsoft.com/office/drawing/2014/main" id="{7B4DE2E8-CCF6-4E88-A858-05A04CD0D736}"/>
+                <a16:creationId xmlns:a16="http://schemas.microsoft.com/office/drawing/2014/main" xmlns="" id="{7B4DE2E8-CCF6-4E88-A858-05A04CD0D736}"/>
               </a:ext>
             </a:extLst>
           </p:cNvPr>
@@ -2384,7 +2384,7 @@
           <p:cNvPr id="5" name="Date Placeholder 4">
             <a:extLst>
               <a:ext uri="{FF2B5EF4-FFF2-40B4-BE49-F238E27FC236}">
-                <a16:creationId xmlns:a16="http://schemas.microsoft.com/office/drawing/2014/main" id="{CAEBEC1E-DE48-4B55-A846-F8248E381145}"/>
+                <a16:creationId xmlns:a16="http://schemas.microsoft.com/office/drawing/2014/main" xmlns="" id="{CAEBEC1E-DE48-4B55-A846-F8248E381145}"/>
               </a:ext>
             </a:extLst>
           </p:cNvPr>
@@ -2402,7 +2402,7 @@
           <a:p>
             <a:fld id="{03EC4E3E-8101-482F-A883-8B55DAFF7C07}" type="datetimeFigureOut">
               <a:rPr lang="en-SG" smtClean="0"/>
-              <a:t>6/7/2018</a:t>
+              <a:t>4/3/19</a:t>
             </a:fld>
             <a:endParaRPr lang="en-SG"/>
           </a:p>
@@ -2413,7 +2413,7 @@
           <p:cNvPr id="6" name="Footer Placeholder 5">
             <a:extLst>
               <a:ext uri="{FF2B5EF4-FFF2-40B4-BE49-F238E27FC236}">
-                <a16:creationId xmlns:a16="http://schemas.microsoft.com/office/drawing/2014/main" id="{945A6E8B-6BC2-49E9-B4E5-DAD3F7A1A1BF}"/>
+                <a16:creationId xmlns:a16="http://schemas.microsoft.com/office/drawing/2014/main" xmlns="" id="{945A6E8B-6BC2-49E9-B4E5-DAD3F7A1A1BF}"/>
               </a:ext>
             </a:extLst>
           </p:cNvPr>
@@ -2438,7 +2438,7 @@
           <p:cNvPr id="7" name="Slide Number Placeholder 6">
             <a:extLst>
               <a:ext uri="{FF2B5EF4-FFF2-40B4-BE49-F238E27FC236}">
-                <a16:creationId xmlns:a16="http://schemas.microsoft.com/office/drawing/2014/main" id="{E5CF739B-EDF0-43CE-A87E-C49F040C85A5}"/>
+                <a16:creationId xmlns:a16="http://schemas.microsoft.com/office/drawing/2014/main" xmlns="" id="{E5CF739B-EDF0-43CE-A87E-C49F040C85A5}"/>
               </a:ext>
             </a:extLst>
           </p:cNvPr>
@@ -2497,7 +2497,7 @@
           <p:cNvPr id="2" name="Title 1">
             <a:extLst>
               <a:ext uri="{FF2B5EF4-FFF2-40B4-BE49-F238E27FC236}">
-                <a16:creationId xmlns:a16="http://schemas.microsoft.com/office/drawing/2014/main" id="{0091F49F-E849-4834-84DB-61CF2F2652D4}"/>
+                <a16:creationId xmlns:a16="http://schemas.microsoft.com/office/drawing/2014/main" xmlns="" id="{0091F49F-E849-4834-84DB-61CF2F2652D4}"/>
               </a:ext>
             </a:extLst>
           </p:cNvPr>
@@ -2535,7 +2535,7 @@
           <p:cNvPr id="3" name="Picture Placeholder 2">
             <a:extLst>
               <a:ext uri="{FF2B5EF4-FFF2-40B4-BE49-F238E27FC236}">
-                <a16:creationId xmlns:a16="http://schemas.microsoft.com/office/drawing/2014/main" id="{631D62A9-3420-4F1C-9EB9-09EF85106E78}"/>
+                <a16:creationId xmlns:a16="http://schemas.microsoft.com/office/drawing/2014/main" xmlns="" id="{631D62A9-3420-4F1C-9EB9-09EF85106E78}"/>
               </a:ext>
             </a:extLst>
           </p:cNvPr>
@@ -2602,7 +2602,7 @@
           <p:cNvPr id="4" name="Text Placeholder 3">
             <a:extLst>
               <a:ext uri="{FF2B5EF4-FFF2-40B4-BE49-F238E27FC236}">
-                <a16:creationId xmlns:a16="http://schemas.microsoft.com/office/drawing/2014/main" id="{E450EC8D-D7F4-45FC-AD8C-2E198A32CCA2}"/>
+                <a16:creationId xmlns:a16="http://schemas.microsoft.com/office/drawing/2014/main" xmlns="" id="{E450EC8D-D7F4-45FC-AD8C-2E198A32CCA2}"/>
               </a:ext>
             </a:extLst>
           </p:cNvPr>
@@ -2673,7 +2673,7 @@
           <p:cNvPr id="5" name="Date Placeholder 4">
             <a:extLst>
               <a:ext uri="{FF2B5EF4-FFF2-40B4-BE49-F238E27FC236}">
-                <a16:creationId xmlns:a16="http://schemas.microsoft.com/office/drawing/2014/main" id="{7A73D668-ABF4-41FE-958C-542EEDC5F6CC}"/>
+                <a16:creationId xmlns:a16="http://schemas.microsoft.com/office/drawing/2014/main" xmlns="" id="{7A73D668-ABF4-41FE-958C-542EEDC5F6CC}"/>
               </a:ext>
             </a:extLst>
           </p:cNvPr>
@@ -2691,7 +2691,7 @@
           <a:p>
             <a:fld id="{03EC4E3E-8101-482F-A883-8B55DAFF7C07}" type="datetimeFigureOut">
               <a:rPr lang="en-SG" smtClean="0"/>
-              <a:t>6/7/2018</a:t>
+              <a:t>4/3/19</a:t>
             </a:fld>
             <a:endParaRPr lang="en-SG"/>
           </a:p>
@@ -2702,7 +2702,7 @@
           <p:cNvPr id="6" name="Footer Placeholder 5">
             <a:extLst>
               <a:ext uri="{FF2B5EF4-FFF2-40B4-BE49-F238E27FC236}">
-                <a16:creationId xmlns:a16="http://schemas.microsoft.com/office/drawing/2014/main" id="{F4A83B1C-93E7-4D32-9D1B-3F37403B1ACD}"/>
+                <a16:creationId xmlns:a16="http://schemas.microsoft.com/office/drawing/2014/main" xmlns="" id="{F4A83B1C-93E7-4D32-9D1B-3F37403B1ACD}"/>
               </a:ext>
             </a:extLst>
           </p:cNvPr>
@@ -2727,7 +2727,7 @@
           <p:cNvPr id="7" name="Slide Number Placeholder 6">
             <a:extLst>
               <a:ext uri="{FF2B5EF4-FFF2-40B4-BE49-F238E27FC236}">
-                <a16:creationId xmlns:a16="http://schemas.microsoft.com/office/drawing/2014/main" id="{C6AF73BE-F17B-487B-943B-28655BB51C92}"/>
+                <a16:creationId xmlns:a16="http://schemas.microsoft.com/office/drawing/2014/main" xmlns="" id="{C6AF73BE-F17B-487B-943B-28655BB51C92}"/>
               </a:ext>
             </a:extLst>
           </p:cNvPr>
@@ -2791,7 +2791,7 @@
           <p:cNvPr id="2" name="Title Placeholder 1">
             <a:extLst>
               <a:ext uri="{FF2B5EF4-FFF2-40B4-BE49-F238E27FC236}">
-                <a16:creationId xmlns:a16="http://schemas.microsoft.com/office/drawing/2014/main" id="{96F7127E-5F47-4B37-9FDB-695AB14D9551}"/>
+                <a16:creationId xmlns:a16="http://schemas.microsoft.com/office/drawing/2014/main" xmlns="" id="{96F7127E-5F47-4B37-9FDB-695AB14D9551}"/>
               </a:ext>
             </a:extLst>
           </p:cNvPr>
@@ -2830,7 +2830,7 @@
           <p:cNvPr id="3" name="Text Placeholder 2">
             <a:extLst>
               <a:ext uri="{FF2B5EF4-FFF2-40B4-BE49-F238E27FC236}">
-                <a16:creationId xmlns:a16="http://schemas.microsoft.com/office/drawing/2014/main" id="{3BD20F0F-B303-4EE3-AF17-E303EA90B1A3}"/>
+                <a16:creationId xmlns:a16="http://schemas.microsoft.com/office/drawing/2014/main" xmlns="" id="{3BD20F0F-B303-4EE3-AF17-E303EA90B1A3}"/>
               </a:ext>
             </a:extLst>
           </p:cNvPr>
@@ -2898,7 +2898,7 @@
           <p:cNvPr id="4" name="Date Placeholder 3">
             <a:extLst>
               <a:ext uri="{FF2B5EF4-FFF2-40B4-BE49-F238E27FC236}">
-                <a16:creationId xmlns:a16="http://schemas.microsoft.com/office/drawing/2014/main" id="{7927ADFB-0C7F-4333-A456-815FAB4B0315}"/>
+                <a16:creationId xmlns:a16="http://schemas.microsoft.com/office/drawing/2014/main" xmlns="" id="{7927ADFB-0C7F-4333-A456-815FAB4B0315}"/>
               </a:ext>
             </a:extLst>
           </p:cNvPr>
@@ -2934,7 +2934,7 @@
           <a:p>
             <a:fld id="{03EC4E3E-8101-482F-A883-8B55DAFF7C07}" type="datetimeFigureOut">
               <a:rPr lang="en-SG" smtClean="0"/>
-              <a:t>6/7/2018</a:t>
+              <a:t>4/3/19</a:t>
             </a:fld>
             <a:endParaRPr lang="en-SG"/>
           </a:p>
@@ -2945,7 +2945,7 @@
           <p:cNvPr id="5" name="Footer Placeholder 4">
             <a:extLst>
               <a:ext uri="{FF2B5EF4-FFF2-40B4-BE49-F238E27FC236}">
-                <a16:creationId xmlns:a16="http://schemas.microsoft.com/office/drawing/2014/main" id="{A1992B28-8397-4C93-A277-5EE43A537825}"/>
+                <a16:creationId xmlns:a16="http://schemas.microsoft.com/office/drawing/2014/main" xmlns="" id="{A1992B28-8397-4C93-A277-5EE43A537825}"/>
               </a:ext>
             </a:extLst>
           </p:cNvPr>
@@ -2988,7 +2988,7 @@
           <p:cNvPr id="6" name="Slide Number Placeholder 5">
             <a:extLst>
               <a:ext uri="{FF2B5EF4-FFF2-40B4-BE49-F238E27FC236}">
-                <a16:creationId xmlns:a16="http://schemas.microsoft.com/office/drawing/2014/main" id="{D7231209-A74B-4134-87D0-421AB81BBB47}"/>
+                <a16:creationId xmlns:a16="http://schemas.microsoft.com/office/drawing/2014/main" xmlns="" id="{D7231209-A74B-4134-87D0-421AB81BBB47}"/>
               </a:ext>
             </a:extLst>
           </p:cNvPr>
@@ -3400,7 +3400,7 @@
           <p:cNvPr id="16" name="TextBox 15">
             <a:extLst>
               <a:ext uri="{FF2B5EF4-FFF2-40B4-BE49-F238E27FC236}">
-                <a16:creationId xmlns:a16="http://schemas.microsoft.com/office/drawing/2014/main" id="{3151A13B-9509-43FA-BFEB-1D9866A00B84}"/>
+                <a16:creationId xmlns:a16="http://schemas.microsoft.com/office/drawing/2014/main" xmlns="" id="{3151A13B-9509-43FA-BFEB-1D9866A00B84}"/>
               </a:ext>
             </a:extLst>
           </p:cNvPr>
@@ -3444,7 +3444,7 @@
           <p:cNvPr id="17" name="Table 16">
             <a:extLst>
               <a:ext uri="{FF2B5EF4-FFF2-40B4-BE49-F238E27FC236}">
-                <a16:creationId xmlns:a16="http://schemas.microsoft.com/office/drawing/2014/main" id="{F545FAB8-F1CE-4886-9BDE-E772BCB0A9C4}"/>
+                <a16:creationId xmlns:a16="http://schemas.microsoft.com/office/drawing/2014/main" xmlns="" id="{F545FAB8-F1CE-4886-9BDE-E772BCB0A9C4}"/>
               </a:ext>
             </a:extLst>
           </p:cNvPr>
@@ -3454,7 +3454,7 @@
           <p:nvPr>
             <p:extLst>
               <p:ext uri="{D42A27DB-BD31-4B8C-83A1-F6EECF244321}">
-                <p14:modId xmlns:p14="http://schemas.microsoft.com/office/powerpoint/2010/main" val="2776987765"/>
+                <p14:modId xmlns:p14="http://schemas.microsoft.com/office/powerpoint/2010/main" val="959799646"/>
               </p:ext>
             </p:extLst>
           </p:nvPr>
@@ -3473,7 +3473,7 @@
                 <a:gridCol w="1825597">
                   <a:extLst>
                     <a:ext uri="{9D8B030D-6E8A-4147-A177-3AD203B41FA5}">
-                      <a16:colId xmlns:a16="http://schemas.microsoft.com/office/drawing/2014/main" val="4240773277"/>
+                      <a16:colId xmlns:a16="http://schemas.microsoft.com/office/drawing/2014/main" xmlns="" val="4240773277"/>
                     </a:ext>
                   </a:extLst>
                 </a:gridCol>
@@ -3485,12 +3485,12 @@
                     <a:lstStyle/>
                     <a:p>
                       <a:r>
-                        <a:rPr lang="en-SG" u="sng" dirty="0"/>
-                        <a:t>ab0:</a:t>
+                        <a:rPr lang="en-SG" u="sng" dirty="0" smtClean="0"/>
+                        <a:t>b0:</a:t>
                       </a:r>
                       <a:r>
-                        <a:rPr lang="en-SG" sz="1800" u="sng" dirty="0"/>
-                        <a:t>AddressBook</a:t>
+                        <a:rPr lang="en-SG" sz="1800" u="sng" dirty="0" smtClean="0"/>
+                        <a:t>BookList</a:t>
                       </a:r>
                       <a:endParaRPr lang="en-SG" sz="1600" u="sng" dirty="0"/>
                     </a:p>
@@ -3499,7 +3499,7 @@
                 </a:tc>
                 <a:extLst>
                   <a:ext uri="{0D108BD9-81ED-4DB2-BD59-A6C34878D82A}">
-                    <a16:rowId xmlns:a16="http://schemas.microsoft.com/office/drawing/2014/main" val="2194462629"/>
+                    <a16:rowId xmlns:a16="http://schemas.microsoft.com/office/drawing/2014/main" xmlns="" val="2194462629"/>
                   </a:ext>
                 </a:extLst>
               </a:tr>
@@ -3558,7 +3558,7 @@
           <p:cNvPr id="21" name="TextBox 20">
             <a:extLst>
               <a:ext uri="{FF2B5EF4-FFF2-40B4-BE49-F238E27FC236}">
-                <a16:creationId xmlns:a16="http://schemas.microsoft.com/office/drawing/2014/main" id="{3151A13B-9509-43FA-BFEB-1D9866A00B84}"/>
+                <a16:creationId xmlns:a16="http://schemas.microsoft.com/office/drawing/2014/main" xmlns="" id="{3151A13B-9509-43FA-BFEB-1D9866A00B84}"/>
               </a:ext>
             </a:extLst>
           </p:cNvPr>
@@ -3648,7 +3648,7 @@
           <p:cNvPr id="15" name="Table 14">
             <a:extLst>
               <a:ext uri="{FF2B5EF4-FFF2-40B4-BE49-F238E27FC236}">
-                <a16:creationId xmlns:a16="http://schemas.microsoft.com/office/drawing/2014/main" id="{F545FAB8-F1CE-4886-9BDE-E772BCB0A9C4}"/>
+                <a16:creationId xmlns:a16="http://schemas.microsoft.com/office/drawing/2014/main" xmlns="" id="{F545FAB8-F1CE-4886-9BDE-E772BCB0A9C4}"/>
               </a:ext>
             </a:extLst>
           </p:cNvPr>
@@ -3658,7 +3658,7 @@
           <p:nvPr>
             <p:extLst>
               <p:ext uri="{D42A27DB-BD31-4B8C-83A1-F6EECF244321}">
-                <p14:modId xmlns:p14="http://schemas.microsoft.com/office/powerpoint/2010/main" val="1878903007"/>
+                <p14:modId xmlns:p14="http://schemas.microsoft.com/office/powerpoint/2010/main" val="1258575289"/>
               </p:ext>
             </p:extLst>
           </p:nvPr>
@@ -3677,7 +3677,7 @@
                 <a:gridCol w="1825597">
                   <a:extLst>
                     <a:ext uri="{9D8B030D-6E8A-4147-A177-3AD203B41FA5}">
-                      <a16:colId xmlns:a16="http://schemas.microsoft.com/office/drawing/2014/main" val="4240773277"/>
+                      <a16:colId xmlns:a16="http://schemas.microsoft.com/office/drawing/2014/main" xmlns="" val="4240773277"/>
                     </a:ext>
                   </a:extLst>
                 </a:gridCol>
@@ -3689,12 +3689,12 @@
                     <a:lstStyle/>
                     <a:p>
                       <a:r>
-                        <a:rPr lang="en-SG" u="sng" dirty="0"/>
-                        <a:t>ab2:</a:t>
+                        <a:rPr lang="en-SG" u="sng" dirty="0" smtClean="0"/>
+                        <a:t>b2:</a:t>
                       </a:r>
                       <a:r>
-                        <a:rPr lang="en-SG" sz="1800" u="sng" dirty="0"/>
-                        <a:t>AddressBook</a:t>
+                        <a:rPr lang="en-SG" sz="1800" u="sng" dirty="0" smtClean="0"/>
+                        <a:t>BookList</a:t>
                       </a:r>
                       <a:endParaRPr lang="en-SG" sz="1600" u="sng" dirty="0"/>
                     </a:p>
@@ -3703,7 +3703,7 @@
                 </a:tc>
                 <a:extLst>
                   <a:ext uri="{0D108BD9-81ED-4DB2-BD59-A6C34878D82A}">
-                    <a16:rowId xmlns:a16="http://schemas.microsoft.com/office/drawing/2014/main" val="2194462629"/>
+                    <a16:rowId xmlns:a16="http://schemas.microsoft.com/office/drawing/2014/main" xmlns="" val="2194462629"/>
                   </a:ext>
                 </a:extLst>
               </a:tr>
@@ -3716,7 +3716,7 @@
           <p:cNvPr id="28" name="Table 27">
             <a:extLst>
               <a:ext uri="{FF2B5EF4-FFF2-40B4-BE49-F238E27FC236}">
-                <a16:creationId xmlns:a16="http://schemas.microsoft.com/office/drawing/2014/main" id="{F545FAB8-F1CE-4886-9BDE-E772BCB0A9C4}"/>
+                <a16:creationId xmlns:a16="http://schemas.microsoft.com/office/drawing/2014/main" xmlns="" id="{F545FAB8-F1CE-4886-9BDE-E772BCB0A9C4}"/>
               </a:ext>
             </a:extLst>
           </p:cNvPr>
@@ -3726,7 +3726,7 @@
           <p:nvPr>
             <p:extLst>
               <p:ext uri="{D42A27DB-BD31-4B8C-83A1-F6EECF244321}">
-                <p14:modId xmlns:p14="http://schemas.microsoft.com/office/powerpoint/2010/main" val="547626409"/>
+                <p14:modId xmlns:p14="http://schemas.microsoft.com/office/powerpoint/2010/main" val="2006712472"/>
               </p:ext>
             </p:extLst>
           </p:nvPr>
@@ -3745,7 +3745,7 @@
                 <a:gridCol w="1825597">
                   <a:extLst>
                     <a:ext uri="{9D8B030D-6E8A-4147-A177-3AD203B41FA5}">
-                      <a16:colId xmlns:a16="http://schemas.microsoft.com/office/drawing/2014/main" val="4240773277"/>
+                      <a16:colId xmlns:a16="http://schemas.microsoft.com/office/drawing/2014/main" xmlns="" val="4240773277"/>
                     </a:ext>
                   </a:extLst>
                 </a:gridCol>
@@ -3757,12 +3757,12 @@
                     <a:lstStyle/>
                     <a:p>
                       <a:r>
-                        <a:rPr lang="en-SG" u="sng" dirty="0"/>
-                        <a:t>ab1:</a:t>
+                        <a:rPr lang="en-SG" u="sng" dirty="0" smtClean="0"/>
+                        <a:t>b1:</a:t>
                       </a:r>
                       <a:r>
-                        <a:rPr lang="en-SG" sz="1800" u="sng" dirty="0"/>
-                        <a:t>AddressBook</a:t>
+                        <a:rPr lang="en-SG" sz="1800" u="sng" dirty="0" smtClean="0"/>
+                        <a:t>BookList</a:t>
                       </a:r>
                       <a:endParaRPr lang="en-SG" sz="1600" u="sng" dirty="0"/>
                     </a:p>
@@ -3771,7 +3771,7 @@
                 </a:tc>
                 <a:extLst>
                   <a:ext uri="{0D108BD9-81ED-4DB2-BD59-A6C34878D82A}">
-                    <a16:rowId xmlns:a16="http://schemas.microsoft.com/office/drawing/2014/main" val="2194462629"/>
+                    <a16:rowId xmlns:a16="http://schemas.microsoft.com/office/drawing/2014/main" xmlns="" val="2194462629"/>
                   </a:ext>
                 </a:extLst>
               </a:tr>
@@ -3784,7 +3784,7 @@
           <p:cNvPr id="29" name="Table 28">
             <a:extLst>
               <a:ext uri="{FF2B5EF4-FFF2-40B4-BE49-F238E27FC236}">
-                <a16:creationId xmlns:a16="http://schemas.microsoft.com/office/drawing/2014/main" id="{F545FAB8-F1CE-4886-9BDE-E772BCB0A9C4}"/>
+                <a16:creationId xmlns:a16="http://schemas.microsoft.com/office/drawing/2014/main" xmlns="" id="{F545FAB8-F1CE-4886-9BDE-E772BCB0A9C4}"/>
               </a:ext>
             </a:extLst>
           </p:cNvPr>
@@ -3794,7 +3794,7 @@
           <p:nvPr>
             <p:extLst>
               <p:ext uri="{D42A27DB-BD31-4B8C-83A1-F6EECF244321}">
-                <p14:modId xmlns:p14="http://schemas.microsoft.com/office/powerpoint/2010/main" val="1824208515"/>
+                <p14:modId xmlns:p14="http://schemas.microsoft.com/office/powerpoint/2010/main" val="921213238"/>
               </p:ext>
             </p:extLst>
           </p:nvPr>
@@ -3813,7 +3813,7 @@
                 <a:gridCol w="1825597">
                   <a:extLst>
                     <a:ext uri="{9D8B030D-6E8A-4147-A177-3AD203B41FA5}">
-                      <a16:colId xmlns:a16="http://schemas.microsoft.com/office/drawing/2014/main" val="4240773277"/>
+                      <a16:colId xmlns:a16="http://schemas.microsoft.com/office/drawing/2014/main" xmlns="" val="4240773277"/>
                     </a:ext>
                   </a:extLst>
                 </a:gridCol>
@@ -3825,12 +3825,12 @@
                     <a:lstStyle/>
                     <a:p>
                       <a:r>
-                        <a:rPr lang="en-SG" u="sng" dirty="0"/>
-                        <a:t>ab0:</a:t>
+                        <a:rPr lang="en-SG" u="sng" dirty="0" smtClean="0"/>
+                        <a:t>b0:</a:t>
                       </a:r>
                       <a:r>
-                        <a:rPr lang="en-SG" sz="1800" u="sng" dirty="0"/>
-                        <a:t>AddressBook</a:t>
+                        <a:rPr lang="en-SG" sz="1800" u="sng" dirty="0" smtClean="0"/>
+                        <a:t>BookList</a:t>
                       </a:r>
                       <a:endParaRPr lang="en-SG" sz="1600" u="sng" dirty="0"/>
                     </a:p>
@@ -3839,7 +3839,7 @@
                 </a:tc>
                 <a:extLst>
                   <a:ext uri="{0D108BD9-81ED-4DB2-BD59-A6C34878D82A}">
-                    <a16:rowId xmlns:a16="http://schemas.microsoft.com/office/drawing/2014/main" val="2194462629"/>
+                    <a16:rowId xmlns:a16="http://schemas.microsoft.com/office/drawing/2014/main" xmlns="" val="2194462629"/>
                   </a:ext>
                 </a:extLst>
               </a:tr>
@@ -3852,7 +3852,7 @@
           <p:cNvPr id="30" name="Table 29">
             <a:extLst>
               <a:ext uri="{FF2B5EF4-FFF2-40B4-BE49-F238E27FC236}">
-                <a16:creationId xmlns:a16="http://schemas.microsoft.com/office/drawing/2014/main" id="{F545FAB8-F1CE-4886-9BDE-E772BCB0A9C4}"/>
+                <a16:creationId xmlns:a16="http://schemas.microsoft.com/office/drawing/2014/main" xmlns="" id="{F545FAB8-F1CE-4886-9BDE-E772BCB0A9C4}"/>
               </a:ext>
             </a:extLst>
           </p:cNvPr>
@@ -3862,7 +3862,7 @@
           <p:nvPr>
             <p:extLst>
               <p:ext uri="{D42A27DB-BD31-4B8C-83A1-F6EECF244321}">
-                <p14:modId xmlns:p14="http://schemas.microsoft.com/office/powerpoint/2010/main" val="1414922247"/>
+                <p14:modId xmlns:p14="http://schemas.microsoft.com/office/powerpoint/2010/main" val="2107032426"/>
               </p:ext>
             </p:extLst>
           </p:nvPr>
@@ -3881,7 +3881,7 @@
                 <a:gridCol w="1825597">
                   <a:extLst>
                     <a:ext uri="{9D8B030D-6E8A-4147-A177-3AD203B41FA5}">
-                      <a16:colId xmlns:a16="http://schemas.microsoft.com/office/drawing/2014/main" val="4240773277"/>
+                      <a16:colId xmlns:a16="http://schemas.microsoft.com/office/drawing/2014/main" xmlns="" val="4240773277"/>
                     </a:ext>
                   </a:extLst>
                 </a:gridCol>
@@ -3893,12 +3893,12 @@
                     <a:lstStyle/>
                     <a:p>
                       <a:r>
-                        <a:rPr lang="en-SG" u="sng" dirty="0"/>
-                        <a:t>ab2:</a:t>
+                        <a:rPr lang="en-SG" u="sng" dirty="0" smtClean="0"/>
+                        <a:t>b2:</a:t>
                       </a:r>
                       <a:r>
-                        <a:rPr lang="en-SG" sz="1800" u="sng" dirty="0"/>
-                        <a:t>AddressBook</a:t>
+                        <a:rPr lang="en-SG" sz="1800" u="sng" dirty="0" smtClean="0"/>
+                        <a:t>BookList</a:t>
                       </a:r>
                       <a:endParaRPr lang="en-SG" sz="1600" u="sng" dirty="0"/>
                     </a:p>
@@ -3907,7 +3907,7 @@
                 </a:tc>
                 <a:extLst>
                   <a:ext uri="{0D108BD9-81ED-4DB2-BD59-A6C34878D82A}">
-                    <a16:rowId xmlns:a16="http://schemas.microsoft.com/office/drawing/2014/main" val="2194462629"/>
+                    <a16:rowId xmlns:a16="http://schemas.microsoft.com/office/drawing/2014/main" xmlns="" val="2194462629"/>
                   </a:ext>
                 </a:extLst>
               </a:tr>
@@ -3920,7 +3920,7 @@
           <p:cNvPr id="31" name="Table 30">
             <a:extLst>
               <a:ext uri="{FF2B5EF4-FFF2-40B4-BE49-F238E27FC236}">
-                <a16:creationId xmlns:a16="http://schemas.microsoft.com/office/drawing/2014/main" id="{F545FAB8-F1CE-4886-9BDE-E772BCB0A9C4}"/>
+                <a16:creationId xmlns:a16="http://schemas.microsoft.com/office/drawing/2014/main" xmlns="" id="{F545FAB8-F1CE-4886-9BDE-E772BCB0A9C4}"/>
               </a:ext>
             </a:extLst>
           </p:cNvPr>
@@ -3930,7 +3930,7 @@
           <p:nvPr>
             <p:extLst>
               <p:ext uri="{D42A27DB-BD31-4B8C-83A1-F6EECF244321}">
-                <p14:modId xmlns:p14="http://schemas.microsoft.com/office/powerpoint/2010/main" val="1703544754"/>
+                <p14:modId xmlns:p14="http://schemas.microsoft.com/office/powerpoint/2010/main" val="1281247712"/>
               </p:ext>
             </p:extLst>
           </p:nvPr>
@@ -3949,7 +3949,7 @@
                 <a:gridCol w="1825597">
                   <a:extLst>
                     <a:ext uri="{9D8B030D-6E8A-4147-A177-3AD203B41FA5}">
-                      <a16:colId xmlns:a16="http://schemas.microsoft.com/office/drawing/2014/main" val="4240773277"/>
+                      <a16:colId xmlns:a16="http://schemas.microsoft.com/office/drawing/2014/main" xmlns="" val="4240773277"/>
                     </a:ext>
                   </a:extLst>
                 </a:gridCol>
@@ -3961,12 +3961,12 @@
                     <a:lstStyle/>
                     <a:p>
                       <a:r>
-                        <a:rPr lang="en-SG" u="sng" dirty="0"/>
-                        <a:t>ab1:</a:t>
+                        <a:rPr lang="en-SG" u="sng" dirty="0" smtClean="0"/>
+                        <a:t>b1:</a:t>
                       </a:r>
                       <a:r>
-                        <a:rPr lang="en-SG" sz="1800" u="sng" dirty="0"/>
-                        <a:t>AddressBook</a:t>
+                        <a:rPr lang="en-SG" sz="1800" u="sng" dirty="0" smtClean="0"/>
+                        <a:t>BookList</a:t>
                       </a:r>
                       <a:endParaRPr lang="en-SG" sz="1600" u="sng" dirty="0"/>
                     </a:p>
@@ -3975,7 +3975,7 @@
                 </a:tc>
                 <a:extLst>
                   <a:ext uri="{0D108BD9-81ED-4DB2-BD59-A6C34878D82A}">
-                    <a16:rowId xmlns:a16="http://schemas.microsoft.com/office/drawing/2014/main" val="2194462629"/>
+                    <a16:rowId xmlns:a16="http://schemas.microsoft.com/office/drawing/2014/main" xmlns="" val="2194462629"/>
                   </a:ext>
                 </a:extLst>
               </a:tr>
@@ -3988,7 +3988,7 @@
           <p:cNvPr id="18" name="Straight Arrow Connector 17">
             <a:extLst>
               <a:ext uri="{FF2B5EF4-FFF2-40B4-BE49-F238E27FC236}">
-                <a16:creationId xmlns:a16="http://schemas.microsoft.com/office/drawing/2014/main" id="{2C7E497F-B97D-46E2-8C9C-D52263C33E33}"/>
+                <a16:creationId xmlns:a16="http://schemas.microsoft.com/office/drawing/2014/main" xmlns="" id="{2C7E497F-B97D-46E2-8C9C-D52263C33E33}"/>
               </a:ext>
             </a:extLst>
           </p:cNvPr>
@@ -4032,7 +4032,7 @@
           <p:cNvPr id="22" name="Straight Arrow Connector 21">
             <a:extLst>
               <a:ext uri="{FF2B5EF4-FFF2-40B4-BE49-F238E27FC236}">
-                <a16:creationId xmlns:a16="http://schemas.microsoft.com/office/drawing/2014/main" id="{D9B8CDF7-0D47-4F21-BF2D-957E827A9877}"/>
+                <a16:creationId xmlns:a16="http://schemas.microsoft.com/office/drawing/2014/main" xmlns="" id="{D9B8CDF7-0D47-4F21-BF2D-957E827A9877}"/>
               </a:ext>
             </a:extLst>
           </p:cNvPr>

--- a/docs/diagrams/UndoRedoNewCommand3StateListDiagram.pptx
+++ b/docs/diagrams/UndoRedoNewCommand3StateListDiagram.pptx
@@ -265,7 +265,7 @@
           <a:p>
             <a:fld id="{03EC4E3E-8101-482F-A883-8B55DAFF7C07}" type="datetimeFigureOut">
               <a:rPr lang="en-SG" smtClean="0"/>
-              <a:t>4/3/19</a:t>
+              <a:t>5/3/19</a:t>
             </a:fld>
             <a:endParaRPr lang="en-SG"/>
           </a:p>
@@ -465,7 +465,7 @@
           <a:p>
             <a:fld id="{03EC4E3E-8101-482F-A883-8B55DAFF7C07}" type="datetimeFigureOut">
               <a:rPr lang="en-SG" smtClean="0"/>
-              <a:t>4/3/19</a:t>
+              <a:t>5/3/19</a:t>
             </a:fld>
             <a:endParaRPr lang="en-SG"/>
           </a:p>
@@ -675,7 +675,7 @@
           <a:p>
             <a:fld id="{03EC4E3E-8101-482F-A883-8B55DAFF7C07}" type="datetimeFigureOut">
               <a:rPr lang="en-SG" smtClean="0"/>
-              <a:t>4/3/19</a:t>
+              <a:t>5/3/19</a:t>
             </a:fld>
             <a:endParaRPr lang="en-SG"/>
           </a:p>
@@ -875,7 +875,7 @@
           <a:p>
             <a:fld id="{03EC4E3E-8101-482F-A883-8B55DAFF7C07}" type="datetimeFigureOut">
               <a:rPr lang="en-SG" smtClean="0"/>
-              <a:t>4/3/19</a:t>
+              <a:t>5/3/19</a:t>
             </a:fld>
             <a:endParaRPr lang="en-SG"/>
           </a:p>
@@ -1151,7 +1151,7 @@
           <a:p>
             <a:fld id="{03EC4E3E-8101-482F-A883-8B55DAFF7C07}" type="datetimeFigureOut">
               <a:rPr lang="en-SG" smtClean="0"/>
-              <a:t>4/3/19</a:t>
+              <a:t>5/3/19</a:t>
             </a:fld>
             <a:endParaRPr lang="en-SG"/>
           </a:p>
@@ -1419,7 +1419,7 @@
           <a:p>
             <a:fld id="{03EC4E3E-8101-482F-A883-8B55DAFF7C07}" type="datetimeFigureOut">
               <a:rPr lang="en-SG" smtClean="0"/>
-              <a:t>4/3/19</a:t>
+              <a:t>5/3/19</a:t>
             </a:fld>
             <a:endParaRPr lang="en-SG"/>
           </a:p>
@@ -1834,7 +1834,7 @@
           <a:p>
             <a:fld id="{03EC4E3E-8101-482F-A883-8B55DAFF7C07}" type="datetimeFigureOut">
               <a:rPr lang="en-SG" smtClean="0"/>
-              <a:t>4/3/19</a:t>
+              <a:t>5/3/19</a:t>
             </a:fld>
             <a:endParaRPr lang="en-SG"/>
           </a:p>
@@ -1976,7 +1976,7 @@
           <a:p>
             <a:fld id="{03EC4E3E-8101-482F-A883-8B55DAFF7C07}" type="datetimeFigureOut">
               <a:rPr lang="en-SG" smtClean="0"/>
-              <a:t>4/3/19</a:t>
+              <a:t>5/3/19</a:t>
             </a:fld>
             <a:endParaRPr lang="en-SG"/>
           </a:p>
@@ -2089,7 +2089,7 @@
           <a:p>
             <a:fld id="{03EC4E3E-8101-482F-A883-8B55DAFF7C07}" type="datetimeFigureOut">
               <a:rPr lang="en-SG" smtClean="0"/>
-              <a:t>4/3/19</a:t>
+              <a:t>5/3/19</a:t>
             </a:fld>
             <a:endParaRPr lang="en-SG"/>
           </a:p>
@@ -2402,7 +2402,7 @@
           <a:p>
             <a:fld id="{03EC4E3E-8101-482F-A883-8B55DAFF7C07}" type="datetimeFigureOut">
               <a:rPr lang="en-SG" smtClean="0"/>
-              <a:t>4/3/19</a:t>
+              <a:t>5/3/19</a:t>
             </a:fld>
             <a:endParaRPr lang="en-SG"/>
           </a:p>
@@ -2691,7 +2691,7 @@
           <a:p>
             <a:fld id="{03EC4E3E-8101-482F-A883-8B55DAFF7C07}" type="datetimeFigureOut">
               <a:rPr lang="en-SG" smtClean="0"/>
-              <a:t>4/3/19</a:t>
+              <a:t>5/3/19</a:t>
             </a:fld>
             <a:endParaRPr lang="en-SG"/>
           </a:p>
@@ -2934,7 +2934,7 @@
           <a:p>
             <a:fld id="{03EC4E3E-8101-482F-A883-8B55DAFF7C07}" type="datetimeFigureOut">
               <a:rPr lang="en-SG" smtClean="0"/>
-              <a:t>4/3/19</a:t>
+              <a:t>5/3/19</a:t>
             </a:fld>
             <a:endParaRPr lang="en-SG"/>
           </a:p>
@@ -3454,7 +3454,7 @@
           <p:nvPr>
             <p:extLst>
               <p:ext uri="{D42A27DB-BD31-4B8C-83A1-F6EECF244321}">
-                <p14:modId xmlns:p14="http://schemas.microsoft.com/office/powerpoint/2010/main" val="959799646"/>
+                <p14:modId xmlns:p14="http://schemas.microsoft.com/office/powerpoint/2010/main" val="592875761"/>
               </p:ext>
             </p:extLst>
           </p:nvPr>
@@ -3490,7 +3490,7 @@
                       </a:r>
                       <a:r>
                         <a:rPr lang="en-SG" sz="1800" u="sng" dirty="0" smtClean="0"/>
-                        <a:t>BookList</a:t>
+                        <a:t>BookShelf</a:t>
                       </a:r>
                       <a:endParaRPr lang="en-SG" sz="1600" u="sng" dirty="0"/>
                     </a:p>
@@ -3658,7 +3658,7 @@
           <p:nvPr>
             <p:extLst>
               <p:ext uri="{D42A27DB-BD31-4B8C-83A1-F6EECF244321}">
-                <p14:modId xmlns:p14="http://schemas.microsoft.com/office/powerpoint/2010/main" val="1258575289"/>
+                <p14:modId xmlns:p14="http://schemas.microsoft.com/office/powerpoint/2010/main" val="2020775895"/>
               </p:ext>
             </p:extLst>
           </p:nvPr>
@@ -3694,7 +3694,7 @@
                       </a:r>
                       <a:r>
                         <a:rPr lang="en-SG" sz="1800" u="sng" dirty="0" smtClean="0"/>
-                        <a:t>BookList</a:t>
+                        <a:t>BookShelf</a:t>
                       </a:r>
                       <a:endParaRPr lang="en-SG" sz="1600" u="sng" dirty="0"/>
                     </a:p>
@@ -3726,7 +3726,7 @@
           <p:nvPr>
             <p:extLst>
               <p:ext uri="{D42A27DB-BD31-4B8C-83A1-F6EECF244321}">
-                <p14:modId xmlns:p14="http://schemas.microsoft.com/office/powerpoint/2010/main" val="2006712472"/>
+                <p14:modId xmlns:p14="http://schemas.microsoft.com/office/powerpoint/2010/main" val="1372492020"/>
               </p:ext>
             </p:extLst>
           </p:nvPr>
@@ -3762,7 +3762,7 @@
                       </a:r>
                       <a:r>
                         <a:rPr lang="en-SG" sz="1800" u="sng" dirty="0" smtClean="0"/>
-                        <a:t>BookList</a:t>
+                        <a:t>BookShelf</a:t>
                       </a:r>
                       <a:endParaRPr lang="en-SG" sz="1600" u="sng" dirty="0"/>
                     </a:p>
@@ -3794,7 +3794,7 @@
           <p:nvPr>
             <p:extLst>
               <p:ext uri="{D42A27DB-BD31-4B8C-83A1-F6EECF244321}">
-                <p14:modId xmlns:p14="http://schemas.microsoft.com/office/powerpoint/2010/main" val="921213238"/>
+                <p14:modId xmlns:p14="http://schemas.microsoft.com/office/powerpoint/2010/main" val="1019546191"/>
               </p:ext>
             </p:extLst>
           </p:nvPr>
@@ -3830,7 +3830,7 @@
                       </a:r>
                       <a:r>
                         <a:rPr lang="en-SG" sz="1800" u="sng" dirty="0" smtClean="0"/>
-                        <a:t>BookList</a:t>
+                        <a:t>BookShelf</a:t>
                       </a:r>
                       <a:endParaRPr lang="en-SG" sz="1600" u="sng" dirty="0"/>
                     </a:p>
@@ -3862,7 +3862,7 @@
           <p:nvPr>
             <p:extLst>
               <p:ext uri="{D42A27DB-BD31-4B8C-83A1-F6EECF244321}">
-                <p14:modId xmlns:p14="http://schemas.microsoft.com/office/powerpoint/2010/main" val="2107032426"/>
+                <p14:modId xmlns:p14="http://schemas.microsoft.com/office/powerpoint/2010/main" val="1470858514"/>
               </p:ext>
             </p:extLst>
           </p:nvPr>
@@ -3893,12 +3893,12 @@
                     <a:lstStyle/>
                     <a:p>
                       <a:r>
-                        <a:rPr lang="en-SG" u="sng" dirty="0" smtClean="0"/>
+                        <a:rPr lang="en-SG" u="sng" smtClean="0"/>
                         <a:t>b2:</a:t>
                       </a:r>
                       <a:r>
-                        <a:rPr lang="en-SG" sz="1800" u="sng" dirty="0" smtClean="0"/>
-                        <a:t>BookList</a:t>
+                        <a:rPr lang="en-SG" sz="1800" u="sng" smtClean="0"/>
+                        <a:t>BookShelf</a:t>
                       </a:r>
                       <a:endParaRPr lang="en-SG" sz="1600" u="sng" dirty="0"/>
                     </a:p>
@@ -3930,7 +3930,7 @@
           <p:nvPr>
             <p:extLst>
               <p:ext uri="{D42A27DB-BD31-4B8C-83A1-F6EECF244321}">
-                <p14:modId xmlns:p14="http://schemas.microsoft.com/office/powerpoint/2010/main" val="1281247712"/>
+                <p14:modId xmlns:p14="http://schemas.microsoft.com/office/powerpoint/2010/main" val="1273822501"/>
               </p:ext>
             </p:extLst>
           </p:nvPr>
@@ -3966,7 +3966,7 @@
                       </a:r>
                       <a:r>
                         <a:rPr lang="en-SG" sz="1800" u="sng" dirty="0" smtClean="0"/>
-                        <a:t>BookList</a:t>
+                        <a:t>BookShelf</a:t>
                       </a:r>
                       <a:endParaRPr lang="en-SG" sz="1600" u="sng" dirty="0"/>
                     </a:p>

--- a/docs/diagrams/UndoRedoNewCommand3StateListDiagram.pptx
+++ b/docs/diagrams/UndoRedoNewCommand3StateListDiagram.pptx
@@ -138,7 +138,7 @@
           <p:cNvPr id="2" name="Title 1">
             <a:extLst>
               <a:ext uri="{FF2B5EF4-FFF2-40B4-BE49-F238E27FC236}">
-                <a16:creationId xmlns:a16="http://schemas.microsoft.com/office/drawing/2014/main" xmlns="" id="{39FCC519-EE2E-4054-A653-93D611E0133E}"/>
+                <a16:creationId xmlns="" xmlns:a16="http://schemas.microsoft.com/office/drawing/2014/main" id="{39FCC519-EE2E-4054-A653-93D611E0133E}"/>
               </a:ext>
             </a:extLst>
           </p:cNvPr>
@@ -176,7 +176,7 @@
           <p:cNvPr id="3" name="Subtitle 2">
             <a:extLst>
               <a:ext uri="{FF2B5EF4-FFF2-40B4-BE49-F238E27FC236}">
-                <a16:creationId xmlns:a16="http://schemas.microsoft.com/office/drawing/2014/main" xmlns="" id="{3EDEA74E-4030-4F69-A055-4C6319EEEC29}"/>
+                <a16:creationId xmlns="" xmlns:a16="http://schemas.microsoft.com/office/drawing/2014/main" id="{3EDEA74E-4030-4F69-A055-4C6319EEEC29}"/>
               </a:ext>
             </a:extLst>
           </p:cNvPr>
@@ -247,7 +247,7 @@
           <p:cNvPr id="4" name="Date Placeholder 3">
             <a:extLst>
               <a:ext uri="{FF2B5EF4-FFF2-40B4-BE49-F238E27FC236}">
-                <a16:creationId xmlns:a16="http://schemas.microsoft.com/office/drawing/2014/main" xmlns="" id="{E5CC99E3-37A6-4485-B9A2-AF27A72608C6}"/>
+                <a16:creationId xmlns="" xmlns:a16="http://schemas.microsoft.com/office/drawing/2014/main" id="{E5CC99E3-37A6-4485-B9A2-AF27A72608C6}"/>
               </a:ext>
             </a:extLst>
           </p:cNvPr>
@@ -276,7 +276,7 @@
           <p:cNvPr id="5" name="Footer Placeholder 4">
             <a:extLst>
               <a:ext uri="{FF2B5EF4-FFF2-40B4-BE49-F238E27FC236}">
-                <a16:creationId xmlns:a16="http://schemas.microsoft.com/office/drawing/2014/main" xmlns="" id="{D75BD546-D949-4A25-8EA4-47DF23229409}"/>
+                <a16:creationId xmlns="" xmlns:a16="http://schemas.microsoft.com/office/drawing/2014/main" id="{D75BD546-D949-4A25-8EA4-47DF23229409}"/>
               </a:ext>
             </a:extLst>
           </p:cNvPr>
@@ -301,7 +301,7 @@
           <p:cNvPr id="6" name="Slide Number Placeholder 5">
             <a:extLst>
               <a:ext uri="{FF2B5EF4-FFF2-40B4-BE49-F238E27FC236}">
-                <a16:creationId xmlns:a16="http://schemas.microsoft.com/office/drawing/2014/main" xmlns="" id="{68147391-4DF6-4ACF-BCE9-C1A9DAC803E3}"/>
+                <a16:creationId xmlns="" xmlns:a16="http://schemas.microsoft.com/office/drawing/2014/main" id="{68147391-4DF6-4ACF-BCE9-C1A9DAC803E3}"/>
               </a:ext>
             </a:extLst>
           </p:cNvPr>
@@ -360,7 +360,7 @@
           <p:cNvPr id="2" name="Title 1">
             <a:extLst>
               <a:ext uri="{FF2B5EF4-FFF2-40B4-BE49-F238E27FC236}">
-                <a16:creationId xmlns:a16="http://schemas.microsoft.com/office/drawing/2014/main" xmlns="" id="{251D3DFE-0C62-45F5-B1BF-FD1F194ED112}"/>
+                <a16:creationId xmlns="" xmlns:a16="http://schemas.microsoft.com/office/drawing/2014/main" id="{251D3DFE-0C62-45F5-B1BF-FD1F194ED112}"/>
               </a:ext>
             </a:extLst>
           </p:cNvPr>
@@ -389,7 +389,7 @@
           <p:cNvPr id="3" name="Vertical Text Placeholder 2">
             <a:extLst>
               <a:ext uri="{FF2B5EF4-FFF2-40B4-BE49-F238E27FC236}">
-                <a16:creationId xmlns:a16="http://schemas.microsoft.com/office/drawing/2014/main" xmlns="" id="{D2392762-3586-4B6D-A174-2D3ACF0A125B}"/>
+                <a16:creationId xmlns="" xmlns:a16="http://schemas.microsoft.com/office/drawing/2014/main" id="{D2392762-3586-4B6D-A174-2D3ACF0A125B}"/>
               </a:ext>
             </a:extLst>
           </p:cNvPr>
@@ -447,7 +447,7 @@
           <p:cNvPr id="4" name="Date Placeholder 3">
             <a:extLst>
               <a:ext uri="{FF2B5EF4-FFF2-40B4-BE49-F238E27FC236}">
-                <a16:creationId xmlns:a16="http://schemas.microsoft.com/office/drawing/2014/main" xmlns="" id="{73B232E7-84FB-4535-9FC1-1BEF8F17421F}"/>
+                <a16:creationId xmlns="" xmlns:a16="http://schemas.microsoft.com/office/drawing/2014/main" id="{73B232E7-84FB-4535-9FC1-1BEF8F17421F}"/>
               </a:ext>
             </a:extLst>
           </p:cNvPr>
@@ -476,7 +476,7 @@
           <p:cNvPr id="5" name="Footer Placeholder 4">
             <a:extLst>
               <a:ext uri="{FF2B5EF4-FFF2-40B4-BE49-F238E27FC236}">
-                <a16:creationId xmlns:a16="http://schemas.microsoft.com/office/drawing/2014/main" xmlns="" id="{76F796EF-04EF-401A-AC84-F7BDBC99DE80}"/>
+                <a16:creationId xmlns="" xmlns:a16="http://schemas.microsoft.com/office/drawing/2014/main" id="{76F796EF-04EF-401A-AC84-F7BDBC99DE80}"/>
               </a:ext>
             </a:extLst>
           </p:cNvPr>
@@ -501,7 +501,7 @@
           <p:cNvPr id="6" name="Slide Number Placeholder 5">
             <a:extLst>
               <a:ext uri="{FF2B5EF4-FFF2-40B4-BE49-F238E27FC236}">
-                <a16:creationId xmlns:a16="http://schemas.microsoft.com/office/drawing/2014/main" xmlns="" id="{8F55F009-0A64-4649-A732-4AA6D619F1F3}"/>
+                <a16:creationId xmlns="" xmlns:a16="http://schemas.microsoft.com/office/drawing/2014/main" id="{8F55F009-0A64-4649-A732-4AA6D619F1F3}"/>
               </a:ext>
             </a:extLst>
           </p:cNvPr>
@@ -560,7 +560,7 @@
           <p:cNvPr id="2" name="Vertical Title 1">
             <a:extLst>
               <a:ext uri="{FF2B5EF4-FFF2-40B4-BE49-F238E27FC236}">
-                <a16:creationId xmlns:a16="http://schemas.microsoft.com/office/drawing/2014/main" xmlns="" id="{F7DE9595-D7A8-4E19-B4C6-E295F978F6A4}"/>
+                <a16:creationId xmlns="" xmlns:a16="http://schemas.microsoft.com/office/drawing/2014/main" id="{F7DE9595-D7A8-4E19-B4C6-E295F978F6A4}"/>
               </a:ext>
             </a:extLst>
           </p:cNvPr>
@@ -594,7 +594,7 @@
           <p:cNvPr id="3" name="Vertical Text Placeholder 2">
             <a:extLst>
               <a:ext uri="{FF2B5EF4-FFF2-40B4-BE49-F238E27FC236}">
-                <a16:creationId xmlns:a16="http://schemas.microsoft.com/office/drawing/2014/main" xmlns="" id="{0D2975B7-7A6D-40EA-B2F6-338022AD2BF1}"/>
+                <a16:creationId xmlns="" xmlns:a16="http://schemas.microsoft.com/office/drawing/2014/main" id="{0D2975B7-7A6D-40EA-B2F6-338022AD2BF1}"/>
               </a:ext>
             </a:extLst>
           </p:cNvPr>
@@ -657,7 +657,7 @@
           <p:cNvPr id="4" name="Date Placeholder 3">
             <a:extLst>
               <a:ext uri="{FF2B5EF4-FFF2-40B4-BE49-F238E27FC236}">
-                <a16:creationId xmlns:a16="http://schemas.microsoft.com/office/drawing/2014/main" xmlns="" id="{C8230AC3-1BED-4D2B-96D3-51C50E14A9E6}"/>
+                <a16:creationId xmlns="" xmlns:a16="http://schemas.microsoft.com/office/drawing/2014/main" id="{C8230AC3-1BED-4D2B-96D3-51C50E14A9E6}"/>
               </a:ext>
             </a:extLst>
           </p:cNvPr>
@@ -686,7 +686,7 @@
           <p:cNvPr id="5" name="Footer Placeholder 4">
             <a:extLst>
               <a:ext uri="{FF2B5EF4-FFF2-40B4-BE49-F238E27FC236}">
-                <a16:creationId xmlns:a16="http://schemas.microsoft.com/office/drawing/2014/main" xmlns="" id="{4AD6CA96-231A-43AD-B530-7C509651DE3B}"/>
+                <a16:creationId xmlns="" xmlns:a16="http://schemas.microsoft.com/office/drawing/2014/main" id="{4AD6CA96-231A-43AD-B530-7C509651DE3B}"/>
               </a:ext>
             </a:extLst>
           </p:cNvPr>
@@ -711,7 +711,7 @@
           <p:cNvPr id="6" name="Slide Number Placeholder 5">
             <a:extLst>
               <a:ext uri="{FF2B5EF4-FFF2-40B4-BE49-F238E27FC236}">
-                <a16:creationId xmlns:a16="http://schemas.microsoft.com/office/drawing/2014/main" xmlns="" id="{12063E3B-180A-454E-A661-6CCD48D7062C}"/>
+                <a16:creationId xmlns="" xmlns:a16="http://schemas.microsoft.com/office/drawing/2014/main" id="{12063E3B-180A-454E-A661-6CCD48D7062C}"/>
               </a:ext>
             </a:extLst>
           </p:cNvPr>
@@ -770,7 +770,7 @@
           <p:cNvPr id="2" name="Title 1">
             <a:extLst>
               <a:ext uri="{FF2B5EF4-FFF2-40B4-BE49-F238E27FC236}">
-                <a16:creationId xmlns:a16="http://schemas.microsoft.com/office/drawing/2014/main" xmlns="" id="{7E861C8D-BAF0-4DD9-92B9-591B272791CA}"/>
+                <a16:creationId xmlns="" xmlns:a16="http://schemas.microsoft.com/office/drawing/2014/main" id="{7E861C8D-BAF0-4DD9-92B9-591B272791CA}"/>
               </a:ext>
             </a:extLst>
           </p:cNvPr>
@@ -799,7 +799,7 @@
           <p:cNvPr id="3" name="Content Placeholder 2">
             <a:extLst>
               <a:ext uri="{FF2B5EF4-FFF2-40B4-BE49-F238E27FC236}">
-                <a16:creationId xmlns:a16="http://schemas.microsoft.com/office/drawing/2014/main" xmlns="" id="{534DA4BD-1D78-446B-B79F-C1229642DDEB}"/>
+                <a16:creationId xmlns="" xmlns:a16="http://schemas.microsoft.com/office/drawing/2014/main" id="{534DA4BD-1D78-446B-B79F-C1229642DDEB}"/>
               </a:ext>
             </a:extLst>
           </p:cNvPr>
@@ -857,7 +857,7 @@
           <p:cNvPr id="4" name="Date Placeholder 3">
             <a:extLst>
               <a:ext uri="{FF2B5EF4-FFF2-40B4-BE49-F238E27FC236}">
-                <a16:creationId xmlns:a16="http://schemas.microsoft.com/office/drawing/2014/main" xmlns="" id="{AD6BEDB5-7B62-4953-BECB-7F7F3E909CAC}"/>
+                <a16:creationId xmlns="" xmlns:a16="http://schemas.microsoft.com/office/drawing/2014/main" id="{AD6BEDB5-7B62-4953-BECB-7F7F3E909CAC}"/>
               </a:ext>
             </a:extLst>
           </p:cNvPr>
@@ -886,7 +886,7 @@
           <p:cNvPr id="5" name="Footer Placeholder 4">
             <a:extLst>
               <a:ext uri="{FF2B5EF4-FFF2-40B4-BE49-F238E27FC236}">
-                <a16:creationId xmlns:a16="http://schemas.microsoft.com/office/drawing/2014/main" xmlns="" id="{349CD732-2DD1-42BE-8480-5C6507018294}"/>
+                <a16:creationId xmlns="" xmlns:a16="http://schemas.microsoft.com/office/drawing/2014/main" id="{349CD732-2DD1-42BE-8480-5C6507018294}"/>
               </a:ext>
             </a:extLst>
           </p:cNvPr>
@@ -911,7 +911,7 @@
           <p:cNvPr id="6" name="Slide Number Placeholder 5">
             <a:extLst>
               <a:ext uri="{FF2B5EF4-FFF2-40B4-BE49-F238E27FC236}">
-                <a16:creationId xmlns:a16="http://schemas.microsoft.com/office/drawing/2014/main" xmlns="" id="{574C27E0-F36A-4438-9402-C2CB0377D92D}"/>
+                <a16:creationId xmlns="" xmlns:a16="http://schemas.microsoft.com/office/drawing/2014/main" id="{574C27E0-F36A-4438-9402-C2CB0377D92D}"/>
               </a:ext>
             </a:extLst>
           </p:cNvPr>
@@ -970,7 +970,7 @@
           <p:cNvPr id="2" name="Title 1">
             <a:extLst>
               <a:ext uri="{FF2B5EF4-FFF2-40B4-BE49-F238E27FC236}">
-                <a16:creationId xmlns:a16="http://schemas.microsoft.com/office/drawing/2014/main" xmlns="" id="{80A42FFA-8A45-40F8-9C5C-9906971B38AB}"/>
+                <a16:creationId xmlns="" xmlns:a16="http://schemas.microsoft.com/office/drawing/2014/main" id="{80A42FFA-8A45-40F8-9C5C-9906971B38AB}"/>
               </a:ext>
             </a:extLst>
           </p:cNvPr>
@@ -1008,7 +1008,7 @@
           <p:cNvPr id="3" name="Text Placeholder 2">
             <a:extLst>
               <a:ext uri="{FF2B5EF4-FFF2-40B4-BE49-F238E27FC236}">
-                <a16:creationId xmlns:a16="http://schemas.microsoft.com/office/drawing/2014/main" xmlns="" id="{7D8879A7-8225-4473-B738-B780B6224EC5}"/>
+                <a16:creationId xmlns="" xmlns:a16="http://schemas.microsoft.com/office/drawing/2014/main" id="{7D8879A7-8225-4473-B738-B780B6224EC5}"/>
               </a:ext>
             </a:extLst>
           </p:cNvPr>
@@ -1133,7 +1133,7 @@
           <p:cNvPr id="4" name="Date Placeholder 3">
             <a:extLst>
               <a:ext uri="{FF2B5EF4-FFF2-40B4-BE49-F238E27FC236}">
-                <a16:creationId xmlns:a16="http://schemas.microsoft.com/office/drawing/2014/main" xmlns="" id="{6CF7978C-FE65-4091-9152-E33029C12AEA}"/>
+                <a16:creationId xmlns="" xmlns:a16="http://schemas.microsoft.com/office/drawing/2014/main" id="{6CF7978C-FE65-4091-9152-E33029C12AEA}"/>
               </a:ext>
             </a:extLst>
           </p:cNvPr>
@@ -1162,7 +1162,7 @@
           <p:cNvPr id="5" name="Footer Placeholder 4">
             <a:extLst>
               <a:ext uri="{FF2B5EF4-FFF2-40B4-BE49-F238E27FC236}">
-                <a16:creationId xmlns:a16="http://schemas.microsoft.com/office/drawing/2014/main" xmlns="" id="{B344C9CC-480F-4DCB-AC70-D7A4CCA0B8B7}"/>
+                <a16:creationId xmlns="" xmlns:a16="http://schemas.microsoft.com/office/drawing/2014/main" id="{B344C9CC-480F-4DCB-AC70-D7A4CCA0B8B7}"/>
               </a:ext>
             </a:extLst>
           </p:cNvPr>
@@ -1187,7 +1187,7 @@
           <p:cNvPr id="6" name="Slide Number Placeholder 5">
             <a:extLst>
               <a:ext uri="{FF2B5EF4-FFF2-40B4-BE49-F238E27FC236}">
-                <a16:creationId xmlns:a16="http://schemas.microsoft.com/office/drawing/2014/main" xmlns="" id="{8F5A07EC-843A-4ED9-8F1C-AD703CA36D58}"/>
+                <a16:creationId xmlns="" xmlns:a16="http://schemas.microsoft.com/office/drawing/2014/main" id="{8F5A07EC-843A-4ED9-8F1C-AD703CA36D58}"/>
               </a:ext>
             </a:extLst>
           </p:cNvPr>
@@ -1246,7 +1246,7 @@
           <p:cNvPr id="2" name="Title 1">
             <a:extLst>
               <a:ext uri="{FF2B5EF4-FFF2-40B4-BE49-F238E27FC236}">
-                <a16:creationId xmlns:a16="http://schemas.microsoft.com/office/drawing/2014/main" xmlns="" id="{056EE2DA-07D9-4774-A8CA-0CA247F8C72A}"/>
+                <a16:creationId xmlns="" xmlns:a16="http://schemas.microsoft.com/office/drawing/2014/main" id="{056EE2DA-07D9-4774-A8CA-0CA247F8C72A}"/>
               </a:ext>
             </a:extLst>
           </p:cNvPr>
@@ -1275,7 +1275,7 @@
           <p:cNvPr id="3" name="Content Placeholder 2">
             <a:extLst>
               <a:ext uri="{FF2B5EF4-FFF2-40B4-BE49-F238E27FC236}">
-                <a16:creationId xmlns:a16="http://schemas.microsoft.com/office/drawing/2014/main" xmlns="" id="{3CF93A59-4E25-4FFA-8796-AA06EF3E5C3E}"/>
+                <a16:creationId xmlns="" xmlns:a16="http://schemas.microsoft.com/office/drawing/2014/main" id="{3CF93A59-4E25-4FFA-8796-AA06EF3E5C3E}"/>
               </a:ext>
             </a:extLst>
           </p:cNvPr>
@@ -1338,7 +1338,7 @@
           <p:cNvPr id="4" name="Content Placeholder 3">
             <a:extLst>
               <a:ext uri="{FF2B5EF4-FFF2-40B4-BE49-F238E27FC236}">
-                <a16:creationId xmlns:a16="http://schemas.microsoft.com/office/drawing/2014/main" xmlns="" id="{81373B10-E346-4893-AFEE-65E014405E2D}"/>
+                <a16:creationId xmlns="" xmlns:a16="http://schemas.microsoft.com/office/drawing/2014/main" id="{81373B10-E346-4893-AFEE-65E014405E2D}"/>
               </a:ext>
             </a:extLst>
           </p:cNvPr>
@@ -1401,7 +1401,7 @@
           <p:cNvPr id="5" name="Date Placeholder 4">
             <a:extLst>
               <a:ext uri="{FF2B5EF4-FFF2-40B4-BE49-F238E27FC236}">
-                <a16:creationId xmlns:a16="http://schemas.microsoft.com/office/drawing/2014/main" xmlns="" id="{D9C411A1-6D64-4C63-A758-5D2FEE677F45}"/>
+                <a16:creationId xmlns="" xmlns:a16="http://schemas.microsoft.com/office/drawing/2014/main" id="{D9C411A1-6D64-4C63-A758-5D2FEE677F45}"/>
               </a:ext>
             </a:extLst>
           </p:cNvPr>
@@ -1430,7 +1430,7 @@
           <p:cNvPr id="6" name="Footer Placeholder 5">
             <a:extLst>
               <a:ext uri="{FF2B5EF4-FFF2-40B4-BE49-F238E27FC236}">
-                <a16:creationId xmlns:a16="http://schemas.microsoft.com/office/drawing/2014/main" xmlns="" id="{8D9C2E46-644C-4155-A697-764A7A0AB1F4}"/>
+                <a16:creationId xmlns="" xmlns:a16="http://schemas.microsoft.com/office/drawing/2014/main" id="{8D9C2E46-644C-4155-A697-764A7A0AB1F4}"/>
               </a:ext>
             </a:extLst>
           </p:cNvPr>
@@ -1455,7 +1455,7 @@
           <p:cNvPr id="7" name="Slide Number Placeholder 6">
             <a:extLst>
               <a:ext uri="{FF2B5EF4-FFF2-40B4-BE49-F238E27FC236}">
-                <a16:creationId xmlns:a16="http://schemas.microsoft.com/office/drawing/2014/main" xmlns="" id="{6192DEDD-6479-45E4-B1F5-6EDD41BBB103}"/>
+                <a16:creationId xmlns="" xmlns:a16="http://schemas.microsoft.com/office/drawing/2014/main" id="{6192DEDD-6479-45E4-B1F5-6EDD41BBB103}"/>
               </a:ext>
             </a:extLst>
           </p:cNvPr>
@@ -1514,7 +1514,7 @@
           <p:cNvPr id="2" name="Title 1">
             <a:extLst>
               <a:ext uri="{FF2B5EF4-FFF2-40B4-BE49-F238E27FC236}">
-                <a16:creationId xmlns:a16="http://schemas.microsoft.com/office/drawing/2014/main" xmlns="" id="{DC0ED888-63EF-4CC0-8500-9C8DB672FEC2}"/>
+                <a16:creationId xmlns="" xmlns:a16="http://schemas.microsoft.com/office/drawing/2014/main" id="{DC0ED888-63EF-4CC0-8500-9C8DB672FEC2}"/>
               </a:ext>
             </a:extLst>
           </p:cNvPr>
@@ -1548,7 +1548,7 @@
           <p:cNvPr id="3" name="Text Placeholder 2">
             <a:extLst>
               <a:ext uri="{FF2B5EF4-FFF2-40B4-BE49-F238E27FC236}">
-                <a16:creationId xmlns:a16="http://schemas.microsoft.com/office/drawing/2014/main" xmlns="" id="{3C33BC1E-FB79-4906-A967-9C7046C6D272}"/>
+                <a16:creationId xmlns="" xmlns:a16="http://schemas.microsoft.com/office/drawing/2014/main" id="{3C33BC1E-FB79-4906-A967-9C7046C6D272}"/>
               </a:ext>
             </a:extLst>
           </p:cNvPr>
@@ -1619,7 +1619,7 @@
           <p:cNvPr id="4" name="Content Placeholder 3">
             <a:extLst>
               <a:ext uri="{FF2B5EF4-FFF2-40B4-BE49-F238E27FC236}">
-                <a16:creationId xmlns:a16="http://schemas.microsoft.com/office/drawing/2014/main" xmlns="" id="{697A4EC6-1C42-4BA4-8108-32579276C17B}"/>
+                <a16:creationId xmlns="" xmlns:a16="http://schemas.microsoft.com/office/drawing/2014/main" id="{697A4EC6-1C42-4BA4-8108-32579276C17B}"/>
               </a:ext>
             </a:extLst>
           </p:cNvPr>
@@ -1682,7 +1682,7 @@
           <p:cNvPr id="5" name="Text Placeholder 4">
             <a:extLst>
               <a:ext uri="{FF2B5EF4-FFF2-40B4-BE49-F238E27FC236}">
-                <a16:creationId xmlns:a16="http://schemas.microsoft.com/office/drawing/2014/main" xmlns="" id="{8A2CA209-B9F5-4E1E-B302-74CC2D4CFDFB}"/>
+                <a16:creationId xmlns="" xmlns:a16="http://schemas.microsoft.com/office/drawing/2014/main" id="{8A2CA209-B9F5-4E1E-B302-74CC2D4CFDFB}"/>
               </a:ext>
             </a:extLst>
           </p:cNvPr>
@@ -1753,7 +1753,7 @@
           <p:cNvPr id="6" name="Content Placeholder 5">
             <a:extLst>
               <a:ext uri="{FF2B5EF4-FFF2-40B4-BE49-F238E27FC236}">
-                <a16:creationId xmlns:a16="http://schemas.microsoft.com/office/drawing/2014/main" xmlns="" id="{0E6E876D-DC4D-40EE-BA38-CD01089602CF}"/>
+                <a16:creationId xmlns="" xmlns:a16="http://schemas.microsoft.com/office/drawing/2014/main" id="{0E6E876D-DC4D-40EE-BA38-CD01089602CF}"/>
               </a:ext>
             </a:extLst>
           </p:cNvPr>
@@ -1816,7 +1816,7 @@
           <p:cNvPr id="7" name="Date Placeholder 6">
             <a:extLst>
               <a:ext uri="{FF2B5EF4-FFF2-40B4-BE49-F238E27FC236}">
-                <a16:creationId xmlns:a16="http://schemas.microsoft.com/office/drawing/2014/main" xmlns="" id="{F24E1D97-8B3C-41A1-B0BA-BA833AD8BC7C}"/>
+                <a16:creationId xmlns="" xmlns:a16="http://schemas.microsoft.com/office/drawing/2014/main" id="{F24E1D97-8B3C-41A1-B0BA-BA833AD8BC7C}"/>
               </a:ext>
             </a:extLst>
           </p:cNvPr>
@@ -1845,7 +1845,7 @@
           <p:cNvPr id="8" name="Footer Placeholder 7">
             <a:extLst>
               <a:ext uri="{FF2B5EF4-FFF2-40B4-BE49-F238E27FC236}">
-                <a16:creationId xmlns:a16="http://schemas.microsoft.com/office/drawing/2014/main" xmlns="" id="{FC358D8F-B7DA-4DCE-AC8F-706450EEC0DC}"/>
+                <a16:creationId xmlns="" xmlns:a16="http://schemas.microsoft.com/office/drawing/2014/main" id="{FC358D8F-B7DA-4DCE-AC8F-706450EEC0DC}"/>
               </a:ext>
             </a:extLst>
           </p:cNvPr>
@@ -1870,7 +1870,7 @@
           <p:cNvPr id="9" name="Slide Number Placeholder 8">
             <a:extLst>
               <a:ext uri="{FF2B5EF4-FFF2-40B4-BE49-F238E27FC236}">
-                <a16:creationId xmlns:a16="http://schemas.microsoft.com/office/drawing/2014/main" xmlns="" id="{40CE354E-2C73-4B6F-8AEB-14D1378A77E1}"/>
+                <a16:creationId xmlns="" xmlns:a16="http://schemas.microsoft.com/office/drawing/2014/main" id="{40CE354E-2C73-4B6F-8AEB-14D1378A77E1}"/>
               </a:ext>
             </a:extLst>
           </p:cNvPr>
@@ -1929,7 +1929,7 @@
           <p:cNvPr id="2" name="Title 1">
             <a:extLst>
               <a:ext uri="{FF2B5EF4-FFF2-40B4-BE49-F238E27FC236}">
-                <a16:creationId xmlns:a16="http://schemas.microsoft.com/office/drawing/2014/main" xmlns="" id="{17D9D381-288C-43FB-86C2-AAA4FCFD43FD}"/>
+                <a16:creationId xmlns="" xmlns:a16="http://schemas.microsoft.com/office/drawing/2014/main" id="{17D9D381-288C-43FB-86C2-AAA4FCFD43FD}"/>
               </a:ext>
             </a:extLst>
           </p:cNvPr>
@@ -1958,7 +1958,7 @@
           <p:cNvPr id="3" name="Date Placeholder 2">
             <a:extLst>
               <a:ext uri="{FF2B5EF4-FFF2-40B4-BE49-F238E27FC236}">
-                <a16:creationId xmlns:a16="http://schemas.microsoft.com/office/drawing/2014/main" xmlns="" id="{A85D75E5-4830-4F75-8132-91122609F925}"/>
+                <a16:creationId xmlns="" xmlns:a16="http://schemas.microsoft.com/office/drawing/2014/main" id="{A85D75E5-4830-4F75-8132-91122609F925}"/>
               </a:ext>
             </a:extLst>
           </p:cNvPr>
@@ -1987,7 +1987,7 @@
           <p:cNvPr id="4" name="Footer Placeholder 3">
             <a:extLst>
               <a:ext uri="{FF2B5EF4-FFF2-40B4-BE49-F238E27FC236}">
-                <a16:creationId xmlns:a16="http://schemas.microsoft.com/office/drawing/2014/main" xmlns="" id="{0C14A42C-834F-43EA-8053-84D5A665CEE7}"/>
+                <a16:creationId xmlns="" xmlns:a16="http://schemas.microsoft.com/office/drawing/2014/main" id="{0C14A42C-834F-43EA-8053-84D5A665CEE7}"/>
               </a:ext>
             </a:extLst>
           </p:cNvPr>
@@ -2012,7 +2012,7 @@
           <p:cNvPr id="5" name="Slide Number Placeholder 4">
             <a:extLst>
               <a:ext uri="{FF2B5EF4-FFF2-40B4-BE49-F238E27FC236}">
-                <a16:creationId xmlns:a16="http://schemas.microsoft.com/office/drawing/2014/main" xmlns="" id="{38C1E789-CDA9-48FF-A7BA-F21E31600226}"/>
+                <a16:creationId xmlns="" xmlns:a16="http://schemas.microsoft.com/office/drawing/2014/main" id="{38C1E789-CDA9-48FF-A7BA-F21E31600226}"/>
               </a:ext>
             </a:extLst>
           </p:cNvPr>
@@ -2071,7 +2071,7 @@
           <p:cNvPr id="2" name="Date Placeholder 1">
             <a:extLst>
               <a:ext uri="{FF2B5EF4-FFF2-40B4-BE49-F238E27FC236}">
-                <a16:creationId xmlns:a16="http://schemas.microsoft.com/office/drawing/2014/main" xmlns="" id="{21A40ECD-0ABD-4F35-B481-512A01FC643D}"/>
+                <a16:creationId xmlns="" xmlns:a16="http://schemas.microsoft.com/office/drawing/2014/main" id="{21A40ECD-0ABD-4F35-B481-512A01FC643D}"/>
               </a:ext>
             </a:extLst>
           </p:cNvPr>
@@ -2100,7 +2100,7 @@
           <p:cNvPr id="3" name="Footer Placeholder 2">
             <a:extLst>
               <a:ext uri="{FF2B5EF4-FFF2-40B4-BE49-F238E27FC236}">
-                <a16:creationId xmlns:a16="http://schemas.microsoft.com/office/drawing/2014/main" xmlns="" id="{D44B8F11-A412-4FA6-9070-B9C742F699F3}"/>
+                <a16:creationId xmlns="" xmlns:a16="http://schemas.microsoft.com/office/drawing/2014/main" id="{D44B8F11-A412-4FA6-9070-B9C742F699F3}"/>
               </a:ext>
             </a:extLst>
           </p:cNvPr>
@@ -2125,7 +2125,7 @@
           <p:cNvPr id="4" name="Slide Number Placeholder 3">
             <a:extLst>
               <a:ext uri="{FF2B5EF4-FFF2-40B4-BE49-F238E27FC236}">
-                <a16:creationId xmlns:a16="http://schemas.microsoft.com/office/drawing/2014/main" xmlns="" id="{E3EA086A-DA0B-4378-A128-F213644ECB0C}"/>
+                <a16:creationId xmlns="" xmlns:a16="http://schemas.microsoft.com/office/drawing/2014/main" id="{E3EA086A-DA0B-4378-A128-F213644ECB0C}"/>
               </a:ext>
             </a:extLst>
           </p:cNvPr>
@@ -2184,7 +2184,7 @@
           <p:cNvPr id="2" name="Title 1">
             <a:extLst>
               <a:ext uri="{FF2B5EF4-FFF2-40B4-BE49-F238E27FC236}">
-                <a16:creationId xmlns:a16="http://schemas.microsoft.com/office/drawing/2014/main" xmlns="" id="{765D165A-D423-4E89-A075-D59A9FB59792}"/>
+                <a16:creationId xmlns="" xmlns:a16="http://schemas.microsoft.com/office/drawing/2014/main" id="{765D165A-D423-4E89-A075-D59A9FB59792}"/>
               </a:ext>
             </a:extLst>
           </p:cNvPr>
@@ -2222,7 +2222,7 @@
           <p:cNvPr id="3" name="Content Placeholder 2">
             <a:extLst>
               <a:ext uri="{FF2B5EF4-FFF2-40B4-BE49-F238E27FC236}">
-                <a16:creationId xmlns:a16="http://schemas.microsoft.com/office/drawing/2014/main" xmlns="" id="{77C2A5CC-2876-49CA-993D-F4F73FC9D2B0}"/>
+                <a16:creationId xmlns="" xmlns:a16="http://schemas.microsoft.com/office/drawing/2014/main" id="{77C2A5CC-2876-49CA-993D-F4F73FC9D2B0}"/>
               </a:ext>
             </a:extLst>
           </p:cNvPr>
@@ -2313,7 +2313,7 @@
           <p:cNvPr id="4" name="Text Placeholder 3">
             <a:extLst>
               <a:ext uri="{FF2B5EF4-FFF2-40B4-BE49-F238E27FC236}">
-                <a16:creationId xmlns:a16="http://schemas.microsoft.com/office/drawing/2014/main" xmlns="" id="{7B4DE2E8-CCF6-4E88-A858-05A04CD0D736}"/>
+                <a16:creationId xmlns="" xmlns:a16="http://schemas.microsoft.com/office/drawing/2014/main" id="{7B4DE2E8-CCF6-4E88-A858-05A04CD0D736}"/>
               </a:ext>
             </a:extLst>
           </p:cNvPr>
@@ -2384,7 +2384,7 @@
           <p:cNvPr id="5" name="Date Placeholder 4">
             <a:extLst>
               <a:ext uri="{FF2B5EF4-FFF2-40B4-BE49-F238E27FC236}">
-                <a16:creationId xmlns:a16="http://schemas.microsoft.com/office/drawing/2014/main" xmlns="" id="{CAEBEC1E-DE48-4B55-A846-F8248E381145}"/>
+                <a16:creationId xmlns="" xmlns:a16="http://schemas.microsoft.com/office/drawing/2014/main" id="{CAEBEC1E-DE48-4B55-A846-F8248E381145}"/>
               </a:ext>
             </a:extLst>
           </p:cNvPr>
@@ -2413,7 +2413,7 @@
           <p:cNvPr id="6" name="Footer Placeholder 5">
             <a:extLst>
               <a:ext uri="{FF2B5EF4-FFF2-40B4-BE49-F238E27FC236}">
-                <a16:creationId xmlns:a16="http://schemas.microsoft.com/office/drawing/2014/main" xmlns="" id="{945A6E8B-6BC2-49E9-B4E5-DAD3F7A1A1BF}"/>
+                <a16:creationId xmlns="" xmlns:a16="http://schemas.microsoft.com/office/drawing/2014/main" id="{945A6E8B-6BC2-49E9-B4E5-DAD3F7A1A1BF}"/>
               </a:ext>
             </a:extLst>
           </p:cNvPr>
@@ -2438,7 +2438,7 @@
           <p:cNvPr id="7" name="Slide Number Placeholder 6">
             <a:extLst>
               <a:ext uri="{FF2B5EF4-FFF2-40B4-BE49-F238E27FC236}">
-                <a16:creationId xmlns:a16="http://schemas.microsoft.com/office/drawing/2014/main" xmlns="" id="{E5CF739B-EDF0-43CE-A87E-C49F040C85A5}"/>
+                <a16:creationId xmlns="" xmlns:a16="http://schemas.microsoft.com/office/drawing/2014/main" id="{E5CF739B-EDF0-43CE-A87E-C49F040C85A5}"/>
               </a:ext>
             </a:extLst>
           </p:cNvPr>
@@ -2497,7 +2497,7 @@
           <p:cNvPr id="2" name="Title 1">
             <a:extLst>
               <a:ext uri="{FF2B5EF4-FFF2-40B4-BE49-F238E27FC236}">
-                <a16:creationId xmlns:a16="http://schemas.microsoft.com/office/drawing/2014/main" xmlns="" id="{0091F49F-E849-4834-84DB-61CF2F2652D4}"/>
+                <a16:creationId xmlns="" xmlns:a16="http://schemas.microsoft.com/office/drawing/2014/main" id="{0091F49F-E849-4834-84DB-61CF2F2652D4}"/>
               </a:ext>
             </a:extLst>
           </p:cNvPr>
@@ -2535,7 +2535,7 @@
           <p:cNvPr id="3" name="Picture Placeholder 2">
             <a:extLst>
               <a:ext uri="{FF2B5EF4-FFF2-40B4-BE49-F238E27FC236}">
-                <a16:creationId xmlns:a16="http://schemas.microsoft.com/office/drawing/2014/main" xmlns="" id="{631D62A9-3420-4F1C-9EB9-09EF85106E78}"/>
+                <a16:creationId xmlns="" xmlns:a16="http://schemas.microsoft.com/office/drawing/2014/main" id="{631D62A9-3420-4F1C-9EB9-09EF85106E78}"/>
               </a:ext>
             </a:extLst>
           </p:cNvPr>
@@ -2602,7 +2602,7 @@
           <p:cNvPr id="4" name="Text Placeholder 3">
             <a:extLst>
               <a:ext uri="{FF2B5EF4-FFF2-40B4-BE49-F238E27FC236}">
-                <a16:creationId xmlns:a16="http://schemas.microsoft.com/office/drawing/2014/main" xmlns="" id="{E450EC8D-D7F4-45FC-AD8C-2E198A32CCA2}"/>
+                <a16:creationId xmlns="" xmlns:a16="http://schemas.microsoft.com/office/drawing/2014/main" id="{E450EC8D-D7F4-45FC-AD8C-2E198A32CCA2}"/>
               </a:ext>
             </a:extLst>
           </p:cNvPr>
@@ -2673,7 +2673,7 @@
           <p:cNvPr id="5" name="Date Placeholder 4">
             <a:extLst>
               <a:ext uri="{FF2B5EF4-FFF2-40B4-BE49-F238E27FC236}">
-                <a16:creationId xmlns:a16="http://schemas.microsoft.com/office/drawing/2014/main" xmlns="" id="{7A73D668-ABF4-41FE-958C-542EEDC5F6CC}"/>
+                <a16:creationId xmlns="" xmlns:a16="http://schemas.microsoft.com/office/drawing/2014/main" id="{7A73D668-ABF4-41FE-958C-542EEDC5F6CC}"/>
               </a:ext>
             </a:extLst>
           </p:cNvPr>
@@ -2702,7 +2702,7 @@
           <p:cNvPr id="6" name="Footer Placeholder 5">
             <a:extLst>
               <a:ext uri="{FF2B5EF4-FFF2-40B4-BE49-F238E27FC236}">
-                <a16:creationId xmlns:a16="http://schemas.microsoft.com/office/drawing/2014/main" xmlns="" id="{F4A83B1C-93E7-4D32-9D1B-3F37403B1ACD}"/>
+                <a16:creationId xmlns="" xmlns:a16="http://schemas.microsoft.com/office/drawing/2014/main" id="{F4A83B1C-93E7-4D32-9D1B-3F37403B1ACD}"/>
               </a:ext>
             </a:extLst>
           </p:cNvPr>
@@ -2727,7 +2727,7 @@
           <p:cNvPr id="7" name="Slide Number Placeholder 6">
             <a:extLst>
               <a:ext uri="{FF2B5EF4-FFF2-40B4-BE49-F238E27FC236}">
-                <a16:creationId xmlns:a16="http://schemas.microsoft.com/office/drawing/2014/main" xmlns="" id="{C6AF73BE-F17B-487B-943B-28655BB51C92}"/>
+                <a16:creationId xmlns="" xmlns:a16="http://schemas.microsoft.com/office/drawing/2014/main" id="{C6AF73BE-F17B-487B-943B-28655BB51C92}"/>
               </a:ext>
             </a:extLst>
           </p:cNvPr>
@@ -2791,7 +2791,7 @@
           <p:cNvPr id="2" name="Title Placeholder 1">
             <a:extLst>
               <a:ext uri="{FF2B5EF4-FFF2-40B4-BE49-F238E27FC236}">
-                <a16:creationId xmlns:a16="http://schemas.microsoft.com/office/drawing/2014/main" xmlns="" id="{96F7127E-5F47-4B37-9FDB-695AB14D9551}"/>
+                <a16:creationId xmlns="" xmlns:a16="http://schemas.microsoft.com/office/drawing/2014/main" id="{96F7127E-5F47-4B37-9FDB-695AB14D9551}"/>
               </a:ext>
             </a:extLst>
           </p:cNvPr>
@@ -2830,7 +2830,7 @@
           <p:cNvPr id="3" name="Text Placeholder 2">
             <a:extLst>
               <a:ext uri="{FF2B5EF4-FFF2-40B4-BE49-F238E27FC236}">
-                <a16:creationId xmlns:a16="http://schemas.microsoft.com/office/drawing/2014/main" xmlns="" id="{3BD20F0F-B303-4EE3-AF17-E303EA90B1A3}"/>
+                <a16:creationId xmlns="" xmlns:a16="http://schemas.microsoft.com/office/drawing/2014/main" id="{3BD20F0F-B303-4EE3-AF17-E303EA90B1A3}"/>
               </a:ext>
             </a:extLst>
           </p:cNvPr>
@@ -2898,7 +2898,7 @@
           <p:cNvPr id="4" name="Date Placeholder 3">
             <a:extLst>
               <a:ext uri="{FF2B5EF4-FFF2-40B4-BE49-F238E27FC236}">
-                <a16:creationId xmlns:a16="http://schemas.microsoft.com/office/drawing/2014/main" xmlns="" id="{7927ADFB-0C7F-4333-A456-815FAB4B0315}"/>
+                <a16:creationId xmlns="" xmlns:a16="http://schemas.microsoft.com/office/drawing/2014/main" id="{7927ADFB-0C7F-4333-A456-815FAB4B0315}"/>
               </a:ext>
             </a:extLst>
           </p:cNvPr>
@@ -2945,7 +2945,7 @@
           <p:cNvPr id="5" name="Footer Placeholder 4">
             <a:extLst>
               <a:ext uri="{FF2B5EF4-FFF2-40B4-BE49-F238E27FC236}">
-                <a16:creationId xmlns:a16="http://schemas.microsoft.com/office/drawing/2014/main" xmlns="" id="{A1992B28-8397-4C93-A277-5EE43A537825}"/>
+                <a16:creationId xmlns="" xmlns:a16="http://schemas.microsoft.com/office/drawing/2014/main" id="{A1992B28-8397-4C93-A277-5EE43A537825}"/>
               </a:ext>
             </a:extLst>
           </p:cNvPr>
@@ -2988,7 +2988,7 @@
           <p:cNvPr id="6" name="Slide Number Placeholder 5">
             <a:extLst>
               <a:ext uri="{FF2B5EF4-FFF2-40B4-BE49-F238E27FC236}">
-                <a16:creationId xmlns:a16="http://schemas.microsoft.com/office/drawing/2014/main" xmlns="" id="{D7231209-A74B-4134-87D0-421AB81BBB47}"/>
+                <a16:creationId xmlns="" xmlns:a16="http://schemas.microsoft.com/office/drawing/2014/main" id="{D7231209-A74B-4134-87D0-421AB81BBB47}"/>
               </a:ext>
             </a:extLst>
           </p:cNvPr>
@@ -3400,7 +3400,7 @@
           <p:cNvPr id="16" name="TextBox 15">
             <a:extLst>
               <a:ext uri="{FF2B5EF4-FFF2-40B4-BE49-F238E27FC236}">
-                <a16:creationId xmlns:a16="http://schemas.microsoft.com/office/drawing/2014/main" xmlns="" id="{3151A13B-9509-43FA-BFEB-1D9866A00B84}"/>
+                <a16:creationId xmlns="" xmlns:a16="http://schemas.microsoft.com/office/drawing/2014/main" id="{3151A13B-9509-43FA-BFEB-1D9866A00B84}"/>
               </a:ext>
             </a:extLst>
           </p:cNvPr>
@@ -3444,7 +3444,7 @@
           <p:cNvPr id="17" name="Table 16">
             <a:extLst>
               <a:ext uri="{FF2B5EF4-FFF2-40B4-BE49-F238E27FC236}">
-                <a16:creationId xmlns:a16="http://schemas.microsoft.com/office/drawing/2014/main" xmlns="" id="{F545FAB8-F1CE-4886-9BDE-E772BCB0A9C4}"/>
+                <a16:creationId xmlns="" xmlns:a16="http://schemas.microsoft.com/office/drawing/2014/main" id="{F545FAB8-F1CE-4886-9BDE-E772BCB0A9C4}"/>
               </a:ext>
             </a:extLst>
           </p:cNvPr>
@@ -3454,7 +3454,7 @@
           <p:nvPr>
             <p:extLst>
               <p:ext uri="{D42A27DB-BD31-4B8C-83A1-F6EECF244321}">
-                <p14:modId xmlns:p14="http://schemas.microsoft.com/office/powerpoint/2010/main" val="592875761"/>
+                <p14:modId xmlns:p14="http://schemas.microsoft.com/office/powerpoint/2010/main" val="104109322"/>
               </p:ext>
             </p:extLst>
           </p:nvPr>
@@ -3473,7 +3473,7 @@
                 <a:gridCol w="1825597">
                   <a:extLst>
                     <a:ext uri="{9D8B030D-6E8A-4147-A177-3AD203B41FA5}">
-                      <a16:colId xmlns:a16="http://schemas.microsoft.com/office/drawing/2014/main" xmlns="" val="4240773277"/>
+                      <a16:colId xmlns="" xmlns:a16="http://schemas.microsoft.com/office/drawing/2014/main" val="4240773277"/>
                     </a:ext>
                   </a:extLst>
                 </a:gridCol>
@@ -3499,7 +3499,7 @@
                 </a:tc>
                 <a:extLst>
                   <a:ext uri="{0D108BD9-81ED-4DB2-BD59-A6C34878D82A}">
-                    <a16:rowId xmlns:a16="http://schemas.microsoft.com/office/drawing/2014/main" xmlns="" val="2194462629"/>
+                    <a16:rowId xmlns="" xmlns:a16="http://schemas.microsoft.com/office/drawing/2014/main" val="2194462629"/>
                   </a:ext>
                 </a:extLst>
               </a:tr>
@@ -3558,7 +3558,7 @@
           <p:cNvPr id="21" name="TextBox 20">
             <a:extLst>
               <a:ext uri="{FF2B5EF4-FFF2-40B4-BE49-F238E27FC236}">
-                <a16:creationId xmlns:a16="http://schemas.microsoft.com/office/drawing/2014/main" xmlns="" id="{3151A13B-9509-43FA-BFEB-1D9866A00B84}"/>
+                <a16:creationId xmlns="" xmlns:a16="http://schemas.microsoft.com/office/drawing/2014/main" id="{3151A13B-9509-43FA-BFEB-1D9866A00B84}"/>
               </a:ext>
             </a:extLst>
           </p:cNvPr>
@@ -3648,7 +3648,7 @@
           <p:cNvPr id="15" name="Table 14">
             <a:extLst>
               <a:ext uri="{FF2B5EF4-FFF2-40B4-BE49-F238E27FC236}">
-                <a16:creationId xmlns:a16="http://schemas.microsoft.com/office/drawing/2014/main" xmlns="" id="{F545FAB8-F1CE-4886-9BDE-E772BCB0A9C4}"/>
+                <a16:creationId xmlns="" xmlns:a16="http://schemas.microsoft.com/office/drawing/2014/main" id="{F545FAB8-F1CE-4886-9BDE-E772BCB0A9C4}"/>
               </a:ext>
             </a:extLst>
           </p:cNvPr>
@@ -3658,7 +3658,7 @@
           <p:nvPr>
             <p:extLst>
               <p:ext uri="{D42A27DB-BD31-4B8C-83A1-F6EECF244321}">
-                <p14:modId xmlns:p14="http://schemas.microsoft.com/office/powerpoint/2010/main" val="2020775895"/>
+                <p14:modId xmlns:p14="http://schemas.microsoft.com/office/powerpoint/2010/main" val="1713686196"/>
               </p:ext>
             </p:extLst>
           </p:nvPr>
@@ -3677,7 +3677,7 @@
                 <a:gridCol w="1825597">
                   <a:extLst>
                     <a:ext uri="{9D8B030D-6E8A-4147-A177-3AD203B41FA5}">
-                      <a16:colId xmlns:a16="http://schemas.microsoft.com/office/drawing/2014/main" xmlns="" val="4240773277"/>
+                      <a16:colId xmlns="" xmlns:a16="http://schemas.microsoft.com/office/drawing/2014/main" val="4240773277"/>
                     </a:ext>
                   </a:extLst>
                 </a:gridCol>
@@ -3703,7 +3703,7 @@
                 </a:tc>
                 <a:extLst>
                   <a:ext uri="{0D108BD9-81ED-4DB2-BD59-A6C34878D82A}">
-                    <a16:rowId xmlns:a16="http://schemas.microsoft.com/office/drawing/2014/main" xmlns="" val="2194462629"/>
+                    <a16:rowId xmlns="" xmlns:a16="http://schemas.microsoft.com/office/drawing/2014/main" val="2194462629"/>
                   </a:ext>
                 </a:extLst>
               </a:tr>
@@ -3716,7 +3716,7 @@
           <p:cNvPr id="28" name="Table 27">
             <a:extLst>
               <a:ext uri="{FF2B5EF4-FFF2-40B4-BE49-F238E27FC236}">
-                <a16:creationId xmlns:a16="http://schemas.microsoft.com/office/drawing/2014/main" xmlns="" id="{F545FAB8-F1CE-4886-9BDE-E772BCB0A9C4}"/>
+                <a16:creationId xmlns="" xmlns:a16="http://schemas.microsoft.com/office/drawing/2014/main" id="{F545FAB8-F1CE-4886-9BDE-E772BCB0A9C4}"/>
               </a:ext>
             </a:extLst>
           </p:cNvPr>
@@ -3726,7 +3726,7 @@
           <p:nvPr>
             <p:extLst>
               <p:ext uri="{D42A27DB-BD31-4B8C-83A1-F6EECF244321}">
-                <p14:modId xmlns:p14="http://schemas.microsoft.com/office/powerpoint/2010/main" val="1372492020"/>
+                <p14:modId xmlns:p14="http://schemas.microsoft.com/office/powerpoint/2010/main" val="2020706255"/>
               </p:ext>
             </p:extLst>
           </p:nvPr>
@@ -3745,7 +3745,7 @@
                 <a:gridCol w="1825597">
                   <a:extLst>
                     <a:ext uri="{9D8B030D-6E8A-4147-A177-3AD203B41FA5}">
-                      <a16:colId xmlns:a16="http://schemas.microsoft.com/office/drawing/2014/main" xmlns="" val="4240773277"/>
+                      <a16:colId xmlns="" xmlns:a16="http://schemas.microsoft.com/office/drawing/2014/main" val="4240773277"/>
                     </a:ext>
                   </a:extLst>
                 </a:gridCol>
@@ -3771,7 +3771,7 @@
                 </a:tc>
                 <a:extLst>
                   <a:ext uri="{0D108BD9-81ED-4DB2-BD59-A6C34878D82A}">
-                    <a16:rowId xmlns:a16="http://schemas.microsoft.com/office/drawing/2014/main" xmlns="" val="2194462629"/>
+                    <a16:rowId xmlns="" xmlns:a16="http://schemas.microsoft.com/office/drawing/2014/main" val="2194462629"/>
                   </a:ext>
                 </a:extLst>
               </a:tr>
@@ -3784,7 +3784,7 @@
           <p:cNvPr id="29" name="Table 28">
             <a:extLst>
               <a:ext uri="{FF2B5EF4-FFF2-40B4-BE49-F238E27FC236}">
-                <a16:creationId xmlns:a16="http://schemas.microsoft.com/office/drawing/2014/main" xmlns="" id="{F545FAB8-F1CE-4886-9BDE-E772BCB0A9C4}"/>
+                <a16:creationId xmlns="" xmlns:a16="http://schemas.microsoft.com/office/drawing/2014/main" id="{F545FAB8-F1CE-4886-9BDE-E772BCB0A9C4}"/>
               </a:ext>
             </a:extLst>
           </p:cNvPr>
@@ -3794,7 +3794,7 @@
           <p:nvPr>
             <p:extLst>
               <p:ext uri="{D42A27DB-BD31-4B8C-83A1-F6EECF244321}">
-                <p14:modId xmlns:p14="http://schemas.microsoft.com/office/powerpoint/2010/main" val="1019546191"/>
+                <p14:modId xmlns:p14="http://schemas.microsoft.com/office/powerpoint/2010/main" val="1703634127"/>
               </p:ext>
             </p:extLst>
           </p:nvPr>
@@ -3813,7 +3813,7 @@
                 <a:gridCol w="1825597">
                   <a:extLst>
                     <a:ext uri="{9D8B030D-6E8A-4147-A177-3AD203B41FA5}">
-                      <a16:colId xmlns:a16="http://schemas.microsoft.com/office/drawing/2014/main" xmlns="" val="4240773277"/>
+                      <a16:colId xmlns="" xmlns:a16="http://schemas.microsoft.com/office/drawing/2014/main" val="4240773277"/>
                     </a:ext>
                   </a:extLst>
                 </a:gridCol>
@@ -3839,7 +3839,7 @@
                 </a:tc>
                 <a:extLst>
                   <a:ext uri="{0D108BD9-81ED-4DB2-BD59-A6C34878D82A}">
-                    <a16:rowId xmlns:a16="http://schemas.microsoft.com/office/drawing/2014/main" xmlns="" val="2194462629"/>
+                    <a16:rowId xmlns="" xmlns:a16="http://schemas.microsoft.com/office/drawing/2014/main" val="2194462629"/>
                   </a:ext>
                 </a:extLst>
               </a:tr>
@@ -3852,7 +3852,7 @@
           <p:cNvPr id="30" name="Table 29">
             <a:extLst>
               <a:ext uri="{FF2B5EF4-FFF2-40B4-BE49-F238E27FC236}">
-                <a16:creationId xmlns:a16="http://schemas.microsoft.com/office/drawing/2014/main" xmlns="" id="{F545FAB8-F1CE-4886-9BDE-E772BCB0A9C4}"/>
+                <a16:creationId xmlns="" xmlns:a16="http://schemas.microsoft.com/office/drawing/2014/main" id="{F545FAB8-F1CE-4886-9BDE-E772BCB0A9C4}"/>
               </a:ext>
             </a:extLst>
           </p:cNvPr>
@@ -3862,7 +3862,7 @@
           <p:nvPr>
             <p:extLst>
               <p:ext uri="{D42A27DB-BD31-4B8C-83A1-F6EECF244321}">
-                <p14:modId xmlns:p14="http://schemas.microsoft.com/office/powerpoint/2010/main" val="1470858514"/>
+                <p14:modId xmlns:p14="http://schemas.microsoft.com/office/powerpoint/2010/main" val="579307038"/>
               </p:ext>
             </p:extLst>
           </p:nvPr>
@@ -3881,7 +3881,7 @@
                 <a:gridCol w="1825597">
                   <a:extLst>
                     <a:ext uri="{9D8B030D-6E8A-4147-A177-3AD203B41FA5}">
-                      <a16:colId xmlns:a16="http://schemas.microsoft.com/office/drawing/2014/main" xmlns="" val="4240773277"/>
+                      <a16:colId xmlns="" xmlns:a16="http://schemas.microsoft.com/office/drawing/2014/main" val="4240773277"/>
                     </a:ext>
                   </a:extLst>
                 </a:gridCol>
@@ -3907,7 +3907,7 @@
                 </a:tc>
                 <a:extLst>
                   <a:ext uri="{0D108BD9-81ED-4DB2-BD59-A6C34878D82A}">
-                    <a16:rowId xmlns:a16="http://schemas.microsoft.com/office/drawing/2014/main" xmlns="" val="2194462629"/>
+                    <a16:rowId xmlns="" xmlns:a16="http://schemas.microsoft.com/office/drawing/2014/main" val="2194462629"/>
                   </a:ext>
                 </a:extLst>
               </a:tr>
@@ -3920,7 +3920,7 @@
           <p:cNvPr id="31" name="Table 30">
             <a:extLst>
               <a:ext uri="{FF2B5EF4-FFF2-40B4-BE49-F238E27FC236}">
-                <a16:creationId xmlns:a16="http://schemas.microsoft.com/office/drawing/2014/main" xmlns="" id="{F545FAB8-F1CE-4886-9BDE-E772BCB0A9C4}"/>
+                <a16:creationId xmlns="" xmlns:a16="http://schemas.microsoft.com/office/drawing/2014/main" id="{F545FAB8-F1CE-4886-9BDE-E772BCB0A9C4}"/>
               </a:ext>
             </a:extLst>
           </p:cNvPr>
@@ -3930,7 +3930,7 @@
           <p:nvPr>
             <p:extLst>
               <p:ext uri="{D42A27DB-BD31-4B8C-83A1-F6EECF244321}">
-                <p14:modId xmlns:p14="http://schemas.microsoft.com/office/powerpoint/2010/main" val="1273822501"/>
+                <p14:modId xmlns:p14="http://schemas.microsoft.com/office/powerpoint/2010/main" val="1870015815"/>
               </p:ext>
             </p:extLst>
           </p:nvPr>
@@ -3949,7 +3949,7 @@
                 <a:gridCol w="1825597">
                   <a:extLst>
                     <a:ext uri="{9D8B030D-6E8A-4147-A177-3AD203B41FA5}">
-                      <a16:colId xmlns:a16="http://schemas.microsoft.com/office/drawing/2014/main" xmlns="" val="4240773277"/>
+                      <a16:colId xmlns="" xmlns:a16="http://schemas.microsoft.com/office/drawing/2014/main" val="4240773277"/>
                     </a:ext>
                   </a:extLst>
                 </a:gridCol>
@@ -3975,7 +3975,7 @@
                 </a:tc>
                 <a:extLst>
                   <a:ext uri="{0D108BD9-81ED-4DB2-BD59-A6C34878D82A}">
-                    <a16:rowId xmlns:a16="http://schemas.microsoft.com/office/drawing/2014/main" xmlns="" val="2194462629"/>
+                    <a16:rowId xmlns="" xmlns:a16="http://schemas.microsoft.com/office/drawing/2014/main" val="2194462629"/>
                   </a:ext>
                 </a:extLst>
               </a:tr>
@@ -3988,7 +3988,7 @@
           <p:cNvPr id="18" name="Straight Arrow Connector 17">
             <a:extLst>
               <a:ext uri="{FF2B5EF4-FFF2-40B4-BE49-F238E27FC236}">
-                <a16:creationId xmlns:a16="http://schemas.microsoft.com/office/drawing/2014/main" xmlns="" id="{2C7E497F-B97D-46E2-8C9C-D52263C33E33}"/>
+                <a16:creationId xmlns="" xmlns:a16="http://schemas.microsoft.com/office/drawing/2014/main" id="{2C7E497F-B97D-46E2-8C9C-D52263C33E33}"/>
               </a:ext>
             </a:extLst>
           </p:cNvPr>
@@ -4032,7 +4032,7 @@
           <p:cNvPr id="22" name="Straight Arrow Connector 21">
             <a:extLst>
               <a:ext uri="{FF2B5EF4-FFF2-40B4-BE49-F238E27FC236}">
-                <a16:creationId xmlns:a16="http://schemas.microsoft.com/office/drawing/2014/main" xmlns="" id="{D9B8CDF7-0D47-4F21-BF2D-957E827A9877}"/>
+                <a16:creationId xmlns="" xmlns:a16="http://schemas.microsoft.com/office/drawing/2014/main" id="{D9B8CDF7-0D47-4F21-BF2D-957E827A9877}"/>
               </a:ext>
             </a:extLst>
           </p:cNvPr>

--- a/docs/diagrams/UndoRedoNewCommand3StateListDiagram.pptx
+++ b/docs/diagrams/UndoRedoNewCommand3StateListDiagram.pptx
@@ -138,7 +138,7 @@
           <p:cNvPr id="2" name="Title 1">
             <a:extLst>
               <a:ext uri="{FF2B5EF4-FFF2-40B4-BE49-F238E27FC236}">
-                <a16:creationId xmlns:a16="http://schemas.microsoft.com/office/drawing/2014/main" id="{39FCC519-EE2E-4054-A653-93D611E0133E}"/>
+                <a16:creationId xmlns="" xmlns:a16="http://schemas.microsoft.com/office/drawing/2014/main" id="{39FCC519-EE2E-4054-A653-93D611E0133E}"/>
               </a:ext>
             </a:extLst>
           </p:cNvPr>
@@ -176,7 +176,7 @@
           <p:cNvPr id="3" name="Subtitle 2">
             <a:extLst>
               <a:ext uri="{FF2B5EF4-FFF2-40B4-BE49-F238E27FC236}">
-                <a16:creationId xmlns:a16="http://schemas.microsoft.com/office/drawing/2014/main" id="{3EDEA74E-4030-4F69-A055-4C6319EEEC29}"/>
+                <a16:creationId xmlns="" xmlns:a16="http://schemas.microsoft.com/office/drawing/2014/main" id="{3EDEA74E-4030-4F69-A055-4C6319EEEC29}"/>
               </a:ext>
             </a:extLst>
           </p:cNvPr>
@@ -247,7 +247,7 @@
           <p:cNvPr id="4" name="Date Placeholder 3">
             <a:extLst>
               <a:ext uri="{FF2B5EF4-FFF2-40B4-BE49-F238E27FC236}">
-                <a16:creationId xmlns:a16="http://schemas.microsoft.com/office/drawing/2014/main" id="{E5CC99E3-37A6-4485-B9A2-AF27A72608C6}"/>
+                <a16:creationId xmlns="" xmlns:a16="http://schemas.microsoft.com/office/drawing/2014/main" id="{E5CC99E3-37A6-4485-B9A2-AF27A72608C6}"/>
               </a:ext>
             </a:extLst>
           </p:cNvPr>
@@ -265,7 +265,7 @@
           <a:p>
             <a:fld id="{03EC4E3E-8101-482F-A883-8B55DAFF7C07}" type="datetimeFigureOut">
               <a:rPr lang="en-SG" smtClean="0"/>
-              <a:t>6/7/2018</a:t>
+              <a:t>5/3/19</a:t>
             </a:fld>
             <a:endParaRPr lang="en-SG"/>
           </a:p>
@@ -276,7 +276,7 @@
           <p:cNvPr id="5" name="Footer Placeholder 4">
             <a:extLst>
               <a:ext uri="{FF2B5EF4-FFF2-40B4-BE49-F238E27FC236}">
-                <a16:creationId xmlns:a16="http://schemas.microsoft.com/office/drawing/2014/main" id="{D75BD546-D949-4A25-8EA4-47DF23229409}"/>
+                <a16:creationId xmlns="" xmlns:a16="http://schemas.microsoft.com/office/drawing/2014/main" id="{D75BD546-D949-4A25-8EA4-47DF23229409}"/>
               </a:ext>
             </a:extLst>
           </p:cNvPr>
@@ -301,7 +301,7 @@
           <p:cNvPr id="6" name="Slide Number Placeholder 5">
             <a:extLst>
               <a:ext uri="{FF2B5EF4-FFF2-40B4-BE49-F238E27FC236}">
-                <a16:creationId xmlns:a16="http://schemas.microsoft.com/office/drawing/2014/main" id="{68147391-4DF6-4ACF-BCE9-C1A9DAC803E3}"/>
+                <a16:creationId xmlns="" xmlns:a16="http://schemas.microsoft.com/office/drawing/2014/main" id="{68147391-4DF6-4ACF-BCE9-C1A9DAC803E3}"/>
               </a:ext>
             </a:extLst>
           </p:cNvPr>
@@ -360,7 +360,7 @@
           <p:cNvPr id="2" name="Title 1">
             <a:extLst>
               <a:ext uri="{FF2B5EF4-FFF2-40B4-BE49-F238E27FC236}">
-                <a16:creationId xmlns:a16="http://schemas.microsoft.com/office/drawing/2014/main" id="{251D3DFE-0C62-45F5-B1BF-FD1F194ED112}"/>
+                <a16:creationId xmlns="" xmlns:a16="http://schemas.microsoft.com/office/drawing/2014/main" id="{251D3DFE-0C62-45F5-B1BF-FD1F194ED112}"/>
               </a:ext>
             </a:extLst>
           </p:cNvPr>
@@ -389,7 +389,7 @@
           <p:cNvPr id="3" name="Vertical Text Placeholder 2">
             <a:extLst>
               <a:ext uri="{FF2B5EF4-FFF2-40B4-BE49-F238E27FC236}">
-                <a16:creationId xmlns:a16="http://schemas.microsoft.com/office/drawing/2014/main" id="{D2392762-3586-4B6D-A174-2D3ACF0A125B}"/>
+                <a16:creationId xmlns="" xmlns:a16="http://schemas.microsoft.com/office/drawing/2014/main" id="{D2392762-3586-4B6D-A174-2D3ACF0A125B}"/>
               </a:ext>
             </a:extLst>
           </p:cNvPr>
@@ -447,7 +447,7 @@
           <p:cNvPr id="4" name="Date Placeholder 3">
             <a:extLst>
               <a:ext uri="{FF2B5EF4-FFF2-40B4-BE49-F238E27FC236}">
-                <a16:creationId xmlns:a16="http://schemas.microsoft.com/office/drawing/2014/main" id="{73B232E7-84FB-4535-9FC1-1BEF8F17421F}"/>
+                <a16:creationId xmlns="" xmlns:a16="http://schemas.microsoft.com/office/drawing/2014/main" id="{73B232E7-84FB-4535-9FC1-1BEF8F17421F}"/>
               </a:ext>
             </a:extLst>
           </p:cNvPr>
@@ -465,7 +465,7 @@
           <a:p>
             <a:fld id="{03EC4E3E-8101-482F-A883-8B55DAFF7C07}" type="datetimeFigureOut">
               <a:rPr lang="en-SG" smtClean="0"/>
-              <a:t>6/7/2018</a:t>
+              <a:t>5/3/19</a:t>
             </a:fld>
             <a:endParaRPr lang="en-SG"/>
           </a:p>
@@ -476,7 +476,7 @@
           <p:cNvPr id="5" name="Footer Placeholder 4">
             <a:extLst>
               <a:ext uri="{FF2B5EF4-FFF2-40B4-BE49-F238E27FC236}">
-                <a16:creationId xmlns:a16="http://schemas.microsoft.com/office/drawing/2014/main" id="{76F796EF-04EF-401A-AC84-F7BDBC99DE80}"/>
+                <a16:creationId xmlns="" xmlns:a16="http://schemas.microsoft.com/office/drawing/2014/main" id="{76F796EF-04EF-401A-AC84-F7BDBC99DE80}"/>
               </a:ext>
             </a:extLst>
           </p:cNvPr>
@@ -501,7 +501,7 @@
           <p:cNvPr id="6" name="Slide Number Placeholder 5">
             <a:extLst>
               <a:ext uri="{FF2B5EF4-FFF2-40B4-BE49-F238E27FC236}">
-                <a16:creationId xmlns:a16="http://schemas.microsoft.com/office/drawing/2014/main" id="{8F55F009-0A64-4649-A732-4AA6D619F1F3}"/>
+                <a16:creationId xmlns="" xmlns:a16="http://schemas.microsoft.com/office/drawing/2014/main" id="{8F55F009-0A64-4649-A732-4AA6D619F1F3}"/>
               </a:ext>
             </a:extLst>
           </p:cNvPr>
@@ -560,7 +560,7 @@
           <p:cNvPr id="2" name="Vertical Title 1">
             <a:extLst>
               <a:ext uri="{FF2B5EF4-FFF2-40B4-BE49-F238E27FC236}">
-                <a16:creationId xmlns:a16="http://schemas.microsoft.com/office/drawing/2014/main" id="{F7DE9595-D7A8-4E19-B4C6-E295F978F6A4}"/>
+                <a16:creationId xmlns="" xmlns:a16="http://schemas.microsoft.com/office/drawing/2014/main" id="{F7DE9595-D7A8-4E19-B4C6-E295F978F6A4}"/>
               </a:ext>
             </a:extLst>
           </p:cNvPr>
@@ -594,7 +594,7 @@
           <p:cNvPr id="3" name="Vertical Text Placeholder 2">
             <a:extLst>
               <a:ext uri="{FF2B5EF4-FFF2-40B4-BE49-F238E27FC236}">
-                <a16:creationId xmlns:a16="http://schemas.microsoft.com/office/drawing/2014/main" id="{0D2975B7-7A6D-40EA-B2F6-338022AD2BF1}"/>
+                <a16:creationId xmlns="" xmlns:a16="http://schemas.microsoft.com/office/drawing/2014/main" id="{0D2975B7-7A6D-40EA-B2F6-338022AD2BF1}"/>
               </a:ext>
             </a:extLst>
           </p:cNvPr>
@@ -657,7 +657,7 @@
           <p:cNvPr id="4" name="Date Placeholder 3">
             <a:extLst>
               <a:ext uri="{FF2B5EF4-FFF2-40B4-BE49-F238E27FC236}">
-                <a16:creationId xmlns:a16="http://schemas.microsoft.com/office/drawing/2014/main" id="{C8230AC3-1BED-4D2B-96D3-51C50E14A9E6}"/>
+                <a16:creationId xmlns="" xmlns:a16="http://schemas.microsoft.com/office/drawing/2014/main" id="{C8230AC3-1BED-4D2B-96D3-51C50E14A9E6}"/>
               </a:ext>
             </a:extLst>
           </p:cNvPr>
@@ -675,7 +675,7 @@
           <a:p>
             <a:fld id="{03EC4E3E-8101-482F-A883-8B55DAFF7C07}" type="datetimeFigureOut">
               <a:rPr lang="en-SG" smtClean="0"/>
-              <a:t>6/7/2018</a:t>
+              <a:t>5/3/19</a:t>
             </a:fld>
             <a:endParaRPr lang="en-SG"/>
           </a:p>
@@ -686,7 +686,7 @@
           <p:cNvPr id="5" name="Footer Placeholder 4">
             <a:extLst>
               <a:ext uri="{FF2B5EF4-FFF2-40B4-BE49-F238E27FC236}">
-                <a16:creationId xmlns:a16="http://schemas.microsoft.com/office/drawing/2014/main" id="{4AD6CA96-231A-43AD-B530-7C509651DE3B}"/>
+                <a16:creationId xmlns="" xmlns:a16="http://schemas.microsoft.com/office/drawing/2014/main" id="{4AD6CA96-231A-43AD-B530-7C509651DE3B}"/>
               </a:ext>
             </a:extLst>
           </p:cNvPr>
@@ -711,7 +711,7 @@
           <p:cNvPr id="6" name="Slide Number Placeholder 5">
             <a:extLst>
               <a:ext uri="{FF2B5EF4-FFF2-40B4-BE49-F238E27FC236}">
-                <a16:creationId xmlns:a16="http://schemas.microsoft.com/office/drawing/2014/main" id="{12063E3B-180A-454E-A661-6CCD48D7062C}"/>
+                <a16:creationId xmlns="" xmlns:a16="http://schemas.microsoft.com/office/drawing/2014/main" id="{12063E3B-180A-454E-A661-6CCD48D7062C}"/>
               </a:ext>
             </a:extLst>
           </p:cNvPr>
@@ -770,7 +770,7 @@
           <p:cNvPr id="2" name="Title 1">
             <a:extLst>
               <a:ext uri="{FF2B5EF4-FFF2-40B4-BE49-F238E27FC236}">
-                <a16:creationId xmlns:a16="http://schemas.microsoft.com/office/drawing/2014/main" id="{7E861C8D-BAF0-4DD9-92B9-591B272791CA}"/>
+                <a16:creationId xmlns="" xmlns:a16="http://schemas.microsoft.com/office/drawing/2014/main" id="{7E861C8D-BAF0-4DD9-92B9-591B272791CA}"/>
               </a:ext>
             </a:extLst>
           </p:cNvPr>
@@ -799,7 +799,7 @@
           <p:cNvPr id="3" name="Content Placeholder 2">
             <a:extLst>
               <a:ext uri="{FF2B5EF4-FFF2-40B4-BE49-F238E27FC236}">
-                <a16:creationId xmlns:a16="http://schemas.microsoft.com/office/drawing/2014/main" id="{534DA4BD-1D78-446B-B79F-C1229642DDEB}"/>
+                <a16:creationId xmlns="" xmlns:a16="http://schemas.microsoft.com/office/drawing/2014/main" id="{534DA4BD-1D78-446B-B79F-C1229642DDEB}"/>
               </a:ext>
             </a:extLst>
           </p:cNvPr>
@@ -857,7 +857,7 @@
           <p:cNvPr id="4" name="Date Placeholder 3">
             <a:extLst>
               <a:ext uri="{FF2B5EF4-FFF2-40B4-BE49-F238E27FC236}">
-                <a16:creationId xmlns:a16="http://schemas.microsoft.com/office/drawing/2014/main" id="{AD6BEDB5-7B62-4953-BECB-7F7F3E909CAC}"/>
+                <a16:creationId xmlns="" xmlns:a16="http://schemas.microsoft.com/office/drawing/2014/main" id="{AD6BEDB5-7B62-4953-BECB-7F7F3E909CAC}"/>
               </a:ext>
             </a:extLst>
           </p:cNvPr>
@@ -875,7 +875,7 @@
           <a:p>
             <a:fld id="{03EC4E3E-8101-482F-A883-8B55DAFF7C07}" type="datetimeFigureOut">
               <a:rPr lang="en-SG" smtClean="0"/>
-              <a:t>6/7/2018</a:t>
+              <a:t>5/3/19</a:t>
             </a:fld>
             <a:endParaRPr lang="en-SG"/>
           </a:p>
@@ -886,7 +886,7 @@
           <p:cNvPr id="5" name="Footer Placeholder 4">
             <a:extLst>
               <a:ext uri="{FF2B5EF4-FFF2-40B4-BE49-F238E27FC236}">
-                <a16:creationId xmlns:a16="http://schemas.microsoft.com/office/drawing/2014/main" id="{349CD732-2DD1-42BE-8480-5C6507018294}"/>
+                <a16:creationId xmlns="" xmlns:a16="http://schemas.microsoft.com/office/drawing/2014/main" id="{349CD732-2DD1-42BE-8480-5C6507018294}"/>
               </a:ext>
             </a:extLst>
           </p:cNvPr>
@@ -911,7 +911,7 @@
           <p:cNvPr id="6" name="Slide Number Placeholder 5">
             <a:extLst>
               <a:ext uri="{FF2B5EF4-FFF2-40B4-BE49-F238E27FC236}">
-                <a16:creationId xmlns:a16="http://schemas.microsoft.com/office/drawing/2014/main" id="{574C27E0-F36A-4438-9402-C2CB0377D92D}"/>
+                <a16:creationId xmlns="" xmlns:a16="http://schemas.microsoft.com/office/drawing/2014/main" id="{574C27E0-F36A-4438-9402-C2CB0377D92D}"/>
               </a:ext>
             </a:extLst>
           </p:cNvPr>
@@ -970,7 +970,7 @@
           <p:cNvPr id="2" name="Title 1">
             <a:extLst>
               <a:ext uri="{FF2B5EF4-FFF2-40B4-BE49-F238E27FC236}">
-                <a16:creationId xmlns:a16="http://schemas.microsoft.com/office/drawing/2014/main" id="{80A42FFA-8A45-40F8-9C5C-9906971B38AB}"/>
+                <a16:creationId xmlns="" xmlns:a16="http://schemas.microsoft.com/office/drawing/2014/main" id="{80A42FFA-8A45-40F8-9C5C-9906971B38AB}"/>
               </a:ext>
             </a:extLst>
           </p:cNvPr>
@@ -1008,7 +1008,7 @@
           <p:cNvPr id="3" name="Text Placeholder 2">
             <a:extLst>
               <a:ext uri="{FF2B5EF4-FFF2-40B4-BE49-F238E27FC236}">
-                <a16:creationId xmlns:a16="http://schemas.microsoft.com/office/drawing/2014/main" id="{7D8879A7-8225-4473-B738-B780B6224EC5}"/>
+                <a16:creationId xmlns="" xmlns:a16="http://schemas.microsoft.com/office/drawing/2014/main" id="{7D8879A7-8225-4473-B738-B780B6224EC5}"/>
               </a:ext>
             </a:extLst>
           </p:cNvPr>
@@ -1133,7 +1133,7 @@
           <p:cNvPr id="4" name="Date Placeholder 3">
             <a:extLst>
               <a:ext uri="{FF2B5EF4-FFF2-40B4-BE49-F238E27FC236}">
-                <a16:creationId xmlns:a16="http://schemas.microsoft.com/office/drawing/2014/main" id="{6CF7978C-FE65-4091-9152-E33029C12AEA}"/>
+                <a16:creationId xmlns="" xmlns:a16="http://schemas.microsoft.com/office/drawing/2014/main" id="{6CF7978C-FE65-4091-9152-E33029C12AEA}"/>
               </a:ext>
             </a:extLst>
           </p:cNvPr>
@@ -1151,7 +1151,7 @@
           <a:p>
             <a:fld id="{03EC4E3E-8101-482F-A883-8B55DAFF7C07}" type="datetimeFigureOut">
               <a:rPr lang="en-SG" smtClean="0"/>
-              <a:t>6/7/2018</a:t>
+              <a:t>5/3/19</a:t>
             </a:fld>
             <a:endParaRPr lang="en-SG"/>
           </a:p>
@@ -1162,7 +1162,7 @@
           <p:cNvPr id="5" name="Footer Placeholder 4">
             <a:extLst>
               <a:ext uri="{FF2B5EF4-FFF2-40B4-BE49-F238E27FC236}">
-                <a16:creationId xmlns:a16="http://schemas.microsoft.com/office/drawing/2014/main" id="{B344C9CC-480F-4DCB-AC70-D7A4CCA0B8B7}"/>
+                <a16:creationId xmlns="" xmlns:a16="http://schemas.microsoft.com/office/drawing/2014/main" id="{B344C9CC-480F-4DCB-AC70-D7A4CCA0B8B7}"/>
               </a:ext>
             </a:extLst>
           </p:cNvPr>
@@ -1187,7 +1187,7 @@
           <p:cNvPr id="6" name="Slide Number Placeholder 5">
             <a:extLst>
               <a:ext uri="{FF2B5EF4-FFF2-40B4-BE49-F238E27FC236}">
-                <a16:creationId xmlns:a16="http://schemas.microsoft.com/office/drawing/2014/main" id="{8F5A07EC-843A-4ED9-8F1C-AD703CA36D58}"/>
+                <a16:creationId xmlns="" xmlns:a16="http://schemas.microsoft.com/office/drawing/2014/main" id="{8F5A07EC-843A-4ED9-8F1C-AD703CA36D58}"/>
               </a:ext>
             </a:extLst>
           </p:cNvPr>
@@ -1246,7 +1246,7 @@
           <p:cNvPr id="2" name="Title 1">
             <a:extLst>
               <a:ext uri="{FF2B5EF4-FFF2-40B4-BE49-F238E27FC236}">
-                <a16:creationId xmlns:a16="http://schemas.microsoft.com/office/drawing/2014/main" id="{056EE2DA-07D9-4774-A8CA-0CA247F8C72A}"/>
+                <a16:creationId xmlns="" xmlns:a16="http://schemas.microsoft.com/office/drawing/2014/main" id="{056EE2DA-07D9-4774-A8CA-0CA247F8C72A}"/>
               </a:ext>
             </a:extLst>
           </p:cNvPr>
@@ -1275,7 +1275,7 @@
           <p:cNvPr id="3" name="Content Placeholder 2">
             <a:extLst>
               <a:ext uri="{FF2B5EF4-FFF2-40B4-BE49-F238E27FC236}">
-                <a16:creationId xmlns:a16="http://schemas.microsoft.com/office/drawing/2014/main" id="{3CF93A59-4E25-4FFA-8796-AA06EF3E5C3E}"/>
+                <a16:creationId xmlns="" xmlns:a16="http://schemas.microsoft.com/office/drawing/2014/main" id="{3CF93A59-4E25-4FFA-8796-AA06EF3E5C3E}"/>
               </a:ext>
             </a:extLst>
           </p:cNvPr>
@@ -1338,7 +1338,7 @@
           <p:cNvPr id="4" name="Content Placeholder 3">
             <a:extLst>
               <a:ext uri="{FF2B5EF4-FFF2-40B4-BE49-F238E27FC236}">
-                <a16:creationId xmlns:a16="http://schemas.microsoft.com/office/drawing/2014/main" id="{81373B10-E346-4893-AFEE-65E014405E2D}"/>
+                <a16:creationId xmlns="" xmlns:a16="http://schemas.microsoft.com/office/drawing/2014/main" id="{81373B10-E346-4893-AFEE-65E014405E2D}"/>
               </a:ext>
             </a:extLst>
           </p:cNvPr>
@@ -1401,7 +1401,7 @@
           <p:cNvPr id="5" name="Date Placeholder 4">
             <a:extLst>
               <a:ext uri="{FF2B5EF4-FFF2-40B4-BE49-F238E27FC236}">
-                <a16:creationId xmlns:a16="http://schemas.microsoft.com/office/drawing/2014/main" id="{D9C411A1-6D64-4C63-A758-5D2FEE677F45}"/>
+                <a16:creationId xmlns="" xmlns:a16="http://schemas.microsoft.com/office/drawing/2014/main" id="{D9C411A1-6D64-4C63-A758-5D2FEE677F45}"/>
               </a:ext>
             </a:extLst>
           </p:cNvPr>
@@ -1419,7 +1419,7 @@
           <a:p>
             <a:fld id="{03EC4E3E-8101-482F-A883-8B55DAFF7C07}" type="datetimeFigureOut">
               <a:rPr lang="en-SG" smtClean="0"/>
-              <a:t>6/7/2018</a:t>
+              <a:t>5/3/19</a:t>
             </a:fld>
             <a:endParaRPr lang="en-SG"/>
           </a:p>
@@ -1430,7 +1430,7 @@
           <p:cNvPr id="6" name="Footer Placeholder 5">
             <a:extLst>
               <a:ext uri="{FF2B5EF4-FFF2-40B4-BE49-F238E27FC236}">
-                <a16:creationId xmlns:a16="http://schemas.microsoft.com/office/drawing/2014/main" id="{8D9C2E46-644C-4155-A697-764A7A0AB1F4}"/>
+                <a16:creationId xmlns="" xmlns:a16="http://schemas.microsoft.com/office/drawing/2014/main" id="{8D9C2E46-644C-4155-A697-764A7A0AB1F4}"/>
               </a:ext>
             </a:extLst>
           </p:cNvPr>
@@ -1455,7 +1455,7 @@
           <p:cNvPr id="7" name="Slide Number Placeholder 6">
             <a:extLst>
               <a:ext uri="{FF2B5EF4-FFF2-40B4-BE49-F238E27FC236}">
-                <a16:creationId xmlns:a16="http://schemas.microsoft.com/office/drawing/2014/main" id="{6192DEDD-6479-45E4-B1F5-6EDD41BBB103}"/>
+                <a16:creationId xmlns="" xmlns:a16="http://schemas.microsoft.com/office/drawing/2014/main" id="{6192DEDD-6479-45E4-B1F5-6EDD41BBB103}"/>
               </a:ext>
             </a:extLst>
           </p:cNvPr>
@@ -1514,7 +1514,7 @@
           <p:cNvPr id="2" name="Title 1">
             <a:extLst>
               <a:ext uri="{FF2B5EF4-FFF2-40B4-BE49-F238E27FC236}">
-                <a16:creationId xmlns:a16="http://schemas.microsoft.com/office/drawing/2014/main" id="{DC0ED888-63EF-4CC0-8500-9C8DB672FEC2}"/>
+                <a16:creationId xmlns="" xmlns:a16="http://schemas.microsoft.com/office/drawing/2014/main" id="{DC0ED888-63EF-4CC0-8500-9C8DB672FEC2}"/>
               </a:ext>
             </a:extLst>
           </p:cNvPr>
@@ -1548,7 +1548,7 @@
           <p:cNvPr id="3" name="Text Placeholder 2">
             <a:extLst>
               <a:ext uri="{FF2B5EF4-FFF2-40B4-BE49-F238E27FC236}">
-                <a16:creationId xmlns:a16="http://schemas.microsoft.com/office/drawing/2014/main" id="{3C33BC1E-FB79-4906-A967-9C7046C6D272}"/>
+                <a16:creationId xmlns="" xmlns:a16="http://schemas.microsoft.com/office/drawing/2014/main" id="{3C33BC1E-FB79-4906-A967-9C7046C6D272}"/>
               </a:ext>
             </a:extLst>
           </p:cNvPr>
@@ -1619,7 +1619,7 @@
           <p:cNvPr id="4" name="Content Placeholder 3">
             <a:extLst>
               <a:ext uri="{FF2B5EF4-FFF2-40B4-BE49-F238E27FC236}">
-                <a16:creationId xmlns:a16="http://schemas.microsoft.com/office/drawing/2014/main" id="{697A4EC6-1C42-4BA4-8108-32579276C17B}"/>
+                <a16:creationId xmlns="" xmlns:a16="http://schemas.microsoft.com/office/drawing/2014/main" id="{697A4EC6-1C42-4BA4-8108-32579276C17B}"/>
               </a:ext>
             </a:extLst>
           </p:cNvPr>
@@ -1682,7 +1682,7 @@
           <p:cNvPr id="5" name="Text Placeholder 4">
             <a:extLst>
               <a:ext uri="{FF2B5EF4-FFF2-40B4-BE49-F238E27FC236}">
-                <a16:creationId xmlns:a16="http://schemas.microsoft.com/office/drawing/2014/main" id="{8A2CA209-B9F5-4E1E-B302-74CC2D4CFDFB}"/>
+                <a16:creationId xmlns="" xmlns:a16="http://schemas.microsoft.com/office/drawing/2014/main" id="{8A2CA209-B9F5-4E1E-B302-74CC2D4CFDFB}"/>
               </a:ext>
             </a:extLst>
           </p:cNvPr>
@@ -1753,7 +1753,7 @@
           <p:cNvPr id="6" name="Content Placeholder 5">
             <a:extLst>
               <a:ext uri="{FF2B5EF4-FFF2-40B4-BE49-F238E27FC236}">
-                <a16:creationId xmlns:a16="http://schemas.microsoft.com/office/drawing/2014/main" id="{0E6E876D-DC4D-40EE-BA38-CD01089602CF}"/>
+                <a16:creationId xmlns="" xmlns:a16="http://schemas.microsoft.com/office/drawing/2014/main" id="{0E6E876D-DC4D-40EE-BA38-CD01089602CF}"/>
               </a:ext>
             </a:extLst>
           </p:cNvPr>
@@ -1816,7 +1816,7 @@
           <p:cNvPr id="7" name="Date Placeholder 6">
             <a:extLst>
               <a:ext uri="{FF2B5EF4-FFF2-40B4-BE49-F238E27FC236}">
-                <a16:creationId xmlns:a16="http://schemas.microsoft.com/office/drawing/2014/main" id="{F24E1D97-8B3C-41A1-B0BA-BA833AD8BC7C}"/>
+                <a16:creationId xmlns="" xmlns:a16="http://schemas.microsoft.com/office/drawing/2014/main" id="{F24E1D97-8B3C-41A1-B0BA-BA833AD8BC7C}"/>
               </a:ext>
             </a:extLst>
           </p:cNvPr>
@@ -1834,7 +1834,7 @@
           <a:p>
             <a:fld id="{03EC4E3E-8101-482F-A883-8B55DAFF7C07}" type="datetimeFigureOut">
               <a:rPr lang="en-SG" smtClean="0"/>
-              <a:t>6/7/2018</a:t>
+              <a:t>5/3/19</a:t>
             </a:fld>
             <a:endParaRPr lang="en-SG"/>
           </a:p>
@@ -1845,7 +1845,7 @@
           <p:cNvPr id="8" name="Footer Placeholder 7">
             <a:extLst>
               <a:ext uri="{FF2B5EF4-FFF2-40B4-BE49-F238E27FC236}">
-                <a16:creationId xmlns:a16="http://schemas.microsoft.com/office/drawing/2014/main" id="{FC358D8F-B7DA-4DCE-AC8F-706450EEC0DC}"/>
+                <a16:creationId xmlns="" xmlns:a16="http://schemas.microsoft.com/office/drawing/2014/main" id="{FC358D8F-B7DA-4DCE-AC8F-706450EEC0DC}"/>
               </a:ext>
             </a:extLst>
           </p:cNvPr>
@@ -1870,7 +1870,7 @@
           <p:cNvPr id="9" name="Slide Number Placeholder 8">
             <a:extLst>
               <a:ext uri="{FF2B5EF4-FFF2-40B4-BE49-F238E27FC236}">
-                <a16:creationId xmlns:a16="http://schemas.microsoft.com/office/drawing/2014/main" id="{40CE354E-2C73-4B6F-8AEB-14D1378A77E1}"/>
+                <a16:creationId xmlns="" xmlns:a16="http://schemas.microsoft.com/office/drawing/2014/main" id="{40CE354E-2C73-4B6F-8AEB-14D1378A77E1}"/>
               </a:ext>
             </a:extLst>
           </p:cNvPr>
@@ -1929,7 +1929,7 @@
           <p:cNvPr id="2" name="Title 1">
             <a:extLst>
               <a:ext uri="{FF2B5EF4-FFF2-40B4-BE49-F238E27FC236}">
-                <a16:creationId xmlns:a16="http://schemas.microsoft.com/office/drawing/2014/main" id="{17D9D381-288C-43FB-86C2-AAA4FCFD43FD}"/>
+                <a16:creationId xmlns="" xmlns:a16="http://schemas.microsoft.com/office/drawing/2014/main" id="{17D9D381-288C-43FB-86C2-AAA4FCFD43FD}"/>
               </a:ext>
             </a:extLst>
           </p:cNvPr>
@@ -1958,7 +1958,7 @@
           <p:cNvPr id="3" name="Date Placeholder 2">
             <a:extLst>
               <a:ext uri="{FF2B5EF4-FFF2-40B4-BE49-F238E27FC236}">
-                <a16:creationId xmlns:a16="http://schemas.microsoft.com/office/drawing/2014/main" id="{A85D75E5-4830-4F75-8132-91122609F925}"/>
+                <a16:creationId xmlns="" xmlns:a16="http://schemas.microsoft.com/office/drawing/2014/main" id="{A85D75E5-4830-4F75-8132-91122609F925}"/>
               </a:ext>
             </a:extLst>
           </p:cNvPr>
@@ -1976,7 +1976,7 @@
           <a:p>
             <a:fld id="{03EC4E3E-8101-482F-A883-8B55DAFF7C07}" type="datetimeFigureOut">
               <a:rPr lang="en-SG" smtClean="0"/>
-              <a:t>6/7/2018</a:t>
+              <a:t>5/3/19</a:t>
             </a:fld>
             <a:endParaRPr lang="en-SG"/>
           </a:p>
@@ -1987,7 +1987,7 @@
           <p:cNvPr id="4" name="Footer Placeholder 3">
             <a:extLst>
               <a:ext uri="{FF2B5EF4-FFF2-40B4-BE49-F238E27FC236}">
-                <a16:creationId xmlns:a16="http://schemas.microsoft.com/office/drawing/2014/main" id="{0C14A42C-834F-43EA-8053-84D5A665CEE7}"/>
+                <a16:creationId xmlns="" xmlns:a16="http://schemas.microsoft.com/office/drawing/2014/main" id="{0C14A42C-834F-43EA-8053-84D5A665CEE7}"/>
               </a:ext>
             </a:extLst>
           </p:cNvPr>
@@ -2012,7 +2012,7 @@
           <p:cNvPr id="5" name="Slide Number Placeholder 4">
             <a:extLst>
               <a:ext uri="{FF2B5EF4-FFF2-40B4-BE49-F238E27FC236}">
-                <a16:creationId xmlns:a16="http://schemas.microsoft.com/office/drawing/2014/main" id="{38C1E789-CDA9-48FF-A7BA-F21E31600226}"/>
+                <a16:creationId xmlns="" xmlns:a16="http://schemas.microsoft.com/office/drawing/2014/main" id="{38C1E789-CDA9-48FF-A7BA-F21E31600226}"/>
               </a:ext>
             </a:extLst>
           </p:cNvPr>
@@ -2071,7 +2071,7 @@
           <p:cNvPr id="2" name="Date Placeholder 1">
             <a:extLst>
               <a:ext uri="{FF2B5EF4-FFF2-40B4-BE49-F238E27FC236}">
-                <a16:creationId xmlns:a16="http://schemas.microsoft.com/office/drawing/2014/main" id="{21A40ECD-0ABD-4F35-B481-512A01FC643D}"/>
+                <a16:creationId xmlns="" xmlns:a16="http://schemas.microsoft.com/office/drawing/2014/main" id="{21A40ECD-0ABD-4F35-B481-512A01FC643D}"/>
               </a:ext>
             </a:extLst>
           </p:cNvPr>
@@ -2089,7 +2089,7 @@
           <a:p>
             <a:fld id="{03EC4E3E-8101-482F-A883-8B55DAFF7C07}" type="datetimeFigureOut">
               <a:rPr lang="en-SG" smtClean="0"/>
-              <a:t>6/7/2018</a:t>
+              <a:t>5/3/19</a:t>
             </a:fld>
             <a:endParaRPr lang="en-SG"/>
           </a:p>
@@ -2100,7 +2100,7 @@
           <p:cNvPr id="3" name="Footer Placeholder 2">
             <a:extLst>
               <a:ext uri="{FF2B5EF4-FFF2-40B4-BE49-F238E27FC236}">
-                <a16:creationId xmlns:a16="http://schemas.microsoft.com/office/drawing/2014/main" id="{D44B8F11-A412-4FA6-9070-B9C742F699F3}"/>
+                <a16:creationId xmlns="" xmlns:a16="http://schemas.microsoft.com/office/drawing/2014/main" id="{D44B8F11-A412-4FA6-9070-B9C742F699F3}"/>
               </a:ext>
             </a:extLst>
           </p:cNvPr>
@@ -2125,7 +2125,7 @@
           <p:cNvPr id="4" name="Slide Number Placeholder 3">
             <a:extLst>
               <a:ext uri="{FF2B5EF4-FFF2-40B4-BE49-F238E27FC236}">
-                <a16:creationId xmlns:a16="http://schemas.microsoft.com/office/drawing/2014/main" id="{E3EA086A-DA0B-4378-A128-F213644ECB0C}"/>
+                <a16:creationId xmlns="" xmlns:a16="http://schemas.microsoft.com/office/drawing/2014/main" id="{E3EA086A-DA0B-4378-A128-F213644ECB0C}"/>
               </a:ext>
             </a:extLst>
           </p:cNvPr>
@@ -2184,7 +2184,7 @@
           <p:cNvPr id="2" name="Title 1">
             <a:extLst>
               <a:ext uri="{FF2B5EF4-FFF2-40B4-BE49-F238E27FC236}">
-                <a16:creationId xmlns:a16="http://schemas.microsoft.com/office/drawing/2014/main" id="{765D165A-D423-4E89-A075-D59A9FB59792}"/>
+                <a16:creationId xmlns="" xmlns:a16="http://schemas.microsoft.com/office/drawing/2014/main" id="{765D165A-D423-4E89-A075-D59A9FB59792}"/>
               </a:ext>
             </a:extLst>
           </p:cNvPr>
@@ -2222,7 +2222,7 @@
           <p:cNvPr id="3" name="Content Placeholder 2">
             <a:extLst>
               <a:ext uri="{FF2B5EF4-FFF2-40B4-BE49-F238E27FC236}">
-                <a16:creationId xmlns:a16="http://schemas.microsoft.com/office/drawing/2014/main" id="{77C2A5CC-2876-49CA-993D-F4F73FC9D2B0}"/>
+                <a16:creationId xmlns="" xmlns:a16="http://schemas.microsoft.com/office/drawing/2014/main" id="{77C2A5CC-2876-49CA-993D-F4F73FC9D2B0}"/>
               </a:ext>
             </a:extLst>
           </p:cNvPr>
@@ -2313,7 +2313,7 @@
           <p:cNvPr id="4" name="Text Placeholder 3">
             <a:extLst>
               <a:ext uri="{FF2B5EF4-FFF2-40B4-BE49-F238E27FC236}">
-                <a16:creationId xmlns:a16="http://schemas.microsoft.com/office/drawing/2014/main" id="{7B4DE2E8-CCF6-4E88-A858-05A04CD0D736}"/>
+                <a16:creationId xmlns="" xmlns:a16="http://schemas.microsoft.com/office/drawing/2014/main" id="{7B4DE2E8-CCF6-4E88-A858-05A04CD0D736}"/>
               </a:ext>
             </a:extLst>
           </p:cNvPr>
@@ -2384,7 +2384,7 @@
           <p:cNvPr id="5" name="Date Placeholder 4">
             <a:extLst>
               <a:ext uri="{FF2B5EF4-FFF2-40B4-BE49-F238E27FC236}">
-                <a16:creationId xmlns:a16="http://schemas.microsoft.com/office/drawing/2014/main" id="{CAEBEC1E-DE48-4B55-A846-F8248E381145}"/>
+                <a16:creationId xmlns="" xmlns:a16="http://schemas.microsoft.com/office/drawing/2014/main" id="{CAEBEC1E-DE48-4B55-A846-F8248E381145}"/>
               </a:ext>
             </a:extLst>
           </p:cNvPr>
@@ -2402,7 +2402,7 @@
           <a:p>
             <a:fld id="{03EC4E3E-8101-482F-A883-8B55DAFF7C07}" type="datetimeFigureOut">
               <a:rPr lang="en-SG" smtClean="0"/>
-              <a:t>6/7/2018</a:t>
+              <a:t>5/3/19</a:t>
             </a:fld>
             <a:endParaRPr lang="en-SG"/>
           </a:p>
@@ -2413,7 +2413,7 @@
           <p:cNvPr id="6" name="Footer Placeholder 5">
             <a:extLst>
               <a:ext uri="{FF2B5EF4-FFF2-40B4-BE49-F238E27FC236}">
-                <a16:creationId xmlns:a16="http://schemas.microsoft.com/office/drawing/2014/main" id="{945A6E8B-6BC2-49E9-B4E5-DAD3F7A1A1BF}"/>
+                <a16:creationId xmlns="" xmlns:a16="http://schemas.microsoft.com/office/drawing/2014/main" id="{945A6E8B-6BC2-49E9-B4E5-DAD3F7A1A1BF}"/>
               </a:ext>
             </a:extLst>
           </p:cNvPr>
@@ -2438,7 +2438,7 @@
           <p:cNvPr id="7" name="Slide Number Placeholder 6">
             <a:extLst>
               <a:ext uri="{FF2B5EF4-FFF2-40B4-BE49-F238E27FC236}">
-                <a16:creationId xmlns:a16="http://schemas.microsoft.com/office/drawing/2014/main" id="{E5CF739B-EDF0-43CE-A87E-C49F040C85A5}"/>
+                <a16:creationId xmlns="" xmlns:a16="http://schemas.microsoft.com/office/drawing/2014/main" id="{E5CF739B-EDF0-43CE-A87E-C49F040C85A5}"/>
               </a:ext>
             </a:extLst>
           </p:cNvPr>
@@ -2497,7 +2497,7 @@
           <p:cNvPr id="2" name="Title 1">
             <a:extLst>
               <a:ext uri="{FF2B5EF4-FFF2-40B4-BE49-F238E27FC236}">
-                <a16:creationId xmlns:a16="http://schemas.microsoft.com/office/drawing/2014/main" id="{0091F49F-E849-4834-84DB-61CF2F2652D4}"/>
+                <a16:creationId xmlns="" xmlns:a16="http://schemas.microsoft.com/office/drawing/2014/main" id="{0091F49F-E849-4834-84DB-61CF2F2652D4}"/>
               </a:ext>
             </a:extLst>
           </p:cNvPr>
@@ -2535,7 +2535,7 @@
           <p:cNvPr id="3" name="Picture Placeholder 2">
             <a:extLst>
               <a:ext uri="{FF2B5EF4-FFF2-40B4-BE49-F238E27FC236}">
-                <a16:creationId xmlns:a16="http://schemas.microsoft.com/office/drawing/2014/main" id="{631D62A9-3420-4F1C-9EB9-09EF85106E78}"/>
+                <a16:creationId xmlns="" xmlns:a16="http://schemas.microsoft.com/office/drawing/2014/main" id="{631D62A9-3420-4F1C-9EB9-09EF85106E78}"/>
               </a:ext>
             </a:extLst>
           </p:cNvPr>
@@ -2602,7 +2602,7 @@
           <p:cNvPr id="4" name="Text Placeholder 3">
             <a:extLst>
               <a:ext uri="{FF2B5EF4-FFF2-40B4-BE49-F238E27FC236}">
-                <a16:creationId xmlns:a16="http://schemas.microsoft.com/office/drawing/2014/main" id="{E450EC8D-D7F4-45FC-AD8C-2E198A32CCA2}"/>
+                <a16:creationId xmlns="" xmlns:a16="http://schemas.microsoft.com/office/drawing/2014/main" id="{E450EC8D-D7F4-45FC-AD8C-2E198A32CCA2}"/>
               </a:ext>
             </a:extLst>
           </p:cNvPr>
@@ -2673,7 +2673,7 @@
           <p:cNvPr id="5" name="Date Placeholder 4">
             <a:extLst>
               <a:ext uri="{FF2B5EF4-FFF2-40B4-BE49-F238E27FC236}">
-                <a16:creationId xmlns:a16="http://schemas.microsoft.com/office/drawing/2014/main" id="{7A73D668-ABF4-41FE-958C-542EEDC5F6CC}"/>
+                <a16:creationId xmlns="" xmlns:a16="http://schemas.microsoft.com/office/drawing/2014/main" id="{7A73D668-ABF4-41FE-958C-542EEDC5F6CC}"/>
               </a:ext>
             </a:extLst>
           </p:cNvPr>
@@ -2691,7 +2691,7 @@
           <a:p>
             <a:fld id="{03EC4E3E-8101-482F-A883-8B55DAFF7C07}" type="datetimeFigureOut">
               <a:rPr lang="en-SG" smtClean="0"/>
-              <a:t>6/7/2018</a:t>
+              <a:t>5/3/19</a:t>
             </a:fld>
             <a:endParaRPr lang="en-SG"/>
           </a:p>
@@ -2702,7 +2702,7 @@
           <p:cNvPr id="6" name="Footer Placeholder 5">
             <a:extLst>
               <a:ext uri="{FF2B5EF4-FFF2-40B4-BE49-F238E27FC236}">
-                <a16:creationId xmlns:a16="http://schemas.microsoft.com/office/drawing/2014/main" id="{F4A83B1C-93E7-4D32-9D1B-3F37403B1ACD}"/>
+                <a16:creationId xmlns="" xmlns:a16="http://schemas.microsoft.com/office/drawing/2014/main" id="{F4A83B1C-93E7-4D32-9D1B-3F37403B1ACD}"/>
               </a:ext>
             </a:extLst>
           </p:cNvPr>
@@ -2727,7 +2727,7 @@
           <p:cNvPr id="7" name="Slide Number Placeholder 6">
             <a:extLst>
               <a:ext uri="{FF2B5EF4-FFF2-40B4-BE49-F238E27FC236}">
-                <a16:creationId xmlns:a16="http://schemas.microsoft.com/office/drawing/2014/main" id="{C6AF73BE-F17B-487B-943B-28655BB51C92}"/>
+                <a16:creationId xmlns="" xmlns:a16="http://schemas.microsoft.com/office/drawing/2014/main" id="{C6AF73BE-F17B-487B-943B-28655BB51C92}"/>
               </a:ext>
             </a:extLst>
           </p:cNvPr>
@@ -2791,7 +2791,7 @@
           <p:cNvPr id="2" name="Title Placeholder 1">
             <a:extLst>
               <a:ext uri="{FF2B5EF4-FFF2-40B4-BE49-F238E27FC236}">
-                <a16:creationId xmlns:a16="http://schemas.microsoft.com/office/drawing/2014/main" id="{96F7127E-5F47-4B37-9FDB-695AB14D9551}"/>
+                <a16:creationId xmlns="" xmlns:a16="http://schemas.microsoft.com/office/drawing/2014/main" id="{96F7127E-5F47-4B37-9FDB-695AB14D9551}"/>
               </a:ext>
             </a:extLst>
           </p:cNvPr>
@@ -2830,7 +2830,7 @@
           <p:cNvPr id="3" name="Text Placeholder 2">
             <a:extLst>
               <a:ext uri="{FF2B5EF4-FFF2-40B4-BE49-F238E27FC236}">
-                <a16:creationId xmlns:a16="http://schemas.microsoft.com/office/drawing/2014/main" id="{3BD20F0F-B303-4EE3-AF17-E303EA90B1A3}"/>
+                <a16:creationId xmlns="" xmlns:a16="http://schemas.microsoft.com/office/drawing/2014/main" id="{3BD20F0F-B303-4EE3-AF17-E303EA90B1A3}"/>
               </a:ext>
             </a:extLst>
           </p:cNvPr>
@@ -2898,7 +2898,7 @@
           <p:cNvPr id="4" name="Date Placeholder 3">
             <a:extLst>
               <a:ext uri="{FF2B5EF4-FFF2-40B4-BE49-F238E27FC236}">
-                <a16:creationId xmlns:a16="http://schemas.microsoft.com/office/drawing/2014/main" id="{7927ADFB-0C7F-4333-A456-815FAB4B0315}"/>
+                <a16:creationId xmlns="" xmlns:a16="http://schemas.microsoft.com/office/drawing/2014/main" id="{7927ADFB-0C7F-4333-A456-815FAB4B0315}"/>
               </a:ext>
             </a:extLst>
           </p:cNvPr>
@@ -2934,7 +2934,7 @@
           <a:p>
             <a:fld id="{03EC4E3E-8101-482F-A883-8B55DAFF7C07}" type="datetimeFigureOut">
               <a:rPr lang="en-SG" smtClean="0"/>
-              <a:t>6/7/2018</a:t>
+              <a:t>5/3/19</a:t>
             </a:fld>
             <a:endParaRPr lang="en-SG"/>
           </a:p>
@@ -2945,7 +2945,7 @@
           <p:cNvPr id="5" name="Footer Placeholder 4">
             <a:extLst>
               <a:ext uri="{FF2B5EF4-FFF2-40B4-BE49-F238E27FC236}">
-                <a16:creationId xmlns:a16="http://schemas.microsoft.com/office/drawing/2014/main" id="{A1992B28-8397-4C93-A277-5EE43A537825}"/>
+                <a16:creationId xmlns="" xmlns:a16="http://schemas.microsoft.com/office/drawing/2014/main" id="{A1992B28-8397-4C93-A277-5EE43A537825}"/>
               </a:ext>
             </a:extLst>
           </p:cNvPr>
@@ -2988,7 +2988,7 @@
           <p:cNvPr id="6" name="Slide Number Placeholder 5">
             <a:extLst>
               <a:ext uri="{FF2B5EF4-FFF2-40B4-BE49-F238E27FC236}">
-                <a16:creationId xmlns:a16="http://schemas.microsoft.com/office/drawing/2014/main" id="{D7231209-A74B-4134-87D0-421AB81BBB47}"/>
+                <a16:creationId xmlns="" xmlns:a16="http://schemas.microsoft.com/office/drawing/2014/main" id="{D7231209-A74B-4134-87D0-421AB81BBB47}"/>
               </a:ext>
             </a:extLst>
           </p:cNvPr>
@@ -3400,7 +3400,7 @@
           <p:cNvPr id="16" name="TextBox 15">
             <a:extLst>
               <a:ext uri="{FF2B5EF4-FFF2-40B4-BE49-F238E27FC236}">
-                <a16:creationId xmlns:a16="http://schemas.microsoft.com/office/drawing/2014/main" id="{3151A13B-9509-43FA-BFEB-1D9866A00B84}"/>
+                <a16:creationId xmlns="" xmlns:a16="http://schemas.microsoft.com/office/drawing/2014/main" id="{3151A13B-9509-43FA-BFEB-1D9866A00B84}"/>
               </a:ext>
             </a:extLst>
           </p:cNvPr>
@@ -3444,7 +3444,7 @@
           <p:cNvPr id="17" name="Table 16">
             <a:extLst>
               <a:ext uri="{FF2B5EF4-FFF2-40B4-BE49-F238E27FC236}">
-                <a16:creationId xmlns:a16="http://schemas.microsoft.com/office/drawing/2014/main" id="{F545FAB8-F1CE-4886-9BDE-E772BCB0A9C4}"/>
+                <a16:creationId xmlns="" xmlns:a16="http://schemas.microsoft.com/office/drawing/2014/main" id="{F545FAB8-F1CE-4886-9BDE-E772BCB0A9C4}"/>
               </a:ext>
             </a:extLst>
           </p:cNvPr>
@@ -3454,7 +3454,7 @@
           <p:nvPr>
             <p:extLst>
               <p:ext uri="{D42A27DB-BD31-4B8C-83A1-F6EECF244321}">
-                <p14:modId xmlns:p14="http://schemas.microsoft.com/office/powerpoint/2010/main" val="2776987765"/>
+                <p14:modId xmlns:p14="http://schemas.microsoft.com/office/powerpoint/2010/main" val="104109322"/>
               </p:ext>
             </p:extLst>
           </p:nvPr>
@@ -3473,7 +3473,7 @@
                 <a:gridCol w="1825597">
                   <a:extLst>
                     <a:ext uri="{9D8B030D-6E8A-4147-A177-3AD203B41FA5}">
-                      <a16:colId xmlns:a16="http://schemas.microsoft.com/office/drawing/2014/main" val="4240773277"/>
+                      <a16:colId xmlns="" xmlns:a16="http://schemas.microsoft.com/office/drawing/2014/main" val="4240773277"/>
                     </a:ext>
                   </a:extLst>
                 </a:gridCol>
@@ -3485,12 +3485,12 @@
                     <a:lstStyle/>
                     <a:p>
                       <a:r>
-                        <a:rPr lang="en-SG" u="sng" dirty="0"/>
-                        <a:t>ab0:</a:t>
+                        <a:rPr lang="en-SG" u="sng" dirty="0" smtClean="0"/>
+                        <a:t>b0:</a:t>
                       </a:r>
                       <a:r>
-                        <a:rPr lang="en-SG" sz="1800" u="sng" dirty="0"/>
-                        <a:t>AddressBook</a:t>
+                        <a:rPr lang="en-SG" sz="1800" u="sng" dirty="0" smtClean="0"/>
+                        <a:t>BookShelf</a:t>
                       </a:r>
                       <a:endParaRPr lang="en-SG" sz="1600" u="sng" dirty="0"/>
                     </a:p>
@@ -3499,7 +3499,7 @@
                 </a:tc>
                 <a:extLst>
                   <a:ext uri="{0D108BD9-81ED-4DB2-BD59-A6C34878D82A}">
-                    <a16:rowId xmlns:a16="http://schemas.microsoft.com/office/drawing/2014/main" val="2194462629"/>
+                    <a16:rowId xmlns="" xmlns:a16="http://schemas.microsoft.com/office/drawing/2014/main" val="2194462629"/>
                   </a:ext>
                 </a:extLst>
               </a:tr>
@@ -3558,7 +3558,7 @@
           <p:cNvPr id="21" name="TextBox 20">
             <a:extLst>
               <a:ext uri="{FF2B5EF4-FFF2-40B4-BE49-F238E27FC236}">
-                <a16:creationId xmlns:a16="http://schemas.microsoft.com/office/drawing/2014/main" id="{3151A13B-9509-43FA-BFEB-1D9866A00B84}"/>
+                <a16:creationId xmlns="" xmlns:a16="http://schemas.microsoft.com/office/drawing/2014/main" id="{3151A13B-9509-43FA-BFEB-1D9866A00B84}"/>
               </a:ext>
             </a:extLst>
           </p:cNvPr>
@@ -3648,7 +3648,7 @@
           <p:cNvPr id="15" name="Table 14">
             <a:extLst>
               <a:ext uri="{FF2B5EF4-FFF2-40B4-BE49-F238E27FC236}">
-                <a16:creationId xmlns:a16="http://schemas.microsoft.com/office/drawing/2014/main" id="{F545FAB8-F1CE-4886-9BDE-E772BCB0A9C4}"/>
+                <a16:creationId xmlns="" xmlns:a16="http://schemas.microsoft.com/office/drawing/2014/main" id="{F545FAB8-F1CE-4886-9BDE-E772BCB0A9C4}"/>
               </a:ext>
             </a:extLst>
           </p:cNvPr>
@@ -3658,7 +3658,7 @@
           <p:nvPr>
             <p:extLst>
               <p:ext uri="{D42A27DB-BD31-4B8C-83A1-F6EECF244321}">
-                <p14:modId xmlns:p14="http://schemas.microsoft.com/office/powerpoint/2010/main" val="1878903007"/>
+                <p14:modId xmlns:p14="http://schemas.microsoft.com/office/powerpoint/2010/main" val="1713686196"/>
               </p:ext>
             </p:extLst>
           </p:nvPr>
@@ -3677,7 +3677,7 @@
                 <a:gridCol w="1825597">
                   <a:extLst>
                     <a:ext uri="{9D8B030D-6E8A-4147-A177-3AD203B41FA5}">
-                      <a16:colId xmlns:a16="http://schemas.microsoft.com/office/drawing/2014/main" val="4240773277"/>
+                      <a16:colId xmlns="" xmlns:a16="http://schemas.microsoft.com/office/drawing/2014/main" val="4240773277"/>
                     </a:ext>
                   </a:extLst>
                 </a:gridCol>
@@ -3689,12 +3689,12 @@
                     <a:lstStyle/>
                     <a:p>
                       <a:r>
-                        <a:rPr lang="en-SG" u="sng" dirty="0"/>
-                        <a:t>ab2:</a:t>
+                        <a:rPr lang="en-SG" u="sng" dirty="0" smtClean="0"/>
+                        <a:t>b2:</a:t>
                       </a:r>
                       <a:r>
-                        <a:rPr lang="en-SG" sz="1800" u="sng" dirty="0"/>
-                        <a:t>AddressBook</a:t>
+                        <a:rPr lang="en-SG" sz="1800" u="sng" dirty="0" smtClean="0"/>
+                        <a:t>BookShelf</a:t>
                       </a:r>
                       <a:endParaRPr lang="en-SG" sz="1600" u="sng" dirty="0"/>
                     </a:p>
@@ -3703,7 +3703,7 @@
                 </a:tc>
                 <a:extLst>
                   <a:ext uri="{0D108BD9-81ED-4DB2-BD59-A6C34878D82A}">
-                    <a16:rowId xmlns:a16="http://schemas.microsoft.com/office/drawing/2014/main" val="2194462629"/>
+                    <a16:rowId xmlns="" xmlns:a16="http://schemas.microsoft.com/office/drawing/2014/main" val="2194462629"/>
                   </a:ext>
                 </a:extLst>
               </a:tr>
@@ -3716,7 +3716,7 @@
           <p:cNvPr id="28" name="Table 27">
             <a:extLst>
               <a:ext uri="{FF2B5EF4-FFF2-40B4-BE49-F238E27FC236}">
-                <a16:creationId xmlns:a16="http://schemas.microsoft.com/office/drawing/2014/main" id="{F545FAB8-F1CE-4886-9BDE-E772BCB0A9C4}"/>
+                <a16:creationId xmlns="" xmlns:a16="http://schemas.microsoft.com/office/drawing/2014/main" id="{F545FAB8-F1CE-4886-9BDE-E772BCB0A9C4}"/>
               </a:ext>
             </a:extLst>
           </p:cNvPr>
@@ -3726,7 +3726,7 @@
           <p:nvPr>
             <p:extLst>
               <p:ext uri="{D42A27DB-BD31-4B8C-83A1-F6EECF244321}">
-                <p14:modId xmlns:p14="http://schemas.microsoft.com/office/powerpoint/2010/main" val="547626409"/>
+                <p14:modId xmlns:p14="http://schemas.microsoft.com/office/powerpoint/2010/main" val="2020706255"/>
               </p:ext>
             </p:extLst>
           </p:nvPr>
@@ -3745,7 +3745,7 @@
                 <a:gridCol w="1825597">
                   <a:extLst>
                     <a:ext uri="{9D8B030D-6E8A-4147-A177-3AD203B41FA5}">
-                      <a16:colId xmlns:a16="http://schemas.microsoft.com/office/drawing/2014/main" val="4240773277"/>
+                      <a16:colId xmlns="" xmlns:a16="http://schemas.microsoft.com/office/drawing/2014/main" val="4240773277"/>
                     </a:ext>
                   </a:extLst>
                 </a:gridCol>
@@ -3757,12 +3757,12 @@
                     <a:lstStyle/>
                     <a:p>
                       <a:r>
-                        <a:rPr lang="en-SG" u="sng" dirty="0"/>
-                        <a:t>ab1:</a:t>
+                        <a:rPr lang="en-SG" u="sng" dirty="0" smtClean="0"/>
+                        <a:t>b1:</a:t>
                       </a:r>
                       <a:r>
-                        <a:rPr lang="en-SG" sz="1800" u="sng" dirty="0"/>
-                        <a:t>AddressBook</a:t>
+                        <a:rPr lang="en-SG" sz="1800" u="sng" dirty="0" smtClean="0"/>
+                        <a:t>BookShelf</a:t>
                       </a:r>
                       <a:endParaRPr lang="en-SG" sz="1600" u="sng" dirty="0"/>
                     </a:p>
@@ -3771,7 +3771,7 @@
                 </a:tc>
                 <a:extLst>
                   <a:ext uri="{0D108BD9-81ED-4DB2-BD59-A6C34878D82A}">
-                    <a16:rowId xmlns:a16="http://schemas.microsoft.com/office/drawing/2014/main" val="2194462629"/>
+                    <a16:rowId xmlns="" xmlns:a16="http://schemas.microsoft.com/office/drawing/2014/main" val="2194462629"/>
                   </a:ext>
                 </a:extLst>
               </a:tr>
@@ -3784,7 +3784,7 @@
           <p:cNvPr id="29" name="Table 28">
             <a:extLst>
               <a:ext uri="{FF2B5EF4-FFF2-40B4-BE49-F238E27FC236}">
-                <a16:creationId xmlns:a16="http://schemas.microsoft.com/office/drawing/2014/main" id="{F545FAB8-F1CE-4886-9BDE-E772BCB0A9C4}"/>
+                <a16:creationId xmlns="" xmlns:a16="http://schemas.microsoft.com/office/drawing/2014/main" id="{F545FAB8-F1CE-4886-9BDE-E772BCB0A9C4}"/>
               </a:ext>
             </a:extLst>
           </p:cNvPr>
@@ -3794,7 +3794,7 @@
           <p:nvPr>
             <p:extLst>
               <p:ext uri="{D42A27DB-BD31-4B8C-83A1-F6EECF244321}">
-                <p14:modId xmlns:p14="http://schemas.microsoft.com/office/powerpoint/2010/main" val="1824208515"/>
+                <p14:modId xmlns:p14="http://schemas.microsoft.com/office/powerpoint/2010/main" val="1703634127"/>
               </p:ext>
             </p:extLst>
           </p:nvPr>
@@ -3813,7 +3813,7 @@
                 <a:gridCol w="1825597">
                   <a:extLst>
                     <a:ext uri="{9D8B030D-6E8A-4147-A177-3AD203B41FA5}">
-                      <a16:colId xmlns:a16="http://schemas.microsoft.com/office/drawing/2014/main" val="4240773277"/>
+                      <a16:colId xmlns="" xmlns:a16="http://schemas.microsoft.com/office/drawing/2014/main" val="4240773277"/>
                     </a:ext>
                   </a:extLst>
                 </a:gridCol>
@@ -3825,12 +3825,12 @@
                     <a:lstStyle/>
                     <a:p>
                       <a:r>
-                        <a:rPr lang="en-SG" u="sng" dirty="0"/>
-                        <a:t>ab0:</a:t>
+                        <a:rPr lang="en-SG" u="sng" dirty="0" smtClean="0"/>
+                        <a:t>b0:</a:t>
                       </a:r>
                       <a:r>
-                        <a:rPr lang="en-SG" sz="1800" u="sng" dirty="0"/>
-                        <a:t>AddressBook</a:t>
+                        <a:rPr lang="en-SG" sz="1800" u="sng" dirty="0" smtClean="0"/>
+                        <a:t>BookShelf</a:t>
                       </a:r>
                       <a:endParaRPr lang="en-SG" sz="1600" u="sng" dirty="0"/>
                     </a:p>
@@ -3839,7 +3839,7 @@
                 </a:tc>
                 <a:extLst>
                   <a:ext uri="{0D108BD9-81ED-4DB2-BD59-A6C34878D82A}">
-                    <a16:rowId xmlns:a16="http://schemas.microsoft.com/office/drawing/2014/main" val="2194462629"/>
+                    <a16:rowId xmlns="" xmlns:a16="http://schemas.microsoft.com/office/drawing/2014/main" val="2194462629"/>
                   </a:ext>
                 </a:extLst>
               </a:tr>
@@ -3852,7 +3852,7 @@
           <p:cNvPr id="30" name="Table 29">
             <a:extLst>
               <a:ext uri="{FF2B5EF4-FFF2-40B4-BE49-F238E27FC236}">
-                <a16:creationId xmlns:a16="http://schemas.microsoft.com/office/drawing/2014/main" id="{F545FAB8-F1CE-4886-9BDE-E772BCB0A9C4}"/>
+                <a16:creationId xmlns="" xmlns:a16="http://schemas.microsoft.com/office/drawing/2014/main" id="{F545FAB8-F1CE-4886-9BDE-E772BCB0A9C4}"/>
               </a:ext>
             </a:extLst>
           </p:cNvPr>
@@ -3862,7 +3862,7 @@
           <p:nvPr>
             <p:extLst>
               <p:ext uri="{D42A27DB-BD31-4B8C-83A1-F6EECF244321}">
-                <p14:modId xmlns:p14="http://schemas.microsoft.com/office/powerpoint/2010/main" val="1414922247"/>
+                <p14:modId xmlns:p14="http://schemas.microsoft.com/office/powerpoint/2010/main" val="579307038"/>
               </p:ext>
             </p:extLst>
           </p:nvPr>
@@ -3881,7 +3881,7 @@
                 <a:gridCol w="1825597">
                   <a:extLst>
                     <a:ext uri="{9D8B030D-6E8A-4147-A177-3AD203B41FA5}">
-                      <a16:colId xmlns:a16="http://schemas.microsoft.com/office/drawing/2014/main" val="4240773277"/>
+                      <a16:colId xmlns="" xmlns:a16="http://schemas.microsoft.com/office/drawing/2014/main" val="4240773277"/>
                     </a:ext>
                   </a:extLst>
                 </a:gridCol>
@@ -3893,12 +3893,12 @@
                     <a:lstStyle/>
                     <a:p>
                       <a:r>
-                        <a:rPr lang="en-SG" u="sng" dirty="0"/>
-                        <a:t>ab2:</a:t>
+                        <a:rPr lang="en-SG" u="sng" smtClean="0"/>
+                        <a:t>b2:</a:t>
                       </a:r>
                       <a:r>
-                        <a:rPr lang="en-SG" sz="1800" u="sng" dirty="0"/>
-                        <a:t>AddressBook</a:t>
+                        <a:rPr lang="en-SG" sz="1800" u="sng" smtClean="0"/>
+                        <a:t>BookShelf</a:t>
                       </a:r>
                       <a:endParaRPr lang="en-SG" sz="1600" u="sng" dirty="0"/>
                     </a:p>
@@ -3907,7 +3907,7 @@
                 </a:tc>
                 <a:extLst>
                   <a:ext uri="{0D108BD9-81ED-4DB2-BD59-A6C34878D82A}">
-                    <a16:rowId xmlns:a16="http://schemas.microsoft.com/office/drawing/2014/main" val="2194462629"/>
+                    <a16:rowId xmlns="" xmlns:a16="http://schemas.microsoft.com/office/drawing/2014/main" val="2194462629"/>
                   </a:ext>
                 </a:extLst>
               </a:tr>
@@ -3920,7 +3920,7 @@
           <p:cNvPr id="31" name="Table 30">
             <a:extLst>
               <a:ext uri="{FF2B5EF4-FFF2-40B4-BE49-F238E27FC236}">
-                <a16:creationId xmlns:a16="http://schemas.microsoft.com/office/drawing/2014/main" id="{F545FAB8-F1CE-4886-9BDE-E772BCB0A9C4}"/>
+                <a16:creationId xmlns="" xmlns:a16="http://schemas.microsoft.com/office/drawing/2014/main" id="{F545FAB8-F1CE-4886-9BDE-E772BCB0A9C4}"/>
               </a:ext>
             </a:extLst>
           </p:cNvPr>
@@ -3930,7 +3930,7 @@
           <p:nvPr>
             <p:extLst>
               <p:ext uri="{D42A27DB-BD31-4B8C-83A1-F6EECF244321}">
-                <p14:modId xmlns:p14="http://schemas.microsoft.com/office/powerpoint/2010/main" val="1703544754"/>
+                <p14:modId xmlns:p14="http://schemas.microsoft.com/office/powerpoint/2010/main" val="1870015815"/>
               </p:ext>
             </p:extLst>
           </p:nvPr>
@@ -3949,7 +3949,7 @@
                 <a:gridCol w="1825597">
                   <a:extLst>
                     <a:ext uri="{9D8B030D-6E8A-4147-A177-3AD203B41FA5}">
-                      <a16:colId xmlns:a16="http://schemas.microsoft.com/office/drawing/2014/main" val="4240773277"/>
+                      <a16:colId xmlns="" xmlns:a16="http://schemas.microsoft.com/office/drawing/2014/main" val="4240773277"/>
                     </a:ext>
                   </a:extLst>
                 </a:gridCol>
@@ -3961,12 +3961,12 @@
                     <a:lstStyle/>
                     <a:p>
                       <a:r>
-                        <a:rPr lang="en-SG" u="sng" dirty="0"/>
-                        <a:t>ab1:</a:t>
+                        <a:rPr lang="en-SG" u="sng" dirty="0" smtClean="0"/>
+                        <a:t>b1:</a:t>
                       </a:r>
                       <a:r>
-                        <a:rPr lang="en-SG" sz="1800" u="sng" dirty="0"/>
-                        <a:t>AddressBook</a:t>
+                        <a:rPr lang="en-SG" sz="1800" u="sng" dirty="0" smtClean="0"/>
+                        <a:t>BookShelf</a:t>
                       </a:r>
                       <a:endParaRPr lang="en-SG" sz="1600" u="sng" dirty="0"/>
                     </a:p>
@@ -3975,7 +3975,7 @@
                 </a:tc>
                 <a:extLst>
                   <a:ext uri="{0D108BD9-81ED-4DB2-BD59-A6C34878D82A}">
-                    <a16:rowId xmlns:a16="http://schemas.microsoft.com/office/drawing/2014/main" val="2194462629"/>
+                    <a16:rowId xmlns="" xmlns:a16="http://schemas.microsoft.com/office/drawing/2014/main" val="2194462629"/>
                   </a:ext>
                 </a:extLst>
               </a:tr>
@@ -3988,7 +3988,7 @@
           <p:cNvPr id="18" name="Straight Arrow Connector 17">
             <a:extLst>
               <a:ext uri="{FF2B5EF4-FFF2-40B4-BE49-F238E27FC236}">
-                <a16:creationId xmlns:a16="http://schemas.microsoft.com/office/drawing/2014/main" id="{2C7E497F-B97D-46E2-8C9C-D52263C33E33}"/>
+                <a16:creationId xmlns="" xmlns:a16="http://schemas.microsoft.com/office/drawing/2014/main" id="{2C7E497F-B97D-46E2-8C9C-D52263C33E33}"/>
               </a:ext>
             </a:extLst>
           </p:cNvPr>
@@ -4032,7 +4032,7 @@
           <p:cNvPr id="22" name="Straight Arrow Connector 21">
             <a:extLst>
               <a:ext uri="{FF2B5EF4-FFF2-40B4-BE49-F238E27FC236}">
-                <a16:creationId xmlns:a16="http://schemas.microsoft.com/office/drawing/2014/main" id="{D9B8CDF7-0D47-4F21-BF2D-957E827A9877}"/>
+                <a16:creationId xmlns="" xmlns:a16="http://schemas.microsoft.com/office/drawing/2014/main" id="{D9B8CDF7-0D47-4F21-BF2D-957E827A9877}"/>
               </a:ext>
             </a:extLst>
           </p:cNvPr>

--- a/docs/diagrams/UndoRedoNewCommand3StateListDiagram.pptx
+++ b/docs/diagrams/UndoRedoNewCommand3StateListDiagram.pptx
@@ -112,10 +112,6 @@
 </p:presentation>
 </file>
 
-<file path=ppt/revisionInfo.xml><?xml version="1.0" encoding="utf-8"?>
-<p1510:revInfo xmlns:a="http://schemas.openxmlformats.org/drawingml/2006/main" xmlns:r="http://schemas.openxmlformats.org/officeDocument/2006/relationships" xmlns:p1510="http://schemas.microsoft.com/office/powerpoint/2015/10/main"/>
-</file>
-
 <file path=ppt/slideLayouts/slideLayout1.xml><?xml version="1.0" encoding="utf-8"?>
 <p:sldLayout xmlns:a="http://schemas.openxmlformats.org/drawingml/2006/main" xmlns:r="http://schemas.openxmlformats.org/officeDocument/2006/relationships" xmlns:p="http://schemas.openxmlformats.org/presentationml/2006/main" type="title" preserve="1">
   <p:cSld name="Title Slide">
@@ -265,7 +261,7 @@
           <a:p>
             <a:fld id="{03EC4E3E-8101-482F-A883-8B55DAFF7C07}" type="datetimeFigureOut">
               <a:rPr lang="en-SG" smtClean="0"/>
-              <a:t>6/7/2018</a:t>
+              <a:t>17/3/2019</a:t>
             </a:fld>
             <a:endParaRPr lang="en-SG"/>
           </a:p>
@@ -465,7 +461,7 @@
           <a:p>
             <a:fld id="{03EC4E3E-8101-482F-A883-8B55DAFF7C07}" type="datetimeFigureOut">
               <a:rPr lang="en-SG" smtClean="0"/>
-              <a:t>6/7/2018</a:t>
+              <a:t>17/3/2019</a:t>
             </a:fld>
             <a:endParaRPr lang="en-SG"/>
           </a:p>
@@ -675,7 +671,7 @@
           <a:p>
             <a:fld id="{03EC4E3E-8101-482F-A883-8B55DAFF7C07}" type="datetimeFigureOut">
               <a:rPr lang="en-SG" smtClean="0"/>
-              <a:t>6/7/2018</a:t>
+              <a:t>17/3/2019</a:t>
             </a:fld>
             <a:endParaRPr lang="en-SG"/>
           </a:p>
@@ -875,7 +871,7 @@
           <a:p>
             <a:fld id="{03EC4E3E-8101-482F-A883-8B55DAFF7C07}" type="datetimeFigureOut">
               <a:rPr lang="en-SG" smtClean="0"/>
-              <a:t>6/7/2018</a:t>
+              <a:t>17/3/2019</a:t>
             </a:fld>
             <a:endParaRPr lang="en-SG"/>
           </a:p>
@@ -1151,7 +1147,7 @@
           <a:p>
             <a:fld id="{03EC4E3E-8101-482F-A883-8B55DAFF7C07}" type="datetimeFigureOut">
               <a:rPr lang="en-SG" smtClean="0"/>
-              <a:t>6/7/2018</a:t>
+              <a:t>17/3/2019</a:t>
             </a:fld>
             <a:endParaRPr lang="en-SG"/>
           </a:p>
@@ -1419,7 +1415,7 @@
           <a:p>
             <a:fld id="{03EC4E3E-8101-482F-A883-8B55DAFF7C07}" type="datetimeFigureOut">
               <a:rPr lang="en-SG" smtClean="0"/>
-              <a:t>6/7/2018</a:t>
+              <a:t>17/3/2019</a:t>
             </a:fld>
             <a:endParaRPr lang="en-SG"/>
           </a:p>
@@ -1834,7 +1830,7 @@
           <a:p>
             <a:fld id="{03EC4E3E-8101-482F-A883-8B55DAFF7C07}" type="datetimeFigureOut">
               <a:rPr lang="en-SG" smtClean="0"/>
-              <a:t>6/7/2018</a:t>
+              <a:t>17/3/2019</a:t>
             </a:fld>
             <a:endParaRPr lang="en-SG"/>
           </a:p>
@@ -1976,7 +1972,7 @@
           <a:p>
             <a:fld id="{03EC4E3E-8101-482F-A883-8B55DAFF7C07}" type="datetimeFigureOut">
               <a:rPr lang="en-SG" smtClean="0"/>
-              <a:t>6/7/2018</a:t>
+              <a:t>17/3/2019</a:t>
             </a:fld>
             <a:endParaRPr lang="en-SG"/>
           </a:p>
@@ -2089,7 +2085,7 @@
           <a:p>
             <a:fld id="{03EC4E3E-8101-482F-A883-8B55DAFF7C07}" type="datetimeFigureOut">
               <a:rPr lang="en-SG" smtClean="0"/>
-              <a:t>6/7/2018</a:t>
+              <a:t>17/3/2019</a:t>
             </a:fld>
             <a:endParaRPr lang="en-SG"/>
           </a:p>
@@ -2402,7 +2398,7 @@
           <a:p>
             <a:fld id="{03EC4E3E-8101-482F-A883-8B55DAFF7C07}" type="datetimeFigureOut">
               <a:rPr lang="en-SG" smtClean="0"/>
-              <a:t>6/7/2018</a:t>
+              <a:t>17/3/2019</a:t>
             </a:fld>
             <a:endParaRPr lang="en-SG"/>
           </a:p>
@@ -2691,7 +2687,7 @@
           <a:p>
             <a:fld id="{03EC4E3E-8101-482F-A883-8B55DAFF7C07}" type="datetimeFigureOut">
               <a:rPr lang="en-SG" smtClean="0"/>
-              <a:t>6/7/2018</a:t>
+              <a:t>17/3/2019</a:t>
             </a:fld>
             <a:endParaRPr lang="en-SG"/>
           </a:p>
@@ -2934,7 +2930,7 @@
           <a:p>
             <a:fld id="{03EC4E3E-8101-482F-A883-8B55DAFF7C07}" type="datetimeFigureOut">
               <a:rPr lang="en-SG" smtClean="0"/>
-              <a:t>6/7/2018</a:t>
+              <a:t>17/3/2019</a:t>
             </a:fld>
             <a:endParaRPr lang="en-SG"/>
           </a:p>
@@ -3359,7 +3355,7 @@
         </p:nvSpPr>
         <p:spPr>
           <a:xfrm>
-            <a:off x="5194316" y="2149099"/>
+            <a:off x="6199368" y="2149099"/>
             <a:ext cx="1330472" cy="1562676"/>
           </a:xfrm>
           <a:prstGeom prst="downArrow">
@@ -3409,7 +3405,7 @@
         </p:nvSpPr>
         <p:spPr>
           <a:xfrm>
-            <a:off x="1844917" y="2745771"/>
+            <a:off x="2188993" y="2745771"/>
             <a:ext cx="3207000" cy="369332"/>
           </a:xfrm>
           <a:prstGeom prst="rect">
@@ -3439,74 +3435,6 @@
           </a:p>
         </p:txBody>
       </p:sp>
-      <p:graphicFrame>
-        <p:nvGraphicFramePr>
-          <p:cNvPr id="17" name="Table 16">
-            <a:extLst>
-              <a:ext uri="{FF2B5EF4-FFF2-40B4-BE49-F238E27FC236}">
-                <a16:creationId xmlns:a16="http://schemas.microsoft.com/office/drawing/2014/main" id="{F545FAB8-F1CE-4886-9BDE-E772BCB0A9C4}"/>
-              </a:ext>
-            </a:extLst>
-          </p:cNvPr>
-          <p:cNvGraphicFramePr>
-            <a:graphicFrameLocks noGrp="1"/>
-          </p:cNvGraphicFramePr>
-          <p:nvPr>
-            <p:extLst>
-              <p:ext uri="{D42A27DB-BD31-4B8C-83A1-F6EECF244321}">
-                <p14:modId xmlns:p14="http://schemas.microsoft.com/office/powerpoint/2010/main" val="2776987765"/>
-              </p:ext>
-            </p:extLst>
-          </p:nvPr>
-        </p:nvGraphicFramePr>
-        <p:xfrm>
-          <a:off x="473240" y="1476102"/>
-          <a:ext cx="1825597" cy="417888"/>
-        </p:xfrm>
-        <a:graphic>
-          <a:graphicData uri="http://schemas.openxmlformats.org/drawingml/2006/table">
-            <a:tbl>
-              <a:tblPr>
-                <a:tableStyleId>{638B1855-1B75-4FBE-930C-398BA8C253C6}</a:tableStyleId>
-              </a:tblPr>
-              <a:tblGrid>
-                <a:gridCol w="1825597">
-                  <a:extLst>
-                    <a:ext uri="{9D8B030D-6E8A-4147-A177-3AD203B41FA5}">
-                      <a16:colId xmlns:a16="http://schemas.microsoft.com/office/drawing/2014/main" val="4240773277"/>
-                    </a:ext>
-                  </a:extLst>
-                </a:gridCol>
-              </a:tblGrid>
-              <a:tr h="417888">
-                <a:tc>
-                  <a:txBody>
-                    <a:bodyPr/>
-                    <a:lstStyle/>
-                    <a:p>
-                      <a:r>
-                        <a:rPr lang="en-SG" u="sng" dirty="0"/>
-                        <a:t>ab0:</a:t>
-                      </a:r>
-                      <a:r>
-                        <a:rPr lang="en-SG" sz="1800" u="sng" dirty="0"/>
-                        <a:t>AddressBook</a:t>
-                      </a:r>
-                      <a:endParaRPr lang="en-SG" sz="1600" u="sng" dirty="0"/>
-                    </a:p>
-                  </a:txBody>
-                  <a:tcPr/>
-                </a:tc>
-                <a:extLst>
-                  <a:ext uri="{0D108BD9-81ED-4DB2-BD59-A6C34878D82A}">
-                    <a16:rowId xmlns:a16="http://schemas.microsoft.com/office/drawing/2014/main" val="2194462629"/>
-                  </a:ext>
-                </a:extLst>
-              </a:tr>
-            </a:tbl>
-          </a:graphicData>
-        </a:graphic>
-      </p:graphicFrame>
       <p:sp>
         <p:nvSpPr>
           <p:cNvPr id="20" name="Rectangle 19"/>
@@ -3567,7 +3495,7 @@
         </p:nvSpPr>
         <p:spPr>
           <a:xfrm>
-            <a:off x="1844917" y="5180749"/>
+            <a:off x="2188993" y="5194778"/>
             <a:ext cx="3207000" cy="369332"/>
           </a:xfrm>
           <a:prstGeom prst="rect">
@@ -3643,346 +3571,6 @@
           </a:p>
         </p:txBody>
       </p:sp>
-      <p:graphicFrame>
-        <p:nvGraphicFramePr>
-          <p:cNvPr id="15" name="Table 14">
-            <a:extLst>
-              <a:ext uri="{FF2B5EF4-FFF2-40B4-BE49-F238E27FC236}">
-                <a16:creationId xmlns:a16="http://schemas.microsoft.com/office/drawing/2014/main" id="{F545FAB8-F1CE-4886-9BDE-E772BCB0A9C4}"/>
-              </a:ext>
-            </a:extLst>
-          </p:cNvPr>
-          <p:cNvGraphicFramePr>
-            <a:graphicFrameLocks noGrp="1"/>
-          </p:cNvGraphicFramePr>
-          <p:nvPr>
-            <p:extLst>
-              <p:ext uri="{D42A27DB-BD31-4B8C-83A1-F6EECF244321}">
-                <p14:modId xmlns:p14="http://schemas.microsoft.com/office/powerpoint/2010/main" val="1878903007"/>
-              </p:ext>
-            </p:extLst>
-          </p:nvPr>
-        </p:nvGraphicFramePr>
-        <p:xfrm>
-          <a:off x="4423446" y="1476102"/>
-          <a:ext cx="1825597" cy="417888"/>
-        </p:xfrm>
-        <a:graphic>
-          <a:graphicData uri="http://schemas.openxmlformats.org/drawingml/2006/table">
-            <a:tbl>
-              <a:tblPr>
-                <a:tableStyleId>{638B1855-1B75-4FBE-930C-398BA8C253C6}</a:tableStyleId>
-              </a:tblPr>
-              <a:tblGrid>
-                <a:gridCol w="1825597">
-                  <a:extLst>
-                    <a:ext uri="{9D8B030D-6E8A-4147-A177-3AD203B41FA5}">
-                      <a16:colId xmlns:a16="http://schemas.microsoft.com/office/drawing/2014/main" val="4240773277"/>
-                    </a:ext>
-                  </a:extLst>
-                </a:gridCol>
-              </a:tblGrid>
-              <a:tr h="417888">
-                <a:tc>
-                  <a:txBody>
-                    <a:bodyPr/>
-                    <a:lstStyle/>
-                    <a:p>
-                      <a:r>
-                        <a:rPr lang="en-SG" u="sng" dirty="0"/>
-                        <a:t>ab2:</a:t>
-                      </a:r>
-                      <a:r>
-                        <a:rPr lang="en-SG" sz="1800" u="sng" dirty="0"/>
-                        <a:t>AddressBook</a:t>
-                      </a:r>
-                      <a:endParaRPr lang="en-SG" sz="1600" u="sng" dirty="0"/>
-                    </a:p>
-                  </a:txBody>
-                  <a:tcPr/>
-                </a:tc>
-                <a:extLst>
-                  <a:ext uri="{0D108BD9-81ED-4DB2-BD59-A6C34878D82A}">
-                    <a16:rowId xmlns:a16="http://schemas.microsoft.com/office/drawing/2014/main" val="2194462629"/>
-                  </a:ext>
-                </a:extLst>
-              </a:tr>
-            </a:tbl>
-          </a:graphicData>
-        </a:graphic>
-      </p:graphicFrame>
-      <p:graphicFrame>
-        <p:nvGraphicFramePr>
-          <p:cNvPr id="28" name="Table 27">
-            <a:extLst>
-              <a:ext uri="{FF2B5EF4-FFF2-40B4-BE49-F238E27FC236}">
-                <a16:creationId xmlns:a16="http://schemas.microsoft.com/office/drawing/2014/main" id="{F545FAB8-F1CE-4886-9BDE-E772BCB0A9C4}"/>
-              </a:ext>
-            </a:extLst>
-          </p:cNvPr>
-          <p:cNvGraphicFramePr>
-            <a:graphicFrameLocks noGrp="1"/>
-          </p:cNvGraphicFramePr>
-          <p:nvPr>
-            <p:extLst>
-              <p:ext uri="{D42A27DB-BD31-4B8C-83A1-F6EECF244321}">
-                <p14:modId xmlns:p14="http://schemas.microsoft.com/office/powerpoint/2010/main" val="547626409"/>
-              </p:ext>
-            </p:extLst>
-          </p:nvPr>
-        </p:nvGraphicFramePr>
-        <p:xfrm>
-          <a:off x="2448342" y="1476102"/>
-          <a:ext cx="1825597" cy="417888"/>
-        </p:xfrm>
-        <a:graphic>
-          <a:graphicData uri="http://schemas.openxmlformats.org/drawingml/2006/table">
-            <a:tbl>
-              <a:tblPr>
-                <a:tableStyleId>{638B1855-1B75-4FBE-930C-398BA8C253C6}</a:tableStyleId>
-              </a:tblPr>
-              <a:tblGrid>
-                <a:gridCol w="1825597">
-                  <a:extLst>
-                    <a:ext uri="{9D8B030D-6E8A-4147-A177-3AD203B41FA5}">
-                      <a16:colId xmlns:a16="http://schemas.microsoft.com/office/drawing/2014/main" val="4240773277"/>
-                    </a:ext>
-                  </a:extLst>
-                </a:gridCol>
-              </a:tblGrid>
-              <a:tr h="417888">
-                <a:tc>
-                  <a:txBody>
-                    <a:bodyPr/>
-                    <a:lstStyle/>
-                    <a:p>
-                      <a:r>
-                        <a:rPr lang="en-SG" u="sng" dirty="0"/>
-                        <a:t>ab1:</a:t>
-                      </a:r>
-                      <a:r>
-                        <a:rPr lang="en-SG" sz="1800" u="sng" dirty="0"/>
-                        <a:t>AddressBook</a:t>
-                      </a:r>
-                      <a:endParaRPr lang="en-SG" sz="1600" u="sng" dirty="0"/>
-                    </a:p>
-                  </a:txBody>
-                  <a:tcPr/>
-                </a:tc>
-                <a:extLst>
-                  <a:ext uri="{0D108BD9-81ED-4DB2-BD59-A6C34878D82A}">
-                    <a16:rowId xmlns:a16="http://schemas.microsoft.com/office/drawing/2014/main" val="2194462629"/>
-                  </a:ext>
-                </a:extLst>
-              </a:tr>
-            </a:tbl>
-          </a:graphicData>
-        </a:graphic>
-      </p:graphicFrame>
-      <p:graphicFrame>
-        <p:nvGraphicFramePr>
-          <p:cNvPr id="29" name="Table 28">
-            <a:extLst>
-              <a:ext uri="{FF2B5EF4-FFF2-40B4-BE49-F238E27FC236}">
-                <a16:creationId xmlns:a16="http://schemas.microsoft.com/office/drawing/2014/main" id="{F545FAB8-F1CE-4886-9BDE-E772BCB0A9C4}"/>
-              </a:ext>
-            </a:extLst>
-          </p:cNvPr>
-          <p:cNvGraphicFramePr>
-            <a:graphicFrameLocks noGrp="1"/>
-          </p:cNvGraphicFramePr>
-          <p:nvPr>
-            <p:extLst>
-              <p:ext uri="{D42A27DB-BD31-4B8C-83A1-F6EECF244321}">
-                <p14:modId xmlns:p14="http://schemas.microsoft.com/office/powerpoint/2010/main" val="1824208515"/>
-              </p:ext>
-            </p:extLst>
-          </p:nvPr>
-        </p:nvGraphicFramePr>
-        <p:xfrm>
-          <a:off x="473239" y="3926589"/>
-          <a:ext cx="1825597" cy="417888"/>
-        </p:xfrm>
-        <a:graphic>
-          <a:graphicData uri="http://schemas.openxmlformats.org/drawingml/2006/table">
-            <a:tbl>
-              <a:tblPr>
-                <a:tableStyleId>{638B1855-1B75-4FBE-930C-398BA8C253C6}</a:tableStyleId>
-              </a:tblPr>
-              <a:tblGrid>
-                <a:gridCol w="1825597">
-                  <a:extLst>
-                    <a:ext uri="{9D8B030D-6E8A-4147-A177-3AD203B41FA5}">
-                      <a16:colId xmlns:a16="http://schemas.microsoft.com/office/drawing/2014/main" val="4240773277"/>
-                    </a:ext>
-                  </a:extLst>
-                </a:gridCol>
-              </a:tblGrid>
-              <a:tr h="417888">
-                <a:tc>
-                  <a:txBody>
-                    <a:bodyPr/>
-                    <a:lstStyle/>
-                    <a:p>
-                      <a:r>
-                        <a:rPr lang="en-SG" u="sng" dirty="0"/>
-                        <a:t>ab0:</a:t>
-                      </a:r>
-                      <a:r>
-                        <a:rPr lang="en-SG" sz="1800" u="sng" dirty="0"/>
-                        <a:t>AddressBook</a:t>
-                      </a:r>
-                      <a:endParaRPr lang="en-SG" sz="1600" u="sng" dirty="0"/>
-                    </a:p>
-                  </a:txBody>
-                  <a:tcPr/>
-                </a:tc>
-                <a:extLst>
-                  <a:ext uri="{0D108BD9-81ED-4DB2-BD59-A6C34878D82A}">
-                    <a16:rowId xmlns:a16="http://schemas.microsoft.com/office/drawing/2014/main" val="2194462629"/>
-                  </a:ext>
-                </a:extLst>
-              </a:tr>
-            </a:tbl>
-          </a:graphicData>
-        </a:graphic>
-      </p:graphicFrame>
-      <p:graphicFrame>
-        <p:nvGraphicFramePr>
-          <p:cNvPr id="30" name="Table 29">
-            <a:extLst>
-              <a:ext uri="{FF2B5EF4-FFF2-40B4-BE49-F238E27FC236}">
-                <a16:creationId xmlns:a16="http://schemas.microsoft.com/office/drawing/2014/main" id="{F545FAB8-F1CE-4886-9BDE-E772BCB0A9C4}"/>
-              </a:ext>
-            </a:extLst>
-          </p:cNvPr>
-          <p:cNvGraphicFramePr>
-            <a:graphicFrameLocks noGrp="1"/>
-          </p:cNvGraphicFramePr>
-          <p:nvPr>
-            <p:extLst>
-              <p:ext uri="{D42A27DB-BD31-4B8C-83A1-F6EECF244321}">
-                <p14:modId xmlns:p14="http://schemas.microsoft.com/office/powerpoint/2010/main" val="1414922247"/>
-              </p:ext>
-            </p:extLst>
-          </p:nvPr>
-        </p:nvGraphicFramePr>
-        <p:xfrm>
-          <a:off x="4423446" y="3926589"/>
-          <a:ext cx="1825597" cy="417888"/>
-        </p:xfrm>
-        <a:graphic>
-          <a:graphicData uri="http://schemas.openxmlformats.org/drawingml/2006/table">
-            <a:tbl>
-              <a:tblPr>
-                <a:tableStyleId>{638B1855-1B75-4FBE-930C-398BA8C253C6}</a:tableStyleId>
-              </a:tblPr>
-              <a:tblGrid>
-                <a:gridCol w="1825597">
-                  <a:extLst>
-                    <a:ext uri="{9D8B030D-6E8A-4147-A177-3AD203B41FA5}">
-                      <a16:colId xmlns:a16="http://schemas.microsoft.com/office/drawing/2014/main" val="4240773277"/>
-                    </a:ext>
-                  </a:extLst>
-                </a:gridCol>
-              </a:tblGrid>
-              <a:tr h="417888">
-                <a:tc>
-                  <a:txBody>
-                    <a:bodyPr/>
-                    <a:lstStyle/>
-                    <a:p>
-                      <a:r>
-                        <a:rPr lang="en-SG" u="sng" dirty="0"/>
-                        <a:t>ab2:</a:t>
-                      </a:r>
-                      <a:r>
-                        <a:rPr lang="en-SG" sz="1800" u="sng" dirty="0"/>
-                        <a:t>AddressBook</a:t>
-                      </a:r>
-                      <a:endParaRPr lang="en-SG" sz="1600" u="sng" dirty="0"/>
-                    </a:p>
-                  </a:txBody>
-                  <a:tcPr/>
-                </a:tc>
-                <a:extLst>
-                  <a:ext uri="{0D108BD9-81ED-4DB2-BD59-A6C34878D82A}">
-                    <a16:rowId xmlns:a16="http://schemas.microsoft.com/office/drawing/2014/main" val="2194462629"/>
-                  </a:ext>
-                </a:extLst>
-              </a:tr>
-            </a:tbl>
-          </a:graphicData>
-        </a:graphic>
-      </p:graphicFrame>
-      <p:graphicFrame>
-        <p:nvGraphicFramePr>
-          <p:cNvPr id="31" name="Table 30">
-            <a:extLst>
-              <a:ext uri="{FF2B5EF4-FFF2-40B4-BE49-F238E27FC236}">
-                <a16:creationId xmlns:a16="http://schemas.microsoft.com/office/drawing/2014/main" id="{F545FAB8-F1CE-4886-9BDE-E772BCB0A9C4}"/>
-              </a:ext>
-            </a:extLst>
-          </p:cNvPr>
-          <p:cNvGraphicFramePr>
-            <a:graphicFrameLocks noGrp="1"/>
-          </p:cNvGraphicFramePr>
-          <p:nvPr>
-            <p:extLst>
-              <p:ext uri="{D42A27DB-BD31-4B8C-83A1-F6EECF244321}">
-                <p14:modId xmlns:p14="http://schemas.microsoft.com/office/powerpoint/2010/main" val="1703544754"/>
-              </p:ext>
-            </p:extLst>
-          </p:nvPr>
-        </p:nvGraphicFramePr>
-        <p:xfrm>
-          <a:off x="2448343" y="3926589"/>
-          <a:ext cx="1825597" cy="417888"/>
-        </p:xfrm>
-        <a:graphic>
-          <a:graphicData uri="http://schemas.openxmlformats.org/drawingml/2006/table">
-            <a:tbl>
-              <a:tblPr>
-                <a:tableStyleId>{638B1855-1B75-4FBE-930C-398BA8C253C6}</a:tableStyleId>
-              </a:tblPr>
-              <a:tblGrid>
-                <a:gridCol w="1825597">
-                  <a:extLst>
-                    <a:ext uri="{9D8B030D-6E8A-4147-A177-3AD203B41FA5}">
-                      <a16:colId xmlns:a16="http://schemas.microsoft.com/office/drawing/2014/main" val="4240773277"/>
-                    </a:ext>
-                  </a:extLst>
-                </a:gridCol>
-              </a:tblGrid>
-              <a:tr h="417888">
-                <a:tc>
-                  <a:txBody>
-                    <a:bodyPr/>
-                    <a:lstStyle/>
-                    <a:p>
-                      <a:r>
-                        <a:rPr lang="en-SG" u="sng" dirty="0"/>
-                        <a:t>ab1:</a:t>
-                      </a:r>
-                      <a:r>
-                        <a:rPr lang="en-SG" sz="1800" u="sng" dirty="0"/>
-                        <a:t>AddressBook</a:t>
-                      </a:r>
-                      <a:endParaRPr lang="en-SG" sz="1600" u="sng" dirty="0"/>
-                    </a:p>
-                  </a:txBody>
-                  <a:tcPr/>
-                </a:tc>
-                <a:extLst>
-                  <a:ext uri="{0D108BD9-81ED-4DB2-BD59-A6C34878D82A}">
-                    <a16:rowId xmlns:a16="http://schemas.microsoft.com/office/drawing/2014/main" val="2194462629"/>
-                  </a:ext>
-                </a:extLst>
-              </a:tr>
-            </a:tbl>
-          </a:graphicData>
-        </a:graphic>
-      </p:graphicFrame>
       <p:cxnSp>
         <p:nvCxnSpPr>
           <p:cNvPr id="18" name="Straight Arrow Connector 17">
@@ -3999,7 +3587,7 @@
         </p:nvCxnSpPr>
         <p:spPr>
           <a:xfrm flipV="1">
-            <a:off x="3338818" y="2038898"/>
+            <a:off x="3776139" y="2038898"/>
             <a:ext cx="0" cy="706873"/>
           </a:xfrm>
           <a:prstGeom prst="straightConnector1">
@@ -4043,7 +3631,7 @@
         </p:nvCxnSpPr>
         <p:spPr>
           <a:xfrm flipV="1">
-            <a:off x="3302417" y="4496762"/>
+            <a:off x="3776139" y="4473876"/>
             <a:ext cx="0" cy="706873"/>
           </a:xfrm>
           <a:prstGeom prst="straightConnector1">
@@ -4071,6 +3659,420 @@
           </a:fontRef>
         </p:style>
       </p:cxnSp>
+      <p:graphicFrame>
+        <p:nvGraphicFramePr>
+          <p:cNvPr id="19" name="Table 18">
+            <a:extLst>
+              <a:ext uri="{FF2B5EF4-FFF2-40B4-BE49-F238E27FC236}">
+                <a16:creationId xmlns:a16="http://schemas.microsoft.com/office/drawing/2014/main" id="{3785E87C-82E6-4528-AE8A-54E8674A0B21}"/>
+              </a:ext>
+            </a:extLst>
+          </p:cNvPr>
+          <p:cNvGraphicFramePr>
+            <a:graphicFrameLocks noGrp="1"/>
+          </p:cNvGraphicFramePr>
+          <p:nvPr>
+            <p:extLst>
+              <p:ext uri="{D42A27DB-BD31-4B8C-83A1-F6EECF244321}">
+                <p14:modId xmlns:p14="http://schemas.microsoft.com/office/powerpoint/2010/main" val="3939247451"/>
+              </p:ext>
+            </p:extLst>
+          </p:nvPr>
+        </p:nvGraphicFramePr>
+        <p:xfrm>
+          <a:off x="473239" y="1476102"/>
+          <a:ext cx="2203698" cy="417888"/>
+        </p:xfrm>
+        <a:graphic>
+          <a:graphicData uri="http://schemas.openxmlformats.org/drawingml/2006/table">
+            <a:tbl>
+              <a:tblPr>
+                <a:tableStyleId>{638B1855-1B75-4FBE-930C-398BA8C253C6}</a:tableStyleId>
+              </a:tblPr>
+              <a:tblGrid>
+                <a:gridCol w="2203698">
+                  <a:extLst>
+                    <a:ext uri="{9D8B030D-6E8A-4147-A177-3AD203B41FA5}">
+                      <a16:colId xmlns:a16="http://schemas.microsoft.com/office/drawing/2014/main" val="4240773277"/>
+                    </a:ext>
+                  </a:extLst>
+                </a:gridCol>
+              </a:tblGrid>
+              <a:tr h="417888">
+                <a:tc>
+                  <a:txBody>
+                    <a:bodyPr/>
+                    <a:lstStyle/>
+                    <a:p>
+                      <a:pPr algn="ctr"/>
+                      <a:r>
+                        <a:rPr lang="en-SG" u="sng" dirty="0"/>
+                        <a:t>inventory0:</a:t>
+                      </a:r>
+                      <a:r>
+                        <a:rPr lang="en-SG" sz="1800" u="sng" dirty="0"/>
+                        <a:t>Inventory</a:t>
+                      </a:r>
+                      <a:endParaRPr lang="en-SG" u="sng" dirty="0"/>
+                    </a:p>
+                  </a:txBody>
+                  <a:tcPr/>
+                </a:tc>
+                <a:extLst>
+                  <a:ext uri="{0D108BD9-81ED-4DB2-BD59-A6C34878D82A}">
+                    <a16:rowId xmlns:a16="http://schemas.microsoft.com/office/drawing/2014/main" val="2194462629"/>
+                  </a:ext>
+                </a:extLst>
+              </a:tr>
+            </a:tbl>
+          </a:graphicData>
+        </a:graphic>
+      </p:graphicFrame>
+      <p:graphicFrame>
+        <p:nvGraphicFramePr>
+          <p:cNvPr id="23" name="Table 22">
+            <a:extLst>
+              <a:ext uri="{FF2B5EF4-FFF2-40B4-BE49-F238E27FC236}">
+                <a16:creationId xmlns:a16="http://schemas.microsoft.com/office/drawing/2014/main" id="{4206FB0C-B6C1-48DB-847F-9611C5C08A48}"/>
+              </a:ext>
+            </a:extLst>
+          </p:cNvPr>
+          <p:cNvGraphicFramePr>
+            <a:graphicFrameLocks noGrp="1"/>
+          </p:cNvGraphicFramePr>
+          <p:nvPr>
+            <p:extLst>
+              <p:ext uri="{D42A27DB-BD31-4B8C-83A1-F6EECF244321}">
+                <p14:modId xmlns:p14="http://schemas.microsoft.com/office/powerpoint/2010/main" val="2790977885"/>
+              </p:ext>
+            </p:extLst>
+          </p:nvPr>
+        </p:nvGraphicFramePr>
+        <p:xfrm>
+          <a:off x="2785379" y="1475216"/>
+          <a:ext cx="2203698" cy="417888"/>
+        </p:xfrm>
+        <a:graphic>
+          <a:graphicData uri="http://schemas.openxmlformats.org/drawingml/2006/table">
+            <a:tbl>
+              <a:tblPr>
+                <a:tableStyleId>{638B1855-1B75-4FBE-930C-398BA8C253C6}</a:tableStyleId>
+              </a:tblPr>
+              <a:tblGrid>
+                <a:gridCol w="2203698">
+                  <a:extLst>
+                    <a:ext uri="{9D8B030D-6E8A-4147-A177-3AD203B41FA5}">
+                      <a16:colId xmlns:a16="http://schemas.microsoft.com/office/drawing/2014/main" val="4240773277"/>
+                    </a:ext>
+                  </a:extLst>
+                </a:gridCol>
+              </a:tblGrid>
+              <a:tr h="417888">
+                <a:tc>
+                  <a:txBody>
+                    <a:bodyPr/>
+                    <a:lstStyle/>
+                    <a:p>
+                      <a:pPr algn="ctr"/>
+                      <a:r>
+                        <a:rPr lang="en-SG" u="sng" dirty="0"/>
+                        <a:t>inventory1:</a:t>
+                      </a:r>
+                      <a:r>
+                        <a:rPr lang="en-SG" sz="1800" u="sng" dirty="0"/>
+                        <a:t>Inventory</a:t>
+                      </a:r>
+                      <a:endParaRPr lang="en-SG" u="sng" dirty="0"/>
+                    </a:p>
+                  </a:txBody>
+                  <a:tcPr/>
+                </a:tc>
+                <a:extLst>
+                  <a:ext uri="{0D108BD9-81ED-4DB2-BD59-A6C34878D82A}">
+                    <a16:rowId xmlns:a16="http://schemas.microsoft.com/office/drawing/2014/main" val="2194462629"/>
+                  </a:ext>
+                </a:extLst>
+              </a:tr>
+            </a:tbl>
+          </a:graphicData>
+        </a:graphic>
+      </p:graphicFrame>
+      <p:graphicFrame>
+        <p:nvGraphicFramePr>
+          <p:cNvPr id="25" name="Table 24">
+            <a:extLst>
+              <a:ext uri="{FF2B5EF4-FFF2-40B4-BE49-F238E27FC236}">
+                <a16:creationId xmlns:a16="http://schemas.microsoft.com/office/drawing/2014/main" id="{B453F1F8-4521-43D1-9918-9952ADB93382}"/>
+              </a:ext>
+            </a:extLst>
+          </p:cNvPr>
+          <p:cNvGraphicFramePr>
+            <a:graphicFrameLocks noGrp="1"/>
+          </p:cNvGraphicFramePr>
+          <p:nvPr>
+            <p:extLst>
+              <p:ext uri="{D42A27DB-BD31-4B8C-83A1-F6EECF244321}">
+                <p14:modId xmlns:p14="http://schemas.microsoft.com/office/powerpoint/2010/main" val="1465698568"/>
+              </p:ext>
+            </p:extLst>
+          </p:nvPr>
+        </p:nvGraphicFramePr>
+        <p:xfrm>
+          <a:off x="5097519" y="1475216"/>
+          <a:ext cx="2203698" cy="417888"/>
+        </p:xfrm>
+        <a:graphic>
+          <a:graphicData uri="http://schemas.openxmlformats.org/drawingml/2006/table">
+            <a:tbl>
+              <a:tblPr>
+                <a:tableStyleId>{638B1855-1B75-4FBE-930C-398BA8C253C6}</a:tableStyleId>
+              </a:tblPr>
+              <a:tblGrid>
+                <a:gridCol w="2203698">
+                  <a:extLst>
+                    <a:ext uri="{9D8B030D-6E8A-4147-A177-3AD203B41FA5}">
+                      <a16:colId xmlns:a16="http://schemas.microsoft.com/office/drawing/2014/main" val="4240773277"/>
+                    </a:ext>
+                  </a:extLst>
+                </a:gridCol>
+              </a:tblGrid>
+              <a:tr h="417888">
+                <a:tc>
+                  <a:txBody>
+                    <a:bodyPr/>
+                    <a:lstStyle/>
+                    <a:p>
+                      <a:pPr algn="ctr"/>
+                      <a:r>
+                        <a:rPr lang="en-SG" u="sng" dirty="0"/>
+                        <a:t>inventory2:</a:t>
+                      </a:r>
+                      <a:r>
+                        <a:rPr lang="en-SG" sz="1800" u="sng" dirty="0"/>
+                        <a:t>Inventory</a:t>
+                      </a:r>
+                      <a:endParaRPr lang="en-SG" u="sng" dirty="0"/>
+                    </a:p>
+                  </a:txBody>
+                  <a:tcPr/>
+                </a:tc>
+                <a:extLst>
+                  <a:ext uri="{0D108BD9-81ED-4DB2-BD59-A6C34878D82A}">
+                    <a16:rowId xmlns:a16="http://schemas.microsoft.com/office/drawing/2014/main" val="2194462629"/>
+                  </a:ext>
+                </a:extLst>
+              </a:tr>
+            </a:tbl>
+          </a:graphicData>
+        </a:graphic>
+      </p:graphicFrame>
+      <p:graphicFrame>
+        <p:nvGraphicFramePr>
+          <p:cNvPr id="33" name="Table 32">
+            <a:extLst>
+              <a:ext uri="{FF2B5EF4-FFF2-40B4-BE49-F238E27FC236}">
+                <a16:creationId xmlns:a16="http://schemas.microsoft.com/office/drawing/2014/main" id="{F422D0BA-729E-4736-8BCB-7E742982316D}"/>
+              </a:ext>
+            </a:extLst>
+          </p:cNvPr>
+          <p:cNvGraphicFramePr>
+            <a:graphicFrameLocks noGrp="1"/>
+          </p:cNvGraphicFramePr>
+          <p:nvPr>
+            <p:extLst>
+              <p:ext uri="{D42A27DB-BD31-4B8C-83A1-F6EECF244321}">
+                <p14:modId xmlns:p14="http://schemas.microsoft.com/office/powerpoint/2010/main" val="2290488330"/>
+              </p:ext>
+            </p:extLst>
+          </p:nvPr>
+        </p:nvGraphicFramePr>
+        <p:xfrm>
+          <a:off x="473239" y="3928120"/>
+          <a:ext cx="2203698" cy="417888"/>
+        </p:xfrm>
+        <a:graphic>
+          <a:graphicData uri="http://schemas.openxmlformats.org/drawingml/2006/table">
+            <a:tbl>
+              <a:tblPr>
+                <a:tableStyleId>{638B1855-1B75-4FBE-930C-398BA8C253C6}</a:tableStyleId>
+              </a:tblPr>
+              <a:tblGrid>
+                <a:gridCol w="2203698">
+                  <a:extLst>
+                    <a:ext uri="{9D8B030D-6E8A-4147-A177-3AD203B41FA5}">
+                      <a16:colId xmlns:a16="http://schemas.microsoft.com/office/drawing/2014/main" val="4240773277"/>
+                    </a:ext>
+                  </a:extLst>
+                </a:gridCol>
+              </a:tblGrid>
+              <a:tr h="417888">
+                <a:tc>
+                  <a:txBody>
+                    <a:bodyPr/>
+                    <a:lstStyle/>
+                    <a:p>
+                      <a:pPr algn="ctr"/>
+                      <a:r>
+                        <a:rPr lang="en-SG" u="sng" dirty="0"/>
+                        <a:t>inventory0:</a:t>
+                      </a:r>
+                      <a:r>
+                        <a:rPr lang="en-SG" sz="1800" u="sng" dirty="0"/>
+                        <a:t>Inventory</a:t>
+                      </a:r>
+                      <a:endParaRPr lang="en-SG" u="sng" dirty="0"/>
+                    </a:p>
+                  </a:txBody>
+                  <a:tcPr/>
+                </a:tc>
+                <a:extLst>
+                  <a:ext uri="{0D108BD9-81ED-4DB2-BD59-A6C34878D82A}">
+                    <a16:rowId xmlns:a16="http://schemas.microsoft.com/office/drawing/2014/main" val="2194462629"/>
+                  </a:ext>
+                </a:extLst>
+              </a:tr>
+            </a:tbl>
+          </a:graphicData>
+        </a:graphic>
+      </p:graphicFrame>
+      <p:graphicFrame>
+        <p:nvGraphicFramePr>
+          <p:cNvPr id="34" name="Table 33">
+            <a:extLst>
+              <a:ext uri="{FF2B5EF4-FFF2-40B4-BE49-F238E27FC236}">
+                <a16:creationId xmlns:a16="http://schemas.microsoft.com/office/drawing/2014/main" id="{7973EF05-2A84-4083-90E7-658E5EA279AB}"/>
+              </a:ext>
+            </a:extLst>
+          </p:cNvPr>
+          <p:cNvGraphicFramePr>
+            <a:graphicFrameLocks noGrp="1"/>
+          </p:cNvGraphicFramePr>
+          <p:nvPr>
+            <p:extLst>
+              <p:ext uri="{D42A27DB-BD31-4B8C-83A1-F6EECF244321}">
+                <p14:modId xmlns:p14="http://schemas.microsoft.com/office/powerpoint/2010/main" val="2635541437"/>
+              </p:ext>
+            </p:extLst>
+          </p:nvPr>
+        </p:nvGraphicFramePr>
+        <p:xfrm>
+          <a:off x="2785379" y="3927234"/>
+          <a:ext cx="2203698" cy="417888"/>
+        </p:xfrm>
+        <a:graphic>
+          <a:graphicData uri="http://schemas.openxmlformats.org/drawingml/2006/table">
+            <a:tbl>
+              <a:tblPr>
+                <a:tableStyleId>{638B1855-1B75-4FBE-930C-398BA8C253C6}</a:tableStyleId>
+              </a:tblPr>
+              <a:tblGrid>
+                <a:gridCol w="2203698">
+                  <a:extLst>
+                    <a:ext uri="{9D8B030D-6E8A-4147-A177-3AD203B41FA5}">
+                      <a16:colId xmlns:a16="http://schemas.microsoft.com/office/drawing/2014/main" val="4240773277"/>
+                    </a:ext>
+                  </a:extLst>
+                </a:gridCol>
+              </a:tblGrid>
+              <a:tr h="417888">
+                <a:tc>
+                  <a:txBody>
+                    <a:bodyPr/>
+                    <a:lstStyle/>
+                    <a:p>
+                      <a:pPr algn="ctr"/>
+                      <a:r>
+                        <a:rPr lang="en-SG" u="sng" dirty="0"/>
+                        <a:t>inventory1:</a:t>
+                      </a:r>
+                      <a:r>
+                        <a:rPr lang="en-SG" sz="1800" u="sng" dirty="0"/>
+                        <a:t>Inventory</a:t>
+                      </a:r>
+                      <a:endParaRPr lang="en-SG" u="sng" dirty="0"/>
+                    </a:p>
+                  </a:txBody>
+                  <a:tcPr/>
+                </a:tc>
+                <a:extLst>
+                  <a:ext uri="{0D108BD9-81ED-4DB2-BD59-A6C34878D82A}">
+                    <a16:rowId xmlns:a16="http://schemas.microsoft.com/office/drawing/2014/main" val="2194462629"/>
+                  </a:ext>
+                </a:extLst>
+              </a:tr>
+            </a:tbl>
+          </a:graphicData>
+        </a:graphic>
+      </p:graphicFrame>
+      <p:graphicFrame>
+        <p:nvGraphicFramePr>
+          <p:cNvPr id="35" name="Table 34">
+            <a:extLst>
+              <a:ext uri="{FF2B5EF4-FFF2-40B4-BE49-F238E27FC236}">
+                <a16:creationId xmlns:a16="http://schemas.microsoft.com/office/drawing/2014/main" id="{5AD7C89B-6FDB-44E7-BFD2-2A9DD7A3FB3C}"/>
+              </a:ext>
+            </a:extLst>
+          </p:cNvPr>
+          <p:cNvGraphicFramePr>
+            <a:graphicFrameLocks noGrp="1"/>
+          </p:cNvGraphicFramePr>
+          <p:nvPr>
+            <p:extLst>
+              <p:ext uri="{D42A27DB-BD31-4B8C-83A1-F6EECF244321}">
+                <p14:modId xmlns:p14="http://schemas.microsoft.com/office/powerpoint/2010/main" val="655978339"/>
+              </p:ext>
+            </p:extLst>
+          </p:nvPr>
+        </p:nvGraphicFramePr>
+        <p:xfrm>
+          <a:off x="5097519" y="3927234"/>
+          <a:ext cx="2203698" cy="417888"/>
+        </p:xfrm>
+        <a:graphic>
+          <a:graphicData uri="http://schemas.openxmlformats.org/drawingml/2006/table">
+            <a:tbl>
+              <a:tblPr>
+                <a:tableStyleId>{638B1855-1B75-4FBE-930C-398BA8C253C6}</a:tableStyleId>
+              </a:tblPr>
+              <a:tblGrid>
+                <a:gridCol w="2203698">
+                  <a:extLst>
+                    <a:ext uri="{9D8B030D-6E8A-4147-A177-3AD203B41FA5}">
+                      <a16:colId xmlns:a16="http://schemas.microsoft.com/office/drawing/2014/main" val="4240773277"/>
+                    </a:ext>
+                  </a:extLst>
+                </a:gridCol>
+              </a:tblGrid>
+              <a:tr h="417888">
+                <a:tc>
+                  <a:txBody>
+                    <a:bodyPr/>
+                    <a:lstStyle/>
+                    <a:p>
+                      <a:pPr algn="ctr"/>
+                      <a:r>
+                        <a:rPr lang="en-SG" u="sng" dirty="0"/>
+                        <a:t>inventory2:</a:t>
+                      </a:r>
+                      <a:r>
+                        <a:rPr lang="en-SG" sz="1800" u="sng" dirty="0"/>
+                        <a:t>Inventory</a:t>
+                      </a:r>
+                      <a:endParaRPr lang="en-SG" u="sng" dirty="0"/>
+                    </a:p>
+                  </a:txBody>
+                  <a:tcPr/>
+                </a:tc>
+                <a:extLst>
+                  <a:ext uri="{0D108BD9-81ED-4DB2-BD59-A6C34878D82A}">
+                    <a16:rowId xmlns:a16="http://schemas.microsoft.com/office/drawing/2014/main" val="2194462629"/>
+                  </a:ext>
+                </a:extLst>
+              </a:tr>
+            </a:tbl>
+          </a:graphicData>
+        </a:graphic>
+      </p:graphicFrame>
     </p:spTree>
     <p:extLst>
       <p:ext uri="{BB962C8B-B14F-4D97-AF65-F5344CB8AC3E}">

--- a/docs/diagrams/UndoRedoNewCommand3StateListDiagram.pptx
+++ b/docs/diagrams/UndoRedoNewCommand3StateListDiagram.pptx
@@ -112,10 +112,6 @@
 </p:presentation>
 </file>
 
-<file path=ppt/revisionInfo.xml><?xml version="1.0" encoding="utf-8"?>
-<p1510:revInfo xmlns:a="http://schemas.openxmlformats.org/drawingml/2006/main" xmlns:r="http://schemas.openxmlformats.org/officeDocument/2006/relationships" xmlns:p1510="http://schemas.microsoft.com/office/powerpoint/2015/10/main"/>
-</file>
-
 <file path=ppt/slideLayouts/slideLayout1.xml><?xml version="1.0" encoding="utf-8"?>
 <p:sldLayout xmlns:a="http://schemas.openxmlformats.org/drawingml/2006/main" xmlns:r="http://schemas.openxmlformats.org/officeDocument/2006/relationships" xmlns:p="http://schemas.openxmlformats.org/presentationml/2006/main" type="title" preserve="1">
   <p:cSld name="Title Slide">
@@ -265,7 +261,7 @@
           <a:p>
             <a:fld id="{03EC4E3E-8101-482F-A883-8B55DAFF7C07}" type="datetimeFigureOut">
               <a:rPr lang="en-SG" smtClean="0"/>
-              <a:t>6/7/2018</a:t>
+              <a:t>18/3/19</a:t>
             </a:fld>
             <a:endParaRPr lang="en-SG"/>
           </a:p>
@@ -465,7 +461,7 @@
           <a:p>
             <a:fld id="{03EC4E3E-8101-482F-A883-8B55DAFF7C07}" type="datetimeFigureOut">
               <a:rPr lang="en-SG" smtClean="0"/>
-              <a:t>6/7/2018</a:t>
+              <a:t>18/3/19</a:t>
             </a:fld>
             <a:endParaRPr lang="en-SG"/>
           </a:p>
@@ -675,7 +671,7 @@
           <a:p>
             <a:fld id="{03EC4E3E-8101-482F-A883-8B55DAFF7C07}" type="datetimeFigureOut">
               <a:rPr lang="en-SG" smtClean="0"/>
-              <a:t>6/7/2018</a:t>
+              <a:t>18/3/19</a:t>
             </a:fld>
             <a:endParaRPr lang="en-SG"/>
           </a:p>
@@ -875,7 +871,7 @@
           <a:p>
             <a:fld id="{03EC4E3E-8101-482F-A883-8B55DAFF7C07}" type="datetimeFigureOut">
               <a:rPr lang="en-SG" smtClean="0"/>
-              <a:t>6/7/2018</a:t>
+              <a:t>18/3/19</a:t>
             </a:fld>
             <a:endParaRPr lang="en-SG"/>
           </a:p>
@@ -1151,7 +1147,7 @@
           <a:p>
             <a:fld id="{03EC4E3E-8101-482F-A883-8B55DAFF7C07}" type="datetimeFigureOut">
               <a:rPr lang="en-SG" smtClean="0"/>
-              <a:t>6/7/2018</a:t>
+              <a:t>18/3/19</a:t>
             </a:fld>
             <a:endParaRPr lang="en-SG"/>
           </a:p>
@@ -1419,7 +1415,7 @@
           <a:p>
             <a:fld id="{03EC4E3E-8101-482F-A883-8B55DAFF7C07}" type="datetimeFigureOut">
               <a:rPr lang="en-SG" smtClean="0"/>
-              <a:t>6/7/2018</a:t>
+              <a:t>18/3/19</a:t>
             </a:fld>
             <a:endParaRPr lang="en-SG"/>
           </a:p>
@@ -1834,7 +1830,7 @@
           <a:p>
             <a:fld id="{03EC4E3E-8101-482F-A883-8B55DAFF7C07}" type="datetimeFigureOut">
               <a:rPr lang="en-SG" smtClean="0"/>
-              <a:t>6/7/2018</a:t>
+              <a:t>18/3/19</a:t>
             </a:fld>
             <a:endParaRPr lang="en-SG"/>
           </a:p>
@@ -1976,7 +1972,7 @@
           <a:p>
             <a:fld id="{03EC4E3E-8101-482F-A883-8B55DAFF7C07}" type="datetimeFigureOut">
               <a:rPr lang="en-SG" smtClean="0"/>
-              <a:t>6/7/2018</a:t>
+              <a:t>18/3/19</a:t>
             </a:fld>
             <a:endParaRPr lang="en-SG"/>
           </a:p>
@@ -2089,7 +2085,7 @@
           <a:p>
             <a:fld id="{03EC4E3E-8101-482F-A883-8B55DAFF7C07}" type="datetimeFigureOut">
               <a:rPr lang="en-SG" smtClean="0"/>
-              <a:t>6/7/2018</a:t>
+              <a:t>18/3/19</a:t>
             </a:fld>
             <a:endParaRPr lang="en-SG"/>
           </a:p>
@@ -2402,7 +2398,7 @@
           <a:p>
             <a:fld id="{03EC4E3E-8101-482F-A883-8B55DAFF7C07}" type="datetimeFigureOut">
               <a:rPr lang="en-SG" smtClean="0"/>
-              <a:t>6/7/2018</a:t>
+              <a:t>18/3/19</a:t>
             </a:fld>
             <a:endParaRPr lang="en-SG"/>
           </a:p>
@@ -2691,7 +2687,7 @@
           <a:p>
             <a:fld id="{03EC4E3E-8101-482F-A883-8B55DAFF7C07}" type="datetimeFigureOut">
               <a:rPr lang="en-SG" smtClean="0"/>
-              <a:t>6/7/2018</a:t>
+              <a:t>18/3/19</a:t>
             </a:fld>
             <a:endParaRPr lang="en-SG"/>
           </a:p>
@@ -2934,7 +2930,7 @@
           <a:p>
             <a:fld id="{03EC4E3E-8101-482F-A883-8B55DAFF7C07}" type="datetimeFigureOut">
               <a:rPr lang="en-SG" smtClean="0"/>
-              <a:t>6/7/2018</a:t>
+              <a:t>18/3/19</a:t>
             </a:fld>
             <a:endParaRPr lang="en-SG"/>
           </a:p>
@@ -3454,7 +3450,7 @@
           <p:nvPr>
             <p:extLst>
               <p:ext uri="{D42A27DB-BD31-4B8C-83A1-F6EECF244321}">
-                <p14:modId xmlns:p14="http://schemas.microsoft.com/office/powerpoint/2010/main" val="2776987765"/>
+                <p14:modId xmlns:p14="http://schemas.microsoft.com/office/powerpoint/2010/main" val="4128726609"/>
               </p:ext>
             </p:extLst>
           </p:nvPr>
@@ -3486,11 +3482,11 @@
                     <a:p>
                       <a:r>
                         <a:rPr lang="en-SG" u="sng" dirty="0"/>
-                        <a:t>ab0:</a:t>
+                        <a:t>pb0:</a:t>
                       </a:r>
                       <a:r>
                         <a:rPr lang="en-SG" sz="1800" u="sng" dirty="0"/>
-                        <a:t>AddressBook</a:t>
+                        <a:t>PdfBook</a:t>
                       </a:r>
                       <a:endParaRPr lang="en-SG" sz="1600" u="sng" dirty="0"/>
                     </a:p>
@@ -3658,7 +3654,7 @@
           <p:nvPr>
             <p:extLst>
               <p:ext uri="{D42A27DB-BD31-4B8C-83A1-F6EECF244321}">
-                <p14:modId xmlns:p14="http://schemas.microsoft.com/office/powerpoint/2010/main" val="1878903007"/>
+                <p14:modId xmlns:p14="http://schemas.microsoft.com/office/powerpoint/2010/main" val="846231807"/>
               </p:ext>
             </p:extLst>
           </p:nvPr>
@@ -3690,11 +3686,11 @@
                     <a:p>
                       <a:r>
                         <a:rPr lang="en-SG" u="sng" dirty="0"/>
-                        <a:t>ab2:</a:t>
+                        <a:t>pb2:</a:t>
                       </a:r>
                       <a:r>
                         <a:rPr lang="en-SG" sz="1800" u="sng" dirty="0"/>
-                        <a:t>AddressBook</a:t>
+                        <a:t>PdfBook</a:t>
                       </a:r>
                       <a:endParaRPr lang="en-SG" sz="1600" u="sng" dirty="0"/>
                     </a:p>
@@ -3726,7 +3722,7 @@
           <p:nvPr>
             <p:extLst>
               <p:ext uri="{D42A27DB-BD31-4B8C-83A1-F6EECF244321}">
-                <p14:modId xmlns:p14="http://schemas.microsoft.com/office/powerpoint/2010/main" val="547626409"/>
+                <p14:modId xmlns:p14="http://schemas.microsoft.com/office/powerpoint/2010/main" val="748275178"/>
               </p:ext>
             </p:extLst>
           </p:nvPr>
@@ -3758,11 +3754,11 @@
                     <a:p>
                       <a:r>
                         <a:rPr lang="en-SG" u="sng" dirty="0"/>
-                        <a:t>ab1:</a:t>
+                        <a:t>pb1:</a:t>
                       </a:r>
                       <a:r>
                         <a:rPr lang="en-SG" sz="1800" u="sng" dirty="0"/>
-                        <a:t>AddressBook</a:t>
+                        <a:t>PdfBook</a:t>
                       </a:r>
                       <a:endParaRPr lang="en-SG" sz="1600" u="sng" dirty="0"/>
                     </a:p>
@@ -3794,7 +3790,7 @@
           <p:nvPr>
             <p:extLst>
               <p:ext uri="{D42A27DB-BD31-4B8C-83A1-F6EECF244321}">
-                <p14:modId xmlns:p14="http://schemas.microsoft.com/office/powerpoint/2010/main" val="1824208515"/>
+                <p14:modId xmlns:p14="http://schemas.microsoft.com/office/powerpoint/2010/main" val="159368902"/>
               </p:ext>
             </p:extLst>
           </p:nvPr>
@@ -3826,11 +3822,11 @@
                     <a:p>
                       <a:r>
                         <a:rPr lang="en-SG" u="sng" dirty="0"/>
-                        <a:t>ab0:</a:t>
+                        <a:t>pb0:</a:t>
                       </a:r>
                       <a:r>
                         <a:rPr lang="en-SG" sz="1800" u="sng" dirty="0"/>
-                        <a:t>AddressBook</a:t>
+                        <a:t>PdfBook</a:t>
                       </a:r>
                       <a:endParaRPr lang="en-SG" sz="1600" u="sng" dirty="0"/>
                     </a:p>
@@ -3862,7 +3858,7 @@
           <p:nvPr>
             <p:extLst>
               <p:ext uri="{D42A27DB-BD31-4B8C-83A1-F6EECF244321}">
-                <p14:modId xmlns:p14="http://schemas.microsoft.com/office/powerpoint/2010/main" val="1414922247"/>
+                <p14:modId xmlns:p14="http://schemas.microsoft.com/office/powerpoint/2010/main" val="3385675701"/>
               </p:ext>
             </p:extLst>
           </p:nvPr>
@@ -3894,11 +3890,11 @@
                     <a:p>
                       <a:r>
                         <a:rPr lang="en-SG" u="sng" dirty="0"/>
-                        <a:t>ab2:</a:t>
+                        <a:t>pb2:</a:t>
                       </a:r>
                       <a:r>
                         <a:rPr lang="en-SG" sz="1800" u="sng" dirty="0"/>
-                        <a:t>AddressBook</a:t>
+                        <a:t>PdfBook</a:t>
                       </a:r>
                       <a:endParaRPr lang="en-SG" sz="1600" u="sng" dirty="0"/>
                     </a:p>
@@ -3930,7 +3926,7 @@
           <p:nvPr>
             <p:extLst>
               <p:ext uri="{D42A27DB-BD31-4B8C-83A1-F6EECF244321}">
-                <p14:modId xmlns:p14="http://schemas.microsoft.com/office/powerpoint/2010/main" val="1703544754"/>
+                <p14:modId xmlns:p14="http://schemas.microsoft.com/office/powerpoint/2010/main" val="2401872117"/>
               </p:ext>
             </p:extLst>
           </p:nvPr>
@@ -3962,11 +3958,11 @@
                     <a:p>
                       <a:r>
                         <a:rPr lang="en-SG" u="sng" dirty="0"/>
-                        <a:t>ab1:</a:t>
+                        <a:t>pb1:</a:t>
                       </a:r>
                       <a:r>
                         <a:rPr lang="en-SG" sz="1800" u="sng" dirty="0"/>
-                        <a:t>AddressBook</a:t>
+                        <a:t>PdfBook</a:t>
                       </a:r>
                       <a:endParaRPr lang="en-SG" sz="1600" u="sng" dirty="0"/>
                     </a:p>

--- a/docs/diagrams/UndoRedoNewCommand3StateListDiagram.pptx
+++ b/docs/diagrams/UndoRedoNewCommand3StateListDiagram.pptx
@@ -112,10 +112,6 @@
 </p:presentation>
 </file>
 
-<file path=ppt/revisionInfo.xml><?xml version="1.0" encoding="utf-8"?>
-<p1510:revInfo xmlns:a="http://schemas.openxmlformats.org/drawingml/2006/main" xmlns:r="http://schemas.openxmlformats.org/officeDocument/2006/relationships" xmlns:p1510="http://schemas.microsoft.com/office/powerpoint/2015/10/main"/>
-</file>
-
 <file path=ppt/slideLayouts/slideLayout1.xml><?xml version="1.0" encoding="utf-8"?>
 <p:sldLayout xmlns:a="http://schemas.openxmlformats.org/drawingml/2006/main" xmlns:r="http://schemas.openxmlformats.org/officeDocument/2006/relationships" xmlns:p="http://schemas.openxmlformats.org/presentationml/2006/main" type="title" preserve="1">
   <p:cSld name="Title Slide">
@@ -265,7 +261,7 @@
           <a:p>
             <a:fld id="{03EC4E3E-8101-482F-A883-8B55DAFF7C07}" type="datetimeFigureOut">
               <a:rPr lang="en-SG" smtClean="0"/>
-              <a:t>6/7/2018</a:t>
+              <a:t>20/3/19</a:t>
             </a:fld>
             <a:endParaRPr lang="en-SG"/>
           </a:p>
@@ -465,7 +461,7 @@
           <a:p>
             <a:fld id="{03EC4E3E-8101-482F-A883-8B55DAFF7C07}" type="datetimeFigureOut">
               <a:rPr lang="en-SG" smtClean="0"/>
-              <a:t>6/7/2018</a:t>
+              <a:t>20/3/19</a:t>
             </a:fld>
             <a:endParaRPr lang="en-SG"/>
           </a:p>
@@ -675,7 +671,7 @@
           <a:p>
             <a:fld id="{03EC4E3E-8101-482F-A883-8B55DAFF7C07}" type="datetimeFigureOut">
               <a:rPr lang="en-SG" smtClean="0"/>
-              <a:t>6/7/2018</a:t>
+              <a:t>20/3/19</a:t>
             </a:fld>
             <a:endParaRPr lang="en-SG"/>
           </a:p>
@@ -875,7 +871,7 @@
           <a:p>
             <a:fld id="{03EC4E3E-8101-482F-A883-8B55DAFF7C07}" type="datetimeFigureOut">
               <a:rPr lang="en-SG" smtClean="0"/>
-              <a:t>6/7/2018</a:t>
+              <a:t>20/3/19</a:t>
             </a:fld>
             <a:endParaRPr lang="en-SG"/>
           </a:p>
@@ -1151,7 +1147,7 @@
           <a:p>
             <a:fld id="{03EC4E3E-8101-482F-A883-8B55DAFF7C07}" type="datetimeFigureOut">
               <a:rPr lang="en-SG" smtClean="0"/>
-              <a:t>6/7/2018</a:t>
+              <a:t>20/3/19</a:t>
             </a:fld>
             <a:endParaRPr lang="en-SG"/>
           </a:p>
@@ -1419,7 +1415,7 @@
           <a:p>
             <a:fld id="{03EC4E3E-8101-482F-A883-8B55DAFF7C07}" type="datetimeFigureOut">
               <a:rPr lang="en-SG" smtClean="0"/>
-              <a:t>6/7/2018</a:t>
+              <a:t>20/3/19</a:t>
             </a:fld>
             <a:endParaRPr lang="en-SG"/>
           </a:p>
@@ -1834,7 +1830,7 @@
           <a:p>
             <a:fld id="{03EC4E3E-8101-482F-A883-8B55DAFF7C07}" type="datetimeFigureOut">
               <a:rPr lang="en-SG" smtClean="0"/>
-              <a:t>6/7/2018</a:t>
+              <a:t>20/3/19</a:t>
             </a:fld>
             <a:endParaRPr lang="en-SG"/>
           </a:p>
@@ -1976,7 +1972,7 @@
           <a:p>
             <a:fld id="{03EC4E3E-8101-482F-A883-8B55DAFF7C07}" type="datetimeFigureOut">
               <a:rPr lang="en-SG" smtClean="0"/>
-              <a:t>6/7/2018</a:t>
+              <a:t>20/3/19</a:t>
             </a:fld>
             <a:endParaRPr lang="en-SG"/>
           </a:p>
@@ -2089,7 +2085,7 @@
           <a:p>
             <a:fld id="{03EC4E3E-8101-482F-A883-8B55DAFF7C07}" type="datetimeFigureOut">
               <a:rPr lang="en-SG" smtClean="0"/>
-              <a:t>6/7/2018</a:t>
+              <a:t>20/3/19</a:t>
             </a:fld>
             <a:endParaRPr lang="en-SG"/>
           </a:p>
@@ -2402,7 +2398,7 @@
           <a:p>
             <a:fld id="{03EC4E3E-8101-482F-A883-8B55DAFF7C07}" type="datetimeFigureOut">
               <a:rPr lang="en-SG" smtClean="0"/>
-              <a:t>6/7/2018</a:t>
+              <a:t>20/3/19</a:t>
             </a:fld>
             <a:endParaRPr lang="en-SG"/>
           </a:p>
@@ -2691,7 +2687,7 @@
           <a:p>
             <a:fld id="{03EC4E3E-8101-482F-A883-8B55DAFF7C07}" type="datetimeFigureOut">
               <a:rPr lang="en-SG" smtClean="0"/>
-              <a:t>6/7/2018</a:t>
+              <a:t>20/3/19</a:t>
             </a:fld>
             <a:endParaRPr lang="en-SG"/>
           </a:p>
@@ -2934,7 +2930,7 @@
           <a:p>
             <a:fld id="{03EC4E3E-8101-482F-A883-8B55DAFF7C07}" type="datetimeFigureOut">
               <a:rPr lang="en-SG" smtClean="0"/>
-              <a:t>6/7/2018</a:t>
+              <a:t>20/3/19</a:t>
             </a:fld>
             <a:endParaRPr lang="en-SG"/>
           </a:p>
@@ -3359,7 +3355,7 @@
         </p:nvSpPr>
         <p:spPr>
           <a:xfrm>
-            <a:off x="5194316" y="2149099"/>
+            <a:off x="8070256" y="2135019"/>
             <a:ext cx="1330472" cy="1562676"/>
           </a:xfrm>
           <a:prstGeom prst="downArrow">
@@ -3409,7 +3405,7 @@
         </p:nvSpPr>
         <p:spPr>
           <a:xfrm>
-            <a:off x="1844917" y="2745771"/>
+            <a:off x="3909780" y="2731691"/>
             <a:ext cx="3207000" cy="369332"/>
           </a:xfrm>
           <a:prstGeom prst="rect">
@@ -3454,14 +3450,14 @@
           <p:nvPr>
             <p:extLst>
               <p:ext uri="{D42A27DB-BD31-4B8C-83A1-F6EECF244321}">
-                <p14:modId xmlns:p14="http://schemas.microsoft.com/office/powerpoint/2010/main" val="2776987765"/>
+                <p14:modId xmlns:p14="http://schemas.microsoft.com/office/powerpoint/2010/main" val="2274596422"/>
               </p:ext>
             </p:extLst>
           </p:nvPr>
         </p:nvGraphicFramePr>
         <p:xfrm>
           <a:off x="473240" y="1476102"/>
-          <a:ext cx="1825597" cy="417888"/>
+          <a:ext cx="3207000" cy="417888"/>
         </p:xfrm>
         <a:graphic>
           <a:graphicData uri="http://schemas.openxmlformats.org/drawingml/2006/table">
@@ -3470,7 +3466,7 @@
                 <a:tableStyleId>{638B1855-1B75-4FBE-930C-398BA8C253C6}</a:tableStyleId>
               </a:tblPr>
               <a:tblGrid>
-                <a:gridCol w="1825597">
+                <a:gridCol w="3207000">
                   <a:extLst>
                     <a:ext uri="{9D8B030D-6E8A-4147-A177-3AD203B41FA5}">
                       <a16:colId xmlns:a16="http://schemas.microsoft.com/office/drawing/2014/main" val="4240773277"/>
@@ -3486,11 +3482,11 @@
                     <a:p>
                       <a:r>
                         <a:rPr lang="en-SG" u="sng" dirty="0"/>
-                        <a:t>ab0:</a:t>
+                        <a:t>hms0:</a:t>
                       </a:r>
                       <a:r>
                         <a:rPr lang="en-SG" sz="1800" u="sng" dirty="0"/>
-                        <a:t>AddressBook</a:t>
+                        <a:t>HotelManagementSystem</a:t>
                       </a:r>
                       <a:endParaRPr lang="en-SG" sz="1600" u="sng" dirty="0"/>
                     </a:p>
@@ -3567,7 +3563,7 @@
         </p:nvSpPr>
         <p:spPr>
           <a:xfrm>
-            <a:off x="1844917" y="5180749"/>
+            <a:off x="3909780" y="5170043"/>
             <a:ext cx="3207000" cy="369332"/>
           </a:xfrm>
           <a:prstGeom prst="rect">
@@ -3658,14 +3654,14 @@
           <p:nvPr>
             <p:extLst>
               <p:ext uri="{D42A27DB-BD31-4B8C-83A1-F6EECF244321}">
-                <p14:modId xmlns:p14="http://schemas.microsoft.com/office/powerpoint/2010/main" val="1878903007"/>
+                <p14:modId xmlns:p14="http://schemas.microsoft.com/office/powerpoint/2010/main" val="2357051527"/>
               </p:ext>
             </p:extLst>
           </p:nvPr>
         </p:nvGraphicFramePr>
         <p:xfrm>
-          <a:off x="4423446" y="1476102"/>
-          <a:ext cx="1825597" cy="417888"/>
+          <a:off x="7050408" y="1478952"/>
+          <a:ext cx="3207000" cy="417888"/>
         </p:xfrm>
         <a:graphic>
           <a:graphicData uri="http://schemas.openxmlformats.org/drawingml/2006/table">
@@ -3674,7 +3670,7 @@
                 <a:tableStyleId>{638B1855-1B75-4FBE-930C-398BA8C253C6}</a:tableStyleId>
               </a:tblPr>
               <a:tblGrid>
-                <a:gridCol w="1825597">
+                <a:gridCol w="3207000">
                   <a:extLst>
                     <a:ext uri="{9D8B030D-6E8A-4147-A177-3AD203B41FA5}">
                       <a16:colId xmlns:a16="http://schemas.microsoft.com/office/drawing/2014/main" val="4240773277"/>
@@ -3690,11 +3686,11 @@
                     <a:p>
                       <a:r>
                         <a:rPr lang="en-SG" u="sng" dirty="0"/>
-                        <a:t>ab2:</a:t>
+                        <a:t>hms2:</a:t>
                       </a:r>
                       <a:r>
                         <a:rPr lang="en-SG" sz="1800" u="sng" dirty="0"/>
-                        <a:t>AddressBook</a:t>
+                        <a:t>HotelManagementSystem</a:t>
                       </a:r>
                       <a:endParaRPr lang="en-SG" sz="1600" u="sng" dirty="0"/>
                     </a:p>
@@ -3726,14 +3722,14 @@
           <p:nvPr>
             <p:extLst>
               <p:ext uri="{D42A27DB-BD31-4B8C-83A1-F6EECF244321}">
-                <p14:modId xmlns:p14="http://schemas.microsoft.com/office/powerpoint/2010/main" val="547626409"/>
+                <p14:modId xmlns:p14="http://schemas.microsoft.com/office/powerpoint/2010/main" val="1708328176"/>
               </p:ext>
             </p:extLst>
           </p:nvPr>
         </p:nvGraphicFramePr>
         <p:xfrm>
-          <a:off x="2448342" y="1476102"/>
-          <a:ext cx="1825597" cy="417888"/>
+          <a:off x="3761824" y="1476102"/>
+          <a:ext cx="3207000" cy="417888"/>
         </p:xfrm>
         <a:graphic>
           <a:graphicData uri="http://schemas.openxmlformats.org/drawingml/2006/table">
@@ -3742,7 +3738,7 @@
                 <a:tableStyleId>{638B1855-1B75-4FBE-930C-398BA8C253C6}</a:tableStyleId>
               </a:tblPr>
               <a:tblGrid>
-                <a:gridCol w="1825597">
+                <a:gridCol w="3207000">
                   <a:extLst>
                     <a:ext uri="{9D8B030D-6E8A-4147-A177-3AD203B41FA5}">
                       <a16:colId xmlns:a16="http://schemas.microsoft.com/office/drawing/2014/main" val="4240773277"/>
@@ -3758,11 +3754,11 @@
                     <a:p>
                       <a:r>
                         <a:rPr lang="en-SG" u="sng" dirty="0"/>
-                        <a:t>ab1:</a:t>
+                        <a:t>hms1:</a:t>
                       </a:r>
                       <a:r>
                         <a:rPr lang="en-SG" sz="1800" u="sng" dirty="0"/>
-                        <a:t>AddressBook</a:t>
+                        <a:t>HotelManagementSystem</a:t>
                       </a:r>
                       <a:endParaRPr lang="en-SG" sz="1600" u="sng" dirty="0"/>
                     </a:p>
@@ -3794,14 +3790,14 @@
           <p:nvPr>
             <p:extLst>
               <p:ext uri="{D42A27DB-BD31-4B8C-83A1-F6EECF244321}">
-                <p14:modId xmlns:p14="http://schemas.microsoft.com/office/powerpoint/2010/main" val="1824208515"/>
+                <p14:modId xmlns:p14="http://schemas.microsoft.com/office/powerpoint/2010/main" val="2910830630"/>
               </p:ext>
             </p:extLst>
           </p:nvPr>
         </p:nvGraphicFramePr>
         <p:xfrm>
           <a:off x="473239" y="3926589"/>
-          <a:ext cx="1825597" cy="417888"/>
+          <a:ext cx="3207000" cy="417888"/>
         </p:xfrm>
         <a:graphic>
           <a:graphicData uri="http://schemas.openxmlformats.org/drawingml/2006/table">
@@ -3810,7 +3806,7 @@
                 <a:tableStyleId>{638B1855-1B75-4FBE-930C-398BA8C253C6}</a:tableStyleId>
               </a:tblPr>
               <a:tblGrid>
-                <a:gridCol w="1825597">
+                <a:gridCol w="3207000">
                   <a:extLst>
                     <a:ext uri="{9D8B030D-6E8A-4147-A177-3AD203B41FA5}">
                       <a16:colId xmlns:a16="http://schemas.microsoft.com/office/drawing/2014/main" val="4240773277"/>
@@ -3826,11 +3822,11 @@
                     <a:p>
                       <a:r>
                         <a:rPr lang="en-SG" u="sng" dirty="0"/>
-                        <a:t>ab0:</a:t>
+                        <a:t>hms0:</a:t>
                       </a:r>
                       <a:r>
                         <a:rPr lang="en-SG" sz="1800" u="sng" dirty="0"/>
-                        <a:t>AddressBook</a:t>
+                        <a:t>HotelManagementSystem</a:t>
                       </a:r>
                       <a:endParaRPr lang="en-SG" sz="1600" u="sng" dirty="0"/>
                     </a:p>
@@ -3862,14 +3858,14 @@
           <p:nvPr>
             <p:extLst>
               <p:ext uri="{D42A27DB-BD31-4B8C-83A1-F6EECF244321}">
-                <p14:modId xmlns:p14="http://schemas.microsoft.com/office/powerpoint/2010/main" val="1414922247"/>
+                <p14:modId xmlns:p14="http://schemas.microsoft.com/office/powerpoint/2010/main" val="2036070591"/>
               </p:ext>
             </p:extLst>
           </p:nvPr>
         </p:nvGraphicFramePr>
         <p:xfrm>
-          <a:off x="4423446" y="3926589"/>
-          <a:ext cx="1825597" cy="417888"/>
+          <a:off x="7131994" y="3926589"/>
+          <a:ext cx="3206997" cy="417888"/>
         </p:xfrm>
         <a:graphic>
           <a:graphicData uri="http://schemas.openxmlformats.org/drawingml/2006/table">
@@ -3878,7 +3874,7 @@
                 <a:tableStyleId>{638B1855-1B75-4FBE-930C-398BA8C253C6}</a:tableStyleId>
               </a:tblPr>
               <a:tblGrid>
-                <a:gridCol w="1825597">
+                <a:gridCol w="3206997">
                   <a:extLst>
                     <a:ext uri="{9D8B030D-6E8A-4147-A177-3AD203B41FA5}">
                       <a16:colId xmlns:a16="http://schemas.microsoft.com/office/drawing/2014/main" val="4240773277"/>
@@ -3894,11 +3890,11 @@
                     <a:p>
                       <a:r>
                         <a:rPr lang="en-SG" u="sng" dirty="0"/>
-                        <a:t>ab2:</a:t>
+                        <a:t>hms2:</a:t>
                       </a:r>
                       <a:r>
                         <a:rPr lang="en-SG" sz="1800" u="sng" dirty="0"/>
-                        <a:t>AddressBook</a:t>
+                        <a:t>HotelManagementSystem</a:t>
                       </a:r>
                       <a:endParaRPr lang="en-SG" sz="1600" u="sng" dirty="0"/>
                     </a:p>
@@ -3930,14 +3926,14 @@
           <p:nvPr>
             <p:extLst>
               <p:ext uri="{D42A27DB-BD31-4B8C-83A1-F6EECF244321}">
-                <p14:modId xmlns:p14="http://schemas.microsoft.com/office/powerpoint/2010/main" val="1703544754"/>
+                <p14:modId xmlns:p14="http://schemas.microsoft.com/office/powerpoint/2010/main" val="3326585718"/>
               </p:ext>
             </p:extLst>
           </p:nvPr>
         </p:nvGraphicFramePr>
         <p:xfrm>
-          <a:off x="2448343" y="3926589"/>
-          <a:ext cx="1825597" cy="417888"/>
+          <a:off x="3761824" y="3926589"/>
+          <a:ext cx="3288585" cy="417888"/>
         </p:xfrm>
         <a:graphic>
           <a:graphicData uri="http://schemas.openxmlformats.org/drawingml/2006/table">
@@ -3946,7 +3942,7 @@
                 <a:tableStyleId>{638B1855-1B75-4FBE-930C-398BA8C253C6}</a:tableStyleId>
               </a:tblPr>
               <a:tblGrid>
-                <a:gridCol w="1825597">
+                <a:gridCol w="3288585">
                   <a:extLst>
                     <a:ext uri="{9D8B030D-6E8A-4147-A177-3AD203B41FA5}">
                       <a16:colId xmlns:a16="http://schemas.microsoft.com/office/drawing/2014/main" val="4240773277"/>
@@ -3962,11 +3958,11 @@
                     <a:p>
                       <a:r>
                         <a:rPr lang="en-SG" u="sng" dirty="0"/>
-                        <a:t>ab1:</a:t>
+                        <a:t>hms1:</a:t>
                       </a:r>
                       <a:r>
                         <a:rPr lang="en-SG" sz="1800" u="sng" dirty="0"/>
-                        <a:t>AddressBook</a:t>
+                        <a:t>HotelManagementSystem</a:t>
                       </a:r>
                       <a:endParaRPr lang="en-SG" sz="1600" u="sng" dirty="0"/>
                     </a:p>
@@ -3999,7 +3995,7 @@
         </p:nvCxnSpPr>
         <p:spPr>
           <a:xfrm flipV="1">
-            <a:off x="3338818" y="2038898"/>
+            <a:off x="5403681" y="2024818"/>
             <a:ext cx="0" cy="706873"/>
           </a:xfrm>
           <a:prstGeom prst="straightConnector1">
@@ -4043,7 +4039,7 @@
         </p:nvCxnSpPr>
         <p:spPr>
           <a:xfrm flipV="1">
-            <a:off x="3302417" y="4496762"/>
+            <a:off x="5367280" y="4486056"/>
             <a:ext cx="0" cy="706873"/>
           </a:xfrm>
           <a:prstGeom prst="straightConnector1">

--- a/docs/diagrams/UndoRedoNewCommand3StateListDiagram.pptx
+++ b/docs/diagrams/UndoRedoNewCommand3StateListDiagram.pptx
@@ -261,7 +261,7 @@
           <a:p>
             <a:fld id="{03EC4E3E-8101-482F-A883-8B55DAFF7C07}" type="datetimeFigureOut">
               <a:rPr lang="en-SG" smtClean="0"/>
-              <a:t>20/3/19</a:t>
+              <a:t>21/3/19</a:t>
             </a:fld>
             <a:endParaRPr lang="en-SG"/>
           </a:p>
@@ -461,7 +461,7 @@
           <a:p>
             <a:fld id="{03EC4E3E-8101-482F-A883-8B55DAFF7C07}" type="datetimeFigureOut">
               <a:rPr lang="en-SG" smtClean="0"/>
-              <a:t>20/3/19</a:t>
+              <a:t>21/3/19</a:t>
             </a:fld>
             <a:endParaRPr lang="en-SG"/>
           </a:p>
@@ -671,7 +671,7 @@
           <a:p>
             <a:fld id="{03EC4E3E-8101-482F-A883-8B55DAFF7C07}" type="datetimeFigureOut">
               <a:rPr lang="en-SG" smtClean="0"/>
-              <a:t>20/3/19</a:t>
+              <a:t>21/3/19</a:t>
             </a:fld>
             <a:endParaRPr lang="en-SG"/>
           </a:p>
@@ -871,7 +871,7 @@
           <a:p>
             <a:fld id="{03EC4E3E-8101-482F-A883-8B55DAFF7C07}" type="datetimeFigureOut">
               <a:rPr lang="en-SG" smtClean="0"/>
-              <a:t>20/3/19</a:t>
+              <a:t>21/3/19</a:t>
             </a:fld>
             <a:endParaRPr lang="en-SG"/>
           </a:p>
@@ -1147,7 +1147,7 @@
           <a:p>
             <a:fld id="{03EC4E3E-8101-482F-A883-8B55DAFF7C07}" type="datetimeFigureOut">
               <a:rPr lang="en-SG" smtClean="0"/>
-              <a:t>20/3/19</a:t>
+              <a:t>21/3/19</a:t>
             </a:fld>
             <a:endParaRPr lang="en-SG"/>
           </a:p>
@@ -1415,7 +1415,7 @@
           <a:p>
             <a:fld id="{03EC4E3E-8101-482F-A883-8B55DAFF7C07}" type="datetimeFigureOut">
               <a:rPr lang="en-SG" smtClean="0"/>
-              <a:t>20/3/19</a:t>
+              <a:t>21/3/19</a:t>
             </a:fld>
             <a:endParaRPr lang="en-SG"/>
           </a:p>
@@ -1830,7 +1830,7 @@
           <a:p>
             <a:fld id="{03EC4E3E-8101-482F-A883-8B55DAFF7C07}" type="datetimeFigureOut">
               <a:rPr lang="en-SG" smtClean="0"/>
-              <a:t>20/3/19</a:t>
+              <a:t>21/3/19</a:t>
             </a:fld>
             <a:endParaRPr lang="en-SG"/>
           </a:p>
@@ -1972,7 +1972,7 @@
           <a:p>
             <a:fld id="{03EC4E3E-8101-482F-A883-8B55DAFF7C07}" type="datetimeFigureOut">
               <a:rPr lang="en-SG" smtClean="0"/>
-              <a:t>20/3/19</a:t>
+              <a:t>21/3/19</a:t>
             </a:fld>
             <a:endParaRPr lang="en-SG"/>
           </a:p>
@@ -2085,7 +2085,7 @@
           <a:p>
             <a:fld id="{03EC4E3E-8101-482F-A883-8B55DAFF7C07}" type="datetimeFigureOut">
               <a:rPr lang="en-SG" smtClean="0"/>
-              <a:t>20/3/19</a:t>
+              <a:t>21/3/19</a:t>
             </a:fld>
             <a:endParaRPr lang="en-SG"/>
           </a:p>
@@ -2398,7 +2398,7 @@
           <a:p>
             <a:fld id="{03EC4E3E-8101-482F-A883-8B55DAFF7C07}" type="datetimeFigureOut">
               <a:rPr lang="en-SG" smtClean="0"/>
-              <a:t>20/3/19</a:t>
+              <a:t>21/3/19</a:t>
             </a:fld>
             <a:endParaRPr lang="en-SG"/>
           </a:p>
@@ -2687,7 +2687,7 @@
           <a:p>
             <a:fld id="{03EC4E3E-8101-482F-A883-8B55DAFF7C07}" type="datetimeFigureOut">
               <a:rPr lang="en-SG" smtClean="0"/>
-              <a:t>20/3/19</a:t>
+              <a:t>21/3/19</a:t>
             </a:fld>
             <a:endParaRPr lang="en-SG"/>
           </a:p>
@@ -2930,7 +2930,7 @@
           <a:p>
             <a:fld id="{03EC4E3E-8101-482F-A883-8B55DAFF7C07}" type="datetimeFigureOut">
               <a:rPr lang="en-SG" smtClean="0"/>
-              <a:t>20/3/19</a:t>
+              <a:t>21/3/19</a:t>
             </a:fld>
             <a:endParaRPr lang="en-SG"/>
           </a:p>
@@ -3421,16 +3421,10 @@
           <a:p>
             <a:pPr algn="ctr"/>
             <a:r>
-              <a:rPr lang="en-SG" dirty="0" err="1">
-                <a:latin typeface="Consolas" panose="020B0609020204030204" pitchFamily="49" charset="0"/>
-              </a:rPr>
-              <a:t>currentStatePointer</a:t>
-            </a:r>
-            <a:r>
               <a:rPr lang="en-SG" dirty="0">
                 <a:latin typeface="Consolas" panose="020B0609020204030204" pitchFamily="49" charset="0"/>
               </a:rPr>
-              <a:t> = 1</a:t>
+              <a:t>currentStatePointer = 1</a:t>
             </a:r>
           </a:p>
         </p:txBody>
@@ -3579,16 +3573,10 @@
           <a:p>
             <a:pPr algn="ctr"/>
             <a:r>
-              <a:rPr lang="en-SG" dirty="0" err="1">
-                <a:latin typeface="Consolas" panose="020B0609020204030204" pitchFamily="49" charset="0"/>
-              </a:rPr>
-              <a:t>currentStatePointer</a:t>
-            </a:r>
-            <a:r>
               <a:rPr lang="en-SG" dirty="0">
                 <a:latin typeface="Consolas" panose="020B0609020204030204" pitchFamily="49" charset="0"/>
               </a:rPr>
-              <a:t> = 1</a:t>
+              <a:t>currentStatePointer = 1</a:t>
             </a:r>
           </a:p>
         </p:txBody>

--- a/docs/diagrams/UndoRedoNewCommand3StateListDiagram.pptx
+++ b/docs/diagrams/UndoRedoNewCommand3StateListDiagram.pptx
@@ -112,10 +112,6 @@
 </p:presentation>
 </file>
 
-<file path=ppt/revisionInfo.xml><?xml version="1.0" encoding="utf-8"?>
-<p1510:revInfo xmlns:a="http://schemas.openxmlformats.org/drawingml/2006/main" xmlns:r="http://schemas.openxmlformats.org/officeDocument/2006/relationships" xmlns:p1510="http://schemas.microsoft.com/office/powerpoint/2015/10/main"/>
-</file>
-
 <file path=ppt/slideLayouts/slideLayout1.xml><?xml version="1.0" encoding="utf-8"?>
 <p:sldLayout xmlns:a="http://schemas.openxmlformats.org/drawingml/2006/main" xmlns:r="http://schemas.openxmlformats.org/officeDocument/2006/relationships" xmlns:p="http://schemas.openxmlformats.org/presentationml/2006/main" type="title" preserve="1">
   <p:cSld name="Title Slide">
@@ -265,7 +261,7 @@
           <a:p>
             <a:fld id="{03EC4E3E-8101-482F-A883-8B55DAFF7C07}" type="datetimeFigureOut">
               <a:rPr lang="en-SG" smtClean="0"/>
-              <a:t>6/7/2018</a:t>
+              <a:t>22/3/2019</a:t>
             </a:fld>
             <a:endParaRPr lang="en-SG"/>
           </a:p>
@@ -465,7 +461,7 @@
           <a:p>
             <a:fld id="{03EC4E3E-8101-482F-A883-8B55DAFF7C07}" type="datetimeFigureOut">
               <a:rPr lang="en-SG" smtClean="0"/>
-              <a:t>6/7/2018</a:t>
+              <a:t>22/3/2019</a:t>
             </a:fld>
             <a:endParaRPr lang="en-SG"/>
           </a:p>
@@ -675,7 +671,7 @@
           <a:p>
             <a:fld id="{03EC4E3E-8101-482F-A883-8B55DAFF7C07}" type="datetimeFigureOut">
               <a:rPr lang="en-SG" smtClean="0"/>
-              <a:t>6/7/2018</a:t>
+              <a:t>22/3/2019</a:t>
             </a:fld>
             <a:endParaRPr lang="en-SG"/>
           </a:p>
@@ -875,7 +871,7 @@
           <a:p>
             <a:fld id="{03EC4E3E-8101-482F-A883-8B55DAFF7C07}" type="datetimeFigureOut">
               <a:rPr lang="en-SG" smtClean="0"/>
-              <a:t>6/7/2018</a:t>
+              <a:t>22/3/2019</a:t>
             </a:fld>
             <a:endParaRPr lang="en-SG"/>
           </a:p>
@@ -1151,7 +1147,7 @@
           <a:p>
             <a:fld id="{03EC4E3E-8101-482F-A883-8B55DAFF7C07}" type="datetimeFigureOut">
               <a:rPr lang="en-SG" smtClean="0"/>
-              <a:t>6/7/2018</a:t>
+              <a:t>22/3/2019</a:t>
             </a:fld>
             <a:endParaRPr lang="en-SG"/>
           </a:p>
@@ -1419,7 +1415,7 @@
           <a:p>
             <a:fld id="{03EC4E3E-8101-482F-A883-8B55DAFF7C07}" type="datetimeFigureOut">
               <a:rPr lang="en-SG" smtClean="0"/>
-              <a:t>6/7/2018</a:t>
+              <a:t>22/3/2019</a:t>
             </a:fld>
             <a:endParaRPr lang="en-SG"/>
           </a:p>
@@ -1834,7 +1830,7 @@
           <a:p>
             <a:fld id="{03EC4E3E-8101-482F-A883-8B55DAFF7C07}" type="datetimeFigureOut">
               <a:rPr lang="en-SG" smtClean="0"/>
-              <a:t>6/7/2018</a:t>
+              <a:t>22/3/2019</a:t>
             </a:fld>
             <a:endParaRPr lang="en-SG"/>
           </a:p>
@@ -1976,7 +1972,7 @@
           <a:p>
             <a:fld id="{03EC4E3E-8101-482F-A883-8B55DAFF7C07}" type="datetimeFigureOut">
               <a:rPr lang="en-SG" smtClean="0"/>
-              <a:t>6/7/2018</a:t>
+              <a:t>22/3/2019</a:t>
             </a:fld>
             <a:endParaRPr lang="en-SG"/>
           </a:p>
@@ -2089,7 +2085,7 @@
           <a:p>
             <a:fld id="{03EC4E3E-8101-482F-A883-8B55DAFF7C07}" type="datetimeFigureOut">
               <a:rPr lang="en-SG" smtClean="0"/>
-              <a:t>6/7/2018</a:t>
+              <a:t>22/3/2019</a:t>
             </a:fld>
             <a:endParaRPr lang="en-SG"/>
           </a:p>
@@ -2402,7 +2398,7 @@
           <a:p>
             <a:fld id="{03EC4E3E-8101-482F-A883-8B55DAFF7C07}" type="datetimeFigureOut">
               <a:rPr lang="en-SG" smtClean="0"/>
-              <a:t>6/7/2018</a:t>
+              <a:t>22/3/2019</a:t>
             </a:fld>
             <a:endParaRPr lang="en-SG"/>
           </a:p>
@@ -2691,7 +2687,7 @@
           <a:p>
             <a:fld id="{03EC4E3E-8101-482F-A883-8B55DAFF7C07}" type="datetimeFigureOut">
               <a:rPr lang="en-SG" smtClean="0"/>
-              <a:t>6/7/2018</a:t>
+              <a:t>22/3/2019</a:t>
             </a:fld>
             <a:endParaRPr lang="en-SG"/>
           </a:p>
@@ -2934,7 +2930,7 @@
           <a:p>
             <a:fld id="{03EC4E3E-8101-482F-A883-8B55DAFF7C07}" type="datetimeFigureOut">
               <a:rPr lang="en-SG" smtClean="0"/>
-              <a:t>6/7/2018</a:t>
+              <a:t>22/3/2019</a:t>
             </a:fld>
             <a:endParaRPr lang="en-SG"/>
           </a:p>
@@ -3454,7 +3450,7 @@
           <p:nvPr>
             <p:extLst>
               <p:ext uri="{D42A27DB-BD31-4B8C-83A1-F6EECF244321}">
-                <p14:modId xmlns:p14="http://schemas.microsoft.com/office/powerpoint/2010/main" val="2776987765"/>
+                <p14:modId xmlns:p14="http://schemas.microsoft.com/office/powerpoint/2010/main" val="2393449569"/>
               </p:ext>
             </p:extLst>
           </p:nvPr>
@@ -3486,11 +3482,11 @@
                     <a:p>
                       <a:r>
                         <a:rPr lang="en-SG" u="sng" dirty="0"/>
-                        <a:t>ab0:</a:t>
+                        <a:t>tb0:</a:t>
                       </a:r>
                       <a:r>
                         <a:rPr lang="en-SG" sz="1800" u="sng" dirty="0"/>
-                        <a:t>AddressBook</a:t>
+                        <a:t>TravelBuddy</a:t>
                       </a:r>
                       <a:endParaRPr lang="en-SG" sz="1600" u="sng" dirty="0"/>
                     </a:p>
@@ -3658,7 +3654,7 @@
           <p:nvPr>
             <p:extLst>
               <p:ext uri="{D42A27DB-BD31-4B8C-83A1-F6EECF244321}">
-                <p14:modId xmlns:p14="http://schemas.microsoft.com/office/powerpoint/2010/main" val="1878903007"/>
+                <p14:modId xmlns:p14="http://schemas.microsoft.com/office/powerpoint/2010/main" val="1174283941"/>
               </p:ext>
             </p:extLst>
           </p:nvPr>
@@ -3690,11 +3686,11 @@
                     <a:p>
                       <a:r>
                         <a:rPr lang="en-SG" u="sng" dirty="0"/>
-                        <a:t>ab2:</a:t>
+                        <a:t>tb2:</a:t>
                       </a:r>
                       <a:r>
                         <a:rPr lang="en-SG" sz="1800" u="sng" dirty="0"/>
-                        <a:t>AddressBook</a:t>
+                        <a:t>TravelBuddy</a:t>
                       </a:r>
                       <a:endParaRPr lang="en-SG" sz="1600" u="sng" dirty="0"/>
                     </a:p>
@@ -3726,7 +3722,7 @@
           <p:nvPr>
             <p:extLst>
               <p:ext uri="{D42A27DB-BD31-4B8C-83A1-F6EECF244321}">
-                <p14:modId xmlns:p14="http://schemas.microsoft.com/office/powerpoint/2010/main" val="547626409"/>
+                <p14:modId xmlns:p14="http://schemas.microsoft.com/office/powerpoint/2010/main" val="3297061838"/>
               </p:ext>
             </p:extLst>
           </p:nvPr>
@@ -3758,11 +3754,11 @@
                     <a:p>
                       <a:r>
                         <a:rPr lang="en-SG" u="sng" dirty="0"/>
-                        <a:t>ab1:</a:t>
+                        <a:t>tb1:</a:t>
                       </a:r>
                       <a:r>
                         <a:rPr lang="en-SG" sz="1800" u="sng" dirty="0"/>
-                        <a:t>AddressBook</a:t>
+                        <a:t>TravelBuddy</a:t>
                       </a:r>
                       <a:endParaRPr lang="en-SG" sz="1600" u="sng" dirty="0"/>
                     </a:p>
@@ -3794,7 +3790,7 @@
           <p:nvPr>
             <p:extLst>
               <p:ext uri="{D42A27DB-BD31-4B8C-83A1-F6EECF244321}">
-                <p14:modId xmlns:p14="http://schemas.microsoft.com/office/powerpoint/2010/main" val="1824208515"/>
+                <p14:modId xmlns:p14="http://schemas.microsoft.com/office/powerpoint/2010/main" val="3660884074"/>
               </p:ext>
             </p:extLst>
           </p:nvPr>
@@ -3825,12 +3821,16 @@
                     <a:lstStyle/>
                     <a:p>
                       <a:r>
+                        <a:rPr lang="en-SG" u="sng"/>
+                        <a:t>tb0</a:t>
+                      </a:r>
+                      <a:r>
                         <a:rPr lang="en-SG" u="sng" dirty="0"/>
-                        <a:t>ab0:</a:t>
+                        <a:t>:</a:t>
                       </a:r>
                       <a:r>
                         <a:rPr lang="en-SG" sz="1800" u="sng" dirty="0"/>
-                        <a:t>AddressBook</a:t>
+                        <a:t>TravelBuddy</a:t>
                       </a:r>
                       <a:endParaRPr lang="en-SG" sz="1600" u="sng" dirty="0"/>
                     </a:p>
@@ -3862,7 +3862,7 @@
           <p:nvPr>
             <p:extLst>
               <p:ext uri="{D42A27DB-BD31-4B8C-83A1-F6EECF244321}">
-                <p14:modId xmlns:p14="http://schemas.microsoft.com/office/powerpoint/2010/main" val="1414922247"/>
+                <p14:modId xmlns:p14="http://schemas.microsoft.com/office/powerpoint/2010/main" val="4132539827"/>
               </p:ext>
             </p:extLst>
           </p:nvPr>
@@ -3894,11 +3894,11 @@
                     <a:p>
                       <a:r>
                         <a:rPr lang="en-SG" u="sng" dirty="0"/>
-                        <a:t>ab2:</a:t>
+                        <a:t>tb2:</a:t>
                       </a:r>
                       <a:r>
                         <a:rPr lang="en-SG" sz="1800" u="sng" dirty="0"/>
-                        <a:t>AddressBook</a:t>
+                        <a:t>TravelBuddy</a:t>
                       </a:r>
                       <a:endParaRPr lang="en-SG" sz="1600" u="sng" dirty="0"/>
                     </a:p>
@@ -3930,7 +3930,7 @@
           <p:nvPr>
             <p:extLst>
               <p:ext uri="{D42A27DB-BD31-4B8C-83A1-F6EECF244321}">
-                <p14:modId xmlns:p14="http://schemas.microsoft.com/office/powerpoint/2010/main" val="1703544754"/>
+                <p14:modId xmlns:p14="http://schemas.microsoft.com/office/powerpoint/2010/main" val="4012853427"/>
               </p:ext>
             </p:extLst>
           </p:nvPr>
@@ -3962,11 +3962,11 @@
                     <a:p>
                       <a:r>
                         <a:rPr lang="en-SG" u="sng" dirty="0"/>
-                        <a:t>ab1:</a:t>
+                        <a:t>tb1:</a:t>
                       </a:r>
                       <a:r>
                         <a:rPr lang="en-SG" sz="1800" u="sng" dirty="0"/>
-                        <a:t>AddressBook</a:t>
+                        <a:t>TravelBuddy</a:t>
                       </a:r>
                       <a:endParaRPr lang="en-SG" sz="1600" u="sng" dirty="0"/>
                     </a:p>

--- a/docs/diagrams/UndoRedoNewCommand3StateListDiagram.pptx
+++ b/docs/diagrams/UndoRedoNewCommand3StateListDiagram.pptx
@@ -112,10 +112,6 @@
 </p:presentation>
 </file>
 
-<file path=ppt/revisionInfo.xml><?xml version="1.0" encoding="utf-8"?>
-<p1510:revInfo xmlns:a="http://schemas.openxmlformats.org/drawingml/2006/main" xmlns:r="http://schemas.openxmlformats.org/officeDocument/2006/relationships" xmlns:p1510="http://schemas.microsoft.com/office/powerpoint/2015/10/main"/>
-</file>
-
 <file path=ppt/slideLayouts/slideLayout1.xml><?xml version="1.0" encoding="utf-8"?>
 <p:sldLayout xmlns:a="http://schemas.openxmlformats.org/drawingml/2006/main" xmlns:r="http://schemas.openxmlformats.org/officeDocument/2006/relationships" xmlns:p="http://schemas.openxmlformats.org/presentationml/2006/main" type="title" preserve="1">
   <p:cSld name="Title Slide">
@@ -265,7 +261,7 @@
           <a:p>
             <a:fld id="{03EC4E3E-8101-482F-A883-8B55DAFF7C07}" type="datetimeFigureOut">
               <a:rPr lang="en-SG" smtClean="0"/>
-              <a:t>6/7/2018</a:t>
+              <a:t>30/3/2019</a:t>
             </a:fld>
             <a:endParaRPr lang="en-SG"/>
           </a:p>
@@ -465,7 +461,7 @@
           <a:p>
             <a:fld id="{03EC4E3E-8101-482F-A883-8B55DAFF7C07}" type="datetimeFigureOut">
               <a:rPr lang="en-SG" smtClean="0"/>
-              <a:t>6/7/2018</a:t>
+              <a:t>30/3/2019</a:t>
             </a:fld>
             <a:endParaRPr lang="en-SG"/>
           </a:p>
@@ -675,7 +671,7 @@
           <a:p>
             <a:fld id="{03EC4E3E-8101-482F-A883-8B55DAFF7C07}" type="datetimeFigureOut">
               <a:rPr lang="en-SG" smtClean="0"/>
-              <a:t>6/7/2018</a:t>
+              <a:t>30/3/2019</a:t>
             </a:fld>
             <a:endParaRPr lang="en-SG"/>
           </a:p>
@@ -875,7 +871,7 @@
           <a:p>
             <a:fld id="{03EC4E3E-8101-482F-A883-8B55DAFF7C07}" type="datetimeFigureOut">
               <a:rPr lang="en-SG" smtClean="0"/>
-              <a:t>6/7/2018</a:t>
+              <a:t>30/3/2019</a:t>
             </a:fld>
             <a:endParaRPr lang="en-SG"/>
           </a:p>
@@ -1151,7 +1147,7 @@
           <a:p>
             <a:fld id="{03EC4E3E-8101-482F-A883-8B55DAFF7C07}" type="datetimeFigureOut">
               <a:rPr lang="en-SG" smtClean="0"/>
-              <a:t>6/7/2018</a:t>
+              <a:t>30/3/2019</a:t>
             </a:fld>
             <a:endParaRPr lang="en-SG"/>
           </a:p>
@@ -1419,7 +1415,7 @@
           <a:p>
             <a:fld id="{03EC4E3E-8101-482F-A883-8B55DAFF7C07}" type="datetimeFigureOut">
               <a:rPr lang="en-SG" smtClean="0"/>
-              <a:t>6/7/2018</a:t>
+              <a:t>30/3/2019</a:t>
             </a:fld>
             <a:endParaRPr lang="en-SG"/>
           </a:p>
@@ -1834,7 +1830,7 @@
           <a:p>
             <a:fld id="{03EC4E3E-8101-482F-A883-8B55DAFF7C07}" type="datetimeFigureOut">
               <a:rPr lang="en-SG" smtClean="0"/>
-              <a:t>6/7/2018</a:t>
+              <a:t>30/3/2019</a:t>
             </a:fld>
             <a:endParaRPr lang="en-SG"/>
           </a:p>
@@ -1976,7 +1972,7 @@
           <a:p>
             <a:fld id="{03EC4E3E-8101-482F-A883-8B55DAFF7C07}" type="datetimeFigureOut">
               <a:rPr lang="en-SG" smtClean="0"/>
-              <a:t>6/7/2018</a:t>
+              <a:t>30/3/2019</a:t>
             </a:fld>
             <a:endParaRPr lang="en-SG"/>
           </a:p>
@@ -2089,7 +2085,7 @@
           <a:p>
             <a:fld id="{03EC4E3E-8101-482F-A883-8B55DAFF7C07}" type="datetimeFigureOut">
               <a:rPr lang="en-SG" smtClean="0"/>
-              <a:t>6/7/2018</a:t>
+              <a:t>30/3/2019</a:t>
             </a:fld>
             <a:endParaRPr lang="en-SG"/>
           </a:p>
@@ -2402,7 +2398,7 @@
           <a:p>
             <a:fld id="{03EC4E3E-8101-482F-A883-8B55DAFF7C07}" type="datetimeFigureOut">
               <a:rPr lang="en-SG" smtClean="0"/>
-              <a:t>6/7/2018</a:t>
+              <a:t>30/3/2019</a:t>
             </a:fld>
             <a:endParaRPr lang="en-SG"/>
           </a:p>
@@ -2691,7 +2687,7 @@
           <a:p>
             <a:fld id="{03EC4E3E-8101-482F-A883-8B55DAFF7C07}" type="datetimeFigureOut">
               <a:rPr lang="en-SG" smtClean="0"/>
-              <a:t>6/7/2018</a:t>
+              <a:t>30/3/2019</a:t>
             </a:fld>
             <a:endParaRPr lang="en-SG"/>
           </a:p>
@@ -2934,7 +2930,7 @@
           <a:p>
             <a:fld id="{03EC4E3E-8101-482F-A883-8B55DAFF7C07}" type="datetimeFigureOut">
               <a:rPr lang="en-SG" smtClean="0"/>
-              <a:t>6/7/2018</a:t>
+              <a:t>30/3/2019</a:t>
             </a:fld>
             <a:endParaRPr lang="en-SG"/>
           </a:p>
@@ -3359,8 +3355,8 @@
         </p:nvSpPr>
         <p:spPr>
           <a:xfrm>
-            <a:off x="5194316" y="2149099"/>
-            <a:ext cx="1330472" cy="1562676"/>
+            <a:off x="5194315" y="2149099"/>
+            <a:ext cx="1945755" cy="1562676"/>
           </a:xfrm>
           <a:prstGeom prst="downArrow">
             <a:avLst/>
@@ -3389,7 +3385,7 @@
             <a:pPr algn="ctr"/>
             <a:r>
               <a:rPr lang="en-SG" dirty="0"/>
-              <a:t>list</a:t>
+              <a:t>Undo </a:t>
             </a:r>
             <a:endParaRPr lang="en-US" dirty="0"/>
           </a:p>
@@ -3425,88 +3421,14 @@
           <a:p>
             <a:pPr algn="ctr"/>
             <a:r>
-              <a:rPr lang="en-SG" dirty="0" err="1">
-                <a:latin typeface="Consolas" panose="020B0609020204030204" pitchFamily="49" charset="0"/>
-              </a:rPr>
-              <a:t>currentStatePointer</a:t>
-            </a:r>
-            <a:r>
               <a:rPr lang="en-SG" dirty="0">
                 <a:latin typeface="Consolas" panose="020B0609020204030204" pitchFamily="49" charset="0"/>
               </a:rPr>
-              <a:t> = 1</a:t>
-            </a:r>
-          </a:p>
-        </p:txBody>
-      </p:sp>
-      <p:graphicFrame>
-        <p:nvGraphicFramePr>
-          <p:cNvPr id="17" name="Table 16">
-            <a:extLst>
-              <a:ext uri="{FF2B5EF4-FFF2-40B4-BE49-F238E27FC236}">
-                <a16:creationId xmlns:a16="http://schemas.microsoft.com/office/drawing/2014/main" id="{F545FAB8-F1CE-4886-9BDE-E772BCB0A9C4}"/>
-              </a:ext>
-            </a:extLst>
-          </p:cNvPr>
-          <p:cNvGraphicFramePr>
-            <a:graphicFrameLocks noGrp="1"/>
-          </p:cNvGraphicFramePr>
-          <p:nvPr>
-            <p:extLst>
-              <p:ext uri="{D42A27DB-BD31-4B8C-83A1-F6EECF244321}">
-                <p14:modId xmlns:p14="http://schemas.microsoft.com/office/powerpoint/2010/main" val="2776987765"/>
-              </p:ext>
-            </p:extLst>
-          </p:nvPr>
-        </p:nvGraphicFramePr>
-        <p:xfrm>
-          <a:off x="473240" y="1476102"/>
-          <a:ext cx="1825597" cy="417888"/>
-        </p:xfrm>
-        <a:graphic>
-          <a:graphicData uri="http://schemas.openxmlformats.org/drawingml/2006/table">
-            <a:tbl>
-              <a:tblPr>
-                <a:tableStyleId>{638B1855-1B75-4FBE-930C-398BA8C253C6}</a:tableStyleId>
-              </a:tblPr>
-              <a:tblGrid>
-                <a:gridCol w="1825597">
-                  <a:extLst>
-                    <a:ext uri="{9D8B030D-6E8A-4147-A177-3AD203B41FA5}">
-                      <a16:colId xmlns:a16="http://schemas.microsoft.com/office/drawing/2014/main" val="4240773277"/>
-                    </a:ext>
-                  </a:extLst>
-                </a:gridCol>
-              </a:tblGrid>
-              <a:tr h="417888">
-                <a:tc>
-                  <a:txBody>
-                    <a:bodyPr/>
-                    <a:lstStyle/>
-                    <a:p>
-                      <a:r>
-                        <a:rPr lang="en-SG" u="sng" dirty="0"/>
-                        <a:t>ab0:</a:t>
-                      </a:r>
-                      <a:r>
-                        <a:rPr lang="en-SG" sz="1800" u="sng" dirty="0"/>
-                        <a:t>AddressBook</a:t>
-                      </a:r>
-                      <a:endParaRPr lang="en-SG" sz="1600" u="sng" dirty="0"/>
-                    </a:p>
-                  </a:txBody>
-                  <a:tcPr/>
-                </a:tc>
-                <a:extLst>
-                  <a:ext uri="{0D108BD9-81ED-4DB2-BD59-A6C34878D82A}">
-                    <a16:rowId xmlns:a16="http://schemas.microsoft.com/office/drawing/2014/main" val="2194462629"/>
-                  </a:ext>
-                </a:extLst>
-              </a:tr>
-            </a:tbl>
-          </a:graphicData>
-        </a:graphic>
-      </p:graphicFrame>
+              <a:t>Index = 2</a:t>
+            </a:r>
+          </a:p>
+        </p:txBody>
+      </p:sp>
       <p:sp>
         <p:nvSpPr>
           <p:cNvPr id="20" name="Rectangle 19"/>
@@ -3567,7 +3489,7 @@
         </p:nvSpPr>
         <p:spPr>
           <a:xfrm>
-            <a:off x="1844917" y="5180749"/>
+            <a:off x="-5081" y="5297381"/>
             <a:ext cx="3207000" cy="369332"/>
           </a:xfrm>
           <a:prstGeom prst="rect">
@@ -3583,16 +3505,10 @@
           <a:p>
             <a:pPr algn="ctr"/>
             <a:r>
-              <a:rPr lang="en-SG" dirty="0" err="1">
-                <a:latin typeface="Consolas" panose="020B0609020204030204" pitchFamily="49" charset="0"/>
-              </a:rPr>
-              <a:t>currentStatePointer</a:t>
-            </a:r>
-            <a:r>
               <a:rPr lang="en-SG" dirty="0">
                 <a:latin typeface="Consolas" panose="020B0609020204030204" pitchFamily="49" charset="0"/>
               </a:rPr>
-              <a:t> = 1</a:t>
+              <a:t>Index = 1</a:t>
             </a:r>
           </a:p>
         </p:txBody>
@@ -3643,346 +3559,6 @@
           </a:p>
         </p:txBody>
       </p:sp>
-      <p:graphicFrame>
-        <p:nvGraphicFramePr>
-          <p:cNvPr id="15" name="Table 14">
-            <a:extLst>
-              <a:ext uri="{FF2B5EF4-FFF2-40B4-BE49-F238E27FC236}">
-                <a16:creationId xmlns:a16="http://schemas.microsoft.com/office/drawing/2014/main" id="{F545FAB8-F1CE-4886-9BDE-E772BCB0A9C4}"/>
-              </a:ext>
-            </a:extLst>
-          </p:cNvPr>
-          <p:cNvGraphicFramePr>
-            <a:graphicFrameLocks noGrp="1"/>
-          </p:cNvGraphicFramePr>
-          <p:nvPr>
-            <p:extLst>
-              <p:ext uri="{D42A27DB-BD31-4B8C-83A1-F6EECF244321}">
-                <p14:modId xmlns:p14="http://schemas.microsoft.com/office/powerpoint/2010/main" val="1878903007"/>
-              </p:ext>
-            </p:extLst>
-          </p:nvPr>
-        </p:nvGraphicFramePr>
-        <p:xfrm>
-          <a:off x="4423446" y="1476102"/>
-          <a:ext cx="1825597" cy="417888"/>
-        </p:xfrm>
-        <a:graphic>
-          <a:graphicData uri="http://schemas.openxmlformats.org/drawingml/2006/table">
-            <a:tbl>
-              <a:tblPr>
-                <a:tableStyleId>{638B1855-1B75-4FBE-930C-398BA8C253C6}</a:tableStyleId>
-              </a:tblPr>
-              <a:tblGrid>
-                <a:gridCol w="1825597">
-                  <a:extLst>
-                    <a:ext uri="{9D8B030D-6E8A-4147-A177-3AD203B41FA5}">
-                      <a16:colId xmlns:a16="http://schemas.microsoft.com/office/drawing/2014/main" val="4240773277"/>
-                    </a:ext>
-                  </a:extLst>
-                </a:gridCol>
-              </a:tblGrid>
-              <a:tr h="417888">
-                <a:tc>
-                  <a:txBody>
-                    <a:bodyPr/>
-                    <a:lstStyle/>
-                    <a:p>
-                      <a:r>
-                        <a:rPr lang="en-SG" u="sng" dirty="0"/>
-                        <a:t>ab2:</a:t>
-                      </a:r>
-                      <a:r>
-                        <a:rPr lang="en-SG" sz="1800" u="sng" dirty="0"/>
-                        <a:t>AddressBook</a:t>
-                      </a:r>
-                      <a:endParaRPr lang="en-SG" sz="1600" u="sng" dirty="0"/>
-                    </a:p>
-                  </a:txBody>
-                  <a:tcPr/>
-                </a:tc>
-                <a:extLst>
-                  <a:ext uri="{0D108BD9-81ED-4DB2-BD59-A6C34878D82A}">
-                    <a16:rowId xmlns:a16="http://schemas.microsoft.com/office/drawing/2014/main" val="2194462629"/>
-                  </a:ext>
-                </a:extLst>
-              </a:tr>
-            </a:tbl>
-          </a:graphicData>
-        </a:graphic>
-      </p:graphicFrame>
-      <p:graphicFrame>
-        <p:nvGraphicFramePr>
-          <p:cNvPr id="28" name="Table 27">
-            <a:extLst>
-              <a:ext uri="{FF2B5EF4-FFF2-40B4-BE49-F238E27FC236}">
-                <a16:creationId xmlns:a16="http://schemas.microsoft.com/office/drawing/2014/main" id="{F545FAB8-F1CE-4886-9BDE-E772BCB0A9C4}"/>
-              </a:ext>
-            </a:extLst>
-          </p:cNvPr>
-          <p:cNvGraphicFramePr>
-            <a:graphicFrameLocks noGrp="1"/>
-          </p:cNvGraphicFramePr>
-          <p:nvPr>
-            <p:extLst>
-              <p:ext uri="{D42A27DB-BD31-4B8C-83A1-F6EECF244321}">
-                <p14:modId xmlns:p14="http://schemas.microsoft.com/office/powerpoint/2010/main" val="547626409"/>
-              </p:ext>
-            </p:extLst>
-          </p:nvPr>
-        </p:nvGraphicFramePr>
-        <p:xfrm>
-          <a:off x="2448342" y="1476102"/>
-          <a:ext cx="1825597" cy="417888"/>
-        </p:xfrm>
-        <a:graphic>
-          <a:graphicData uri="http://schemas.openxmlformats.org/drawingml/2006/table">
-            <a:tbl>
-              <a:tblPr>
-                <a:tableStyleId>{638B1855-1B75-4FBE-930C-398BA8C253C6}</a:tableStyleId>
-              </a:tblPr>
-              <a:tblGrid>
-                <a:gridCol w="1825597">
-                  <a:extLst>
-                    <a:ext uri="{9D8B030D-6E8A-4147-A177-3AD203B41FA5}">
-                      <a16:colId xmlns:a16="http://schemas.microsoft.com/office/drawing/2014/main" val="4240773277"/>
-                    </a:ext>
-                  </a:extLst>
-                </a:gridCol>
-              </a:tblGrid>
-              <a:tr h="417888">
-                <a:tc>
-                  <a:txBody>
-                    <a:bodyPr/>
-                    <a:lstStyle/>
-                    <a:p>
-                      <a:r>
-                        <a:rPr lang="en-SG" u="sng" dirty="0"/>
-                        <a:t>ab1:</a:t>
-                      </a:r>
-                      <a:r>
-                        <a:rPr lang="en-SG" sz="1800" u="sng" dirty="0"/>
-                        <a:t>AddressBook</a:t>
-                      </a:r>
-                      <a:endParaRPr lang="en-SG" sz="1600" u="sng" dirty="0"/>
-                    </a:p>
-                  </a:txBody>
-                  <a:tcPr/>
-                </a:tc>
-                <a:extLst>
-                  <a:ext uri="{0D108BD9-81ED-4DB2-BD59-A6C34878D82A}">
-                    <a16:rowId xmlns:a16="http://schemas.microsoft.com/office/drawing/2014/main" val="2194462629"/>
-                  </a:ext>
-                </a:extLst>
-              </a:tr>
-            </a:tbl>
-          </a:graphicData>
-        </a:graphic>
-      </p:graphicFrame>
-      <p:graphicFrame>
-        <p:nvGraphicFramePr>
-          <p:cNvPr id="29" name="Table 28">
-            <a:extLst>
-              <a:ext uri="{FF2B5EF4-FFF2-40B4-BE49-F238E27FC236}">
-                <a16:creationId xmlns:a16="http://schemas.microsoft.com/office/drawing/2014/main" id="{F545FAB8-F1CE-4886-9BDE-E772BCB0A9C4}"/>
-              </a:ext>
-            </a:extLst>
-          </p:cNvPr>
-          <p:cNvGraphicFramePr>
-            <a:graphicFrameLocks noGrp="1"/>
-          </p:cNvGraphicFramePr>
-          <p:nvPr>
-            <p:extLst>
-              <p:ext uri="{D42A27DB-BD31-4B8C-83A1-F6EECF244321}">
-                <p14:modId xmlns:p14="http://schemas.microsoft.com/office/powerpoint/2010/main" val="1824208515"/>
-              </p:ext>
-            </p:extLst>
-          </p:nvPr>
-        </p:nvGraphicFramePr>
-        <p:xfrm>
-          <a:off x="473239" y="3926589"/>
-          <a:ext cx="1825597" cy="417888"/>
-        </p:xfrm>
-        <a:graphic>
-          <a:graphicData uri="http://schemas.openxmlformats.org/drawingml/2006/table">
-            <a:tbl>
-              <a:tblPr>
-                <a:tableStyleId>{638B1855-1B75-4FBE-930C-398BA8C253C6}</a:tableStyleId>
-              </a:tblPr>
-              <a:tblGrid>
-                <a:gridCol w="1825597">
-                  <a:extLst>
-                    <a:ext uri="{9D8B030D-6E8A-4147-A177-3AD203B41FA5}">
-                      <a16:colId xmlns:a16="http://schemas.microsoft.com/office/drawing/2014/main" val="4240773277"/>
-                    </a:ext>
-                  </a:extLst>
-                </a:gridCol>
-              </a:tblGrid>
-              <a:tr h="417888">
-                <a:tc>
-                  <a:txBody>
-                    <a:bodyPr/>
-                    <a:lstStyle/>
-                    <a:p>
-                      <a:r>
-                        <a:rPr lang="en-SG" u="sng" dirty="0"/>
-                        <a:t>ab0:</a:t>
-                      </a:r>
-                      <a:r>
-                        <a:rPr lang="en-SG" sz="1800" u="sng" dirty="0"/>
-                        <a:t>AddressBook</a:t>
-                      </a:r>
-                      <a:endParaRPr lang="en-SG" sz="1600" u="sng" dirty="0"/>
-                    </a:p>
-                  </a:txBody>
-                  <a:tcPr/>
-                </a:tc>
-                <a:extLst>
-                  <a:ext uri="{0D108BD9-81ED-4DB2-BD59-A6C34878D82A}">
-                    <a16:rowId xmlns:a16="http://schemas.microsoft.com/office/drawing/2014/main" val="2194462629"/>
-                  </a:ext>
-                </a:extLst>
-              </a:tr>
-            </a:tbl>
-          </a:graphicData>
-        </a:graphic>
-      </p:graphicFrame>
-      <p:graphicFrame>
-        <p:nvGraphicFramePr>
-          <p:cNvPr id="30" name="Table 29">
-            <a:extLst>
-              <a:ext uri="{FF2B5EF4-FFF2-40B4-BE49-F238E27FC236}">
-                <a16:creationId xmlns:a16="http://schemas.microsoft.com/office/drawing/2014/main" id="{F545FAB8-F1CE-4886-9BDE-E772BCB0A9C4}"/>
-              </a:ext>
-            </a:extLst>
-          </p:cNvPr>
-          <p:cNvGraphicFramePr>
-            <a:graphicFrameLocks noGrp="1"/>
-          </p:cNvGraphicFramePr>
-          <p:nvPr>
-            <p:extLst>
-              <p:ext uri="{D42A27DB-BD31-4B8C-83A1-F6EECF244321}">
-                <p14:modId xmlns:p14="http://schemas.microsoft.com/office/powerpoint/2010/main" val="1414922247"/>
-              </p:ext>
-            </p:extLst>
-          </p:nvPr>
-        </p:nvGraphicFramePr>
-        <p:xfrm>
-          <a:off x="4423446" y="3926589"/>
-          <a:ext cx="1825597" cy="417888"/>
-        </p:xfrm>
-        <a:graphic>
-          <a:graphicData uri="http://schemas.openxmlformats.org/drawingml/2006/table">
-            <a:tbl>
-              <a:tblPr>
-                <a:tableStyleId>{638B1855-1B75-4FBE-930C-398BA8C253C6}</a:tableStyleId>
-              </a:tblPr>
-              <a:tblGrid>
-                <a:gridCol w="1825597">
-                  <a:extLst>
-                    <a:ext uri="{9D8B030D-6E8A-4147-A177-3AD203B41FA5}">
-                      <a16:colId xmlns:a16="http://schemas.microsoft.com/office/drawing/2014/main" val="4240773277"/>
-                    </a:ext>
-                  </a:extLst>
-                </a:gridCol>
-              </a:tblGrid>
-              <a:tr h="417888">
-                <a:tc>
-                  <a:txBody>
-                    <a:bodyPr/>
-                    <a:lstStyle/>
-                    <a:p>
-                      <a:r>
-                        <a:rPr lang="en-SG" u="sng" dirty="0"/>
-                        <a:t>ab2:</a:t>
-                      </a:r>
-                      <a:r>
-                        <a:rPr lang="en-SG" sz="1800" u="sng" dirty="0"/>
-                        <a:t>AddressBook</a:t>
-                      </a:r>
-                      <a:endParaRPr lang="en-SG" sz="1600" u="sng" dirty="0"/>
-                    </a:p>
-                  </a:txBody>
-                  <a:tcPr/>
-                </a:tc>
-                <a:extLst>
-                  <a:ext uri="{0D108BD9-81ED-4DB2-BD59-A6C34878D82A}">
-                    <a16:rowId xmlns:a16="http://schemas.microsoft.com/office/drawing/2014/main" val="2194462629"/>
-                  </a:ext>
-                </a:extLst>
-              </a:tr>
-            </a:tbl>
-          </a:graphicData>
-        </a:graphic>
-      </p:graphicFrame>
-      <p:graphicFrame>
-        <p:nvGraphicFramePr>
-          <p:cNvPr id="31" name="Table 30">
-            <a:extLst>
-              <a:ext uri="{FF2B5EF4-FFF2-40B4-BE49-F238E27FC236}">
-                <a16:creationId xmlns:a16="http://schemas.microsoft.com/office/drawing/2014/main" id="{F545FAB8-F1CE-4886-9BDE-E772BCB0A9C4}"/>
-              </a:ext>
-            </a:extLst>
-          </p:cNvPr>
-          <p:cNvGraphicFramePr>
-            <a:graphicFrameLocks noGrp="1"/>
-          </p:cNvGraphicFramePr>
-          <p:nvPr>
-            <p:extLst>
-              <p:ext uri="{D42A27DB-BD31-4B8C-83A1-F6EECF244321}">
-                <p14:modId xmlns:p14="http://schemas.microsoft.com/office/powerpoint/2010/main" val="1703544754"/>
-              </p:ext>
-            </p:extLst>
-          </p:nvPr>
-        </p:nvGraphicFramePr>
-        <p:xfrm>
-          <a:off x="2448343" y="3926589"/>
-          <a:ext cx="1825597" cy="417888"/>
-        </p:xfrm>
-        <a:graphic>
-          <a:graphicData uri="http://schemas.openxmlformats.org/drawingml/2006/table">
-            <a:tbl>
-              <a:tblPr>
-                <a:tableStyleId>{638B1855-1B75-4FBE-930C-398BA8C253C6}</a:tableStyleId>
-              </a:tblPr>
-              <a:tblGrid>
-                <a:gridCol w="1825597">
-                  <a:extLst>
-                    <a:ext uri="{9D8B030D-6E8A-4147-A177-3AD203B41FA5}">
-                      <a16:colId xmlns:a16="http://schemas.microsoft.com/office/drawing/2014/main" val="4240773277"/>
-                    </a:ext>
-                  </a:extLst>
-                </a:gridCol>
-              </a:tblGrid>
-              <a:tr h="417888">
-                <a:tc>
-                  <a:txBody>
-                    <a:bodyPr/>
-                    <a:lstStyle/>
-                    <a:p>
-                      <a:r>
-                        <a:rPr lang="en-SG" u="sng" dirty="0"/>
-                        <a:t>ab1:</a:t>
-                      </a:r>
-                      <a:r>
-                        <a:rPr lang="en-SG" sz="1800" u="sng" dirty="0"/>
-                        <a:t>AddressBook</a:t>
-                      </a:r>
-                      <a:endParaRPr lang="en-SG" sz="1600" u="sng" dirty="0"/>
-                    </a:p>
-                  </a:txBody>
-                  <a:tcPr/>
-                </a:tc>
-                <a:extLst>
-                  <a:ext uri="{0D108BD9-81ED-4DB2-BD59-A6C34878D82A}">
-                    <a16:rowId xmlns:a16="http://schemas.microsoft.com/office/drawing/2014/main" val="2194462629"/>
-                  </a:ext>
-                </a:extLst>
-              </a:tr>
-            </a:tbl>
-          </a:graphicData>
-        </a:graphic>
-      </p:graphicFrame>
       <p:cxnSp>
         <p:nvCxnSpPr>
           <p:cNvPr id="18" name="Straight Arrow Connector 17">
@@ -3999,7 +3575,7 @@
         </p:nvCxnSpPr>
         <p:spPr>
           <a:xfrm flipV="1">
-            <a:off x="3338818" y="2038898"/>
+            <a:off x="3365075" y="2038898"/>
             <a:ext cx="0" cy="706873"/>
           </a:xfrm>
           <a:prstGeom prst="straightConnector1">
@@ -4043,7 +3619,7 @@
         </p:nvCxnSpPr>
         <p:spPr>
           <a:xfrm flipV="1">
-            <a:off x="3302417" y="4496762"/>
+            <a:off x="1482495" y="4523395"/>
             <a:ext cx="0" cy="706873"/>
           </a:xfrm>
           <a:prstGeom prst="straightConnector1">
@@ -4071,6 +3647,262 @@
           </a:fontRef>
         </p:style>
       </p:cxnSp>
+      <p:graphicFrame>
+        <p:nvGraphicFramePr>
+          <p:cNvPr id="2" name="Table 1">
+            <a:extLst>
+              <a:ext uri="{FF2B5EF4-FFF2-40B4-BE49-F238E27FC236}">
+                <a16:creationId xmlns:a16="http://schemas.microsoft.com/office/drawing/2014/main" id="{1BADE2D4-37AB-4704-858A-FCE8D4FF2D2F}"/>
+              </a:ext>
+            </a:extLst>
+          </p:cNvPr>
+          <p:cNvGraphicFramePr>
+            <a:graphicFrameLocks noGrp="1"/>
+          </p:cNvGraphicFramePr>
+          <p:nvPr>
+            <p:extLst>
+              <p:ext uri="{D42A27DB-BD31-4B8C-83A1-F6EECF244321}">
+                <p14:modId xmlns:p14="http://schemas.microsoft.com/office/powerpoint/2010/main" val="3743908614"/>
+              </p:ext>
+            </p:extLst>
+          </p:nvPr>
+        </p:nvGraphicFramePr>
+        <p:xfrm>
+          <a:off x="462517" y="1476102"/>
+          <a:ext cx="2271805" cy="417888"/>
+        </p:xfrm>
+        <a:graphic>
+          <a:graphicData uri="http://schemas.openxmlformats.org/drawingml/2006/table">
+            <a:tbl>
+              <a:tblPr>
+                <a:tableStyleId>{638B1855-1B75-4FBE-930C-398BA8C253C6}</a:tableStyleId>
+              </a:tblPr>
+              <a:tblGrid>
+                <a:gridCol w="2271805">
+                  <a:extLst>
+                    <a:ext uri="{9D8B030D-6E8A-4147-A177-3AD203B41FA5}">
+                      <a16:colId xmlns:a16="http://schemas.microsoft.com/office/drawing/2014/main" val="3982326772"/>
+                    </a:ext>
+                  </a:extLst>
+                </a:gridCol>
+              </a:tblGrid>
+              <a:tr h="417888">
+                <a:tc>
+                  <a:txBody>
+                    <a:bodyPr/>
+                    <a:lstStyle/>
+                    <a:p>
+                      <a:r>
+                        <a:rPr lang="en-SG" u="sng" dirty="0"/>
+                        <a:t>Command: Contrast 2</a:t>
+                      </a:r>
+                      <a:endParaRPr lang="en-SG" sz="1600" u="sng" dirty="0"/>
+                    </a:p>
+                  </a:txBody>
+                  <a:tcPr/>
+                </a:tc>
+                <a:extLst>
+                  <a:ext uri="{0D108BD9-81ED-4DB2-BD59-A6C34878D82A}">
+                    <a16:rowId xmlns:a16="http://schemas.microsoft.com/office/drawing/2014/main" val="3186262057"/>
+                  </a:ext>
+                </a:extLst>
+              </a:tr>
+            </a:tbl>
+          </a:graphicData>
+        </a:graphic>
+      </p:graphicFrame>
+      <p:graphicFrame>
+        <p:nvGraphicFramePr>
+          <p:cNvPr id="3" name="Table 2">
+            <a:extLst>
+              <a:ext uri="{FF2B5EF4-FFF2-40B4-BE49-F238E27FC236}">
+                <a16:creationId xmlns:a16="http://schemas.microsoft.com/office/drawing/2014/main" id="{F2B346D1-DDFC-4EBA-A78B-EA48B4CC7FBD}"/>
+              </a:ext>
+            </a:extLst>
+          </p:cNvPr>
+          <p:cNvGraphicFramePr>
+            <a:graphicFrameLocks noGrp="1"/>
+          </p:cNvGraphicFramePr>
+          <p:nvPr>
+            <p:extLst>
+              <p:ext uri="{D42A27DB-BD31-4B8C-83A1-F6EECF244321}">
+                <p14:modId xmlns:p14="http://schemas.microsoft.com/office/powerpoint/2010/main" val="660842845"/>
+              </p:ext>
+            </p:extLst>
+          </p:nvPr>
+        </p:nvGraphicFramePr>
+        <p:xfrm>
+          <a:off x="2824240" y="1481133"/>
+          <a:ext cx="2449096" cy="417888"/>
+        </p:xfrm>
+        <a:graphic>
+          <a:graphicData uri="http://schemas.openxmlformats.org/drawingml/2006/table">
+            <a:tbl>
+              <a:tblPr>
+                <a:tableStyleId>{638B1855-1B75-4FBE-930C-398BA8C253C6}</a:tableStyleId>
+              </a:tblPr>
+              <a:tblGrid>
+                <a:gridCol w="2449096">
+                  <a:extLst>
+                    <a:ext uri="{9D8B030D-6E8A-4147-A177-3AD203B41FA5}">
+                      <a16:colId xmlns:a16="http://schemas.microsoft.com/office/drawing/2014/main" val="3982326772"/>
+                    </a:ext>
+                  </a:extLst>
+                </a:gridCol>
+              </a:tblGrid>
+              <a:tr h="417888">
+                <a:tc>
+                  <a:txBody>
+                    <a:bodyPr/>
+                    <a:lstStyle/>
+                    <a:p>
+                      <a:r>
+                        <a:rPr lang="en-SG" u="sng" dirty="0"/>
+                        <a:t>Command: Brightness 2</a:t>
+                      </a:r>
+                      <a:endParaRPr lang="en-SG" sz="1600" u="sng" dirty="0"/>
+                    </a:p>
+                  </a:txBody>
+                  <a:tcPr/>
+                </a:tc>
+                <a:extLst>
+                  <a:ext uri="{0D108BD9-81ED-4DB2-BD59-A6C34878D82A}">
+                    <a16:rowId xmlns:a16="http://schemas.microsoft.com/office/drawing/2014/main" val="3186262057"/>
+                  </a:ext>
+                </a:extLst>
+              </a:tr>
+            </a:tbl>
+          </a:graphicData>
+        </a:graphic>
+      </p:graphicFrame>
+      <p:graphicFrame>
+        <p:nvGraphicFramePr>
+          <p:cNvPr id="4" name="Table 3">
+            <a:extLst>
+              <a:ext uri="{FF2B5EF4-FFF2-40B4-BE49-F238E27FC236}">
+                <a16:creationId xmlns:a16="http://schemas.microsoft.com/office/drawing/2014/main" id="{1343C270-CA97-444C-98E1-F901D0E1B075}"/>
+              </a:ext>
+            </a:extLst>
+          </p:cNvPr>
+          <p:cNvGraphicFramePr>
+            <a:graphicFrameLocks noGrp="1"/>
+          </p:cNvGraphicFramePr>
+          <p:nvPr>
+            <p:extLst>
+              <p:ext uri="{D42A27DB-BD31-4B8C-83A1-F6EECF244321}">
+                <p14:modId xmlns:p14="http://schemas.microsoft.com/office/powerpoint/2010/main" val="3446884137"/>
+              </p:ext>
+            </p:extLst>
+          </p:nvPr>
+        </p:nvGraphicFramePr>
+        <p:xfrm>
+          <a:off x="462517" y="3926589"/>
+          <a:ext cx="2271805" cy="417888"/>
+        </p:xfrm>
+        <a:graphic>
+          <a:graphicData uri="http://schemas.openxmlformats.org/drawingml/2006/table">
+            <a:tbl>
+              <a:tblPr>
+                <a:tableStyleId>{638B1855-1B75-4FBE-930C-398BA8C253C6}</a:tableStyleId>
+              </a:tblPr>
+              <a:tblGrid>
+                <a:gridCol w="2271805">
+                  <a:extLst>
+                    <a:ext uri="{9D8B030D-6E8A-4147-A177-3AD203B41FA5}">
+                      <a16:colId xmlns:a16="http://schemas.microsoft.com/office/drawing/2014/main" val="3982326772"/>
+                    </a:ext>
+                  </a:extLst>
+                </a:gridCol>
+              </a:tblGrid>
+              <a:tr h="417888">
+                <a:tc>
+                  <a:txBody>
+                    <a:bodyPr/>
+                    <a:lstStyle/>
+                    <a:p>
+                      <a:r>
+                        <a:rPr lang="en-SG" u="sng" dirty="0"/>
+                        <a:t>Command: Contrast 2</a:t>
+                      </a:r>
+                      <a:endParaRPr lang="en-SG" sz="1600" u="sng" dirty="0"/>
+                    </a:p>
+                  </a:txBody>
+                  <a:tcPr/>
+                </a:tc>
+                <a:extLst>
+                  <a:ext uri="{0D108BD9-81ED-4DB2-BD59-A6C34878D82A}">
+                    <a16:rowId xmlns:a16="http://schemas.microsoft.com/office/drawing/2014/main" val="3186262057"/>
+                  </a:ext>
+                </a:extLst>
+              </a:tr>
+            </a:tbl>
+          </a:graphicData>
+        </a:graphic>
+      </p:graphicFrame>
+      <p:graphicFrame>
+        <p:nvGraphicFramePr>
+          <p:cNvPr id="19" name="Table 18">
+            <a:extLst>
+              <a:ext uri="{FF2B5EF4-FFF2-40B4-BE49-F238E27FC236}">
+                <a16:creationId xmlns:a16="http://schemas.microsoft.com/office/drawing/2014/main" id="{5984E074-F328-4972-B8AC-E46830D4355F}"/>
+              </a:ext>
+            </a:extLst>
+          </p:cNvPr>
+          <p:cNvGraphicFramePr>
+            <a:graphicFrameLocks noGrp="1"/>
+          </p:cNvGraphicFramePr>
+          <p:nvPr>
+            <p:extLst>
+              <p:ext uri="{D42A27DB-BD31-4B8C-83A1-F6EECF244321}">
+                <p14:modId xmlns:p14="http://schemas.microsoft.com/office/powerpoint/2010/main" val="3393724455"/>
+              </p:ext>
+            </p:extLst>
+          </p:nvPr>
+        </p:nvGraphicFramePr>
+        <p:xfrm>
+          <a:off x="2824240" y="3913690"/>
+          <a:ext cx="2449096" cy="417888"/>
+        </p:xfrm>
+        <a:graphic>
+          <a:graphicData uri="http://schemas.openxmlformats.org/drawingml/2006/table">
+            <a:tbl>
+              <a:tblPr>
+                <a:tableStyleId>{638B1855-1B75-4FBE-930C-398BA8C253C6}</a:tableStyleId>
+              </a:tblPr>
+              <a:tblGrid>
+                <a:gridCol w="2449096">
+                  <a:extLst>
+                    <a:ext uri="{9D8B030D-6E8A-4147-A177-3AD203B41FA5}">
+                      <a16:colId xmlns:a16="http://schemas.microsoft.com/office/drawing/2014/main" val="3982326772"/>
+                    </a:ext>
+                  </a:extLst>
+                </a:gridCol>
+              </a:tblGrid>
+              <a:tr h="417888">
+                <a:tc>
+                  <a:txBody>
+                    <a:bodyPr/>
+                    <a:lstStyle/>
+                    <a:p>
+                      <a:r>
+                        <a:rPr lang="en-SG" u="sng" dirty="0"/>
+                        <a:t>Command: Brightness 2</a:t>
+                      </a:r>
+                      <a:endParaRPr lang="en-SG" sz="1600" u="sng" dirty="0"/>
+                    </a:p>
+                  </a:txBody>
+                  <a:tcPr/>
+                </a:tc>
+                <a:extLst>
+                  <a:ext uri="{0D108BD9-81ED-4DB2-BD59-A6C34878D82A}">
+                    <a16:rowId xmlns:a16="http://schemas.microsoft.com/office/drawing/2014/main" val="3186262057"/>
+                  </a:ext>
+                </a:extLst>
+              </a:tr>
+            </a:tbl>
+          </a:graphicData>
+        </a:graphic>
+      </p:graphicFrame>
     </p:spTree>
     <p:extLst>
       <p:ext uri="{BB962C8B-B14F-4D97-AF65-F5344CB8AC3E}">

--- a/docs/diagrams/UndoRedoNewCommand3StateListDiagram.pptx
+++ b/docs/diagrams/UndoRedoNewCommand3StateListDiagram.pptx
@@ -106,7 +106,7 @@
   </p:defaultTextStyle>
   <p:extLst>
     <p:ext uri="{EFAFB233-063F-42B5-8137-9DF3F51BA10A}">
-      <p15:sldGuideLst xmlns:p15="http://schemas.microsoft.com/office/powerpoint/2012/main"/>
+      <p15:sldGuideLst xmlns:p15="http://schemas.microsoft.com/office/powerpoint/2012/main" xmlns=""/>
     </p:ext>
   </p:extLst>
 </p:presentation>
@@ -138,7 +138,7 @@
           <p:cNvPr id="2" name="Title 1">
             <a:extLst>
               <a:ext uri="{FF2B5EF4-FFF2-40B4-BE49-F238E27FC236}">
-                <a16:creationId xmlns:a16="http://schemas.microsoft.com/office/drawing/2014/main" id="{39FCC519-EE2E-4054-A653-93D611E0133E}"/>
+                <a16:creationId xmlns:a16="http://schemas.microsoft.com/office/drawing/2014/main" xmlns="" id="{39FCC519-EE2E-4054-A653-93D611E0133E}"/>
               </a:ext>
             </a:extLst>
           </p:cNvPr>
@@ -176,7 +176,7 @@
           <p:cNvPr id="3" name="Subtitle 2">
             <a:extLst>
               <a:ext uri="{FF2B5EF4-FFF2-40B4-BE49-F238E27FC236}">
-                <a16:creationId xmlns:a16="http://schemas.microsoft.com/office/drawing/2014/main" id="{3EDEA74E-4030-4F69-A055-4C6319EEEC29}"/>
+                <a16:creationId xmlns:a16="http://schemas.microsoft.com/office/drawing/2014/main" xmlns="" id="{3EDEA74E-4030-4F69-A055-4C6319EEEC29}"/>
               </a:ext>
             </a:extLst>
           </p:cNvPr>
@@ -247,7 +247,7 @@
           <p:cNvPr id="4" name="Date Placeholder 3">
             <a:extLst>
               <a:ext uri="{FF2B5EF4-FFF2-40B4-BE49-F238E27FC236}">
-                <a16:creationId xmlns:a16="http://schemas.microsoft.com/office/drawing/2014/main" id="{E5CC99E3-37A6-4485-B9A2-AF27A72608C6}"/>
+                <a16:creationId xmlns:a16="http://schemas.microsoft.com/office/drawing/2014/main" xmlns="" id="{E5CC99E3-37A6-4485-B9A2-AF27A72608C6}"/>
               </a:ext>
             </a:extLst>
           </p:cNvPr>
@@ -265,7 +265,8 @@
           <a:p>
             <a:fld id="{03EC4E3E-8101-482F-A883-8B55DAFF7C07}" type="datetimeFigureOut">
               <a:rPr lang="en-SG" smtClean="0"/>
-              <a:t>6/7/2018</a:t>
+              <a:pPr/>
+              <a:t>31/3/2019</a:t>
             </a:fld>
             <a:endParaRPr lang="en-SG"/>
           </a:p>
@@ -276,7 +277,7 @@
           <p:cNvPr id="5" name="Footer Placeholder 4">
             <a:extLst>
               <a:ext uri="{FF2B5EF4-FFF2-40B4-BE49-F238E27FC236}">
-                <a16:creationId xmlns:a16="http://schemas.microsoft.com/office/drawing/2014/main" id="{D75BD546-D949-4A25-8EA4-47DF23229409}"/>
+                <a16:creationId xmlns:a16="http://schemas.microsoft.com/office/drawing/2014/main" xmlns="" id="{D75BD546-D949-4A25-8EA4-47DF23229409}"/>
               </a:ext>
             </a:extLst>
           </p:cNvPr>
@@ -301,7 +302,7 @@
           <p:cNvPr id="6" name="Slide Number Placeholder 5">
             <a:extLst>
               <a:ext uri="{FF2B5EF4-FFF2-40B4-BE49-F238E27FC236}">
-                <a16:creationId xmlns:a16="http://schemas.microsoft.com/office/drawing/2014/main" id="{68147391-4DF6-4ACF-BCE9-C1A9DAC803E3}"/>
+                <a16:creationId xmlns:a16="http://schemas.microsoft.com/office/drawing/2014/main" xmlns="" id="{68147391-4DF6-4ACF-BCE9-C1A9DAC803E3}"/>
               </a:ext>
             </a:extLst>
           </p:cNvPr>
@@ -319,6 +320,7 @@
           <a:p>
             <a:fld id="{F362EEBD-19F8-4A23-B3A5-01C987241991}" type="slidenum">
               <a:rPr lang="en-SG" smtClean="0"/>
+              <a:pPr/>
               <a:t>‹#›</a:t>
             </a:fld>
             <a:endParaRPr lang="en-SG"/>
@@ -328,7 +330,7 @@
     </p:spTree>
     <p:extLst>
       <p:ext uri="{BB962C8B-B14F-4D97-AF65-F5344CB8AC3E}">
-        <p14:creationId xmlns:p14="http://schemas.microsoft.com/office/powerpoint/2010/main" val="4227771393"/>
+        <p14:creationId xmlns:p14="http://schemas.microsoft.com/office/powerpoint/2010/main" xmlns="" val="4227771393"/>
       </p:ext>
     </p:extLst>
   </p:cSld>
@@ -360,7 +362,7 @@
           <p:cNvPr id="2" name="Title 1">
             <a:extLst>
               <a:ext uri="{FF2B5EF4-FFF2-40B4-BE49-F238E27FC236}">
-                <a16:creationId xmlns:a16="http://schemas.microsoft.com/office/drawing/2014/main" id="{251D3DFE-0C62-45F5-B1BF-FD1F194ED112}"/>
+                <a16:creationId xmlns:a16="http://schemas.microsoft.com/office/drawing/2014/main" xmlns="" id="{251D3DFE-0C62-45F5-B1BF-FD1F194ED112}"/>
               </a:ext>
             </a:extLst>
           </p:cNvPr>
@@ -389,7 +391,7 @@
           <p:cNvPr id="3" name="Vertical Text Placeholder 2">
             <a:extLst>
               <a:ext uri="{FF2B5EF4-FFF2-40B4-BE49-F238E27FC236}">
-                <a16:creationId xmlns:a16="http://schemas.microsoft.com/office/drawing/2014/main" id="{D2392762-3586-4B6D-A174-2D3ACF0A125B}"/>
+                <a16:creationId xmlns:a16="http://schemas.microsoft.com/office/drawing/2014/main" xmlns="" id="{D2392762-3586-4B6D-A174-2D3ACF0A125B}"/>
               </a:ext>
             </a:extLst>
           </p:cNvPr>
@@ -447,7 +449,7 @@
           <p:cNvPr id="4" name="Date Placeholder 3">
             <a:extLst>
               <a:ext uri="{FF2B5EF4-FFF2-40B4-BE49-F238E27FC236}">
-                <a16:creationId xmlns:a16="http://schemas.microsoft.com/office/drawing/2014/main" id="{73B232E7-84FB-4535-9FC1-1BEF8F17421F}"/>
+                <a16:creationId xmlns:a16="http://schemas.microsoft.com/office/drawing/2014/main" xmlns="" id="{73B232E7-84FB-4535-9FC1-1BEF8F17421F}"/>
               </a:ext>
             </a:extLst>
           </p:cNvPr>
@@ -465,7 +467,8 @@
           <a:p>
             <a:fld id="{03EC4E3E-8101-482F-A883-8B55DAFF7C07}" type="datetimeFigureOut">
               <a:rPr lang="en-SG" smtClean="0"/>
-              <a:t>6/7/2018</a:t>
+              <a:pPr/>
+              <a:t>31/3/2019</a:t>
             </a:fld>
             <a:endParaRPr lang="en-SG"/>
           </a:p>
@@ -476,7 +479,7 @@
           <p:cNvPr id="5" name="Footer Placeholder 4">
             <a:extLst>
               <a:ext uri="{FF2B5EF4-FFF2-40B4-BE49-F238E27FC236}">
-                <a16:creationId xmlns:a16="http://schemas.microsoft.com/office/drawing/2014/main" id="{76F796EF-04EF-401A-AC84-F7BDBC99DE80}"/>
+                <a16:creationId xmlns:a16="http://schemas.microsoft.com/office/drawing/2014/main" xmlns="" id="{76F796EF-04EF-401A-AC84-F7BDBC99DE80}"/>
               </a:ext>
             </a:extLst>
           </p:cNvPr>
@@ -501,7 +504,7 @@
           <p:cNvPr id="6" name="Slide Number Placeholder 5">
             <a:extLst>
               <a:ext uri="{FF2B5EF4-FFF2-40B4-BE49-F238E27FC236}">
-                <a16:creationId xmlns:a16="http://schemas.microsoft.com/office/drawing/2014/main" id="{8F55F009-0A64-4649-A732-4AA6D619F1F3}"/>
+                <a16:creationId xmlns:a16="http://schemas.microsoft.com/office/drawing/2014/main" xmlns="" id="{8F55F009-0A64-4649-A732-4AA6D619F1F3}"/>
               </a:ext>
             </a:extLst>
           </p:cNvPr>
@@ -519,6 +522,7 @@
           <a:p>
             <a:fld id="{F362EEBD-19F8-4A23-B3A5-01C987241991}" type="slidenum">
               <a:rPr lang="en-SG" smtClean="0"/>
+              <a:pPr/>
               <a:t>‹#›</a:t>
             </a:fld>
             <a:endParaRPr lang="en-SG"/>
@@ -528,7 +532,7 @@
     </p:spTree>
     <p:extLst>
       <p:ext uri="{BB962C8B-B14F-4D97-AF65-F5344CB8AC3E}">
-        <p14:creationId xmlns:p14="http://schemas.microsoft.com/office/powerpoint/2010/main" val="2305198193"/>
+        <p14:creationId xmlns:p14="http://schemas.microsoft.com/office/powerpoint/2010/main" xmlns="" val="2305198193"/>
       </p:ext>
     </p:extLst>
   </p:cSld>
@@ -560,7 +564,7 @@
           <p:cNvPr id="2" name="Vertical Title 1">
             <a:extLst>
               <a:ext uri="{FF2B5EF4-FFF2-40B4-BE49-F238E27FC236}">
-                <a16:creationId xmlns:a16="http://schemas.microsoft.com/office/drawing/2014/main" id="{F7DE9595-D7A8-4E19-B4C6-E295F978F6A4}"/>
+                <a16:creationId xmlns:a16="http://schemas.microsoft.com/office/drawing/2014/main" xmlns="" id="{F7DE9595-D7A8-4E19-B4C6-E295F978F6A4}"/>
               </a:ext>
             </a:extLst>
           </p:cNvPr>
@@ -594,7 +598,7 @@
           <p:cNvPr id="3" name="Vertical Text Placeholder 2">
             <a:extLst>
               <a:ext uri="{FF2B5EF4-FFF2-40B4-BE49-F238E27FC236}">
-                <a16:creationId xmlns:a16="http://schemas.microsoft.com/office/drawing/2014/main" id="{0D2975B7-7A6D-40EA-B2F6-338022AD2BF1}"/>
+                <a16:creationId xmlns:a16="http://schemas.microsoft.com/office/drawing/2014/main" xmlns="" id="{0D2975B7-7A6D-40EA-B2F6-338022AD2BF1}"/>
               </a:ext>
             </a:extLst>
           </p:cNvPr>
@@ -657,7 +661,7 @@
           <p:cNvPr id="4" name="Date Placeholder 3">
             <a:extLst>
               <a:ext uri="{FF2B5EF4-FFF2-40B4-BE49-F238E27FC236}">
-                <a16:creationId xmlns:a16="http://schemas.microsoft.com/office/drawing/2014/main" id="{C8230AC3-1BED-4D2B-96D3-51C50E14A9E6}"/>
+                <a16:creationId xmlns:a16="http://schemas.microsoft.com/office/drawing/2014/main" xmlns="" id="{C8230AC3-1BED-4D2B-96D3-51C50E14A9E6}"/>
               </a:ext>
             </a:extLst>
           </p:cNvPr>
@@ -675,7 +679,8 @@
           <a:p>
             <a:fld id="{03EC4E3E-8101-482F-A883-8B55DAFF7C07}" type="datetimeFigureOut">
               <a:rPr lang="en-SG" smtClean="0"/>
-              <a:t>6/7/2018</a:t>
+              <a:pPr/>
+              <a:t>31/3/2019</a:t>
             </a:fld>
             <a:endParaRPr lang="en-SG"/>
           </a:p>
@@ -686,7 +691,7 @@
           <p:cNvPr id="5" name="Footer Placeholder 4">
             <a:extLst>
               <a:ext uri="{FF2B5EF4-FFF2-40B4-BE49-F238E27FC236}">
-                <a16:creationId xmlns:a16="http://schemas.microsoft.com/office/drawing/2014/main" id="{4AD6CA96-231A-43AD-B530-7C509651DE3B}"/>
+                <a16:creationId xmlns:a16="http://schemas.microsoft.com/office/drawing/2014/main" xmlns="" id="{4AD6CA96-231A-43AD-B530-7C509651DE3B}"/>
               </a:ext>
             </a:extLst>
           </p:cNvPr>
@@ -711,7 +716,7 @@
           <p:cNvPr id="6" name="Slide Number Placeholder 5">
             <a:extLst>
               <a:ext uri="{FF2B5EF4-FFF2-40B4-BE49-F238E27FC236}">
-                <a16:creationId xmlns:a16="http://schemas.microsoft.com/office/drawing/2014/main" id="{12063E3B-180A-454E-A661-6CCD48D7062C}"/>
+                <a16:creationId xmlns:a16="http://schemas.microsoft.com/office/drawing/2014/main" xmlns="" id="{12063E3B-180A-454E-A661-6CCD48D7062C}"/>
               </a:ext>
             </a:extLst>
           </p:cNvPr>
@@ -729,6 +734,7 @@
           <a:p>
             <a:fld id="{F362EEBD-19F8-4A23-B3A5-01C987241991}" type="slidenum">
               <a:rPr lang="en-SG" smtClean="0"/>
+              <a:pPr/>
               <a:t>‹#›</a:t>
             </a:fld>
             <a:endParaRPr lang="en-SG"/>
@@ -738,7 +744,7 @@
     </p:spTree>
     <p:extLst>
       <p:ext uri="{BB962C8B-B14F-4D97-AF65-F5344CB8AC3E}">
-        <p14:creationId xmlns:p14="http://schemas.microsoft.com/office/powerpoint/2010/main" val="1148984362"/>
+        <p14:creationId xmlns:p14="http://schemas.microsoft.com/office/powerpoint/2010/main" xmlns="" val="1148984362"/>
       </p:ext>
     </p:extLst>
   </p:cSld>
@@ -770,7 +776,7 @@
           <p:cNvPr id="2" name="Title 1">
             <a:extLst>
               <a:ext uri="{FF2B5EF4-FFF2-40B4-BE49-F238E27FC236}">
-                <a16:creationId xmlns:a16="http://schemas.microsoft.com/office/drawing/2014/main" id="{7E861C8D-BAF0-4DD9-92B9-591B272791CA}"/>
+                <a16:creationId xmlns:a16="http://schemas.microsoft.com/office/drawing/2014/main" xmlns="" id="{7E861C8D-BAF0-4DD9-92B9-591B272791CA}"/>
               </a:ext>
             </a:extLst>
           </p:cNvPr>
@@ -799,7 +805,7 @@
           <p:cNvPr id="3" name="Content Placeholder 2">
             <a:extLst>
               <a:ext uri="{FF2B5EF4-FFF2-40B4-BE49-F238E27FC236}">
-                <a16:creationId xmlns:a16="http://schemas.microsoft.com/office/drawing/2014/main" id="{534DA4BD-1D78-446B-B79F-C1229642DDEB}"/>
+                <a16:creationId xmlns:a16="http://schemas.microsoft.com/office/drawing/2014/main" xmlns="" id="{534DA4BD-1D78-446B-B79F-C1229642DDEB}"/>
               </a:ext>
             </a:extLst>
           </p:cNvPr>
@@ -857,7 +863,7 @@
           <p:cNvPr id="4" name="Date Placeholder 3">
             <a:extLst>
               <a:ext uri="{FF2B5EF4-FFF2-40B4-BE49-F238E27FC236}">
-                <a16:creationId xmlns:a16="http://schemas.microsoft.com/office/drawing/2014/main" id="{AD6BEDB5-7B62-4953-BECB-7F7F3E909CAC}"/>
+                <a16:creationId xmlns:a16="http://schemas.microsoft.com/office/drawing/2014/main" xmlns="" id="{AD6BEDB5-7B62-4953-BECB-7F7F3E909CAC}"/>
               </a:ext>
             </a:extLst>
           </p:cNvPr>
@@ -875,7 +881,8 @@
           <a:p>
             <a:fld id="{03EC4E3E-8101-482F-A883-8B55DAFF7C07}" type="datetimeFigureOut">
               <a:rPr lang="en-SG" smtClean="0"/>
-              <a:t>6/7/2018</a:t>
+              <a:pPr/>
+              <a:t>31/3/2019</a:t>
             </a:fld>
             <a:endParaRPr lang="en-SG"/>
           </a:p>
@@ -886,7 +893,7 @@
           <p:cNvPr id="5" name="Footer Placeholder 4">
             <a:extLst>
               <a:ext uri="{FF2B5EF4-FFF2-40B4-BE49-F238E27FC236}">
-                <a16:creationId xmlns:a16="http://schemas.microsoft.com/office/drawing/2014/main" id="{349CD732-2DD1-42BE-8480-5C6507018294}"/>
+                <a16:creationId xmlns:a16="http://schemas.microsoft.com/office/drawing/2014/main" xmlns="" id="{349CD732-2DD1-42BE-8480-5C6507018294}"/>
               </a:ext>
             </a:extLst>
           </p:cNvPr>
@@ -911,7 +918,7 @@
           <p:cNvPr id="6" name="Slide Number Placeholder 5">
             <a:extLst>
               <a:ext uri="{FF2B5EF4-FFF2-40B4-BE49-F238E27FC236}">
-                <a16:creationId xmlns:a16="http://schemas.microsoft.com/office/drawing/2014/main" id="{574C27E0-F36A-4438-9402-C2CB0377D92D}"/>
+                <a16:creationId xmlns:a16="http://schemas.microsoft.com/office/drawing/2014/main" xmlns="" id="{574C27E0-F36A-4438-9402-C2CB0377D92D}"/>
               </a:ext>
             </a:extLst>
           </p:cNvPr>
@@ -929,6 +936,7 @@
           <a:p>
             <a:fld id="{F362EEBD-19F8-4A23-B3A5-01C987241991}" type="slidenum">
               <a:rPr lang="en-SG" smtClean="0"/>
+              <a:pPr/>
               <a:t>‹#›</a:t>
             </a:fld>
             <a:endParaRPr lang="en-SG"/>
@@ -938,7 +946,7 @@
     </p:spTree>
     <p:extLst>
       <p:ext uri="{BB962C8B-B14F-4D97-AF65-F5344CB8AC3E}">
-        <p14:creationId xmlns:p14="http://schemas.microsoft.com/office/powerpoint/2010/main" val="111561436"/>
+        <p14:creationId xmlns:p14="http://schemas.microsoft.com/office/powerpoint/2010/main" xmlns="" val="111561436"/>
       </p:ext>
     </p:extLst>
   </p:cSld>
@@ -970,7 +978,7 @@
           <p:cNvPr id="2" name="Title 1">
             <a:extLst>
               <a:ext uri="{FF2B5EF4-FFF2-40B4-BE49-F238E27FC236}">
-                <a16:creationId xmlns:a16="http://schemas.microsoft.com/office/drawing/2014/main" id="{80A42FFA-8A45-40F8-9C5C-9906971B38AB}"/>
+                <a16:creationId xmlns:a16="http://schemas.microsoft.com/office/drawing/2014/main" xmlns="" id="{80A42FFA-8A45-40F8-9C5C-9906971B38AB}"/>
               </a:ext>
             </a:extLst>
           </p:cNvPr>
@@ -1008,7 +1016,7 @@
           <p:cNvPr id="3" name="Text Placeholder 2">
             <a:extLst>
               <a:ext uri="{FF2B5EF4-FFF2-40B4-BE49-F238E27FC236}">
-                <a16:creationId xmlns:a16="http://schemas.microsoft.com/office/drawing/2014/main" id="{7D8879A7-8225-4473-B738-B780B6224EC5}"/>
+                <a16:creationId xmlns:a16="http://schemas.microsoft.com/office/drawing/2014/main" xmlns="" id="{7D8879A7-8225-4473-B738-B780B6224EC5}"/>
               </a:ext>
             </a:extLst>
           </p:cNvPr>
@@ -1133,7 +1141,7 @@
           <p:cNvPr id="4" name="Date Placeholder 3">
             <a:extLst>
               <a:ext uri="{FF2B5EF4-FFF2-40B4-BE49-F238E27FC236}">
-                <a16:creationId xmlns:a16="http://schemas.microsoft.com/office/drawing/2014/main" id="{6CF7978C-FE65-4091-9152-E33029C12AEA}"/>
+                <a16:creationId xmlns:a16="http://schemas.microsoft.com/office/drawing/2014/main" xmlns="" id="{6CF7978C-FE65-4091-9152-E33029C12AEA}"/>
               </a:ext>
             </a:extLst>
           </p:cNvPr>
@@ -1151,7 +1159,8 @@
           <a:p>
             <a:fld id="{03EC4E3E-8101-482F-A883-8B55DAFF7C07}" type="datetimeFigureOut">
               <a:rPr lang="en-SG" smtClean="0"/>
-              <a:t>6/7/2018</a:t>
+              <a:pPr/>
+              <a:t>31/3/2019</a:t>
             </a:fld>
             <a:endParaRPr lang="en-SG"/>
           </a:p>
@@ -1162,7 +1171,7 @@
           <p:cNvPr id="5" name="Footer Placeholder 4">
             <a:extLst>
               <a:ext uri="{FF2B5EF4-FFF2-40B4-BE49-F238E27FC236}">
-                <a16:creationId xmlns:a16="http://schemas.microsoft.com/office/drawing/2014/main" id="{B344C9CC-480F-4DCB-AC70-D7A4CCA0B8B7}"/>
+                <a16:creationId xmlns:a16="http://schemas.microsoft.com/office/drawing/2014/main" xmlns="" id="{B344C9CC-480F-4DCB-AC70-D7A4CCA0B8B7}"/>
               </a:ext>
             </a:extLst>
           </p:cNvPr>
@@ -1187,7 +1196,7 @@
           <p:cNvPr id="6" name="Slide Number Placeholder 5">
             <a:extLst>
               <a:ext uri="{FF2B5EF4-FFF2-40B4-BE49-F238E27FC236}">
-                <a16:creationId xmlns:a16="http://schemas.microsoft.com/office/drawing/2014/main" id="{8F5A07EC-843A-4ED9-8F1C-AD703CA36D58}"/>
+                <a16:creationId xmlns:a16="http://schemas.microsoft.com/office/drawing/2014/main" xmlns="" id="{8F5A07EC-843A-4ED9-8F1C-AD703CA36D58}"/>
               </a:ext>
             </a:extLst>
           </p:cNvPr>
@@ -1205,6 +1214,7 @@
           <a:p>
             <a:fld id="{F362EEBD-19F8-4A23-B3A5-01C987241991}" type="slidenum">
               <a:rPr lang="en-SG" smtClean="0"/>
+              <a:pPr/>
               <a:t>‹#›</a:t>
             </a:fld>
             <a:endParaRPr lang="en-SG"/>
@@ -1214,7 +1224,7 @@
     </p:spTree>
     <p:extLst>
       <p:ext uri="{BB962C8B-B14F-4D97-AF65-F5344CB8AC3E}">
-        <p14:creationId xmlns:p14="http://schemas.microsoft.com/office/powerpoint/2010/main" val="2217340100"/>
+        <p14:creationId xmlns:p14="http://schemas.microsoft.com/office/powerpoint/2010/main" xmlns="" val="2217340100"/>
       </p:ext>
     </p:extLst>
   </p:cSld>
@@ -1246,7 +1256,7 @@
           <p:cNvPr id="2" name="Title 1">
             <a:extLst>
               <a:ext uri="{FF2B5EF4-FFF2-40B4-BE49-F238E27FC236}">
-                <a16:creationId xmlns:a16="http://schemas.microsoft.com/office/drawing/2014/main" id="{056EE2DA-07D9-4774-A8CA-0CA247F8C72A}"/>
+                <a16:creationId xmlns:a16="http://schemas.microsoft.com/office/drawing/2014/main" xmlns="" id="{056EE2DA-07D9-4774-A8CA-0CA247F8C72A}"/>
               </a:ext>
             </a:extLst>
           </p:cNvPr>
@@ -1275,7 +1285,7 @@
           <p:cNvPr id="3" name="Content Placeholder 2">
             <a:extLst>
               <a:ext uri="{FF2B5EF4-FFF2-40B4-BE49-F238E27FC236}">
-                <a16:creationId xmlns:a16="http://schemas.microsoft.com/office/drawing/2014/main" id="{3CF93A59-4E25-4FFA-8796-AA06EF3E5C3E}"/>
+                <a16:creationId xmlns:a16="http://schemas.microsoft.com/office/drawing/2014/main" xmlns="" id="{3CF93A59-4E25-4FFA-8796-AA06EF3E5C3E}"/>
               </a:ext>
             </a:extLst>
           </p:cNvPr>
@@ -1338,7 +1348,7 @@
           <p:cNvPr id="4" name="Content Placeholder 3">
             <a:extLst>
               <a:ext uri="{FF2B5EF4-FFF2-40B4-BE49-F238E27FC236}">
-                <a16:creationId xmlns:a16="http://schemas.microsoft.com/office/drawing/2014/main" id="{81373B10-E346-4893-AFEE-65E014405E2D}"/>
+                <a16:creationId xmlns:a16="http://schemas.microsoft.com/office/drawing/2014/main" xmlns="" id="{81373B10-E346-4893-AFEE-65E014405E2D}"/>
               </a:ext>
             </a:extLst>
           </p:cNvPr>
@@ -1401,7 +1411,7 @@
           <p:cNvPr id="5" name="Date Placeholder 4">
             <a:extLst>
               <a:ext uri="{FF2B5EF4-FFF2-40B4-BE49-F238E27FC236}">
-                <a16:creationId xmlns:a16="http://schemas.microsoft.com/office/drawing/2014/main" id="{D9C411A1-6D64-4C63-A758-5D2FEE677F45}"/>
+                <a16:creationId xmlns:a16="http://schemas.microsoft.com/office/drawing/2014/main" xmlns="" id="{D9C411A1-6D64-4C63-A758-5D2FEE677F45}"/>
               </a:ext>
             </a:extLst>
           </p:cNvPr>
@@ -1419,7 +1429,8 @@
           <a:p>
             <a:fld id="{03EC4E3E-8101-482F-A883-8B55DAFF7C07}" type="datetimeFigureOut">
               <a:rPr lang="en-SG" smtClean="0"/>
-              <a:t>6/7/2018</a:t>
+              <a:pPr/>
+              <a:t>31/3/2019</a:t>
             </a:fld>
             <a:endParaRPr lang="en-SG"/>
           </a:p>
@@ -1430,7 +1441,7 @@
           <p:cNvPr id="6" name="Footer Placeholder 5">
             <a:extLst>
               <a:ext uri="{FF2B5EF4-FFF2-40B4-BE49-F238E27FC236}">
-                <a16:creationId xmlns:a16="http://schemas.microsoft.com/office/drawing/2014/main" id="{8D9C2E46-644C-4155-A697-764A7A0AB1F4}"/>
+                <a16:creationId xmlns:a16="http://schemas.microsoft.com/office/drawing/2014/main" xmlns="" id="{8D9C2E46-644C-4155-A697-764A7A0AB1F4}"/>
               </a:ext>
             </a:extLst>
           </p:cNvPr>
@@ -1455,7 +1466,7 @@
           <p:cNvPr id="7" name="Slide Number Placeholder 6">
             <a:extLst>
               <a:ext uri="{FF2B5EF4-FFF2-40B4-BE49-F238E27FC236}">
-                <a16:creationId xmlns:a16="http://schemas.microsoft.com/office/drawing/2014/main" id="{6192DEDD-6479-45E4-B1F5-6EDD41BBB103}"/>
+                <a16:creationId xmlns:a16="http://schemas.microsoft.com/office/drawing/2014/main" xmlns="" id="{6192DEDD-6479-45E4-B1F5-6EDD41BBB103}"/>
               </a:ext>
             </a:extLst>
           </p:cNvPr>
@@ -1473,6 +1484,7 @@
           <a:p>
             <a:fld id="{F362EEBD-19F8-4A23-B3A5-01C987241991}" type="slidenum">
               <a:rPr lang="en-SG" smtClean="0"/>
+              <a:pPr/>
               <a:t>‹#›</a:t>
             </a:fld>
             <a:endParaRPr lang="en-SG"/>
@@ -1482,7 +1494,7 @@
     </p:spTree>
     <p:extLst>
       <p:ext uri="{BB962C8B-B14F-4D97-AF65-F5344CB8AC3E}">
-        <p14:creationId xmlns:p14="http://schemas.microsoft.com/office/powerpoint/2010/main" val="1298304602"/>
+        <p14:creationId xmlns:p14="http://schemas.microsoft.com/office/powerpoint/2010/main" xmlns="" val="1298304602"/>
       </p:ext>
     </p:extLst>
   </p:cSld>
@@ -1514,7 +1526,7 @@
           <p:cNvPr id="2" name="Title 1">
             <a:extLst>
               <a:ext uri="{FF2B5EF4-FFF2-40B4-BE49-F238E27FC236}">
-                <a16:creationId xmlns:a16="http://schemas.microsoft.com/office/drawing/2014/main" id="{DC0ED888-63EF-4CC0-8500-9C8DB672FEC2}"/>
+                <a16:creationId xmlns:a16="http://schemas.microsoft.com/office/drawing/2014/main" xmlns="" id="{DC0ED888-63EF-4CC0-8500-9C8DB672FEC2}"/>
               </a:ext>
             </a:extLst>
           </p:cNvPr>
@@ -1548,7 +1560,7 @@
           <p:cNvPr id="3" name="Text Placeholder 2">
             <a:extLst>
               <a:ext uri="{FF2B5EF4-FFF2-40B4-BE49-F238E27FC236}">
-                <a16:creationId xmlns:a16="http://schemas.microsoft.com/office/drawing/2014/main" id="{3C33BC1E-FB79-4906-A967-9C7046C6D272}"/>
+                <a16:creationId xmlns:a16="http://schemas.microsoft.com/office/drawing/2014/main" xmlns="" id="{3C33BC1E-FB79-4906-A967-9C7046C6D272}"/>
               </a:ext>
             </a:extLst>
           </p:cNvPr>
@@ -1619,7 +1631,7 @@
           <p:cNvPr id="4" name="Content Placeholder 3">
             <a:extLst>
               <a:ext uri="{FF2B5EF4-FFF2-40B4-BE49-F238E27FC236}">
-                <a16:creationId xmlns:a16="http://schemas.microsoft.com/office/drawing/2014/main" id="{697A4EC6-1C42-4BA4-8108-32579276C17B}"/>
+                <a16:creationId xmlns:a16="http://schemas.microsoft.com/office/drawing/2014/main" xmlns="" id="{697A4EC6-1C42-4BA4-8108-32579276C17B}"/>
               </a:ext>
             </a:extLst>
           </p:cNvPr>
@@ -1682,7 +1694,7 @@
           <p:cNvPr id="5" name="Text Placeholder 4">
             <a:extLst>
               <a:ext uri="{FF2B5EF4-FFF2-40B4-BE49-F238E27FC236}">
-                <a16:creationId xmlns:a16="http://schemas.microsoft.com/office/drawing/2014/main" id="{8A2CA209-B9F5-4E1E-B302-74CC2D4CFDFB}"/>
+                <a16:creationId xmlns:a16="http://schemas.microsoft.com/office/drawing/2014/main" xmlns="" id="{8A2CA209-B9F5-4E1E-B302-74CC2D4CFDFB}"/>
               </a:ext>
             </a:extLst>
           </p:cNvPr>
@@ -1753,7 +1765,7 @@
           <p:cNvPr id="6" name="Content Placeholder 5">
             <a:extLst>
               <a:ext uri="{FF2B5EF4-FFF2-40B4-BE49-F238E27FC236}">
-                <a16:creationId xmlns:a16="http://schemas.microsoft.com/office/drawing/2014/main" id="{0E6E876D-DC4D-40EE-BA38-CD01089602CF}"/>
+                <a16:creationId xmlns:a16="http://schemas.microsoft.com/office/drawing/2014/main" xmlns="" id="{0E6E876D-DC4D-40EE-BA38-CD01089602CF}"/>
               </a:ext>
             </a:extLst>
           </p:cNvPr>
@@ -1816,7 +1828,7 @@
           <p:cNvPr id="7" name="Date Placeholder 6">
             <a:extLst>
               <a:ext uri="{FF2B5EF4-FFF2-40B4-BE49-F238E27FC236}">
-                <a16:creationId xmlns:a16="http://schemas.microsoft.com/office/drawing/2014/main" id="{F24E1D97-8B3C-41A1-B0BA-BA833AD8BC7C}"/>
+                <a16:creationId xmlns:a16="http://schemas.microsoft.com/office/drawing/2014/main" xmlns="" id="{F24E1D97-8B3C-41A1-B0BA-BA833AD8BC7C}"/>
               </a:ext>
             </a:extLst>
           </p:cNvPr>
@@ -1834,7 +1846,8 @@
           <a:p>
             <a:fld id="{03EC4E3E-8101-482F-A883-8B55DAFF7C07}" type="datetimeFigureOut">
               <a:rPr lang="en-SG" smtClean="0"/>
-              <a:t>6/7/2018</a:t>
+              <a:pPr/>
+              <a:t>31/3/2019</a:t>
             </a:fld>
             <a:endParaRPr lang="en-SG"/>
           </a:p>
@@ -1845,7 +1858,7 @@
           <p:cNvPr id="8" name="Footer Placeholder 7">
             <a:extLst>
               <a:ext uri="{FF2B5EF4-FFF2-40B4-BE49-F238E27FC236}">
-                <a16:creationId xmlns:a16="http://schemas.microsoft.com/office/drawing/2014/main" id="{FC358D8F-B7DA-4DCE-AC8F-706450EEC0DC}"/>
+                <a16:creationId xmlns:a16="http://schemas.microsoft.com/office/drawing/2014/main" xmlns="" id="{FC358D8F-B7DA-4DCE-AC8F-706450EEC0DC}"/>
               </a:ext>
             </a:extLst>
           </p:cNvPr>
@@ -1870,7 +1883,7 @@
           <p:cNvPr id="9" name="Slide Number Placeholder 8">
             <a:extLst>
               <a:ext uri="{FF2B5EF4-FFF2-40B4-BE49-F238E27FC236}">
-                <a16:creationId xmlns:a16="http://schemas.microsoft.com/office/drawing/2014/main" id="{40CE354E-2C73-4B6F-8AEB-14D1378A77E1}"/>
+                <a16:creationId xmlns:a16="http://schemas.microsoft.com/office/drawing/2014/main" xmlns="" id="{40CE354E-2C73-4B6F-8AEB-14D1378A77E1}"/>
               </a:ext>
             </a:extLst>
           </p:cNvPr>
@@ -1888,6 +1901,7 @@
           <a:p>
             <a:fld id="{F362EEBD-19F8-4A23-B3A5-01C987241991}" type="slidenum">
               <a:rPr lang="en-SG" smtClean="0"/>
+              <a:pPr/>
               <a:t>‹#›</a:t>
             </a:fld>
             <a:endParaRPr lang="en-SG"/>
@@ -1897,7 +1911,7 @@
     </p:spTree>
     <p:extLst>
       <p:ext uri="{BB962C8B-B14F-4D97-AF65-F5344CB8AC3E}">
-        <p14:creationId xmlns:p14="http://schemas.microsoft.com/office/powerpoint/2010/main" val="937260254"/>
+        <p14:creationId xmlns:p14="http://schemas.microsoft.com/office/powerpoint/2010/main" xmlns="" val="937260254"/>
       </p:ext>
     </p:extLst>
   </p:cSld>
@@ -1929,7 +1943,7 @@
           <p:cNvPr id="2" name="Title 1">
             <a:extLst>
               <a:ext uri="{FF2B5EF4-FFF2-40B4-BE49-F238E27FC236}">
-                <a16:creationId xmlns:a16="http://schemas.microsoft.com/office/drawing/2014/main" id="{17D9D381-288C-43FB-86C2-AAA4FCFD43FD}"/>
+                <a16:creationId xmlns:a16="http://schemas.microsoft.com/office/drawing/2014/main" xmlns="" id="{17D9D381-288C-43FB-86C2-AAA4FCFD43FD}"/>
               </a:ext>
             </a:extLst>
           </p:cNvPr>
@@ -1958,7 +1972,7 @@
           <p:cNvPr id="3" name="Date Placeholder 2">
             <a:extLst>
               <a:ext uri="{FF2B5EF4-FFF2-40B4-BE49-F238E27FC236}">
-                <a16:creationId xmlns:a16="http://schemas.microsoft.com/office/drawing/2014/main" id="{A85D75E5-4830-4F75-8132-91122609F925}"/>
+                <a16:creationId xmlns:a16="http://schemas.microsoft.com/office/drawing/2014/main" xmlns="" id="{A85D75E5-4830-4F75-8132-91122609F925}"/>
               </a:ext>
             </a:extLst>
           </p:cNvPr>
@@ -1976,7 +1990,8 @@
           <a:p>
             <a:fld id="{03EC4E3E-8101-482F-A883-8B55DAFF7C07}" type="datetimeFigureOut">
               <a:rPr lang="en-SG" smtClean="0"/>
-              <a:t>6/7/2018</a:t>
+              <a:pPr/>
+              <a:t>31/3/2019</a:t>
             </a:fld>
             <a:endParaRPr lang="en-SG"/>
           </a:p>
@@ -1987,7 +2002,7 @@
           <p:cNvPr id="4" name="Footer Placeholder 3">
             <a:extLst>
               <a:ext uri="{FF2B5EF4-FFF2-40B4-BE49-F238E27FC236}">
-                <a16:creationId xmlns:a16="http://schemas.microsoft.com/office/drawing/2014/main" id="{0C14A42C-834F-43EA-8053-84D5A665CEE7}"/>
+                <a16:creationId xmlns:a16="http://schemas.microsoft.com/office/drawing/2014/main" xmlns="" id="{0C14A42C-834F-43EA-8053-84D5A665CEE7}"/>
               </a:ext>
             </a:extLst>
           </p:cNvPr>
@@ -2012,7 +2027,7 @@
           <p:cNvPr id="5" name="Slide Number Placeholder 4">
             <a:extLst>
               <a:ext uri="{FF2B5EF4-FFF2-40B4-BE49-F238E27FC236}">
-                <a16:creationId xmlns:a16="http://schemas.microsoft.com/office/drawing/2014/main" id="{38C1E789-CDA9-48FF-A7BA-F21E31600226}"/>
+                <a16:creationId xmlns:a16="http://schemas.microsoft.com/office/drawing/2014/main" xmlns="" id="{38C1E789-CDA9-48FF-A7BA-F21E31600226}"/>
               </a:ext>
             </a:extLst>
           </p:cNvPr>
@@ -2030,6 +2045,7 @@
           <a:p>
             <a:fld id="{F362EEBD-19F8-4A23-B3A5-01C987241991}" type="slidenum">
               <a:rPr lang="en-SG" smtClean="0"/>
+              <a:pPr/>
               <a:t>‹#›</a:t>
             </a:fld>
             <a:endParaRPr lang="en-SG"/>
@@ -2039,7 +2055,7 @@
     </p:spTree>
     <p:extLst>
       <p:ext uri="{BB962C8B-B14F-4D97-AF65-F5344CB8AC3E}">
-        <p14:creationId xmlns:p14="http://schemas.microsoft.com/office/powerpoint/2010/main" val="2713172575"/>
+        <p14:creationId xmlns:p14="http://schemas.microsoft.com/office/powerpoint/2010/main" xmlns="" val="2713172575"/>
       </p:ext>
     </p:extLst>
   </p:cSld>
@@ -2071,7 +2087,7 @@
           <p:cNvPr id="2" name="Date Placeholder 1">
             <a:extLst>
               <a:ext uri="{FF2B5EF4-FFF2-40B4-BE49-F238E27FC236}">
-                <a16:creationId xmlns:a16="http://schemas.microsoft.com/office/drawing/2014/main" id="{21A40ECD-0ABD-4F35-B481-512A01FC643D}"/>
+                <a16:creationId xmlns:a16="http://schemas.microsoft.com/office/drawing/2014/main" xmlns="" id="{21A40ECD-0ABD-4F35-B481-512A01FC643D}"/>
               </a:ext>
             </a:extLst>
           </p:cNvPr>
@@ -2089,7 +2105,8 @@
           <a:p>
             <a:fld id="{03EC4E3E-8101-482F-A883-8B55DAFF7C07}" type="datetimeFigureOut">
               <a:rPr lang="en-SG" smtClean="0"/>
-              <a:t>6/7/2018</a:t>
+              <a:pPr/>
+              <a:t>31/3/2019</a:t>
             </a:fld>
             <a:endParaRPr lang="en-SG"/>
           </a:p>
@@ -2100,7 +2117,7 @@
           <p:cNvPr id="3" name="Footer Placeholder 2">
             <a:extLst>
               <a:ext uri="{FF2B5EF4-FFF2-40B4-BE49-F238E27FC236}">
-                <a16:creationId xmlns:a16="http://schemas.microsoft.com/office/drawing/2014/main" id="{D44B8F11-A412-4FA6-9070-B9C742F699F3}"/>
+                <a16:creationId xmlns:a16="http://schemas.microsoft.com/office/drawing/2014/main" xmlns="" id="{D44B8F11-A412-4FA6-9070-B9C742F699F3}"/>
               </a:ext>
             </a:extLst>
           </p:cNvPr>
@@ -2125,7 +2142,7 @@
           <p:cNvPr id="4" name="Slide Number Placeholder 3">
             <a:extLst>
               <a:ext uri="{FF2B5EF4-FFF2-40B4-BE49-F238E27FC236}">
-                <a16:creationId xmlns:a16="http://schemas.microsoft.com/office/drawing/2014/main" id="{E3EA086A-DA0B-4378-A128-F213644ECB0C}"/>
+                <a16:creationId xmlns:a16="http://schemas.microsoft.com/office/drawing/2014/main" xmlns="" id="{E3EA086A-DA0B-4378-A128-F213644ECB0C}"/>
               </a:ext>
             </a:extLst>
           </p:cNvPr>
@@ -2143,6 +2160,7 @@
           <a:p>
             <a:fld id="{F362EEBD-19F8-4A23-B3A5-01C987241991}" type="slidenum">
               <a:rPr lang="en-SG" smtClean="0"/>
+              <a:pPr/>
               <a:t>‹#›</a:t>
             </a:fld>
             <a:endParaRPr lang="en-SG"/>
@@ -2152,7 +2170,7 @@
     </p:spTree>
     <p:extLst>
       <p:ext uri="{BB962C8B-B14F-4D97-AF65-F5344CB8AC3E}">
-        <p14:creationId xmlns:p14="http://schemas.microsoft.com/office/powerpoint/2010/main" val="2808055610"/>
+        <p14:creationId xmlns:p14="http://schemas.microsoft.com/office/powerpoint/2010/main" xmlns="" val="2808055610"/>
       </p:ext>
     </p:extLst>
   </p:cSld>
@@ -2184,7 +2202,7 @@
           <p:cNvPr id="2" name="Title 1">
             <a:extLst>
               <a:ext uri="{FF2B5EF4-FFF2-40B4-BE49-F238E27FC236}">
-                <a16:creationId xmlns:a16="http://schemas.microsoft.com/office/drawing/2014/main" id="{765D165A-D423-4E89-A075-D59A9FB59792}"/>
+                <a16:creationId xmlns:a16="http://schemas.microsoft.com/office/drawing/2014/main" xmlns="" id="{765D165A-D423-4E89-A075-D59A9FB59792}"/>
               </a:ext>
             </a:extLst>
           </p:cNvPr>
@@ -2222,7 +2240,7 @@
           <p:cNvPr id="3" name="Content Placeholder 2">
             <a:extLst>
               <a:ext uri="{FF2B5EF4-FFF2-40B4-BE49-F238E27FC236}">
-                <a16:creationId xmlns:a16="http://schemas.microsoft.com/office/drawing/2014/main" id="{77C2A5CC-2876-49CA-993D-F4F73FC9D2B0}"/>
+                <a16:creationId xmlns:a16="http://schemas.microsoft.com/office/drawing/2014/main" xmlns="" id="{77C2A5CC-2876-49CA-993D-F4F73FC9D2B0}"/>
               </a:ext>
             </a:extLst>
           </p:cNvPr>
@@ -2313,7 +2331,7 @@
           <p:cNvPr id="4" name="Text Placeholder 3">
             <a:extLst>
               <a:ext uri="{FF2B5EF4-FFF2-40B4-BE49-F238E27FC236}">
-                <a16:creationId xmlns:a16="http://schemas.microsoft.com/office/drawing/2014/main" id="{7B4DE2E8-CCF6-4E88-A858-05A04CD0D736}"/>
+                <a16:creationId xmlns:a16="http://schemas.microsoft.com/office/drawing/2014/main" xmlns="" id="{7B4DE2E8-CCF6-4E88-A858-05A04CD0D736}"/>
               </a:ext>
             </a:extLst>
           </p:cNvPr>
@@ -2384,7 +2402,7 @@
           <p:cNvPr id="5" name="Date Placeholder 4">
             <a:extLst>
               <a:ext uri="{FF2B5EF4-FFF2-40B4-BE49-F238E27FC236}">
-                <a16:creationId xmlns:a16="http://schemas.microsoft.com/office/drawing/2014/main" id="{CAEBEC1E-DE48-4B55-A846-F8248E381145}"/>
+                <a16:creationId xmlns:a16="http://schemas.microsoft.com/office/drawing/2014/main" xmlns="" id="{CAEBEC1E-DE48-4B55-A846-F8248E381145}"/>
               </a:ext>
             </a:extLst>
           </p:cNvPr>
@@ -2402,7 +2420,8 @@
           <a:p>
             <a:fld id="{03EC4E3E-8101-482F-A883-8B55DAFF7C07}" type="datetimeFigureOut">
               <a:rPr lang="en-SG" smtClean="0"/>
-              <a:t>6/7/2018</a:t>
+              <a:pPr/>
+              <a:t>31/3/2019</a:t>
             </a:fld>
             <a:endParaRPr lang="en-SG"/>
           </a:p>
@@ -2413,7 +2432,7 @@
           <p:cNvPr id="6" name="Footer Placeholder 5">
             <a:extLst>
               <a:ext uri="{FF2B5EF4-FFF2-40B4-BE49-F238E27FC236}">
-                <a16:creationId xmlns:a16="http://schemas.microsoft.com/office/drawing/2014/main" id="{945A6E8B-6BC2-49E9-B4E5-DAD3F7A1A1BF}"/>
+                <a16:creationId xmlns:a16="http://schemas.microsoft.com/office/drawing/2014/main" xmlns="" id="{945A6E8B-6BC2-49E9-B4E5-DAD3F7A1A1BF}"/>
               </a:ext>
             </a:extLst>
           </p:cNvPr>
@@ -2438,7 +2457,7 @@
           <p:cNvPr id="7" name="Slide Number Placeholder 6">
             <a:extLst>
               <a:ext uri="{FF2B5EF4-FFF2-40B4-BE49-F238E27FC236}">
-                <a16:creationId xmlns:a16="http://schemas.microsoft.com/office/drawing/2014/main" id="{E5CF739B-EDF0-43CE-A87E-C49F040C85A5}"/>
+                <a16:creationId xmlns:a16="http://schemas.microsoft.com/office/drawing/2014/main" xmlns="" id="{E5CF739B-EDF0-43CE-A87E-C49F040C85A5}"/>
               </a:ext>
             </a:extLst>
           </p:cNvPr>
@@ -2456,6 +2475,7 @@
           <a:p>
             <a:fld id="{F362EEBD-19F8-4A23-B3A5-01C987241991}" type="slidenum">
               <a:rPr lang="en-SG" smtClean="0"/>
+              <a:pPr/>
               <a:t>‹#›</a:t>
             </a:fld>
             <a:endParaRPr lang="en-SG"/>
@@ -2465,7 +2485,7 @@
     </p:spTree>
     <p:extLst>
       <p:ext uri="{BB962C8B-B14F-4D97-AF65-F5344CB8AC3E}">
-        <p14:creationId xmlns:p14="http://schemas.microsoft.com/office/powerpoint/2010/main" val="4039745741"/>
+        <p14:creationId xmlns:p14="http://schemas.microsoft.com/office/powerpoint/2010/main" xmlns="" val="4039745741"/>
       </p:ext>
     </p:extLst>
   </p:cSld>
@@ -2497,7 +2517,7 @@
           <p:cNvPr id="2" name="Title 1">
             <a:extLst>
               <a:ext uri="{FF2B5EF4-FFF2-40B4-BE49-F238E27FC236}">
-                <a16:creationId xmlns:a16="http://schemas.microsoft.com/office/drawing/2014/main" id="{0091F49F-E849-4834-84DB-61CF2F2652D4}"/>
+                <a16:creationId xmlns:a16="http://schemas.microsoft.com/office/drawing/2014/main" xmlns="" id="{0091F49F-E849-4834-84DB-61CF2F2652D4}"/>
               </a:ext>
             </a:extLst>
           </p:cNvPr>
@@ -2535,7 +2555,7 @@
           <p:cNvPr id="3" name="Picture Placeholder 2">
             <a:extLst>
               <a:ext uri="{FF2B5EF4-FFF2-40B4-BE49-F238E27FC236}">
-                <a16:creationId xmlns:a16="http://schemas.microsoft.com/office/drawing/2014/main" id="{631D62A9-3420-4F1C-9EB9-09EF85106E78}"/>
+                <a16:creationId xmlns:a16="http://schemas.microsoft.com/office/drawing/2014/main" xmlns="" id="{631D62A9-3420-4F1C-9EB9-09EF85106E78}"/>
               </a:ext>
             </a:extLst>
           </p:cNvPr>
@@ -2602,7 +2622,7 @@
           <p:cNvPr id="4" name="Text Placeholder 3">
             <a:extLst>
               <a:ext uri="{FF2B5EF4-FFF2-40B4-BE49-F238E27FC236}">
-                <a16:creationId xmlns:a16="http://schemas.microsoft.com/office/drawing/2014/main" id="{E450EC8D-D7F4-45FC-AD8C-2E198A32CCA2}"/>
+                <a16:creationId xmlns:a16="http://schemas.microsoft.com/office/drawing/2014/main" xmlns="" id="{E450EC8D-D7F4-45FC-AD8C-2E198A32CCA2}"/>
               </a:ext>
             </a:extLst>
           </p:cNvPr>
@@ -2673,7 +2693,7 @@
           <p:cNvPr id="5" name="Date Placeholder 4">
             <a:extLst>
               <a:ext uri="{FF2B5EF4-FFF2-40B4-BE49-F238E27FC236}">
-                <a16:creationId xmlns:a16="http://schemas.microsoft.com/office/drawing/2014/main" id="{7A73D668-ABF4-41FE-958C-542EEDC5F6CC}"/>
+                <a16:creationId xmlns:a16="http://schemas.microsoft.com/office/drawing/2014/main" xmlns="" id="{7A73D668-ABF4-41FE-958C-542EEDC5F6CC}"/>
               </a:ext>
             </a:extLst>
           </p:cNvPr>
@@ -2691,7 +2711,8 @@
           <a:p>
             <a:fld id="{03EC4E3E-8101-482F-A883-8B55DAFF7C07}" type="datetimeFigureOut">
               <a:rPr lang="en-SG" smtClean="0"/>
-              <a:t>6/7/2018</a:t>
+              <a:pPr/>
+              <a:t>31/3/2019</a:t>
             </a:fld>
             <a:endParaRPr lang="en-SG"/>
           </a:p>
@@ -2702,7 +2723,7 @@
           <p:cNvPr id="6" name="Footer Placeholder 5">
             <a:extLst>
               <a:ext uri="{FF2B5EF4-FFF2-40B4-BE49-F238E27FC236}">
-                <a16:creationId xmlns:a16="http://schemas.microsoft.com/office/drawing/2014/main" id="{F4A83B1C-93E7-4D32-9D1B-3F37403B1ACD}"/>
+                <a16:creationId xmlns:a16="http://schemas.microsoft.com/office/drawing/2014/main" xmlns="" id="{F4A83B1C-93E7-4D32-9D1B-3F37403B1ACD}"/>
               </a:ext>
             </a:extLst>
           </p:cNvPr>
@@ -2727,7 +2748,7 @@
           <p:cNvPr id="7" name="Slide Number Placeholder 6">
             <a:extLst>
               <a:ext uri="{FF2B5EF4-FFF2-40B4-BE49-F238E27FC236}">
-                <a16:creationId xmlns:a16="http://schemas.microsoft.com/office/drawing/2014/main" id="{C6AF73BE-F17B-487B-943B-28655BB51C92}"/>
+                <a16:creationId xmlns:a16="http://schemas.microsoft.com/office/drawing/2014/main" xmlns="" id="{C6AF73BE-F17B-487B-943B-28655BB51C92}"/>
               </a:ext>
             </a:extLst>
           </p:cNvPr>
@@ -2745,6 +2766,7 @@
           <a:p>
             <a:fld id="{F362EEBD-19F8-4A23-B3A5-01C987241991}" type="slidenum">
               <a:rPr lang="en-SG" smtClean="0"/>
+              <a:pPr/>
               <a:t>‹#›</a:t>
             </a:fld>
             <a:endParaRPr lang="en-SG"/>
@@ -2754,7 +2776,7 @@
     </p:spTree>
     <p:extLst>
       <p:ext uri="{BB962C8B-B14F-4D97-AF65-F5344CB8AC3E}">
-        <p14:creationId xmlns:p14="http://schemas.microsoft.com/office/powerpoint/2010/main" val="1851851517"/>
+        <p14:creationId xmlns:p14="http://schemas.microsoft.com/office/powerpoint/2010/main" xmlns="" val="1851851517"/>
       </p:ext>
     </p:extLst>
   </p:cSld>
@@ -2791,7 +2813,7 @@
           <p:cNvPr id="2" name="Title Placeholder 1">
             <a:extLst>
               <a:ext uri="{FF2B5EF4-FFF2-40B4-BE49-F238E27FC236}">
-                <a16:creationId xmlns:a16="http://schemas.microsoft.com/office/drawing/2014/main" id="{96F7127E-5F47-4B37-9FDB-695AB14D9551}"/>
+                <a16:creationId xmlns:a16="http://schemas.microsoft.com/office/drawing/2014/main" xmlns="" id="{96F7127E-5F47-4B37-9FDB-695AB14D9551}"/>
               </a:ext>
             </a:extLst>
           </p:cNvPr>
@@ -2830,7 +2852,7 @@
           <p:cNvPr id="3" name="Text Placeholder 2">
             <a:extLst>
               <a:ext uri="{FF2B5EF4-FFF2-40B4-BE49-F238E27FC236}">
-                <a16:creationId xmlns:a16="http://schemas.microsoft.com/office/drawing/2014/main" id="{3BD20F0F-B303-4EE3-AF17-E303EA90B1A3}"/>
+                <a16:creationId xmlns:a16="http://schemas.microsoft.com/office/drawing/2014/main" xmlns="" id="{3BD20F0F-B303-4EE3-AF17-E303EA90B1A3}"/>
               </a:ext>
             </a:extLst>
           </p:cNvPr>
@@ -2898,7 +2920,7 @@
           <p:cNvPr id="4" name="Date Placeholder 3">
             <a:extLst>
               <a:ext uri="{FF2B5EF4-FFF2-40B4-BE49-F238E27FC236}">
-                <a16:creationId xmlns:a16="http://schemas.microsoft.com/office/drawing/2014/main" id="{7927ADFB-0C7F-4333-A456-815FAB4B0315}"/>
+                <a16:creationId xmlns:a16="http://schemas.microsoft.com/office/drawing/2014/main" xmlns="" id="{7927ADFB-0C7F-4333-A456-815FAB4B0315}"/>
               </a:ext>
             </a:extLst>
           </p:cNvPr>
@@ -2934,7 +2956,8 @@
           <a:p>
             <a:fld id="{03EC4E3E-8101-482F-A883-8B55DAFF7C07}" type="datetimeFigureOut">
               <a:rPr lang="en-SG" smtClean="0"/>
-              <a:t>6/7/2018</a:t>
+              <a:pPr/>
+              <a:t>31/3/2019</a:t>
             </a:fld>
             <a:endParaRPr lang="en-SG"/>
           </a:p>
@@ -2945,7 +2968,7 @@
           <p:cNvPr id="5" name="Footer Placeholder 4">
             <a:extLst>
               <a:ext uri="{FF2B5EF4-FFF2-40B4-BE49-F238E27FC236}">
-                <a16:creationId xmlns:a16="http://schemas.microsoft.com/office/drawing/2014/main" id="{A1992B28-8397-4C93-A277-5EE43A537825}"/>
+                <a16:creationId xmlns:a16="http://schemas.microsoft.com/office/drawing/2014/main" xmlns="" id="{A1992B28-8397-4C93-A277-5EE43A537825}"/>
               </a:ext>
             </a:extLst>
           </p:cNvPr>
@@ -2988,7 +3011,7 @@
           <p:cNvPr id="6" name="Slide Number Placeholder 5">
             <a:extLst>
               <a:ext uri="{FF2B5EF4-FFF2-40B4-BE49-F238E27FC236}">
-                <a16:creationId xmlns:a16="http://schemas.microsoft.com/office/drawing/2014/main" id="{D7231209-A74B-4134-87D0-421AB81BBB47}"/>
+                <a16:creationId xmlns:a16="http://schemas.microsoft.com/office/drawing/2014/main" xmlns="" id="{D7231209-A74B-4134-87D0-421AB81BBB47}"/>
               </a:ext>
             </a:extLst>
           </p:cNvPr>
@@ -3024,6 +3047,7 @@
           <a:p>
             <a:fld id="{F362EEBD-19F8-4A23-B3A5-01C987241991}" type="slidenum">
               <a:rPr lang="en-SG" smtClean="0"/>
+              <a:pPr/>
               <a:t>‹#›</a:t>
             </a:fld>
             <a:endParaRPr lang="en-SG"/>
@@ -3033,7 +3057,7 @@
     </p:spTree>
     <p:extLst>
       <p:ext uri="{BB962C8B-B14F-4D97-AF65-F5344CB8AC3E}">
-        <p14:creationId xmlns:p14="http://schemas.microsoft.com/office/powerpoint/2010/main" val="162984175"/>
+        <p14:creationId xmlns:p14="http://schemas.microsoft.com/office/powerpoint/2010/main" xmlns="" val="162984175"/>
       </p:ext>
     </p:extLst>
   </p:cSld>
@@ -3400,7 +3424,7 @@
           <p:cNvPr id="16" name="TextBox 15">
             <a:extLst>
               <a:ext uri="{FF2B5EF4-FFF2-40B4-BE49-F238E27FC236}">
-                <a16:creationId xmlns:a16="http://schemas.microsoft.com/office/drawing/2014/main" id="{3151A13B-9509-43FA-BFEB-1D9866A00B84}"/>
+                <a16:creationId xmlns:a16="http://schemas.microsoft.com/office/drawing/2014/main" xmlns="" id="{3151A13B-9509-43FA-BFEB-1D9866A00B84}"/>
               </a:ext>
             </a:extLst>
           </p:cNvPr>
@@ -3444,7 +3468,7 @@
           <p:cNvPr id="17" name="Table 16">
             <a:extLst>
               <a:ext uri="{FF2B5EF4-FFF2-40B4-BE49-F238E27FC236}">
-                <a16:creationId xmlns:a16="http://schemas.microsoft.com/office/drawing/2014/main" id="{F545FAB8-F1CE-4886-9BDE-E772BCB0A9C4}"/>
+                <a16:creationId xmlns:a16="http://schemas.microsoft.com/office/drawing/2014/main" xmlns="" id="{F545FAB8-F1CE-4886-9BDE-E772BCB0A9C4}"/>
               </a:ext>
             </a:extLst>
           </p:cNvPr>
@@ -3454,7 +3478,7 @@
           <p:nvPr>
             <p:extLst>
               <p:ext uri="{D42A27DB-BD31-4B8C-83A1-F6EECF244321}">
-                <p14:modId xmlns:p14="http://schemas.microsoft.com/office/powerpoint/2010/main" val="2776987765"/>
+                <p14:modId xmlns:p14="http://schemas.microsoft.com/office/powerpoint/2010/main" xmlns="" val="2776987765"/>
               </p:ext>
             </p:extLst>
           </p:nvPr>
@@ -3473,7 +3497,7 @@
                 <a:gridCol w="1825597">
                   <a:extLst>
                     <a:ext uri="{9D8B030D-6E8A-4147-A177-3AD203B41FA5}">
-                      <a16:colId xmlns:a16="http://schemas.microsoft.com/office/drawing/2014/main" val="4240773277"/>
+                      <a16:colId xmlns:a16="http://schemas.microsoft.com/office/drawing/2014/main" xmlns="" val="4240773277"/>
                     </a:ext>
                   </a:extLst>
                 </a:gridCol>
@@ -3485,12 +3509,12 @@
                     <a:lstStyle/>
                     <a:p>
                       <a:r>
-                        <a:rPr lang="en-SG" u="sng" dirty="0"/>
-                        <a:t>ab0:</a:t>
+                        <a:rPr lang="en-SG" u="sng" dirty="0" smtClean="0"/>
+                        <a:t>gt0:</a:t>
                       </a:r>
                       <a:r>
-                        <a:rPr lang="en-SG" sz="1800" u="sng" dirty="0"/>
-                        <a:t>AddressBook</a:t>
+                        <a:rPr lang="en-SG" sz="1800" u="sng" dirty="0" smtClean="0"/>
+                        <a:t>GradTrak</a:t>
                       </a:r>
                       <a:endParaRPr lang="en-SG" sz="1600" u="sng" dirty="0"/>
                     </a:p>
@@ -3499,7 +3523,7 @@
                 </a:tc>
                 <a:extLst>
                   <a:ext uri="{0D108BD9-81ED-4DB2-BD59-A6C34878D82A}">
-                    <a16:rowId xmlns:a16="http://schemas.microsoft.com/office/drawing/2014/main" val="2194462629"/>
+                    <a16:rowId xmlns:a16="http://schemas.microsoft.com/office/drawing/2014/main" xmlns="" val="2194462629"/>
                   </a:ext>
                 </a:extLst>
               </a:tr>
@@ -3558,7 +3582,7 @@
           <p:cNvPr id="21" name="TextBox 20">
             <a:extLst>
               <a:ext uri="{FF2B5EF4-FFF2-40B4-BE49-F238E27FC236}">
-                <a16:creationId xmlns:a16="http://schemas.microsoft.com/office/drawing/2014/main" id="{3151A13B-9509-43FA-BFEB-1D9866A00B84}"/>
+                <a16:creationId xmlns:a16="http://schemas.microsoft.com/office/drawing/2014/main" xmlns="" id="{3151A13B-9509-43FA-BFEB-1D9866A00B84}"/>
               </a:ext>
             </a:extLst>
           </p:cNvPr>
@@ -3648,7 +3672,7 @@
           <p:cNvPr id="15" name="Table 14">
             <a:extLst>
               <a:ext uri="{FF2B5EF4-FFF2-40B4-BE49-F238E27FC236}">
-                <a16:creationId xmlns:a16="http://schemas.microsoft.com/office/drawing/2014/main" id="{F545FAB8-F1CE-4886-9BDE-E772BCB0A9C4}"/>
+                <a16:creationId xmlns:a16="http://schemas.microsoft.com/office/drawing/2014/main" xmlns="" id="{F545FAB8-F1CE-4886-9BDE-E772BCB0A9C4}"/>
               </a:ext>
             </a:extLst>
           </p:cNvPr>
@@ -3658,7 +3682,7 @@
           <p:nvPr>
             <p:extLst>
               <p:ext uri="{D42A27DB-BD31-4B8C-83A1-F6EECF244321}">
-                <p14:modId xmlns:p14="http://schemas.microsoft.com/office/powerpoint/2010/main" val="1878903007"/>
+                <p14:modId xmlns:p14="http://schemas.microsoft.com/office/powerpoint/2010/main" xmlns="" val="1878903007"/>
               </p:ext>
             </p:extLst>
           </p:nvPr>
@@ -3677,7 +3701,7 @@
                 <a:gridCol w="1825597">
                   <a:extLst>
                     <a:ext uri="{9D8B030D-6E8A-4147-A177-3AD203B41FA5}">
-                      <a16:colId xmlns:a16="http://schemas.microsoft.com/office/drawing/2014/main" val="4240773277"/>
+                      <a16:colId xmlns:a16="http://schemas.microsoft.com/office/drawing/2014/main" xmlns="" val="4240773277"/>
                     </a:ext>
                   </a:extLst>
                 </a:gridCol>
@@ -3689,12 +3713,12 @@
                     <a:lstStyle/>
                     <a:p>
                       <a:r>
-                        <a:rPr lang="en-SG" u="sng" dirty="0"/>
-                        <a:t>ab2:</a:t>
+                        <a:rPr lang="en-SG" u="sng" dirty="0" smtClean="0"/>
+                        <a:t>gt2:</a:t>
                       </a:r>
                       <a:r>
-                        <a:rPr lang="en-SG" sz="1800" u="sng" dirty="0"/>
-                        <a:t>AddressBook</a:t>
+                        <a:rPr lang="en-SG" sz="1800" u="sng" dirty="0" smtClean="0"/>
+                        <a:t>GradTrak</a:t>
                       </a:r>
                       <a:endParaRPr lang="en-SG" sz="1600" u="sng" dirty="0"/>
                     </a:p>
@@ -3703,7 +3727,7 @@
                 </a:tc>
                 <a:extLst>
                   <a:ext uri="{0D108BD9-81ED-4DB2-BD59-A6C34878D82A}">
-                    <a16:rowId xmlns:a16="http://schemas.microsoft.com/office/drawing/2014/main" val="2194462629"/>
+                    <a16:rowId xmlns:a16="http://schemas.microsoft.com/office/drawing/2014/main" xmlns="" val="2194462629"/>
                   </a:ext>
                 </a:extLst>
               </a:tr>
@@ -3716,7 +3740,7 @@
           <p:cNvPr id="28" name="Table 27">
             <a:extLst>
               <a:ext uri="{FF2B5EF4-FFF2-40B4-BE49-F238E27FC236}">
-                <a16:creationId xmlns:a16="http://schemas.microsoft.com/office/drawing/2014/main" id="{F545FAB8-F1CE-4886-9BDE-E772BCB0A9C4}"/>
+                <a16:creationId xmlns:a16="http://schemas.microsoft.com/office/drawing/2014/main" xmlns="" id="{F545FAB8-F1CE-4886-9BDE-E772BCB0A9C4}"/>
               </a:ext>
             </a:extLst>
           </p:cNvPr>
@@ -3726,7 +3750,7 @@
           <p:nvPr>
             <p:extLst>
               <p:ext uri="{D42A27DB-BD31-4B8C-83A1-F6EECF244321}">
-                <p14:modId xmlns:p14="http://schemas.microsoft.com/office/powerpoint/2010/main" val="547626409"/>
+                <p14:modId xmlns:p14="http://schemas.microsoft.com/office/powerpoint/2010/main" xmlns="" val="547626409"/>
               </p:ext>
             </p:extLst>
           </p:nvPr>
@@ -3745,7 +3769,7 @@
                 <a:gridCol w="1825597">
                   <a:extLst>
                     <a:ext uri="{9D8B030D-6E8A-4147-A177-3AD203B41FA5}">
-                      <a16:colId xmlns:a16="http://schemas.microsoft.com/office/drawing/2014/main" val="4240773277"/>
+                      <a16:colId xmlns:a16="http://schemas.microsoft.com/office/drawing/2014/main" xmlns="" val="4240773277"/>
                     </a:ext>
                   </a:extLst>
                 </a:gridCol>
@@ -3757,12 +3781,12 @@
                     <a:lstStyle/>
                     <a:p>
                       <a:r>
-                        <a:rPr lang="en-SG" u="sng" dirty="0"/>
-                        <a:t>ab1:</a:t>
+                        <a:rPr lang="en-SG" u="sng" dirty="0" smtClean="0"/>
+                        <a:t>gt1:</a:t>
                       </a:r>
                       <a:r>
-                        <a:rPr lang="en-SG" sz="1800" u="sng" dirty="0"/>
-                        <a:t>AddressBook</a:t>
+                        <a:rPr lang="en-SG" sz="1800" u="sng" dirty="0" smtClean="0"/>
+                        <a:t>GradTrak</a:t>
                       </a:r>
                       <a:endParaRPr lang="en-SG" sz="1600" u="sng" dirty="0"/>
                     </a:p>
@@ -3771,7 +3795,7 @@
                 </a:tc>
                 <a:extLst>
                   <a:ext uri="{0D108BD9-81ED-4DB2-BD59-A6C34878D82A}">
-                    <a16:rowId xmlns:a16="http://schemas.microsoft.com/office/drawing/2014/main" val="2194462629"/>
+                    <a16:rowId xmlns:a16="http://schemas.microsoft.com/office/drawing/2014/main" xmlns="" val="2194462629"/>
                   </a:ext>
                 </a:extLst>
               </a:tr>
@@ -3784,7 +3808,7 @@
           <p:cNvPr id="29" name="Table 28">
             <a:extLst>
               <a:ext uri="{FF2B5EF4-FFF2-40B4-BE49-F238E27FC236}">
-                <a16:creationId xmlns:a16="http://schemas.microsoft.com/office/drawing/2014/main" id="{F545FAB8-F1CE-4886-9BDE-E772BCB0A9C4}"/>
+                <a16:creationId xmlns:a16="http://schemas.microsoft.com/office/drawing/2014/main" xmlns="" id="{F545FAB8-F1CE-4886-9BDE-E772BCB0A9C4}"/>
               </a:ext>
             </a:extLst>
           </p:cNvPr>
@@ -3794,7 +3818,7 @@
           <p:nvPr>
             <p:extLst>
               <p:ext uri="{D42A27DB-BD31-4B8C-83A1-F6EECF244321}">
-                <p14:modId xmlns:p14="http://schemas.microsoft.com/office/powerpoint/2010/main" val="1824208515"/>
+                <p14:modId xmlns:p14="http://schemas.microsoft.com/office/powerpoint/2010/main" xmlns="" val="1824208515"/>
               </p:ext>
             </p:extLst>
           </p:nvPr>
@@ -3813,7 +3837,7 @@
                 <a:gridCol w="1825597">
                   <a:extLst>
                     <a:ext uri="{9D8B030D-6E8A-4147-A177-3AD203B41FA5}">
-                      <a16:colId xmlns:a16="http://schemas.microsoft.com/office/drawing/2014/main" val="4240773277"/>
+                      <a16:colId xmlns:a16="http://schemas.microsoft.com/office/drawing/2014/main" xmlns="" val="4240773277"/>
                     </a:ext>
                   </a:extLst>
                 </a:gridCol>
@@ -3825,12 +3849,12 @@
                     <a:lstStyle/>
                     <a:p>
                       <a:r>
-                        <a:rPr lang="en-SG" u="sng" dirty="0"/>
-                        <a:t>ab0:</a:t>
+                        <a:rPr lang="en-SG" u="sng" dirty="0" smtClean="0"/>
+                        <a:t>gt0:</a:t>
                       </a:r>
                       <a:r>
-                        <a:rPr lang="en-SG" sz="1800" u="sng" dirty="0"/>
-                        <a:t>AddressBook</a:t>
+                        <a:rPr lang="en-SG" sz="1800" u="sng" dirty="0" smtClean="0"/>
+                        <a:t>GradTrak</a:t>
                       </a:r>
                       <a:endParaRPr lang="en-SG" sz="1600" u="sng" dirty="0"/>
                     </a:p>
@@ -3839,7 +3863,7 @@
                 </a:tc>
                 <a:extLst>
                   <a:ext uri="{0D108BD9-81ED-4DB2-BD59-A6C34878D82A}">
-                    <a16:rowId xmlns:a16="http://schemas.microsoft.com/office/drawing/2014/main" val="2194462629"/>
+                    <a16:rowId xmlns:a16="http://schemas.microsoft.com/office/drawing/2014/main" xmlns="" val="2194462629"/>
                   </a:ext>
                 </a:extLst>
               </a:tr>
@@ -3852,7 +3876,7 @@
           <p:cNvPr id="30" name="Table 29">
             <a:extLst>
               <a:ext uri="{FF2B5EF4-FFF2-40B4-BE49-F238E27FC236}">
-                <a16:creationId xmlns:a16="http://schemas.microsoft.com/office/drawing/2014/main" id="{F545FAB8-F1CE-4886-9BDE-E772BCB0A9C4}"/>
+                <a16:creationId xmlns:a16="http://schemas.microsoft.com/office/drawing/2014/main" xmlns="" id="{F545FAB8-F1CE-4886-9BDE-E772BCB0A9C4}"/>
               </a:ext>
             </a:extLst>
           </p:cNvPr>
@@ -3862,7 +3886,7 @@
           <p:nvPr>
             <p:extLst>
               <p:ext uri="{D42A27DB-BD31-4B8C-83A1-F6EECF244321}">
-                <p14:modId xmlns:p14="http://schemas.microsoft.com/office/powerpoint/2010/main" val="1414922247"/>
+                <p14:modId xmlns:p14="http://schemas.microsoft.com/office/powerpoint/2010/main" xmlns="" val="1414922247"/>
               </p:ext>
             </p:extLst>
           </p:nvPr>
@@ -3881,7 +3905,7 @@
                 <a:gridCol w="1825597">
                   <a:extLst>
                     <a:ext uri="{9D8B030D-6E8A-4147-A177-3AD203B41FA5}">
-                      <a16:colId xmlns:a16="http://schemas.microsoft.com/office/drawing/2014/main" val="4240773277"/>
+                      <a16:colId xmlns:a16="http://schemas.microsoft.com/office/drawing/2014/main" xmlns="" val="4240773277"/>
                     </a:ext>
                   </a:extLst>
                 </a:gridCol>
@@ -3893,12 +3917,12 @@
                     <a:lstStyle/>
                     <a:p>
                       <a:r>
-                        <a:rPr lang="en-SG" u="sng" dirty="0"/>
-                        <a:t>ab2:</a:t>
+                        <a:rPr lang="en-SG" u="sng" dirty="0" smtClean="0"/>
+                        <a:t>gt2:</a:t>
                       </a:r>
                       <a:r>
-                        <a:rPr lang="en-SG" sz="1800" u="sng" dirty="0"/>
-                        <a:t>AddressBook</a:t>
+                        <a:rPr lang="en-SG" sz="1800" u="sng" dirty="0" smtClean="0"/>
+                        <a:t>GradTrak</a:t>
                       </a:r>
                       <a:endParaRPr lang="en-SG" sz="1600" u="sng" dirty="0"/>
                     </a:p>
@@ -3907,7 +3931,7 @@
                 </a:tc>
                 <a:extLst>
                   <a:ext uri="{0D108BD9-81ED-4DB2-BD59-A6C34878D82A}">
-                    <a16:rowId xmlns:a16="http://schemas.microsoft.com/office/drawing/2014/main" val="2194462629"/>
+                    <a16:rowId xmlns:a16="http://schemas.microsoft.com/office/drawing/2014/main" xmlns="" val="2194462629"/>
                   </a:ext>
                 </a:extLst>
               </a:tr>
@@ -3920,7 +3944,7 @@
           <p:cNvPr id="31" name="Table 30">
             <a:extLst>
               <a:ext uri="{FF2B5EF4-FFF2-40B4-BE49-F238E27FC236}">
-                <a16:creationId xmlns:a16="http://schemas.microsoft.com/office/drawing/2014/main" id="{F545FAB8-F1CE-4886-9BDE-E772BCB0A9C4}"/>
+                <a16:creationId xmlns:a16="http://schemas.microsoft.com/office/drawing/2014/main" xmlns="" id="{F545FAB8-F1CE-4886-9BDE-E772BCB0A9C4}"/>
               </a:ext>
             </a:extLst>
           </p:cNvPr>
@@ -3930,7 +3954,7 @@
           <p:nvPr>
             <p:extLst>
               <p:ext uri="{D42A27DB-BD31-4B8C-83A1-F6EECF244321}">
-                <p14:modId xmlns:p14="http://schemas.microsoft.com/office/powerpoint/2010/main" val="1703544754"/>
+                <p14:modId xmlns:p14="http://schemas.microsoft.com/office/powerpoint/2010/main" xmlns="" val="1703544754"/>
               </p:ext>
             </p:extLst>
           </p:nvPr>
@@ -3949,7 +3973,7 @@
                 <a:gridCol w="1825597">
                   <a:extLst>
                     <a:ext uri="{9D8B030D-6E8A-4147-A177-3AD203B41FA5}">
-                      <a16:colId xmlns:a16="http://schemas.microsoft.com/office/drawing/2014/main" val="4240773277"/>
+                      <a16:colId xmlns:a16="http://schemas.microsoft.com/office/drawing/2014/main" xmlns="" val="4240773277"/>
                     </a:ext>
                   </a:extLst>
                 </a:gridCol>
@@ -3961,12 +3985,12 @@
                     <a:lstStyle/>
                     <a:p>
                       <a:r>
-                        <a:rPr lang="en-SG" u="sng" dirty="0"/>
-                        <a:t>ab1:</a:t>
+                        <a:rPr lang="en-SG" u="sng" dirty="0" smtClean="0"/>
+                        <a:t>gt1:</a:t>
                       </a:r>
                       <a:r>
-                        <a:rPr lang="en-SG" sz="1800" u="sng" dirty="0"/>
-                        <a:t>AddressBook</a:t>
+                        <a:rPr lang="en-SG" sz="1800" u="sng" dirty="0" smtClean="0"/>
+                        <a:t>GradTrak</a:t>
                       </a:r>
                       <a:endParaRPr lang="en-SG" sz="1600" u="sng" dirty="0"/>
                     </a:p>
@@ -3975,7 +3999,7 @@
                 </a:tc>
                 <a:extLst>
                   <a:ext uri="{0D108BD9-81ED-4DB2-BD59-A6C34878D82A}">
-                    <a16:rowId xmlns:a16="http://schemas.microsoft.com/office/drawing/2014/main" val="2194462629"/>
+                    <a16:rowId xmlns:a16="http://schemas.microsoft.com/office/drawing/2014/main" xmlns="" val="2194462629"/>
                   </a:ext>
                 </a:extLst>
               </a:tr>
@@ -3988,7 +4012,7 @@
           <p:cNvPr id="18" name="Straight Arrow Connector 17">
             <a:extLst>
               <a:ext uri="{FF2B5EF4-FFF2-40B4-BE49-F238E27FC236}">
-                <a16:creationId xmlns:a16="http://schemas.microsoft.com/office/drawing/2014/main" id="{2C7E497F-B97D-46E2-8C9C-D52263C33E33}"/>
+                <a16:creationId xmlns:a16="http://schemas.microsoft.com/office/drawing/2014/main" xmlns="" id="{2C7E497F-B97D-46E2-8C9C-D52263C33E33}"/>
               </a:ext>
             </a:extLst>
           </p:cNvPr>
@@ -4032,7 +4056,7 @@
           <p:cNvPr id="22" name="Straight Arrow Connector 21">
             <a:extLst>
               <a:ext uri="{FF2B5EF4-FFF2-40B4-BE49-F238E27FC236}">
-                <a16:creationId xmlns:a16="http://schemas.microsoft.com/office/drawing/2014/main" id="{D9B8CDF7-0D47-4F21-BF2D-957E827A9877}"/>
+                <a16:creationId xmlns:a16="http://schemas.microsoft.com/office/drawing/2014/main" xmlns="" id="{D9B8CDF7-0D47-4F21-BF2D-957E827A9877}"/>
               </a:ext>
             </a:extLst>
           </p:cNvPr>
@@ -4074,7 +4098,7 @@
     </p:spTree>
     <p:extLst>
       <p:ext uri="{BB962C8B-B14F-4D97-AF65-F5344CB8AC3E}">
-        <p14:creationId xmlns:p14="http://schemas.microsoft.com/office/powerpoint/2010/main" val="3338945851"/>
+        <p14:creationId xmlns:p14="http://schemas.microsoft.com/office/powerpoint/2010/main" xmlns="" val="3338945851"/>
       </p:ext>
     </p:extLst>
   </p:cSld>
@@ -4127,7 +4151,7 @@
     </a:clrScheme>
     <a:fontScheme name="Office">
       <a:majorFont>
-        <a:latin typeface="Calibri Light" panose="020F0302020204030204"/>
+        <a:latin typeface="Calibri Light"/>
         <a:ea typeface=""/>
         <a:cs typeface=""/>
         <a:font script="Jpan" typeface="游ゴシック Light"/>
@@ -4179,7 +4203,7 @@
         <a:font script="Tfng" typeface="Ebrima"/>
       </a:majorFont>
       <a:minorFont>
-        <a:latin typeface="Calibri" panose="020F0502020204030204"/>
+        <a:latin typeface="Calibri"/>
         <a:ea typeface=""/>
         <a:cs typeface=""/>
         <a:font script="Jpan" typeface="游ゴシック"/>
@@ -4373,7 +4397,7 @@
   <a:extraClrSchemeLst/>
   <a:extLst>
     <a:ext uri="{05A4C25C-085E-4340-85A3-A5531E510DB2}">
-      <thm15:themeFamily xmlns:thm15="http://schemas.microsoft.com/office/thememl/2012/main" name="Office Theme" id="{62F939B6-93AF-4DB8-9C6B-D6C7DFDC589F}" vid="{4A3C46E8-61CC-4603-A589-7422A47A8E4A}"/>
+      <thm15:themeFamily xmlns:thm15="http://schemas.microsoft.com/office/thememl/2012/main" xmlns="" name="Office Theme" id="{62F939B6-93AF-4DB8-9C6B-D6C7DFDC589F}" vid="{4A3C46E8-61CC-4603-A589-7422A47A8E4A}"/>
     </a:ext>
   </a:extLst>
 </a:theme>

--- a/docs/diagrams/UndoRedoNewCommand3StateListDiagram.pptx
+++ b/docs/diagrams/UndoRedoNewCommand3StateListDiagram.pptx
@@ -106,7 +106,7 @@
   </p:defaultTextStyle>
   <p:extLst>
     <p:ext uri="{EFAFB233-063F-42B5-8137-9DF3F51BA10A}">
-      <p15:sldGuideLst xmlns:p15="http://schemas.microsoft.com/office/powerpoint/2012/main"/>
+      <p15:sldGuideLst xmlns:p15="http://schemas.microsoft.com/office/powerpoint/2012/main" xmlns=""/>
     </p:ext>
   </p:extLst>
 </p:presentation>
@@ -138,7 +138,7 @@
           <p:cNvPr id="2" name="Title 1">
             <a:extLst>
               <a:ext uri="{FF2B5EF4-FFF2-40B4-BE49-F238E27FC236}">
-                <a16:creationId xmlns:a16="http://schemas.microsoft.com/office/drawing/2014/main" id="{39FCC519-EE2E-4054-A653-93D611E0133E}"/>
+                <a16:creationId xmlns:a16="http://schemas.microsoft.com/office/drawing/2014/main" xmlns="" id="{39FCC519-EE2E-4054-A653-93D611E0133E}"/>
               </a:ext>
             </a:extLst>
           </p:cNvPr>
@@ -176,7 +176,7 @@
           <p:cNvPr id="3" name="Subtitle 2">
             <a:extLst>
               <a:ext uri="{FF2B5EF4-FFF2-40B4-BE49-F238E27FC236}">
-                <a16:creationId xmlns:a16="http://schemas.microsoft.com/office/drawing/2014/main" id="{3EDEA74E-4030-4F69-A055-4C6319EEEC29}"/>
+                <a16:creationId xmlns:a16="http://schemas.microsoft.com/office/drawing/2014/main" xmlns="" id="{3EDEA74E-4030-4F69-A055-4C6319EEEC29}"/>
               </a:ext>
             </a:extLst>
           </p:cNvPr>
@@ -247,7 +247,7 @@
           <p:cNvPr id="4" name="Date Placeholder 3">
             <a:extLst>
               <a:ext uri="{FF2B5EF4-FFF2-40B4-BE49-F238E27FC236}">
-                <a16:creationId xmlns:a16="http://schemas.microsoft.com/office/drawing/2014/main" id="{E5CC99E3-37A6-4485-B9A2-AF27A72608C6}"/>
+                <a16:creationId xmlns:a16="http://schemas.microsoft.com/office/drawing/2014/main" xmlns="" id="{E5CC99E3-37A6-4485-B9A2-AF27A72608C6}"/>
               </a:ext>
             </a:extLst>
           </p:cNvPr>
@@ -265,7 +265,7 @@
           <a:p>
             <a:fld id="{03EC4E3E-8101-482F-A883-8B55DAFF7C07}" type="datetimeFigureOut">
               <a:rPr lang="en-SG" smtClean="0"/>
-              <a:t>6/7/2018</a:t>
+              <a:t>1/4/2019</a:t>
             </a:fld>
             <a:endParaRPr lang="en-SG"/>
           </a:p>
@@ -276,7 +276,7 @@
           <p:cNvPr id="5" name="Footer Placeholder 4">
             <a:extLst>
               <a:ext uri="{FF2B5EF4-FFF2-40B4-BE49-F238E27FC236}">
-                <a16:creationId xmlns:a16="http://schemas.microsoft.com/office/drawing/2014/main" id="{D75BD546-D949-4A25-8EA4-47DF23229409}"/>
+                <a16:creationId xmlns:a16="http://schemas.microsoft.com/office/drawing/2014/main" xmlns="" id="{D75BD546-D949-4A25-8EA4-47DF23229409}"/>
               </a:ext>
             </a:extLst>
           </p:cNvPr>
@@ -301,7 +301,7 @@
           <p:cNvPr id="6" name="Slide Number Placeholder 5">
             <a:extLst>
               <a:ext uri="{FF2B5EF4-FFF2-40B4-BE49-F238E27FC236}">
-                <a16:creationId xmlns:a16="http://schemas.microsoft.com/office/drawing/2014/main" id="{68147391-4DF6-4ACF-BCE9-C1A9DAC803E3}"/>
+                <a16:creationId xmlns:a16="http://schemas.microsoft.com/office/drawing/2014/main" xmlns="" id="{68147391-4DF6-4ACF-BCE9-C1A9DAC803E3}"/>
               </a:ext>
             </a:extLst>
           </p:cNvPr>
@@ -360,7 +360,7 @@
           <p:cNvPr id="2" name="Title 1">
             <a:extLst>
               <a:ext uri="{FF2B5EF4-FFF2-40B4-BE49-F238E27FC236}">
-                <a16:creationId xmlns:a16="http://schemas.microsoft.com/office/drawing/2014/main" id="{251D3DFE-0C62-45F5-B1BF-FD1F194ED112}"/>
+                <a16:creationId xmlns:a16="http://schemas.microsoft.com/office/drawing/2014/main" xmlns="" id="{251D3DFE-0C62-45F5-B1BF-FD1F194ED112}"/>
               </a:ext>
             </a:extLst>
           </p:cNvPr>
@@ -389,7 +389,7 @@
           <p:cNvPr id="3" name="Vertical Text Placeholder 2">
             <a:extLst>
               <a:ext uri="{FF2B5EF4-FFF2-40B4-BE49-F238E27FC236}">
-                <a16:creationId xmlns:a16="http://schemas.microsoft.com/office/drawing/2014/main" id="{D2392762-3586-4B6D-A174-2D3ACF0A125B}"/>
+                <a16:creationId xmlns:a16="http://schemas.microsoft.com/office/drawing/2014/main" xmlns="" id="{D2392762-3586-4B6D-A174-2D3ACF0A125B}"/>
               </a:ext>
             </a:extLst>
           </p:cNvPr>
@@ -447,7 +447,7 @@
           <p:cNvPr id="4" name="Date Placeholder 3">
             <a:extLst>
               <a:ext uri="{FF2B5EF4-FFF2-40B4-BE49-F238E27FC236}">
-                <a16:creationId xmlns:a16="http://schemas.microsoft.com/office/drawing/2014/main" id="{73B232E7-84FB-4535-9FC1-1BEF8F17421F}"/>
+                <a16:creationId xmlns:a16="http://schemas.microsoft.com/office/drawing/2014/main" xmlns="" id="{73B232E7-84FB-4535-9FC1-1BEF8F17421F}"/>
               </a:ext>
             </a:extLst>
           </p:cNvPr>
@@ -465,7 +465,7 @@
           <a:p>
             <a:fld id="{03EC4E3E-8101-482F-A883-8B55DAFF7C07}" type="datetimeFigureOut">
               <a:rPr lang="en-SG" smtClean="0"/>
-              <a:t>6/7/2018</a:t>
+              <a:t>1/4/2019</a:t>
             </a:fld>
             <a:endParaRPr lang="en-SG"/>
           </a:p>
@@ -476,7 +476,7 @@
           <p:cNvPr id="5" name="Footer Placeholder 4">
             <a:extLst>
               <a:ext uri="{FF2B5EF4-FFF2-40B4-BE49-F238E27FC236}">
-                <a16:creationId xmlns:a16="http://schemas.microsoft.com/office/drawing/2014/main" id="{76F796EF-04EF-401A-AC84-F7BDBC99DE80}"/>
+                <a16:creationId xmlns:a16="http://schemas.microsoft.com/office/drawing/2014/main" xmlns="" id="{76F796EF-04EF-401A-AC84-F7BDBC99DE80}"/>
               </a:ext>
             </a:extLst>
           </p:cNvPr>
@@ -501,7 +501,7 @@
           <p:cNvPr id="6" name="Slide Number Placeholder 5">
             <a:extLst>
               <a:ext uri="{FF2B5EF4-FFF2-40B4-BE49-F238E27FC236}">
-                <a16:creationId xmlns:a16="http://schemas.microsoft.com/office/drawing/2014/main" id="{8F55F009-0A64-4649-A732-4AA6D619F1F3}"/>
+                <a16:creationId xmlns:a16="http://schemas.microsoft.com/office/drawing/2014/main" xmlns="" id="{8F55F009-0A64-4649-A732-4AA6D619F1F3}"/>
               </a:ext>
             </a:extLst>
           </p:cNvPr>
@@ -560,7 +560,7 @@
           <p:cNvPr id="2" name="Vertical Title 1">
             <a:extLst>
               <a:ext uri="{FF2B5EF4-FFF2-40B4-BE49-F238E27FC236}">
-                <a16:creationId xmlns:a16="http://schemas.microsoft.com/office/drawing/2014/main" id="{F7DE9595-D7A8-4E19-B4C6-E295F978F6A4}"/>
+                <a16:creationId xmlns:a16="http://schemas.microsoft.com/office/drawing/2014/main" xmlns="" id="{F7DE9595-D7A8-4E19-B4C6-E295F978F6A4}"/>
               </a:ext>
             </a:extLst>
           </p:cNvPr>
@@ -594,7 +594,7 @@
           <p:cNvPr id="3" name="Vertical Text Placeholder 2">
             <a:extLst>
               <a:ext uri="{FF2B5EF4-FFF2-40B4-BE49-F238E27FC236}">
-                <a16:creationId xmlns:a16="http://schemas.microsoft.com/office/drawing/2014/main" id="{0D2975B7-7A6D-40EA-B2F6-338022AD2BF1}"/>
+                <a16:creationId xmlns:a16="http://schemas.microsoft.com/office/drawing/2014/main" xmlns="" id="{0D2975B7-7A6D-40EA-B2F6-338022AD2BF1}"/>
               </a:ext>
             </a:extLst>
           </p:cNvPr>
@@ -657,7 +657,7 @@
           <p:cNvPr id="4" name="Date Placeholder 3">
             <a:extLst>
               <a:ext uri="{FF2B5EF4-FFF2-40B4-BE49-F238E27FC236}">
-                <a16:creationId xmlns:a16="http://schemas.microsoft.com/office/drawing/2014/main" id="{C8230AC3-1BED-4D2B-96D3-51C50E14A9E6}"/>
+                <a16:creationId xmlns:a16="http://schemas.microsoft.com/office/drawing/2014/main" xmlns="" id="{C8230AC3-1BED-4D2B-96D3-51C50E14A9E6}"/>
               </a:ext>
             </a:extLst>
           </p:cNvPr>
@@ -675,7 +675,7 @@
           <a:p>
             <a:fld id="{03EC4E3E-8101-482F-A883-8B55DAFF7C07}" type="datetimeFigureOut">
               <a:rPr lang="en-SG" smtClean="0"/>
-              <a:t>6/7/2018</a:t>
+              <a:t>1/4/2019</a:t>
             </a:fld>
             <a:endParaRPr lang="en-SG"/>
           </a:p>
@@ -686,7 +686,7 @@
           <p:cNvPr id="5" name="Footer Placeholder 4">
             <a:extLst>
               <a:ext uri="{FF2B5EF4-FFF2-40B4-BE49-F238E27FC236}">
-                <a16:creationId xmlns:a16="http://schemas.microsoft.com/office/drawing/2014/main" id="{4AD6CA96-231A-43AD-B530-7C509651DE3B}"/>
+                <a16:creationId xmlns:a16="http://schemas.microsoft.com/office/drawing/2014/main" xmlns="" id="{4AD6CA96-231A-43AD-B530-7C509651DE3B}"/>
               </a:ext>
             </a:extLst>
           </p:cNvPr>
@@ -711,7 +711,7 @@
           <p:cNvPr id="6" name="Slide Number Placeholder 5">
             <a:extLst>
               <a:ext uri="{FF2B5EF4-FFF2-40B4-BE49-F238E27FC236}">
-                <a16:creationId xmlns:a16="http://schemas.microsoft.com/office/drawing/2014/main" id="{12063E3B-180A-454E-A661-6CCD48D7062C}"/>
+                <a16:creationId xmlns:a16="http://schemas.microsoft.com/office/drawing/2014/main" xmlns="" id="{12063E3B-180A-454E-A661-6CCD48D7062C}"/>
               </a:ext>
             </a:extLst>
           </p:cNvPr>
@@ -770,7 +770,7 @@
           <p:cNvPr id="2" name="Title 1">
             <a:extLst>
               <a:ext uri="{FF2B5EF4-FFF2-40B4-BE49-F238E27FC236}">
-                <a16:creationId xmlns:a16="http://schemas.microsoft.com/office/drawing/2014/main" id="{7E861C8D-BAF0-4DD9-92B9-591B272791CA}"/>
+                <a16:creationId xmlns:a16="http://schemas.microsoft.com/office/drawing/2014/main" xmlns="" id="{7E861C8D-BAF0-4DD9-92B9-591B272791CA}"/>
               </a:ext>
             </a:extLst>
           </p:cNvPr>
@@ -799,7 +799,7 @@
           <p:cNvPr id="3" name="Content Placeholder 2">
             <a:extLst>
               <a:ext uri="{FF2B5EF4-FFF2-40B4-BE49-F238E27FC236}">
-                <a16:creationId xmlns:a16="http://schemas.microsoft.com/office/drawing/2014/main" id="{534DA4BD-1D78-446B-B79F-C1229642DDEB}"/>
+                <a16:creationId xmlns:a16="http://schemas.microsoft.com/office/drawing/2014/main" xmlns="" id="{534DA4BD-1D78-446B-B79F-C1229642DDEB}"/>
               </a:ext>
             </a:extLst>
           </p:cNvPr>
@@ -857,7 +857,7 @@
           <p:cNvPr id="4" name="Date Placeholder 3">
             <a:extLst>
               <a:ext uri="{FF2B5EF4-FFF2-40B4-BE49-F238E27FC236}">
-                <a16:creationId xmlns:a16="http://schemas.microsoft.com/office/drawing/2014/main" id="{AD6BEDB5-7B62-4953-BECB-7F7F3E909CAC}"/>
+                <a16:creationId xmlns:a16="http://schemas.microsoft.com/office/drawing/2014/main" xmlns="" id="{AD6BEDB5-7B62-4953-BECB-7F7F3E909CAC}"/>
               </a:ext>
             </a:extLst>
           </p:cNvPr>
@@ -875,7 +875,7 @@
           <a:p>
             <a:fld id="{03EC4E3E-8101-482F-A883-8B55DAFF7C07}" type="datetimeFigureOut">
               <a:rPr lang="en-SG" smtClean="0"/>
-              <a:t>6/7/2018</a:t>
+              <a:t>1/4/2019</a:t>
             </a:fld>
             <a:endParaRPr lang="en-SG"/>
           </a:p>
@@ -886,7 +886,7 @@
           <p:cNvPr id="5" name="Footer Placeholder 4">
             <a:extLst>
               <a:ext uri="{FF2B5EF4-FFF2-40B4-BE49-F238E27FC236}">
-                <a16:creationId xmlns:a16="http://schemas.microsoft.com/office/drawing/2014/main" id="{349CD732-2DD1-42BE-8480-5C6507018294}"/>
+                <a16:creationId xmlns:a16="http://schemas.microsoft.com/office/drawing/2014/main" xmlns="" id="{349CD732-2DD1-42BE-8480-5C6507018294}"/>
               </a:ext>
             </a:extLst>
           </p:cNvPr>
@@ -911,7 +911,7 @@
           <p:cNvPr id="6" name="Slide Number Placeholder 5">
             <a:extLst>
               <a:ext uri="{FF2B5EF4-FFF2-40B4-BE49-F238E27FC236}">
-                <a16:creationId xmlns:a16="http://schemas.microsoft.com/office/drawing/2014/main" id="{574C27E0-F36A-4438-9402-C2CB0377D92D}"/>
+                <a16:creationId xmlns:a16="http://schemas.microsoft.com/office/drawing/2014/main" xmlns="" id="{574C27E0-F36A-4438-9402-C2CB0377D92D}"/>
               </a:ext>
             </a:extLst>
           </p:cNvPr>
@@ -970,7 +970,7 @@
           <p:cNvPr id="2" name="Title 1">
             <a:extLst>
               <a:ext uri="{FF2B5EF4-FFF2-40B4-BE49-F238E27FC236}">
-                <a16:creationId xmlns:a16="http://schemas.microsoft.com/office/drawing/2014/main" id="{80A42FFA-8A45-40F8-9C5C-9906971B38AB}"/>
+                <a16:creationId xmlns:a16="http://schemas.microsoft.com/office/drawing/2014/main" xmlns="" id="{80A42FFA-8A45-40F8-9C5C-9906971B38AB}"/>
               </a:ext>
             </a:extLst>
           </p:cNvPr>
@@ -1008,7 +1008,7 @@
           <p:cNvPr id="3" name="Text Placeholder 2">
             <a:extLst>
               <a:ext uri="{FF2B5EF4-FFF2-40B4-BE49-F238E27FC236}">
-                <a16:creationId xmlns:a16="http://schemas.microsoft.com/office/drawing/2014/main" id="{7D8879A7-8225-4473-B738-B780B6224EC5}"/>
+                <a16:creationId xmlns:a16="http://schemas.microsoft.com/office/drawing/2014/main" xmlns="" id="{7D8879A7-8225-4473-B738-B780B6224EC5}"/>
               </a:ext>
             </a:extLst>
           </p:cNvPr>
@@ -1133,7 +1133,7 @@
           <p:cNvPr id="4" name="Date Placeholder 3">
             <a:extLst>
               <a:ext uri="{FF2B5EF4-FFF2-40B4-BE49-F238E27FC236}">
-                <a16:creationId xmlns:a16="http://schemas.microsoft.com/office/drawing/2014/main" id="{6CF7978C-FE65-4091-9152-E33029C12AEA}"/>
+                <a16:creationId xmlns:a16="http://schemas.microsoft.com/office/drawing/2014/main" xmlns="" id="{6CF7978C-FE65-4091-9152-E33029C12AEA}"/>
               </a:ext>
             </a:extLst>
           </p:cNvPr>
@@ -1151,7 +1151,7 @@
           <a:p>
             <a:fld id="{03EC4E3E-8101-482F-A883-8B55DAFF7C07}" type="datetimeFigureOut">
               <a:rPr lang="en-SG" smtClean="0"/>
-              <a:t>6/7/2018</a:t>
+              <a:t>1/4/2019</a:t>
             </a:fld>
             <a:endParaRPr lang="en-SG"/>
           </a:p>
@@ -1162,7 +1162,7 @@
           <p:cNvPr id="5" name="Footer Placeholder 4">
             <a:extLst>
               <a:ext uri="{FF2B5EF4-FFF2-40B4-BE49-F238E27FC236}">
-                <a16:creationId xmlns:a16="http://schemas.microsoft.com/office/drawing/2014/main" id="{B344C9CC-480F-4DCB-AC70-D7A4CCA0B8B7}"/>
+                <a16:creationId xmlns:a16="http://schemas.microsoft.com/office/drawing/2014/main" xmlns="" id="{B344C9CC-480F-4DCB-AC70-D7A4CCA0B8B7}"/>
               </a:ext>
             </a:extLst>
           </p:cNvPr>
@@ -1187,7 +1187,7 @@
           <p:cNvPr id="6" name="Slide Number Placeholder 5">
             <a:extLst>
               <a:ext uri="{FF2B5EF4-FFF2-40B4-BE49-F238E27FC236}">
-                <a16:creationId xmlns:a16="http://schemas.microsoft.com/office/drawing/2014/main" id="{8F5A07EC-843A-4ED9-8F1C-AD703CA36D58}"/>
+                <a16:creationId xmlns:a16="http://schemas.microsoft.com/office/drawing/2014/main" xmlns="" id="{8F5A07EC-843A-4ED9-8F1C-AD703CA36D58}"/>
               </a:ext>
             </a:extLst>
           </p:cNvPr>
@@ -1246,7 +1246,7 @@
           <p:cNvPr id="2" name="Title 1">
             <a:extLst>
               <a:ext uri="{FF2B5EF4-FFF2-40B4-BE49-F238E27FC236}">
-                <a16:creationId xmlns:a16="http://schemas.microsoft.com/office/drawing/2014/main" id="{056EE2DA-07D9-4774-A8CA-0CA247F8C72A}"/>
+                <a16:creationId xmlns:a16="http://schemas.microsoft.com/office/drawing/2014/main" xmlns="" id="{056EE2DA-07D9-4774-A8CA-0CA247F8C72A}"/>
               </a:ext>
             </a:extLst>
           </p:cNvPr>
@@ -1275,7 +1275,7 @@
           <p:cNvPr id="3" name="Content Placeholder 2">
             <a:extLst>
               <a:ext uri="{FF2B5EF4-FFF2-40B4-BE49-F238E27FC236}">
-                <a16:creationId xmlns:a16="http://schemas.microsoft.com/office/drawing/2014/main" id="{3CF93A59-4E25-4FFA-8796-AA06EF3E5C3E}"/>
+                <a16:creationId xmlns:a16="http://schemas.microsoft.com/office/drawing/2014/main" xmlns="" id="{3CF93A59-4E25-4FFA-8796-AA06EF3E5C3E}"/>
               </a:ext>
             </a:extLst>
           </p:cNvPr>
@@ -1338,7 +1338,7 @@
           <p:cNvPr id="4" name="Content Placeholder 3">
             <a:extLst>
               <a:ext uri="{FF2B5EF4-FFF2-40B4-BE49-F238E27FC236}">
-                <a16:creationId xmlns:a16="http://schemas.microsoft.com/office/drawing/2014/main" id="{81373B10-E346-4893-AFEE-65E014405E2D}"/>
+                <a16:creationId xmlns:a16="http://schemas.microsoft.com/office/drawing/2014/main" xmlns="" id="{81373B10-E346-4893-AFEE-65E014405E2D}"/>
               </a:ext>
             </a:extLst>
           </p:cNvPr>
@@ -1401,7 +1401,7 @@
           <p:cNvPr id="5" name="Date Placeholder 4">
             <a:extLst>
               <a:ext uri="{FF2B5EF4-FFF2-40B4-BE49-F238E27FC236}">
-                <a16:creationId xmlns:a16="http://schemas.microsoft.com/office/drawing/2014/main" id="{D9C411A1-6D64-4C63-A758-5D2FEE677F45}"/>
+                <a16:creationId xmlns:a16="http://schemas.microsoft.com/office/drawing/2014/main" xmlns="" id="{D9C411A1-6D64-4C63-A758-5D2FEE677F45}"/>
               </a:ext>
             </a:extLst>
           </p:cNvPr>
@@ -1419,7 +1419,7 @@
           <a:p>
             <a:fld id="{03EC4E3E-8101-482F-A883-8B55DAFF7C07}" type="datetimeFigureOut">
               <a:rPr lang="en-SG" smtClean="0"/>
-              <a:t>6/7/2018</a:t>
+              <a:t>1/4/2019</a:t>
             </a:fld>
             <a:endParaRPr lang="en-SG"/>
           </a:p>
@@ -1430,7 +1430,7 @@
           <p:cNvPr id="6" name="Footer Placeholder 5">
             <a:extLst>
               <a:ext uri="{FF2B5EF4-FFF2-40B4-BE49-F238E27FC236}">
-                <a16:creationId xmlns:a16="http://schemas.microsoft.com/office/drawing/2014/main" id="{8D9C2E46-644C-4155-A697-764A7A0AB1F4}"/>
+                <a16:creationId xmlns:a16="http://schemas.microsoft.com/office/drawing/2014/main" xmlns="" id="{8D9C2E46-644C-4155-A697-764A7A0AB1F4}"/>
               </a:ext>
             </a:extLst>
           </p:cNvPr>
@@ -1455,7 +1455,7 @@
           <p:cNvPr id="7" name="Slide Number Placeholder 6">
             <a:extLst>
               <a:ext uri="{FF2B5EF4-FFF2-40B4-BE49-F238E27FC236}">
-                <a16:creationId xmlns:a16="http://schemas.microsoft.com/office/drawing/2014/main" id="{6192DEDD-6479-45E4-B1F5-6EDD41BBB103}"/>
+                <a16:creationId xmlns:a16="http://schemas.microsoft.com/office/drawing/2014/main" xmlns="" id="{6192DEDD-6479-45E4-B1F5-6EDD41BBB103}"/>
               </a:ext>
             </a:extLst>
           </p:cNvPr>
@@ -1514,7 +1514,7 @@
           <p:cNvPr id="2" name="Title 1">
             <a:extLst>
               <a:ext uri="{FF2B5EF4-FFF2-40B4-BE49-F238E27FC236}">
-                <a16:creationId xmlns:a16="http://schemas.microsoft.com/office/drawing/2014/main" id="{DC0ED888-63EF-4CC0-8500-9C8DB672FEC2}"/>
+                <a16:creationId xmlns:a16="http://schemas.microsoft.com/office/drawing/2014/main" xmlns="" id="{DC0ED888-63EF-4CC0-8500-9C8DB672FEC2}"/>
               </a:ext>
             </a:extLst>
           </p:cNvPr>
@@ -1548,7 +1548,7 @@
           <p:cNvPr id="3" name="Text Placeholder 2">
             <a:extLst>
               <a:ext uri="{FF2B5EF4-FFF2-40B4-BE49-F238E27FC236}">
-                <a16:creationId xmlns:a16="http://schemas.microsoft.com/office/drawing/2014/main" id="{3C33BC1E-FB79-4906-A967-9C7046C6D272}"/>
+                <a16:creationId xmlns:a16="http://schemas.microsoft.com/office/drawing/2014/main" xmlns="" id="{3C33BC1E-FB79-4906-A967-9C7046C6D272}"/>
               </a:ext>
             </a:extLst>
           </p:cNvPr>
@@ -1619,7 +1619,7 @@
           <p:cNvPr id="4" name="Content Placeholder 3">
             <a:extLst>
               <a:ext uri="{FF2B5EF4-FFF2-40B4-BE49-F238E27FC236}">
-                <a16:creationId xmlns:a16="http://schemas.microsoft.com/office/drawing/2014/main" id="{697A4EC6-1C42-4BA4-8108-32579276C17B}"/>
+                <a16:creationId xmlns:a16="http://schemas.microsoft.com/office/drawing/2014/main" xmlns="" id="{697A4EC6-1C42-4BA4-8108-32579276C17B}"/>
               </a:ext>
             </a:extLst>
           </p:cNvPr>
@@ -1682,7 +1682,7 @@
           <p:cNvPr id="5" name="Text Placeholder 4">
             <a:extLst>
               <a:ext uri="{FF2B5EF4-FFF2-40B4-BE49-F238E27FC236}">
-                <a16:creationId xmlns:a16="http://schemas.microsoft.com/office/drawing/2014/main" id="{8A2CA209-B9F5-4E1E-B302-74CC2D4CFDFB}"/>
+                <a16:creationId xmlns:a16="http://schemas.microsoft.com/office/drawing/2014/main" xmlns="" id="{8A2CA209-B9F5-4E1E-B302-74CC2D4CFDFB}"/>
               </a:ext>
             </a:extLst>
           </p:cNvPr>
@@ -1753,7 +1753,7 @@
           <p:cNvPr id="6" name="Content Placeholder 5">
             <a:extLst>
               <a:ext uri="{FF2B5EF4-FFF2-40B4-BE49-F238E27FC236}">
-                <a16:creationId xmlns:a16="http://schemas.microsoft.com/office/drawing/2014/main" id="{0E6E876D-DC4D-40EE-BA38-CD01089602CF}"/>
+                <a16:creationId xmlns:a16="http://schemas.microsoft.com/office/drawing/2014/main" xmlns="" id="{0E6E876D-DC4D-40EE-BA38-CD01089602CF}"/>
               </a:ext>
             </a:extLst>
           </p:cNvPr>
@@ -1816,7 +1816,7 @@
           <p:cNvPr id="7" name="Date Placeholder 6">
             <a:extLst>
               <a:ext uri="{FF2B5EF4-FFF2-40B4-BE49-F238E27FC236}">
-                <a16:creationId xmlns:a16="http://schemas.microsoft.com/office/drawing/2014/main" id="{F24E1D97-8B3C-41A1-B0BA-BA833AD8BC7C}"/>
+                <a16:creationId xmlns:a16="http://schemas.microsoft.com/office/drawing/2014/main" xmlns="" id="{F24E1D97-8B3C-41A1-B0BA-BA833AD8BC7C}"/>
               </a:ext>
             </a:extLst>
           </p:cNvPr>
@@ -1834,7 +1834,7 @@
           <a:p>
             <a:fld id="{03EC4E3E-8101-482F-A883-8B55DAFF7C07}" type="datetimeFigureOut">
               <a:rPr lang="en-SG" smtClean="0"/>
-              <a:t>6/7/2018</a:t>
+              <a:t>1/4/2019</a:t>
             </a:fld>
             <a:endParaRPr lang="en-SG"/>
           </a:p>
@@ -1845,7 +1845,7 @@
           <p:cNvPr id="8" name="Footer Placeholder 7">
             <a:extLst>
               <a:ext uri="{FF2B5EF4-FFF2-40B4-BE49-F238E27FC236}">
-                <a16:creationId xmlns:a16="http://schemas.microsoft.com/office/drawing/2014/main" id="{FC358D8F-B7DA-4DCE-AC8F-706450EEC0DC}"/>
+                <a16:creationId xmlns:a16="http://schemas.microsoft.com/office/drawing/2014/main" xmlns="" id="{FC358D8F-B7DA-4DCE-AC8F-706450EEC0DC}"/>
               </a:ext>
             </a:extLst>
           </p:cNvPr>
@@ -1870,7 +1870,7 @@
           <p:cNvPr id="9" name="Slide Number Placeholder 8">
             <a:extLst>
               <a:ext uri="{FF2B5EF4-FFF2-40B4-BE49-F238E27FC236}">
-                <a16:creationId xmlns:a16="http://schemas.microsoft.com/office/drawing/2014/main" id="{40CE354E-2C73-4B6F-8AEB-14D1378A77E1}"/>
+                <a16:creationId xmlns:a16="http://schemas.microsoft.com/office/drawing/2014/main" xmlns="" id="{40CE354E-2C73-4B6F-8AEB-14D1378A77E1}"/>
               </a:ext>
             </a:extLst>
           </p:cNvPr>
@@ -1929,7 +1929,7 @@
           <p:cNvPr id="2" name="Title 1">
             <a:extLst>
               <a:ext uri="{FF2B5EF4-FFF2-40B4-BE49-F238E27FC236}">
-                <a16:creationId xmlns:a16="http://schemas.microsoft.com/office/drawing/2014/main" id="{17D9D381-288C-43FB-86C2-AAA4FCFD43FD}"/>
+                <a16:creationId xmlns:a16="http://schemas.microsoft.com/office/drawing/2014/main" xmlns="" id="{17D9D381-288C-43FB-86C2-AAA4FCFD43FD}"/>
               </a:ext>
             </a:extLst>
           </p:cNvPr>
@@ -1958,7 +1958,7 @@
           <p:cNvPr id="3" name="Date Placeholder 2">
             <a:extLst>
               <a:ext uri="{FF2B5EF4-FFF2-40B4-BE49-F238E27FC236}">
-                <a16:creationId xmlns:a16="http://schemas.microsoft.com/office/drawing/2014/main" id="{A85D75E5-4830-4F75-8132-91122609F925}"/>
+                <a16:creationId xmlns:a16="http://schemas.microsoft.com/office/drawing/2014/main" xmlns="" id="{A85D75E5-4830-4F75-8132-91122609F925}"/>
               </a:ext>
             </a:extLst>
           </p:cNvPr>
@@ -1976,7 +1976,7 @@
           <a:p>
             <a:fld id="{03EC4E3E-8101-482F-A883-8B55DAFF7C07}" type="datetimeFigureOut">
               <a:rPr lang="en-SG" smtClean="0"/>
-              <a:t>6/7/2018</a:t>
+              <a:t>1/4/2019</a:t>
             </a:fld>
             <a:endParaRPr lang="en-SG"/>
           </a:p>
@@ -1987,7 +1987,7 @@
           <p:cNvPr id="4" name="Footer Placeholder 3">
             <a:extLst>
               <a:ext uri="{FF2B5EF4-FFF2-40B4-BE49-F238E27FC236}">
-                <a16:creationId xmlns:a16="http://schemas.microsoft.com/office/drawing/2014/main" id="{0C14A42C-834F-43EA-8053-84D5A665CEE7}"/>
+                <a16:creationId xmlns:a16="http://schemas.microsoft.com/office/drawing/2014/main" xmlns="" id="{0C14A42C-834F-43EA-8053-84D5A665CEE7}"/>
               </a:ext>
             </a:extLst>
           </p:cNvPr>
@@ -2012,7 +2012,7 @@
           <p:cNvPr id="5" name="Slide Number Placeholder 4">
             <a:extLst>
               <a:ext uri="{FF2B5EF4-FFF2-40B4-BE49-F238E27FC236}">
-                <a16:creationId xmlns:a16="http://schemas.microsoft.com/office/drawing/2014/main" id="{38C1E789-CDA9-48FF-A7BA-F21E31600226}"/>
+                <a16:creationId xmlns:a16="http://schemas.microsoft.com/office/drawing/2014/main" xmlns="" id="{38C1E789-CDA9-48FF-A7BA-F21E31600226}"/>
               </a:ext>
             </a:extLst>
           </p:cNvPr>
@@ -2071,7 +2071,7 @@
           <p:cNvPr id="2" name="Date Placeholder 1">
             <a:extLst>
               <a:ext uri="{FF2B5EF4-FFF2-40B4-BE49-F238E27FC236}">
-                <a16:creationId xmlns:a16="http://schemas.microsoft.com/office/drawing/2014/main" id="{21A40ECD-0ABD-4F35-B481-512A01FC643D}"/>
+                <a16:creationId xmlns:a16="http://schemas.microsoft.com/office/drawing/2014/main" xmlns="" id="{21A40ECD-0ABD-4F35-B481-512A01FC643D}"/>
               </a:ext>
             </a:extLst>
           </p:cNvPr>
@@ -2089,7 +2089,7 @@
           <a:p>
             <a:fld id="{03EC4E3E-8101-482F-A883-8B55DAFF7C07}" type="datetimeFigureOut">
               <a:rPr lang="en-SG" smtClean="0"/>
-              <a:t>6/7/2018</a:t>
+              <a:t>1/4/2019</a:t>
             </a:fld>
             <a:endParaRPr lang="en-SG"/>
           </a:p>
@@ -2100,7 +2100,7 @@
           <p:cNvPr id="3" name="Footer Placeholder 2">
             <a:extLst>
               <a:ext uri="{FF2B5EF4-FFF2-40B4-BE49-F238E27FC236}">
-                <a16:creationId xmlns:a16="http://schemas.microsoft.com/office/drawing/2014/main" id="{D44B8F11-A412-4FA6-9070-B9C742F699F3}"/>
+                <a16:creationId xmlns:a16="http://schemas.microsoft.com/office/drawing/2014/main" xmlns="" id="{D44B8F11-A412-4FA6-9070-B9C742F699F3}"/>
               </a:ext>
             </a:extLst>
           </p:cNvPr>
@@ -2125,7 +2125,7 @@
           <p:cNvPr id="4" name="Slide Number Placeholder 3">
             <a:extLst>
               <a:ext uri="{FF2B5EF4-FFF2-40B4-BE49-F238E27FC236}">
-                <a16:creationId xmlns:a16="http://schemas.microsoft.com/office/drawing/2014/main" id="{E3EA086A-DA0B-4378-A128-F213644ECB0C}"/>
+                <a16:creationId xmlns:a16="http://schemas.microsoft.com/office/drawing/2014/main" xmlns="" id="{E3EA086A-DA0B-4378-A128-F213644ECB0C}"/>
               </a:ext>
             </a:extLst>
           </p:cNvPr>
@@ -2184,7 +2184,7 @@
           <p:cNvPr id="2" name="Title 1">
             <a:extLst>
               <a:ext uri="{FF2B5EF4-FFF2-40B4-BE49-F238E27FC236}">
-                <a16:creationId xmlns:a16="http://schemas.microsoft.com/office/drawing/2014/main" id="{765D165A-D423-4E89-A075-D59A9FB59792}"/>
+                <a16:creationId xmlns:a16="http://schemas.microsoft.com/office/drawing/2014/main" xmlns="" id="{765D165A-D423-4E89-A075-D59A9FB59792}"/>
               </a:ext>
             </a:extLst>
           </p:cNvPr>
@@ -2222,7 +2222,7 @@
           <p:cNvPr id="3" name="Content Placeholder 2">
             <a:extLst>
               <a:ext uri="{FF2B5EF4-FFF2-40B4-BE49-F238E27FC236}">
-                <a16:creationId xmlns:a16="http://schemas.microsoft.com/office/drawing/2014/main" id="{77C2A5CC-2876-49CA-993D-F4F73FC9D2B0}"/>
+                <a16:creationId xmlns:a16="http://schemas.microsoft.com/office/drawing/2014/main" xmlns="" id="{77C2A5CC-2876-49CA-993D-F4F73FC9D2B0}"/>
               </a:ext>
             </a:extLst>
           </p:cNvPr>
@@ -2313,7 +2313,7 @@
           <p:cNvPr id="4" name="Text Placeholder 3">
             <a:extLst>
               <a:ext uri="{FF2B5EF4-FFF2-40B4-BE49-F238E27FC236}">
-                <a16:creationId xmlns:a16="http://schemas.microsoft.com/office/drawing/2014/main" id="{7B4DE2E8-CCF6-4E88-A858-05A04CD0D736}"/>
+                <a16:creationId xmlns:a16="http://schemas.microsoft.com/office/drawing/2014/main" xmlns="" id="{7B4DE2E8-CCF6-4E88-A858-05A04CD0D736}"/>
               </a:ext>
             </a:extLst>
           </p:cNvPr>
@@ -2384,7 +2384,7 @@
           <p:cNvPr id="5" name="Date Placeholder 4">
             <a:extLst>
               <a:ext uri="{FF2B5EF4-FFF2-40B4-BE49-F238E27FC236}">
-                <a16:creationId xmlns:a16="http://schemas.microsoft.com/office/drawing/2014/main" id="{CAEBEC1E-DE48-4B55-A846-F8248E381145}"/>
+                <a16:creationId xmlns:a16="http://schemas.microsoft.com/office/drawing/2014/main" xmlns="" id="{CAEBEC1E-DE48-4B55-A846-F8248E381145}"/>
               </a:ext>
             </a:extLst>
           </p:cNvPr>
@@ -2402,7 +2402,7 @@
           <a:p>
             <a:fld id="{03EC4E3E-8101-482F-A883-8B55DAFF7C07}" type="datetimeFigureOut">
               <a:rPr lang="en-SG" smtClean="0"/>
-              <a:t>6/7/2018</a:t>
+              <a:t>1/4/2019</a:t>
             </a:fld>
             <a:endParaRPr lang="en-SG"/>
           </a:p>
@@ -2413,7 +2413,7 @@
           <p:cNvPr id="6" name="Footer Placeholder 5">
             <a:extLst>
               <a:ext uri="{FF2B5EF4-FFF2-40B4-BE49-F238E27FC236}">
-                <a16:creationId xmlns:a16="http://schemas.microsoft.com/office/drawing/2014/main" id="{945A6E8B-6BC2-49E9-B4E5-DAD3F7A1A1BF}"/>
+                <a16:creationId xmlns:a16="http://schemas.microsoft.com/office/drawing/2014/main" xmlns="" id="{945A6E8B-6BC2-49E9-B4E5-DAD3F7A1A1BF}"/>
               </a:ext>
             </a:extLst>
           </p:cNvPr>
@@ -2438,7 +2438,7 @@
           <p:cNvPr id="7" name="Slide Number Placeholder 6">
             <a:extLst>
               <a:ext uri="{FF2B5EF4-FFF2-40B4-BE49-F238E27FC236}">
-                <a16:creationId xmlns:a16="http://schemas.microsoft.com/office/drawing/2014/main" id="{E5CF739B-EDF0-43CE-A87E-C49F040C85A5}"/>
+                <a16:creationId xmlns:a16="http://schemas.microsoft.com/office/drawing/2014/main" xmlns="" id="{E5CF739B-EDF0-43CE-A87E-C49F040C85A5}"/>
               </a:ext>
             </a:extLst>
           </p:cNvPr>
@@ -2497,7 +2497,7 @@
           <p:cNvPr id="2" name="Title 1">
             <a:extLst>
               <a:ext uri="{FF2B5EF4-FFF2-40B4-BE49-F238E27FC236}">
-                <a16:creationId xmlns:a16="http://schemas.microsoft.com/office/drawing/2014/main" id="{0091F49F-E849-4834-84DB-61CF2F2652D4}"/>
+                <a16:creationId xmlns:a16="http://schemas.microsoft.com/office/drawing/2014/main" xmlns="" id="{0091F49F-E849-4834-84DB-61CF2F2652D4}"/>
               </a:ext>
             </a:extLst>
           </p:cNvPr>
@@ -2535,7 +2535,7 @@
           <p:cNvPr id="3" name="Picture Placeholder 2">
             <a:extLst>
               <a:ext uri="{FF2B5EF4-FFF2-40B4-BE49-F238E27FC236}">
-                <a16:creationId xmlns:a16="http://schemas.microsoft.com/office/drawing/2014/main" id="{631D62A9-3420-4F1C-9EB9-09EF85106E78}"/>
+                <a16:creationId xmlns:a16="http://schemas.microsoft.com/office/drawing/2014/main" xmlns="" id="{631D62A9-3420-4F1C-9EB9-09EF85106E78}"/>
               </a:ext>
             </a:extLst>
           </p:cNvPr>
@@ -2602,7 +2602,7 @@
           <p:cNvPr id="4" name="Text Placeholder 3">
             <a:extLst>
               <a:ext uri="{FF2B5EF4-FFF2-40B4-BE49-F238E27FC236}">
-                <a16:creationId xmlns:a16="http://schemas.microsoft.com/office/drawing/2014/main" id="{E450EC8D-D7F4-45FC-AD8C-2E198A32CCA2}"/>
+                <a16:creationId xmlns:a16="http://schemas.microsoft.com/office/drawing/2014/main" xmlns="" id="{E450EC8D-D7F4-45FC-AD8C-2E198A32CCA2}"/>
               </a:ext>
             </a:extLst>
           </p:cNvPr>
@@ -2673,7 +2673,7 @@
           <p:cNvPr id="5" name="Date Placeholder 4">
             <a:extLst>
               <a:ext uri="{FF2B5EF4-FFF2-40B4-BE49-F238E27FC236}">
-                <a16:creationId xmlns:a16="http://schemas.microsoft.com/office/drawing/2014/main" id="{7A73D668-ABF4-41FE-958C-542EEDC5F6CC}"/>
+                <a16:creationId xmlns:a16="http://schemas.microsoft.com/office/drawing/2014/main" xmlns="" id="{7A73D668-ABF4-41FE-958C-542EEDC5F6CC}"/>
               </a:ext>
             </a:extLst>
           </p:cNvPr>
@@ -2691,7 +2691,7 @@
           <a:p>
             <a:fld id="{03EC4E3E-8101-482F-A883-8B55DAFF7C07}" type="datetimeFigureOut">
               <a:rPr lang="en-SG" smtClean="0"/>
-              <a:t>6/7/2018</a:t>
+              <a:t>1/4/2019</a:t>
             </a:fld>
             <a:endParaRPr lang="en-SG"/>
           </a:p>
@@ -2702,7 +2702,7 @@
           <p:cNvPr id="6" name="Footer Placeholder 5">
             <a:extLst>
               <a:ext uri="{FF2B5EF4-FFF2-40B4-BE49-F238E27FC236}">
-                <a16:creationId xmlns:a16="http://schemas.microsoft.com/office/drawing/2014/main" id="{F4A83B1C-93E7-4D32-9D1B-3F37403B1ACD}"/>
+                <a16:creationId xmlns:a16="http://schemas.microsoft.com/office/drawing/2014/main" xmlns="" id="{F4A83B1C-93E7-4D32-9D1B-3F37403B1ACD}"/>
               </a:ext>
             </a:extLst>
           </p:cNvPr>
@@ -2727,7 +2727,7 @@
           <p:cNvPr id="7" name="Slide Number Placeholder 6">
             <a:extLst>
               <a:ext uri="{FF2B5EF4-FFF2-40B4-BE49-F238E27FC236}">
-                <a16:creationId xmlns:a16="http://schemas.microsoft.com/office/drawing/2014/main" id="{C6AF73BE-F17B-487B-943B-28655BB51C92}"/>
+                <a16:creationId xmlns:a16="http://schemas.microsoft.com/office/drawing/2014/main" xmlns="" id="{C6AF73BE-F17B-487B-943B-28655BB51C92}"/>
               </a:ext>
             </a:extLst>
           </p:cNvPr>
@@ -2791,7 +2791,7 @@
           <p:cNvPr id="2" name="Title Placeholder 1">
             <a:extLst>
               <a:ext uri="{FF2B5EF4-FFF2-40B4-BE49-F238E27FC236}">
-                <a16:creationId xmlns:a16="http://schemas.microsoft.com/office/drawing/2014/main" id="{96F7127E-5F47-4B37-9FDB-695AB14D9551}"/>
+                <a16:creationId xmlns:a16="http://schemas.microsoft.com/office/drawing/2014/main" xmlns="" id="{96F7127E-5F47-4B37-9FDB-695AB14D9551}"/>
               </a:ext>
             </a:extLst>
           </p:cNvPr>
@@ -2830,7 +2830,7 @@
           <p:cNvPr id="3" name="Text Placeholder 2">
             <a:extLst>
               <a:ext uri="{FF2B5EF4-FFF2-40B4-BE49-F238E27FC236}">
-                <a16:creationId xmlns:a16="http://schemas.microsoft.com/office/drawing/2014/main" id="{3BD20F0F-B303-4EE3-AF17-E303EA90B1A3}"/>
+                <a16:creationId xmlns:a16="http://schemas.microsoft.com/office/drawing/2014/main" xmlns="" id="{3BD20F0F-B303-4EE3-AF17-E303EA90B1A3}"/>
               </a:ext>
             </a:extLst>
           </p:cNvPr>
@@ -2898,7 +2898,7 @@
           <p:cNvPr id="4" name="Date Placeholder 3">
             <a:extLst>
               <a:ext uri="{FF2B5EF4-FFF2-40B4-BE49-F238E27FC236}">
-                <a16:creationId xmlns:a16="http://schemas.microsoft.com/office/drawing/2014/main" id="{7927ADFB-0C7F-4333-A456-815FAB4B0315}"/>
+                <a16:creationId xmlns:a16="http://schemas.microsoft.com/office/drawing/2014/main" xmlns="" id="{7927ADFB-0C7F-4333-A456-815FAB4B0315}"/>
               </a:ext>
             </a:extLst>
           </p:cNvPr>
@@ -2934,7 +2934,7 @@
           <a:p>
             <a:fld id="{03EC4E3E-8101-482F-A883-8B55DAFF7C07}" type="datetimeFigureOut">
               <a:rPr lang="en-SG" smtClean="0"/>
-              <a:t>6/7/2018</a:t>
+              <a:t>1/4/2019</a:t>
             </a:fld>
             <a:endParaRPr lang="en-SG"/>
           </a:p>
@@ -2945,7 +2945,7 @@
           <p:cNvPr id="5" name="Footer Placeholder 4">
             <a:extLst>
               <a:ext uri="{FF2B5EF4-FFF2-40B4-BE49-F238E27FC236}">
-                <a16:creationId xmlns:a16="http://schemas.microsoft.com/office/drawing/2014/main" id="{A1992B28-8397-4C93-A277-5EE43A537825}"/>
+                <a16:creationId xmlns:a16="http://schemas.microsoft.com/office/drawing/2014/main" xmlns="" id="{A1992B28-8397-4C93-A277-5EE43A537825}"/>
               </a:ext>
             </a:extLst>
           </p:cNvPr>
@@ -2988,7 +2988,7 @@
           <p:cNvPr id="6" name="Slide Number Placeholder 5">
             <a:extLst>
               <a:ext uri="{FF2B5EF4-FFF2-40B4-BE49-F238E27FC236}">
-                <a16:creationId xmlns:a16="http://schemas.microsoft.com/office/drawing/2014/main" id="{D7231209-A74B-4134-87D0-421AB81BBB47}"/>
+                <a16:creationId xmlns:a16="http://schemas.microsoft.com/office/drawing/2014/main" xmlns="" id="{D7231209-A74B-4134-87D0-421AB81BBB47}"/>
               </a:ext>
             </a:extLst>
           </p:cNvPr>
@@ -3359,7 +3359,7 @@
         </p:nvSpPr>
         <p:spPr>
           <a:xfrm>
-            <a:off x="5194316" y="2149099"/>
+            <a:off x="4549894" y="2149099"/>
             <a:ext cx="1330472" cy="1562676"/>
           </a:xfrm>
           <a:prstGeom prst="downArrow">
@@ -3400,7 +3400,7 @@
           <p:cNvPr id="16" name="TextBox 15">
             <a:extLst>
               <a:ext uri="{FF2B5EF4-FFF2-40B4-BE49-F238E27FC236}">
-                <a16:creationId xmlns:a16="http://schemas.microsoft.com/office/drawing/2014/main" id="{3151A13B-9509-43FA-BFEB-1D9866A00B84}"/>
+                <a16:creationId xmlns:a16="http://schemas.microsoft.com/office/drawing/2014/main" xmlns="" id="{3151A13B-9509-43FA-BFEB-1D9866A00B84}"/>
               </a:ext>
             </a:extLst>
           </p:cNvPr>
@@ -3409,7 +3409,7 @@
         </p:nvSpPr>
         <p:spPr>
           <a:xfrm>
-            <a:off x="1844917" y="2745771"/>
+            <a:off x="1145670" y="2741156"/>
             <a:ext cx="3207000" cy="369332"/>
           </a:xfrm>
           <a:prstGeom prst="rect">
@@ -3444,7 +3444,7 @@
           <p:cNvPr id="17" name="Table 16">
             <a:extLst>
               <a:ext uri="{FF2B5EF4-FFF2-40B4-BE49-F238E27FC236}">
-                <a16:creationId xmlns:a16="http://schemas.microsoft.com/office/drawing/2014/main" id="{F545FAB8-F1CE-4886-9BDE-E772BCB0A9C4}"/>
+                <a16:creationId xmlns:a16="http://schemas.microsoft.com/office/drawing/2014/main" xmlns="" id="{F545FAB8-F1CE-4886-9BDE-E772BCB0A9C4}"/>
               </a:ext>
             </a:extLst>
           </p:cNvPr>
@@ -3454,14 +3454,14 @@
           <p:nvPr>
             <p:extLst>
               <p:ext uri="{D42A27DB-BD31-4B8C-83A1-F6EECF244321}">
-                <p14:modId xmlns:p14="http://schemas.microsoft.com/office/powerpoint/2010/main" val="2776987765"/>
+                <p14:modId xmlns:p14="http://schemas.microsoft.com/office/powerpoint/2010/main" val="1405637517"/>
               </p:ext>
             </p:extLst>
           </p:nvPr>
         </p:nvGraphicFramePr>
         <p:xfrm>
           <a:off x="473240" y="1476102"/>
-          <a:ext cx="1825597" cy="417888"/>
+          <a:ext cx="1371677" cy="417888"/>
         </p:xfrm>
         <a:graphic>
           <a:graphicData uri="http://schemas.openxmlformats.org/drawingml/2006/table">
@@ -3470,10 +3470,10 @@
                 <a:tableStyleId>{638B1855-1B75-4FBE-930C-398BA8C253C6}</a:tableStyleId>
               </a:tblPr>
               <a:tblGrid>
-                <a:gridCol w="1825597">
+                <a:gridCol w="1371677">
                   <a:extLst>
                     <a:ext uri="{9D8B030D-6E8A-4147-A177-3AD203B41FA5}">
-                      <a16:colId xmlns:a16="http://schemas.microsoft.com/office/drawing/2014/main" val="4240773277"/>
+                      <a16:colId xmlns:a16="http://schemas.microsoft.com/office/drawing/2014/main" xmlns="" val="4240773277"/>
                     </a:ext>
                   </a:extLst>
                 </a:gridCol>
@@ -3485,12 +3485,12 @@
                     <a:lstStyle/>
                     <a:p>
                       <a:r>
-                        <a:rPr lang="en-SG" u="sng" dirty="0"/>
-                        <a:t>ab0:</a:t>
+                        <a:rPr lang="en-SG" u="sng" dirty="0" smtClean="0"/>
+                        <a:t>td0:</a:t>
                       </a:r>
                       <a:r>
-                        <a:rPr lang="en-SG" sz="1800" u="sng" dirty="0"/>
-                        <a:t>AddressBook</a:t>
+                        <a:rPr lang="en-SG" sz="1800" u="sng" dirty="0" smtClean="0"/>
+                        <a:t>TopDeck</a:t>
                       </a:r>
                       <a:endParaRPr lang="en-SG" sz="1600" u="sng" dirty="0"/>
                     </a:p>
@@ -3499,7 +3499,7 @@
                 </a:tc>
                 <a:extLst>
                   <a:ext uri="{0D108BD9-81ED-4DB2-BD59-A6C34878D82A}">
-                    <a16:rowId xmlns:a16="http://schemas.microsoft.com/office/drawing/2014/main" val="2194462629"/>
+                    <a16:rowId xmlns:a16="http://schemas.microsoft.com/office/drawing/2014/main" xmlns="" val="2194462629"/>
                   </a:ext>
                 </a:extLst>
               </a:tr>
@@ -3558,7 +3558,7 @@
           <p:cNvPr id="21" name="TextBox 20">
             <a:extLst>
               <a:ext uri="{FF2B5EF4-FFF2-40B4-BE49-F238E27FC236}">
-                <a16:creationId xmlns:a16="http://schemas.microsoft.com/office/drawing/2014/main" id="{3151A13B-9509-43FA-BFEB-1D9866A00B84}"/>
+                <a16:creationId xmlns:a16="http://schemas.microsoft.com/office/drawing/2014/main" xmlns="" id="{3151A13B-9509-43FA-BFEB-1D9866A00B84}"/>
               </a:ext>
             </a:extLst>
           </p:cNvPr>
@@ -3567,7 +3567,7 @@
         </p:nvSpPr>
         <p:spPr>
           <a:xfrm>
-            <a:off x="1844917" y="5180749"/>
+            <a:off x="1262211" y="5203635"/>
             <a:ext cx="3207000" cy="369332"/>
           </a:xfrm>
           <a:prstGeom prst="rect">
@@ -3648,7 +3648,7 @@
           <p:cNvPr id="15" name="Table 14">
             <a:extLst>
               <a:ext uri="{FF2B5EF4-FFF2-40B4-BE49-F238E27FC236}">
-                <a16:creationId xmlns:a16="http://schemas.microsoft.com/office/drawing/2014/main" id="{F545FAB8-F1CE-4886-9BDE-E772BCB0A9C4}"/>
+                <a16:creationId xmlns:a16="http://schemas.microsoft.com/office/drawing/2014/main" xmlns="" id="{F545FAB8-F1CE-4886-9BDE-E772BCB0A9C4}"/>
               </a:ext>
             </a:extLst>
           </p:cNvPr>
@@ -3658,14 +3658,14 @@
           <p:nvPr>
             <p:extLst>
               <p:ext uri="{D42A27DB-BD31-4B8C-83A1-F6EECF244321}">
-                <p14:modId xmlns:p14="http://schemas.microsoft.com/office/powerpoint/2010/main" val="1878903007"/>
+                <p14:modId xmlns:p14="http://schemas.microsoft.com/office/powerpoint/2010/main" val="2658830755"/>
               </p:ext>
             </p:extLst>
           </p:nvPr>
         </p:nvGraphicFramePr>
         <p:xfrm>
-          <a:off x="4423446" y="1476102"/>
-          <a:ext cx="1825597" cy="417888"/>
+          <a:off x="3448417" y="1476102"/>
+          <a:ext cx="1374595" cy="417888"/>
         </p:xfrm>
         <a:graphic>
           <a:graphicData uri="http://schemas.openxmlformats.org/drawingml/2006/table">
@@ -3674,10 +3674,10 @@
                 <a:tableStyleId>{638B1855-1B75-4FBE-930C-398BA8C253C6}</a:tableStyleId>
               </a:tblPr>
               <a:tblGrid>
-                <a:gridCol w="1825597">
+                <a:gridCol w="1374595">
                   <a:extLst>
                     <a:ext uri="{9D8B030D-6E8A-4147-A177-3AD203B41FA5}">
-                      <a16:colId xmlns:a16="http://schemas.microsoft.com/office/drawing/2014/main" val="4240773277"/>
+                      <a16:colId xmlns:a16="http://schemas.microsoft.com/office/drawing/2014/main" xmlns="" val="4240773277"/>
                     </a:ext>
                   </a:extLst>
                 </a:gridCol>
@@ -3689,12 +3689,12 @@
                     <a:lstStyle/>
                     <a:p>
                       <a:r>
-                        <a:rPr lang="en-SG" u="sng" dirty="0"/>
-                        <a:t>ab2:</a:t>
+                        <a:rPr lang="en-SG" u="sng" dirty="0" smtClean="0"/>
+                        <a:t>td2:</a:t>
                       </a:r>
                       <a:r>
-                        <a:rPr lang="en-SG" sz="1800" u="sng" dirty="0"/>
-                        <a:t>AddressBook</a:t>
+                        <a:rPr lang="en-SG" sz="1800" u="sng" dirty="0" smtClean="0"/>
+                        <a:t>TopDeck</a:t>
                       </a:r>
                       <a:endParaRPr lang="en-SG" sz="1600" u="sng" dirty="0"/>
                     </a:p>
@@ -3703,7 +3703,7 @@
                 </a:tc>
                 <a:extLst>
                   <a:ext uri="{0D108BD9-81ED-4DB2-BD59-A6C34878D82A}">
-                    <a16:rowId xmlns:a16="http://schemas.microsoft.com/office/drawing/2014/main" val="2194462629"/>
+                    <a16:rowId xmlns:a16="http://schemas.microsoft.com/office/drawing/2014/main" xmlns="" val="2194462629"/>
                   </a:ext>
                 </a:extLst>
               </a:tr>
@@ -3716,7 +3716,7 @@
           <p:cNvPr id="28" name="Table 27">
             <a:extLst>
               <a:ext uri="{FF2B5EF4-FFF2-40B4-BE49-F238E27FC236}">
-                <a16:creationId xmlns:a16="http://schemas.microsoft.com/office/drawing/2014/main" id="{F545FAB8-F1CE-4886-9BDE-E772BCB0A9C4}"/>
+                <a16:creationId xmlns:a16="http://schemas.microsoft.com/office/drawing/2014/main" xmlns="" id="{F545FAB8-F1CE-4886-9BDE-E772BCB0A9C4}"/>
               </a:ext>
             </a:extLst>
           </p:cNvPr>
@@ -3726,14 +3726,14 @@
           <p:nvPr>
             <p:extLst>
               <p:ext uri="{D42A27DB-BD31-4B8C-83A1-F6EECF244321}">
-                <p14:modId xmlns:p14="http://schemas.microsoft.com/office/powerpoint/2010/main" val="547626409"/>
+                <p14:modId xmlns:p14="http://schemas.microsoft.com/office/powerpoint/2010/main" val="4112810212"/>
               </p:ext>
             </p:extLst>
           </p:nvPr>
         </p:nvGraphicFramePr>
         <p:xfrm>
-          <a:off x="2448342" y="1476102"/>
-          <a:ext cx="1825597" cy="417888"/>
+          <a:off x="1958688" y="1476102"/>
+          <a:ext cx="1343729" cy="417888"/>
         </p:xfrm>
         <a:graphic>
           <a:graphicData uri="http://schemas.openxmlformats.org/drawingml/2006/table">
@@ -3742,10 +3742,10 @@
                 <a:tableStyleId>{638B1855-1B75-4FBE-930C-398BA8C253C6}</a:tableStyleId>
               </a:tblPr>
               <a:tblGrid>
-                <a:gridCol w="1825597">
+                <a:gridCol w="1343729">
                   <a:extLst>
                     <a:ext uri="{9D8B030D-6E8A-4147-A177-3AD203B41FA5}">
-                      <a16:colId xmlns:a16="http://schemas.microsoft.com/office/drawing/2014/main" val="4240773277"/>
+                      <a16:colId xmlns:a16="http://schemas.microsoft.com/office/drawing/2014/main" xmlns="" val="4240773277"/>
                     </a:ext>
                   </a:extLst>
                 </a:gridCol>
@@ -3757,12 +3757,12 @@
                     <a:lstStyle/>
                     <a:p>
                       <a:r>
-                        <a:rPr lang="en-SG" u="sng" dirty="0"/>
-                        <a:t>ab1:</a:t>
+                        <a:rPr lang="en-SG" u="sng" dirty="0" smtClean="0"/>
+                        <a:t>td1:</a:t>
                       </a:r>
                       <a:r>
-                        <a:rPr lang="en-SG" sz="1800" u="sng" dirty="0"/>
-                        <a:t>AddressBook</a:t>
+                        <a:rPr lang="en-SG" sz="1800" u="sng" dirty="0" smtClean="0"/>
+                        <a:t>TopDeck</a:t>
                       </a:r>
                       <a:endParaRPr lang="en-SG" sz="1600" u="sng" dirty="0"/>
                     </a:p>
@@ -3771,7 +3771,7 @@
                 </a:tc>
                 <a:extLst>
                   <a:ext uri="{0D108BD9-81ED-4DB2-BD59-A6C34878D82A}">
-                    <a16:rowId xmlns:a16="http://schemas.microsoft.com/office/drawing/2014/main" val="2194462629"/>
+                    <a16:rowId xmlns:a16="http://schemas.microsoft.com/office/drawing/2014/main" xmlns="" val="2194462629"/>
                   </a:ext>
                 </a:extLst>
               </a:tr>
@@ -3784,7 +3784,7 @@
           <p:cNvPr id="29" name="Table 28">
             <a:extLst>
               <a:ext uri="{FF2B5EF4-FFF2-40B4-BE49-F238E27FC236}">
-                <a16:creationId xmlns:a16="http://schemas.microsoft.com/office/drawing/2014/main" id="{F545FAB8-F1CE-4886-9BDE-E772BCB0A9C4}"/>
+                <a16:creationId xmlns:a16="http://schemas.microsoft.com/office/drawing/2014/main" xmlns="" id="{F545FAB8-F1CE-4886-9BDE-E772BCB0A9C4}"/>
               </a:ext>
             </a:extLst>
           </p:cNvPr>
@@ -3794,14 +3794,14 @@
           <p:nvPr>
             <p:extLst>
               <p:ext uri="{D42A27DB-BD31-4B8C-83A1-F6EECF244321}">
-                <p14:modId xmlns:p14="http://schemas.microsoft.com/office/powerpoint/2010/main" val="1824208515"/>
+                <p14:modId xmlns:p14="http://schemas.microsoft.com/office/powerpoint/2010/main" val="944293989"/>
               </p:ext>
             </p:extLst>
           </p:nvPr>
         </p:nvGraphicFramePr>
         <p:xfrm>
           <a:off x="473239" y="3926589"/>
-          <a:ext cx="1825597" cy="417888"/>
+          <a:ext cx="1391420" cy="417888"/>
         </p:xfrm>
         <a:graphic>
           <a:graphicData uri="http://schemas.openxmlformats.org/drawingml/2006/table">
@@ -3810,10 +3810,10 @@
                 <a:tableStyleId>{638B1855-1B75-4FBE-930C-398BA8C253C6}</a:tableStyleId>
               </a:tblPr>
               <a:tblGrid>
-                <a:gridCol w="1825597">
+                <a:gridCol w="1391420">
                   <a:extLst>
                     <a:ext uri="{9D8B030D-6E8A-4147-A177-3AD203B41FA5}">
-                      <a16:colId xmlns:a16="http://schemas.microsoft.com/office/drawing/2014/main" val="4240773277"/>
+                      <a16:colId xmlns:a16="http://schemas.microsoft.com/office/drawing/2014/main" xmlns="" val="4240773277"/>
                     </a:ext>
                   </a:extLst>
                 </a:gridCol>
@@ -3825,12 +3825,12 @@
                     <a:lstStyle/>
                     <a:p>
                       <a:r>
-                        <a:rPr lang="en-SG" u="sng" dirty="0"/>
-                        <a:t>ab0:</a:t>
+                        <a:rPr lang="en-SG" u="sng" dirty="0" smtClean="0"/>
+                        <a:t>td0:</a:t>
                       </a:r>
                       <a:r>
-                        <a:rPr lang="en-SG" sz="1800" u="sng" dirty="0"/>
-                        <a:t>AddressBook</a:t>
+                        <a:rPr lang="en-SG" sz="1800" u="sng" dirty="0" smtClean="0"/>
+                        <a:t>TopDeck</a:t>
                       </a:r>
                       <a:endParaRPr lang="en-SG" sz="1600" u="sng" dirty="0"/>
                     </a:p>
@@ -3839,7 +3839,7 @@
                 </a:tc>
                 <a:extLst>
                   <a:ext uri="{0D108BD9-81ED-4DB2-BD59-A6C34878D82A}">
-                    <a16:rowId xmlns:a16="http://schemas.microsoft.com/office/drawing/2014/main" val="2194462629"/>
+                    <a16:rowId xmlns:a16="http://schemas.microsoft.com/office/drawing/2014/main" xmlns="" val="2194462629"/>
                   </a:ext>
                 </a:extLst>
               </a:tr>
@@ -3852,7 +3852,7 @@
           <p:cNvPr id="30" name="Table 29">
             <a:extLst>
               <a:ext uri="{FF2B5EF4-FFF2-40B4-BE49-F238E27FC236}">
-                <a16:creationId xmlns:a16="http://schemas.microsoft.com/office/drawing/2014/main" id="{F545FAB8-F1CE-4886-9BDE-E772BCB0A9C4}"/>
+                <a16:creationId xmlns:a16="http://schemas.microsoft.com/office/drawing/2014/main" xmlns="" id="{F545FAB8-F1CE-4886-9BDE-E772BCB0A9C4}"/>
               </a:ext>
             </a:extLst>
           </p:cNvPr>
@@ -3862,14 +3862,14 @@
           <p:nvPr>
             <p:extLst>
               <p:ext uri="{D42A27DB-BD31-4B8C-83A1-F6EECF244321}">
-                <p14:modId xmlns:p14="http://schemas.microsoft.com/office/powerpoint/2010/main" val="1414922247"/>
+                <p14:modId xmlns:p14="http://schemas.microsoft.com/office/powerpoint/2010/main" val="3561799547"/>
               </p:ext>
             </p:extLst>
           </p:nvPr>
         </p:nvGraphicFramePr>
         <p:xfrm>
-          <a:off x="4423446" y="3926589"/>
-          <a:ext cx="1825597" cy="417888"/>
+          <a:off x="3448418" y="3926589"/>
+          <a:ext cx="1410454" cy="417888"/>
         </p:xfrm>
         <a:graphic>
           <a:graphicData uri="http://schemas.openxmlformats.org/drawingml/2006/table">
@@ -3878,10 +3878,10 @@
                 <a:tableStyleId>{638B1855-1B75-4FBE-930C-398BA8C253C6}</a:tableStyleId>
               </a:tblPr>
               <a:tblGrid>
-                <a:gridCol w="1825597">
+                <a:gridCol w="1410454">
                   <a:extLst>
                     <a:ext uri="{9D8B030D-6E8A-4147-A177-3AD203B41FA5}">
-                      <a16:colId xmlns:a16="http://schemas.microsoft.com/office/drawing/2014/main" val="4240773277"/>
+                      <a16:colId xmlns:a16="http://schemas.microsoft.com/office/drawing/2014/main" xmlns="" val="4240773277"/>
                     </a:ext>
                   </a:extLst>
                 </a:gridCol>
@@ -3893,12 +3893,8 @@
                     <a:lstStyle/>
                     <a:p>
                       <a:r>
-                        <a:rPr lang="en-SG" u="sng" dirty="0"/>
-                        <a:t>ab2:</a:t>
-                      </a:r>
-                      <a:r>
-                        <a:rPr lang="en-SG" sz="1800" u="sng" dirty="0"/>
-                        <a:t>AddressBook</a:t>
+                        <a:rPr lang="en-SG" u="sng" dirty="0" smtClean="0"/>
+                        <a:t>Td2:TopDeck</a:t>
                       </a:r>
                       <a:endParaRPr lang="en-SG" sz="1600" u="sng" dirty="0"/>
                     </a:p>
@@ -3907,7 +3903,7 @@
                 </a:tc>
                 <a:extLst>
                   <a:ext uri="{0D108BD9-81ED-4DB2-BD59-A6C34878D82A}">
-                    <a16:rowId xmlns:a16="http://schemas.microsoft.com/office/drawing/2014/main" val="2194462629"/>
+                    <a16:rowId xmlns:a16="http://schemas.microsoft.com/office/drawing/2014/main" xmlns="" val="2194462629"/>
                   </a:ext>
                 </a:extLst>
               </a:tr>
@@ -3920,7 +3916,7 @@
           <p:cNvPr id="31" name="Table 30">
             <a:extLst>
               <a:ext uri="{FF2B5EF4-FFF2-40B4-BE49-F238E27FC236}">
-                <a16:creationId xmlns:a16="http://schemas.microsoft.com/office/drawing/2014/main" id="{F545FAB8-F1CE-4886-9BDE-E772BCB0A9C4}"/>
+                <a16:creationId xmlns:a16="http://schemas.microsoft.com/office/drawing/2014/main" xmlns="" id="{F545FAB8-F1CE-4886-9BDE-E772BCB0A9C4}"/>
               </a:ext>
             </a:extLst>
           </p:cNvPr>
@@ -3930,14 +3926,14 @@
           <p:nvPr>
             <p:extLst>
               <p:ext uri="{D42A27DB-BD31-4B8C-83A1-F6EECF244321}">
-                <p14:modId xmlns:p14="http://schemas.microsoft.com/office/powerpoint/2010/main" val="1703544754"/>
+                <p14:modId xmlns:p14="http://schemas.microsoft.com/office/powerpoint/2010/main" val="1248161219"/>
               </p:ext>
             </p:extLst>
           </p:nvPr>
         </p:nvGraphicFramePr>
         <p:xfrm>
-          <a:off x="2448343" y="3926589"/>
-          <a:ext cx="1825597" cy="417888"/>
+          <a:off x="1994601" y="3926589"/>
+          <a:ext cx="1379586" cy="417888"/>
         </p:xfrm>
         <a:graphic>
           <a:graphicData uri="http://schemas.openxmlformats.org/drawingml/2006/table">
@@ -3946,10 +3942,10 @@
                 <a:tableStyleId>{638B1855-1B75-4FBE-930C-398BA8C253C6}</a:tableStyleId>
               </a:tblPr>
               <a:tblGrid>
-                <a:gridCol w="1825597">
+                <a:gridCol w="1379586">
                   <a:extLst>
                     <a:ext uri="{9D8B030D-6E8A-4147-A177-3AD203B41FA5}">
-                      <a16:colId xmlns:a16="http://schemas.microsoft.com/office/drawing/2014/main" val="4240773277"/>
+                      <a16:colId xmlns:a16="http://schemas.microsoft.com/office/drawing/2014/main" xmlns="" val="4240773277"/>
                     </a:ext>
                   </a:extLst>
                 </a:gridCol>
@@ -3961,12 +3957,12 @@
                     <a:lstStyle/>
                     <a:p>
                       <a:r>
-                        <a:rPr lang="en-SG" u="sng" dirty="0"/>
-                        <a:t>ab1:</a:t>
+                        <a:rPr lang="en-SG" u="sng" dirty="0" smtClean="0"/>
+                        <a:t>td1:</a:t>
                       </a:r>
                       <a:r>
-                        <a:rPr lang="en-SG" sz="1800" u="sng" dirty="0"/>
-                        <a:t>AddressBook</a:t>
+                        <a:rPr lang="en-SG" sz="1800" u="sng" dirty="0" smtClean="0"/>
+                        <a:t>TopDeck</a:t>
                       </a:r>
                       <a:endParaRPr lang="en-SG" sz="1600" u="sng" dirty="0"/>
                     </a:p>
@@ -3975,7 +3971,7 @@
                 </a:tc>
                 <a:extLst>
                   <a:ext uri="{0D108BD9-81ED-4DB2-BD59-A6C34878D82A}">
-                    <a16:rowId xmlns:a16="http://schemas.microsoft.com/office/drawing/2014/main" val="2194462629"/>
+                    <a16:rowId xmlns:a16="http://schemas.microsoft.com/office/drawing/2014/main" xmlns="" val="2194462629"/>
                   </a:ext>
                 </a:extLst>
               </a:tr>
@@ -3988,7 +3984,7 @@
           <p:cNvPr id="18" name="Straight Arrow Connector 17">
             <a:extLst>
               <a:ext uri="{FF2B5EF4-FFF2-40B4-BE49-F238E27FC236}">
-                <a16:creationId xmlns:a16="http://schemas.microsoft.com/office/drawing/2014/main" id="{2C7E497F-B97D-46E2-8C9C-D52263C33E33}"/>
+                <a16:creationId xmlns:a16="http://schemas.microsoft.com/office/drawing/2014/main" xmlns="" id="{2C7E497F-B97D-46E2-8C9C-D52263C33E33}"/>
               </a:ext>
             </a:extLst>
           </p:cNvPr>
@@ -3999,7 +3995,7 @@
         </p:nvCxnSpPr>
         <p:spPr>
           <a:xfrm flipV="1">
-            <a:off x="3338818" y="2038898"/>
+            <a:off x="2684394" y="1994140"/>
             <a:ext cx="0" cy="706873"/>
           </a:xfrm>
           <a:prstGeom prst="straightConnector1">
@@ -4032,7 +4028,7 @@
           <p:cNvPr id="22" name="Straight Arrow Connector 21">
             <a:extLst>
               <a:ext uri="{FF2B5EF4-FFF2-40B4-BE49-F238E27FC236}">
-                <a16:creationId xmlns:a16="http://schemas.microsoft.com/office/drawing/2014/main" id="{D9B8CDF7-0D47-4F21-BF2D-957E827A9877}"/>
+                <a16:creationId xmlns:a16="http://schemas.microsoft.com/office/drawing/2014/main" xmlns="" id="{D9B8CDF7-0D47-4F21-BF2D-957E827A9877}"/>
               </a:ext>
             </a:extLst>
           </p:cNvPr>
@@ -4043,7 +4039,7 @@
         </p:nvCxnSpPr>
         <p:spPr>
           <a:xfrm flipV="1">
-            <a:off x="3302417" y="4496762"/>
+            <a:off x="2749170" y="4496762"/>
             <a:ext cx="0" cy="706873"/>
           </a:xfrm>
           <a:prstGeom prst="straightConnector1">
@@ -4373,7 +4369,7 @@
   <a:extraClrSchemeLst/>
   <a:extLst>
     <a:ext uri="{05A4C25C-085E-4340-85A3-A5531E510DB2}">
-      <thm15:themeFamily xmlns:thm15="http://schemas.microsoft.com/office/thememl/2012/main" name="Office Theme" id="{62F939B6-93AF-4DB8-9C6B-D6C7DFDC589F}" vid="{4A3C46E8-61CC-4603-A589-7422A47A8E4A}"/>
+      <thm15:themeFamily xmlns:thm15="http://schemas.microsoft.com/office/thememl/2012/main" xmlns="" name="Office Theme" id="{62F939B6-93AF-4DB8-9C6B-D6C7DFDC589F}" vid="{4A3C46E8-61CC-4603-A589-7422A47A8E4A}"/>
     </a:ext>
   </a:extLst>
 </a:theme>

--- a/docs/diagrams/UndoRedoNewCommand3StateListDiagram.pptx
+++ b/docs/diagrams/UndoRedoNewCommand3StateListDiagram.pptx
@@ -112,10 +112,6 @@
 </p:presentation>
 </file>
 
-<file path=ppt/revisionInfo.xml><?xml version="1.0" encoding="utf-8"?>
-<p1510:revInfo xmlns:a="http://schemas.openxmlformats.org/drawingml/2006/main" xmlns:r="http://schemas.openxmlformats.org/officeDocument/2006/relationships" xmlns:p1510="http://schemas.microsoft.com/office/powerpoint/2015/10/main"/>
-</file>
-
 <file path=ppt/slideLayouts/slideLayout1.xml><?xml version="1.0" encoding="utf-8"?>
 <p:sldLayout xmlns:a="http://schemas.openxmlformats.org/drawingml/2006/main" xmlns:r="http://schemas.openxmlformats.org/officeDocument/2006/relationships" xmlns:p="http://schemas.openxmlformats.org/presentationml/2006/main" type="title" preserve="1">
   <p:cSld name="Title Slide">
@@ -265,7 +261,7 @@
           <a:p>
             <a:fld id="{03EC4E3E-8101-482F-A883-8B55DAFF7C07}" type="datetimeFigureOut">
               <a:rPr lang="en-SG" smtClean="0"/>
-              <a:t>6/7/2018</a:t>
+              <a:t>1/4/2019</a:t>
             </a:fld>
             <a:endParaRPr lang="en-SG"/>
           </a:p>
@@ -465,7 +461,7 @@
           <a:p>
             <a:fld id="{03EC4E3E-8101-482F-A883-8B55DAFF7C07}" type="datetimeFigureOut">
               <a:rPr lang="en-SG" smtClean="0"/>
-              <a:t>6/7/2018</a:t>
+              <a:t>1/4/2019</a:t>
             </a:fld>
             <a:endParaRPr lang="en-SG"/>
           </a:p>
@@ -675,7 +671,7 @@
           <a:p>
             <a:fld id="{03EC4E3E-8101-482F-A883-8B55DAFF7C07}" type="datetimeFigureOut">
               <a:rPr lang="en-SG" smtClean="0"/>
-              <a:t>6/7/2018</a:t>
+              <a:t>1/4/2019</a:t>
             </a:fld>
             <a:endParaRPr lang="en-SG"/>
           </a:p>
@@ -875,7 +871,7 @@
           <a:p>
             <a:fld id="{03EC4E3E-8101-482F-A883-8B55DAFF7C07}" type="datetimeFigureOut">
               <a:rPr lang="en-SG" smtClean="0"/>
-              <a:t>6/7/2018</a:t>
+              <a:t>1/4/2019</a:t>
             </a:fld>
             <a:endParaRPr lang="en-SG"/>
           </a:p>
@@ -1151,7 +1147,7 @@
           <a:p>
             <a:fld id="{03EC4E3E-8101-482F-A883-8B55DAFF7C07}" type="datetimeFigureOut">
               <a:rPr lang="en-SG" smtClean="0"/>
-              <a:t>6/7/2018</a:t>
+              <a:t>1/4/2019</a:t>
             </a:fld>
             <a:endParaRPr lang="en-SG"/>
           </a:p>
@@ -1419,7 +1415,7 @@
           <a:p>
             <a:fld id="{03EC4E3E-8101-482F-A883-8B55DAFF7C07}" type="datetimeFigureOut">
               <a:rPr lang="en-SG" smtClean="0"/>
-              <a:t>6/7/2018</a:t>
+              <a:t>1/4/2019</a:t>
             </a:fld>
             <a:endParaRPr lang="en-SG"/>
           </a:p>
@@ -1834,7 +1830,7 @@
           <a:p>
             <a:fld id="{03EC4E3E-8101-482F-A883-8B55DAFF7C07}" type="datetimeFigureOut">
               <a:rPr lang="en-SG" smtClean="0"/>
-              <a:t>6/7/2018</a:t>
+              <a:t>1/4/2019</a:t>
             </a:fld>
             <a:endParaRPr lang="en-SG"/>
           </a:p>
@@ -1976,7 +1972,7 @@
           <a:p>
             <a:fld id="{03EC4E3E-8101-482F-A883-8B55DAFF7C07}" type="datetimeFigureOut">
               <a:rPr lang="en-SG" smtClean="0"/>
-              <a:t>6/7/2018</a:t>
+              <a:t>1/4/2019</a:t>
             </a:fld>
             <a:endParaRPr lang="en-SG"/>
           </a:p>
@@ -2089,7 +2085,7 @@
           <a:p>
             <a:fld id="{03EC4E3E-8101-482F-A883-8B55DAFF7C07}" type="datetimeFigureOut">
               <a:rPr lang="en-SG" smtClean="0"/>
-              <a:t>6/7/2018</a:t>
+              <a:t>1/4/2019</a:t>
             </a:fld>
             <a:endParaRPr lang="en-SG"/>
           </a:p>
@@ -2402,7 +2398,7 @@
           <a:p>
             <a:fld id="{03EC4E3E-8101-482F-A883-8B55DAFF7C07}" type="datetimeFigureOut">
               <a:rPr lang="en-SG" smtClean="0"/>
-              <a:t>6/7/2018</a:t>
+              <a:t>1/4/2019</a:t>
             </a:fld>
             <a:endParaRPr lang="en-SG"/>
           </a:p>
@@ -2691,7 +2687,7 @@
           <a:p>
             <a:fld id="{03EC4E3E-8101-482F-A883-8B55DAFF7C07}" type="datetimeFigureOut">
               <a:rPr lang="en-SG" smtClean="0"/>
-              <a:t>6/7/2018</a:t>
+              <a:t>1/4/2019</a:t>
             </a:fld>
             <a:endParaRPr lang="en-SG"/>
           </a:p>
@@ -2934,7 +2930,7 @@
           <a:p>
             <a:fld id="{03EC4E3E-8101-482F-A883-8B55DAFF7C07}" type="datetimeFigureOut">
               <a:rPr lang="en-SG" smtClean="0"/>
-              <a:t>6/7/2018</a:t>
+              <a:t>1/4/2019</a:t>
             </a:fld>
             <a:endParaRPr lang="en-SG"/>
           </a:p>
@@ -3439,74 +3435,6 @@
           </a:p>
         </p:txBody>
       </p:sp>
-      <p:graphicFrame>
-        <p:nvGraphicFramePr>
-          <p:cNvPr id="17" name="Table 16">
-            <a:extLst>
-              <a:ext uri="{FF2B5EF4-FFF2-40B4-BE49-F238E27FC236}">
-                <a16:creationId xmlns:a16="http://schemas.microsoft.com/office/drawing/2014/main" id="{F545FAB8-F1CE-4886-9BDE-E772BCB0A9C4}"/>
-              </a:ext>
-            </a:extLst>
-          </p:cNvPr>
-          <p:cNvGraphicFramePr>
-            <a:graphicFrameLocks noGrp="1"/>
-          </p:cNvGraphicFramePr>
-          <p:nvPr>
-            <p:extLst>
-              <p:ext uri="{D42A27DB-BD31-4B8C-83A1-F6EECF244321}">
-                <p14:modId xmlns:p14="http://schemas.microsoft.com/office/powerpoint/2010/main" val="2776987765"/>
-              </p:ext>
-            </p:extLst>
-          </p:nvPr>
-        </p:nvGraphicFramePr>
-        <p:xfrm>
-          <a:off x="473240" y="1476102"/>
-          <a:ext cx="1825597" cy="417888"/>
-        </p:xfrm>
-        <a:graphic>
-          <a:graphicData uri="http://schemas.openxmlformats.org/drawingml/2006/table">
-            <a:tbl>
-              <a:tblPr>
-                <a:tableStyleId>{638B1855-1B75-4FBE-930C-398BA8C253C6}</a:tableStyleId>
-              </a:tblPr>
-              <a:tblGrid>
-                <a:gridCol w="1825597">
-                  <a:extLst>
-                    <a:ext uri="{9D8B030D-6E8A-4147-A177-3AD203B41FA5}">
-                      <a16:colId xmlns:a16="http://schemas.microsoft.com/office/drawing/2014/main" val="4240773277"/>
-                    </a:ext>
-                  </a:extLst>
-                </a:gridCol>
-              </a:tblGrid>
-              <a:tr h="417888">
-                <a:tc>
-                  <a:txBody>
-                    <a:bodyPr/>
-                    <a:lstStyle/>
-                    <a:p>
-                      <a:r>
-                        <a:rPr lang="en-SG" u="sng" dirty="0"/>
-                        <a:t>ab0:</a:t>
-                      </a:r>
-                      <a:r>
-                        <a:rPr lang="en-SG" sz="1800" u="sng" dirty="0"/>
-                        <a:t>AddressBook</a:t>
-                      </a:r>
-                      <a:endParaRPr lang="en-SG" sz="1600" u="sng" dirty="0"/>
-                    </a:p>
-                  </a:txBody>
-                  <a:tcPr/>
-                </a:tc>
-                <a:extLst>
-                  <a:ext uri="{0D108BD9-81ED-4DB2-BD59-A6C34878D82A}">
-                    <a16:rowId xmlns:a16="http://schemas.microsoft.com/office/drawing/2014/main" val="2194462629"/>
-                  </a:ext>
-                </a:extLst>
-              </a:tr>
-            </a:tbl>
-          </a:graphicData>
-        </a:graphic>
-      </p:graphicFrame>
       <p:sp>
         <p:nvSpPr>
           <p:cNvPr id="20" name="Rectangle 19"/>
@@ -3643,346 +3571,6 @@
           </a:p>
         </p:txBody>
       </p:sp>
-      <p:graphicFrame>
-        <p:nvGraphicFramePr>
-          <p:cNvPr id="15" name="Table 14">
-            <a:extLst>
-              <a:ext uri="{FF2B5EF4-FFF2-40B4-BE49-F238E27FC236}">
-                <a16:creationId xmlns:a16="http://schemas.microsoft.com/office/drawing/2014/main" id="{F545FAB8-F1CE-4886-9BDE-E772BCB0A9C4}"/>
-              </a:ext>
-            </a:extLst>
-          </p:cNvPr>
-          <p:cNvGraphicFramePr>
-            <a:graphicFrameLocks noGrp="1"/>
-          </p:cNvGraphicFramePr>
-          <p:nvPr>
-            <p:extLst>
-              <p:ext uri="{D42A27DB-BD31-4B8C-83A1-F6EECF244321}">
-                <p14:modId xmlns:p14="http://schemas.microsoft.com/office/powerpoint/2010/main" val="1878903007"/>
-              </p:ext>
-            </p:extLst>
-          </p:nvPr>
-        </p:nvGraphicFramePr>
-        <p:xfrm>
-          <a:off x="4423446" y="1476102"/>
-          <a:ext cx="1825597" cy="417888"/>
-        </p:xfrm>
-        <a:graphic>
-          <a:graphicData uri="http://schemas.openxmlformats.org/drawingml/2006/table">
-            <a:tbl>
-              <a:tblPr>
-                <a:tableStyleId>{638B1855-1B75-4FBE-930C-398BA8C253C6}</a:tableStyleId>
-              </a:tblPr>
-              <a:tblGrid>
-                <a:gridCol w="1825597">
-                  <a:extLst>
-                    <a:ext uri="{9D8B030D-6E8A-4147-A177-3AD203B41FA5}">
-                      <a16:colId xmlns:a16="http://schemas.microsoft.com/office/drawing/2014/main" val="4240773277"/>
-                    </a:ext>
-                  </a:extLst>
-                </a:gridCol>
-              </a:tblGrid>
-              <a:tr h="417888">
-                <a:tc>
-                  <a:txBody>
-                    <a:bodyPr/>
-                    <a:lstStyle/>
-                    <a:p>
-                      <a:r>
-                        <a:rPr lang="en-SG" u="sng" dirty="0"/>
-                        <a:t>ab2:</a:t>
-                      </a:r>
-                      <a:r>
-                        <a:rPr lang="en-SG" sz="1800" u="sng" dirty="0"/>
-                        <a:t>AddressBook</a:t>
-                      </a:r>
-                      <a:endParaRPr lang="en-SG" sz="1600" u="sng" dirty="0"/>
-                    </a:p>
-                  </a:txBody>
-                  <a:tcPr/>
-                </a:tc>
-                <a:extLst>
-                  <a:ext uri="{0D108BD9-81ED-4DB2-BD59-A6C34878D82A}">
-                    <a16:rowId xmlns:a16="http://schemas.microsoft.com/office/drawing/2014/main" val="2194462629"/>
-                  </a:ext>
-                </a:extLst>
-              </a:tr>
-            </a:tbl>
-          </a:graphicData>
-        </a:graphic>
-      </p:graphicFrame>
-      <p:graphicFrame>
-        <p:nvGraphicFramePr>
-          <p:cNvPr id="28" name="Table 27">
-            <a:extLst>
-              <a:ext uri="{FF2B5EF4-FFF2-40B4-BE49-F238E27FC236}">
-                <a16:creationId xmlns:a16="http://schemas.microsoft.com/office/drawing/2014/main" id="{F545FAB8-F1CE-4886-9BDE-E772BCB0A9C4}"/>
-              </a:ext>
-            </a:extLst>
-          </p:cNvPr>
-          <p:cNvGraphicFramePr>
-            <a:graphicFrameLocks noGrp="1"/>
-          </p:cNvGraphicFramePr>
-          <p:nvPr>
-            <p:extLst>
-              <p:ext uri="{D42A27DB-BD31-4B8C-83A1-F6EECF244321}">
-                <p14:modId xmlns:p14="http://schemas.microsoft.com/office/powerpoint/2010/main" val="547626409"/>
-              </p:ext>
-            </p:extLst>
-          </p:nvPr>
-        </p:nvGraphicFramePr>
-        <p:xfrm>
-          <a:off x="2448342" y="1476102"/>
-          <a:ext cx="1825597" cy="417888"/>
-        </p:xfrm>
-        <a:graphic>
-          <a:graphicData uri="http://schemas.openxmlformats.org/drawingml/2006/table">
-            <a:tbl>
-              <a:tblPr>
-                <a:tableStyleId>{638B1855-1B75-4FBE-930C-398BA8C253C6}</a:tableStyleId>
-              </a:tblPr>
-              <a:tblGrid>
-                <a:gridCol w="1825597">
-                  <a:extLst>
-                    <a:ext uri="{9D8B030D-6E8A-4147-A177-3AD203B41FA5}">
-                      <a16:colId xmlns:a16="http://schemas.microsoft.com/office/drawing/2014/main" val="4240773277"/>
-                    </a:ext>
-                  </a:extLst>
-                </a:gridCol>
-              </a:tblGrid>
-              <a:tr h="417888">
-                <a:tc>
-                  <a:txBody>
-                    <a:bodyPr/>
-                    <a:lstStyle/>
-                    <a:p>
-                      <a:r>
-                        <a:rPr lang="en-SG" u="sng" dirty="0"/>
-                        <a:t>ab1:</a:t>
-                      </a:r>
-                      <a:r>
-                        <a:rPr lang="en-SG" sz="1800" u="sng" dirty="0"/>
-                        <a:t>AddressBook</a:t>
-                      </a:r>
-                      <a:endParaRPr lang="en-SG" sz="1600" u="sng" dirty="0"/>
-                    </a:p>
-                  </a:txBody>
-                  <a:tcPr/>
-                </a:tc>
-                <a:extLst>
-                  <a:ext uri="{0D108BD9-81ED-4DB2-BD59-A6C34878D82A}">
-                    <a16:rowId xmlns:a16="http://schemas.microsoft.com/office/drawing/2014/main" val="2194462629"/>
-                  </a:ext>
-                </a:extLst>
-              </a:tr>
-            </a:tbl>
-          </a:graphicData>
-        </a:graphic>
-      </p:graphicFrame>
-      <p:graphicFrame>
-        <p:nvGraphicFramePr>
-          <p:cNvPr id="29" name="Table 28">
-            <a:extLst>
-              <a:ext uri="{FF2B5EF4-FFF2-40B4-BE49-F238E27FC236}">
-                <a16:creationId xmlns:a16="http://schemas.microsoft.com/office/drawing/2014/main" id="{F545FAB8-F1CE-4886-9BDE-E772BCB0A9C4}"/>
-              </a:ext>
-            </a:extLst>
-          </p:cNvPr>
-          <p:cNvGraphicFramePr>
-            <a:graphicFrameLocks noGrp="1"/>
-          </p:cNvGraphicFramePr>
-          <p:nvPr>
-            <p:extLst>
-              <p:ext uri="{D42A27DB-BD31-4B8C-83A1-F6EECF244321}">
-                <p14:modId xmlns:p14="http://schemas.microsoft.com/office/powerpoint/2010/main" val="1824208515"/>
-              </p:ext>
-            </p:extLst>
-          </p:nvPr>
-        </p:nvGraphicFramePr>
-        <p:xfrm>
-          <a:off x="473239" y="3926589"/>
-          <a:ext cx="1825597" cy="417888"/>
-        </p:xfrm>
-        <a:graphic>
-          <a:graphicData uri="http://schemas.openxmlformats.org/drawingml/2006/table">
-            <a:tbl>
-              <a:tblPr>
-                <a:tableStyleId>{638B1855-1B75-4FBE-930C-398BA8C253C6}</a:tableStyleId>
-              </a:tblPr>
-              <a:tblGrid>
-                <a:gridCol w="1825597">
-                  <a:extLst>
-                    <a:ext uri="{9D8B030D-6E8A-4147-A177-3AD203B41FA5}">
-                      <a16:colId xmlns:a16="http://schemas.microsoft.com/office/drawing/2014/main" val="4240773277"/>
-                    </a:ext>
-                  </a:extLst>
-                </a:gridCol>
-              </a:tblGrid>
-              <a:tr h="417888">
-                <a:tc>
-                  <a:txBody>
-                    <a:bodyPr/>
-                    <a:lstStyle/>
-                    <a:p>
-                      <a:r>
-                        <a:rPr lang="en-SG" u="sng" dirty="0"/>
-                        <a:t>ab0:</a:t>
-                      </a:r>
-                      <a:r>
-                        <a:rPr lang="en-SG" sz="1800" u="sng" dirty="0"/>
-                        <a:t>AddressBook</a:t>
-                      </a:r>
-                      <a:endParaRPr lang="en-SG" sz="1600" u="sng" dirty="0"/>
-                    </a:p>
-                  </a:txBody>
-                  <a:tcPr/>
-                </a:tc>
-                <a:extLst>
-                  <a:ext uri="{0D108BD9-81ED-4DB2-BD59-A6C34878D82A}">
-                    <a16:rowId xmlns:a16="http://schemas.microsoft.com/office/drawing/2014/main" val="2194462629"/>
-                  </a:ext>
-                </a:extLst>
-              </a:tr>
-            </a:tbl>
-          </a:graphicData>
-        </a:graphic>
-      </p:graphicFrame>
-      <p:graphicFrame>
-        <p:nvGraphicFramePr>
-          <p:cNvPr id="30" name="Table 29">
-            <a:extLst>
-              <a:ext uri="{FF2B5EF4-FFF2-40B4-BE49-F238E27FC236}">
-                <a16:creationId xmlns:a16="http://schemas.microsoft.com/office/drawing/2014/main" id="{F545FAB8-F1CE-4886-9BDE-E772BCB0A9C4}"/>
-              </a:ext>
-            </a:extLst>
-          </p:cNvPr>
-          <p:cNvGraphicFramePr>
-            <a:graphicFrameLocks noGrp="1"/>
-          </p:cNvGraphicFramePr>
-          <p:nvPr>
-            <p:extLst>
-              <p:ext uri="{D42A27DB-BD31-4B8C-83A1-F6EECF244321}">
-                <p14:modId xmlns:p14="http://schemas.microsoft.com/office/powerpoint/2010/main" val="1414922247"/>
-              </p:ext>
-            </p:extLst>
-          </p:nvPr>
-        </p:nvGraphicFramePr>
-        <p:xfrm>
-          <a:off x="4423446" y="3926589"/>
-          <a:ext cx="1825597" cy="417888"/>
-        </p:xfrm>
-        <a:graphic>
-          <a:graphicData uri="http://schemas.openxmlformats.org/drawingml/2006/table">
-            <a:tbl>
-              <a:tblPr>
-                <a:tableStyleId>{638B1855-1B75-4FBE-930C-398BA8C253C6}</a:tableStyleId>
-              </a:tblPr>
-              <a:tblGrid>
-                <a:gridCol w="1825597">
-                  <a:extLst>
-                    <a:ext uri="{9D8B030D-6E8A-4147-A177-3AD203B41FA5}">
-                      <a16:colId xmlns:a16="http://schemas.microsoft.com/office/drawing/2014/main" val="4240773277"/>
-                    </a:ext>
-                  </a:extLst>
-                </a:gridCol>
-              </a:tblGrid>
-              <a:tr h="417888">
-                <a:tc>
-                  <a:txBody>
-                    <a:bodyPr/>
-                    <a:lstStyle/>
-                    <a:p>
-                      <a:r>
-                        <a:rPr lang="en-SG" u="sng" dirty="0"/>
-                        <a:t>ab2:</a:t>
-                      </a:r>
-                      <a:r>
-                        <a:rPr lang="en-SG" sz="1800" u="sng" dirty="0"/>
-                        <a:t>AddressBook</a:t>
-                      </a:r>
-                      <a:endParaRPr lang="en-SG" sz="1600" u="sng" dirty="0"/>
-                    </a:p>
-                  </a:txBody>
-                  <a:tcPr/>
-                </a:tc>
-                <a:extLst>
-                  <a:ext uri="{0D108BD9-81ED-4DB2-BD59-A6C34878D82A}">
-                    <a16:rowId xmlns:a16="http://schemas.microsoft.com/office/drawing/2014/main" val="2194462629"/>
-                  </a:ext>
-                </a:extLst>
-              </a:tr>
-            </a:tbl>
-          </a:graphicData>
-        </a:graphic>
-      </p:graphicFrame>
-      <p:graphicFrame>
-        <p:nvGraphicFramePr>
-          <p:cNvPr id="31" name="Table 30">
-            <a:extLst>
-              <a:ext uri="{FF2B5EF4-FFF2-40B4-BE49-F238E27FC236}">
-                <a16:creationId xmlns:a16="http://schemas.microsoft.com/office/drawing/2014/main" id="{F545FAB8-F1CE-4886-9BDE-E772BCB0A9C4}"/>
-              </a:ext>
-            </a:extLst>
-          </p:cNvPr>
-          <p:cNvGraphicFramePr>
-            <a:graphicFrameLocks noGrp="1"/>
-          </p:cNvGraphicFramePr>
-          <p:nvPr>
-            <p:extLst>
-              <p:ext uri="{D42A27DB-BD31-4B8C-83A1-F6EECF244321}">
-                <p14:modId xmlns:p14="http://schemas.microsoft.com/office/powerpoint/2010/main" val="1703544754"/>
-              </p:ext>
-            </p:extLst>
-          </p:nvPr>
-        </p:nvGraphicFramePr>
-        <p:xfrm>
-          <a:off x="2448343" y="3926589"/>
-          <a:ext cx="1825597" cy="417888"/>
-        </p:xfrm>
-        <a:graphic>
-          <a:graphicData uri="http://schemas.openxmlformats.org/drawingml/2006/table">
-            <a:tbl>
-              <a:tblPr>
-                <a:tableStyleId>{638B1855-1B75-4FBE-930C-398BA8C253C6}</a:tableStyleId>
-              </a:tblPr>
-              <a:tblGrid>
-                <a:gridCol w="1825597">
-                  <a:extLst>
-                    <a:ext uri="{9D8B030D-6E8A-4147-A177-3AD203B41FA5}">
-                      <a16:colId xmlns:a16="http://schemas.microsoft.com/office/drawing/2014/main" val="4240773277"/>
-                    </a:ext>
-                  </a:extLst>
-                </a:gridCol>
-              </a:tblGrid>
-              <a:tr h="417888">
-                <a:tc>
-                  <a:txBody>
-                    <a:bodyPr/>
-                    <a:lstStyle/>
-                    <a:p>
-                      <a:r>
-                        <a:rPr lang="en-SG" u="sng" dirty="0"/>
-                        <a:t>ab1:</a:t>
-                      </a:r>
-                      <a:r>
-                        <a:rPr lang="en-SG" sz="1800" u="sng" dirty="0"/>
-                        <a:t>AddressBook</a:t>
-                      </a:r>
-                      <a:endParaRPr lang="en-SG" sz="1600" u="sng" dirty="0"/>
-                    </a:p>
-                  </a:txBody>
-                  <a:tcPr/>
-                </a:tc>
-                <a:extLst>
-                  <a:ext uri="{0D108BD9-81ED-4DB2-BD59-A6C34878D82A}">
-                    <a16:rowId xmlns:a16="http://schemas.microsoft.com/office/drawing/2014/main" val="2194462629"/>
-                  </a:ext>
-                </a:extLst>
-              </a:tr>
-            </a:tbl>
-          </a:graphicData>
-        </a:graphic>
-      </p:graphicFrame>
       <p:cxnSp>
         <p:nvCxnSpPr>
           <p:cNvPr id="18" name="Straight Arrow Connector 17">
@@ -4071,6 +3659,390 @@
           </a:fontRef>
         </p:style>
       </p:cxnSp>
+      <p:graphicFrame>
+        <p:nvGraphicFramePr>
+          <p:cNvPr id="26" name="Table 25">
+            <a:extLst>
+              <a:ext uri="{FF2B5EF4-FFF2-40B4-BE49-F238E27FC236}">
+                <a16:creationId xmlns:a16="http://schemas.microsoft.com/office/drawing/2014/main" id="{88FA0693-70DF-48C3-A6A4-806FAB8A254C}"/>
+              </a:ext>
+            </a:extLst>
+          </p:cNvPr>
+          <p:cNvGraphicFramePr>
+            <a:graphicFrameLocks noGrp="1"/>
+          </p:cNvGraphicFramePr>
+          <p:nvPr>
+            <p:extLst>
+              <p:ext uri="{D42A27DB-BD31-4B8C-83A1-F6EECF244321}">
+                <p14:modId xmlns:p14="http://schemas.microsoft.com/office/powerpoint/2010/main" val="103605305"/>
+              </p:ext>
+            </p:extLst>
+          </p:nvPr>
+        </p:nvGraphicFramePr>
+        <p:xfrm>
+          <a:off x="473239" y="1476102"/>
+          <a:ext cx="1967207" cy="417888"/>
+        </p:xfrm>
+        <a:graphic>
+          <a:graphicData uri="http://schemas.openxmlformats.org/drawingml/2006/table">
+            <a:tbl>
+              <a:tblPr>
+                <a:tableStyleId>{638B1855-1B75-4FBE-930C-398BA8C253C6}</a:tableStyleId>
+              </a:tblPr>
+              <a:tblGrid>
+                <a:gridCol w="1967207">
+                  <a:extLst>
+                    <a:ext uri="{9D8B030D-6E8A-4147-A177-3AD203B41FA5}">
+                      <a16:colId xmlns:a16="http://schemas.microsoft.com/office/drawing/2014/main" val="4240773277"/>
+                    </a:ext>
+                  </a:extLst>
+                </a:gridCol>
+              </a:tblGrid>
+              <a:tr h="417888">
+                <a:tc>
+                  <a:txBody>
+                    <a:bodyPr/>
+                    <a:lstStyle/>
+                    <a:p>
+                      <a:r>
+                        <a:rPr lang="en-SG" u="sng" dirty="0"/>
+                        <a:t>ft0:FinanceTracker</a:t>
+                      </a:r>
+                      <a:endParaRPr lang="en-SG" sz="1600" u="sng" dirty="0"/>
+                    </a:p>
+                  </a:txBody>
+                  <a:tcPr/>
+                </a:tc>
+                <a:extLst>
+                  <a:ext uri="{0D108BD9-81ED-4DB2-BD59-A6C34878D82A}">
+                    <a16:rowId xmlns:a16="http://schemas.microsoft.com/office/drawing/2014/main" val="2194462629"/>
+                  </a:ext>
+                </a:extLst>
+              </a:tr>
+            </a:tbl>
+          </a:graphicData>
+        </a:graphic>
+      </p:graphicFrame>
+      <p:graphicFrame>
+        <p:nvGraphicFramePr>
+          <p:cNvPr id="27" name="Table 26">
+            <a:extLst>
+              <a:ext uri="{FF2B5EF4-FFF2-40B4-BE49-F238E27FC236}">
+                <a16:creationId xmlns:a16="http://schemas.microsoft.com/office/drawing/2014/main" id="{F82984DE-C2BE-4E7D-9AE7-9298700865ED}"/>
+              </a:ext>
+            </a:extLst>
+          </p:cNvPr>
+          <p:cNvGraphicFramePr>
+            <a:graphicFrameLocks noGrp="1"/>
+          </p:cNvGraphicFramePr>
+          <p:nvPr>
+            <p:extLst>
+              <p:ext uri="{D42A27DB-BD31-4B8C-83A1-F6EECF244321}">
+                <p14:modId xmlns:p14="http://schemas.microsoft.com/office/powerpoint/2010/main" val="3338698924"/>
+              </p:ext>
+            </p:extLst>
+          </p:nvPr>
+        </p:nvGraphicFramePr>
+        <p:xfrm>
+          <a:off x="2548887" y="1476102"/>
+          <a:ext cx="2026209" cy="417888"/>
+        </p:xfrm>
+        <a:graphic>
+          <a:graphicData uri="http://schemas.openxmlformats.org/drawingml/2006/table">
+            <a:tbl>
+              <a:tblPr>
+                <a:tableStyleId>{638B1855-1B75-4FBE-930C-398BA8C253C6}</a:tableStyleId>
+              </a:tblPr>
+              <a:tblGrid>
+                <a:gridCol w="2026209">
+                  <a:extLst>
+                    <a:ext uri="{9D8B030D-6E8A-4147-A177-3AD203B41FA5}">
+                      <a16:colId xmlns:a16="http://schemas.microsoft.com/office/drawing/2014/main" val="4240773277"/>
+                    </a:ext>
+                  </a:extLst>
+                </a:gridCol>
+              </a:tblGrid>
+              <a:tr h="417888">
+                <a:tc>
+                  <a:txBody>
+                    <a:bodyPr/>
+                    <a:lstStyle/>
+                    <a:p>
+                      <a:r>
+                        <a:rPr lang="en-SG" u="sng" dirty="0"/>
+                        <a:t>ft1:FinanceTracker</a:t>
+                      </a:r>
+                      <a:endParaRPr lang="en-SG" sz="1600" u="sng" dirty="0"/>
+                    </a:p>
+                  </a:txBody>
+                  <a:tcPr/>
+                </a:tc>
+                <a:extLst>
+                  <a:ext uri="{0D108BD9-81ED-4DB2-BD59-A6C34878D82A}">
+                    <a16:rowId xmlns:a16="http://schemas.microsoft.com/office/drawing/2014/main" val="2194462629"/>
+                  </a:ext>
+                </a:extLst>
+              </a:tr>
+            </a:tbl>
+          </a:graphicData>
+        </a:graphic>
+      </p:graphicFrame>
+      <p:graphicFrame>
+        <p:nvGraphicFramePr>
+          <p:cNvPr id="32" name="Table 31">
+            <a:extLst>
+              <a:ext uri="{FF2B5EF4-FFF2-40B4-BE49-F238E27FC236}">
+                <a16:creationId xmlns:a16="http://schemas.microsoft.com/office/drawing/2014/main" id="{202092E5-206C-49DE-94FB-3B01AF08F647}"/>
+              </a:ext>
+            </a:extLst>
+          </p:cNvPr>
+          <p:cNvGraphicFramePr>
+            <a:graphicFrameLocks noGrp="1"/>
+          </p:cNvGraphicFramePr>
+          <p:nvPr>
+            <p:extLst>
+              <p:ext uri="{D42A27DB-BD31-4B8C-83A1-F6EECF244321}">
+                <p14:modId xmlns:p14="http://schemas.microsoft.com/office/powerpoint/2010/main" val="3463000526"/>
+              </p:ext>
+            </p:extLst>
+          </p:nvPr>
+        </p:nvGraphicFramePr>
+        <p:xfrm>
+          <a:off x="4683536" y="1476102"/>
+          <a:ext cx="1967207" cy="417888"/>
+        </p:xfrm>
+        <a:graphic>
+          <a:graphicData uri="http://schemas.openxmlformats.org/drawingml/2006/table">
+            <a:tbl>
+              <a:tblPr>
+                <a:tableStyleId>{638B1855-1B75-4FBE-930C-398BA8C253C6}</a:tableStyleId>
+              </a:tblPr>
+              <a:tblGrid>
+                <a:gridCol w="1967207">
+                  <a:extLst>
+                    <a:ext uri="{9D8B030D-6E8A-4147-A177-3AD203B41FA5}">
+                      <a16:colId xmlns:a16="http://schemas.microsoft.com/office/drawing/2014/main" val="4240773277"/>
+                    </a:ext>
+                  </a:extLst>
+                </a:gridCol>
+              </a:tblGrid>
+              <a:tr h="417888">
+                <a:tc>
+                  <a:txBody>
+                    <a:bodyPr/>
+                    <a:lstStyle/>
+                    <a:p>
+                      <a:r>
+                        <a:rPr lang="en-SG" u="sng" dirty="0"/>
+                        <a:t>ft2:FinanceTracker</a:t>
+                      </a:r>
+                      <a:endParaRPr lang="en-SG" sz="1600" u="sng" dirty="0"/>
+                    </a:p>
+                  </a:txBody>
+                  <a:tcPr/>
+                </a:tc>
+                <a:extLst>
+                  <a:ext uri="{0D108BD9-81ED-4DB2-BD59-A6C34878D82A}">
+                    <a16:rowId xmlns:a16="http://schemas.microsoft.com/office/drawing/2014/main" val="2194462629"/>
+                  </a:ext>
+                </a:extLst>
+              </a:tr>
+            </a:tbl>
+          </a:graphicData>
+        </a:graphic>
+      </p:graphicFrame>
+      <p:graphicFrame>
+        <p:nvGraphicFramePr>
+          <p:cNvPr id="33" name="Table 32">
+            <a:extLst>
+              <a:ext uri="{FF2B5EF4-FFF2-40B4-BE49-F238E27FC236}">
+                <a16:creationId xmlns:a16="http://schemas.microsoft.com/office/drawing/2014/main" id="{8C155A37-34CD-405D-B52A-D8B475CC72F5}"/>
+              </a:ext>
+            </a:extLst>
+          </p:cNvPr>
+          <p:cNvGraphicFramePr>
+            <a:graphicFrameLocks noGrp="1"/>
+          </p:cNvGraphicFramePr>
+          <p:nvPr>
+            <p:extLst>
+              <p:ext uri="{D42A27DB-BD31-4B8C-83A1-F6EECF244321}">
+                <p14:modId xmlns:p14="http://schemas.microsoft.com/office/powerpoint/2010/main" val="3062774885"/>
+              </p:ext>
+            </p:extLst>
+          </p:nvPr>
+        </p:nvGraphicFramePr>
+        <p:xfrm>
+          <a:off x="473239" y="3913690"/>
+          <a:ext cx="1967207" cy="417888"/>
+        </p:xfrm>
+        <a:graphic>
+          <a:graphicData uri="http://schemas.openxmlformats.org/drawingml/2006/table">
+            <a:tbl>
+              <a:tblPr>
+                <a:tableStyleId>{638B1855-1B75-4FBE-930C-398BA8C253C6}</a:tableStyleId>
+              </a:tblPr>
+              <a:tblGrid>
+                <a:gridCol w="1967207">
+                  <a:extLst>
+                    <a:ext uri="{9D8B030D-6E8A-4147-A177-3AD203B41FA5}">
+                      <a16:colId xmlns:a16="http://schemas.microsoft.com/office/drawing/2014/main" val="4240773277"/>
+                    </a:ext>
+                  </a:extLst>
+                </a:gridCol>
+              </a:tblGrid>
+              <a:tr h="417888">
+                <a:tc>
+                  <a:txBody>
+                    <a:bodyPr/>
+                    <a:lstStyle/>
+                    <a:p>
+                      <a:r>
+                        <a:rPr lang="en-SG" u="sng" dirty="0"/>
+                        <a:t>ft0:FinanceTracker</a:t>
+                      </a:r>
+                      <a:endParaRPr lang="en-SG" sz="1600" u="sng" dirty="0"/>
+                    </a:p>
+                  </a:txBody>
+                  <a:tcPr/>
+                </a:tc>
+                <a:extLst>
+                  <a:ext uri="{0D108BD9-81ED-4DB2-BD59-A6C34878D82A}">
+                    <a16:rowId xmlns:a16="http://schemas.microsoft.com/office/drawing/2014/main" val="2194462629"/>
+                  </a:ext>
+                </a:extLst>
+              </a:tr>
+            </a:tbl>
+          </a:graphicData>
+        </a:graphic>
+      </p:graphicFrame>
+      <p:graphicFrame>
+        <p:nvGraphicFramePr>
+          <p:cNvPr id="34" name="Table 33">
+            <a:extLst>
+              <a:ext uri="{FF2B5EF4-FFF2-40B4-BE49-F238E27FC236}">
+                <a16:creationId xmlns:a16="http://schemas.microsoft.com/office/drawing/2014/main" id="{28F52466-3879-4ADE-82E3-79871D7C6484}"/>
+              </a:ext>
+            </a:extLst>
+          </p:cNvPr>
+          <p:cNvGraphicFramePr>
+            <a:graphicFrameLocks noGrp="1"/>
+          </p:cNvGraphicFramePr>
+          <p:nvPr>
+            <p:extLst>
+              <p:ext uri="{D42A27DB-BD31-4B8C-83A1-F6EECF244321}">
+                <p14:modId xmlns:p14="http://schemas.microsoft.com/office/powerpoint/2010/main" val="3041576137"/>
+              </p:ext>
+            </p:extLst>
+          </p:nvPr>
+        </p:nvGraphicFramePr>
+        <p:xfrm>
+          <a:off x="2548887" y="3913690"/>
+          <a:ext cx="2026209" cy="417888"/>
+        </p:xfrm>
+        <a:graphic>
+          <a:graphicData uri="http://schemas.openxmlformats.org/drawingml/2006/table">
+            <a:tbl>
+              <a:tblPr>
+                <a:tableStyleId>{638B1855-1B75-4FBE-930C-398BA8C253C6}</a:tableStyleId>
+              </a:tblPr>
+              <a:tblGrid>
+                <a:gridCol w="2026209">
+                  <a:extLst>
+                    <a:ext uri="{9D8B030D-6E8A-4147-A177-3AD203B41FA5}">
+                      <a16:colId xmlns:a16="http://schemas.microsoft.com/office/drawing/2014/main" val="4240773277"/>
+                    </a:ext>
+                  </a:extLst>
+                </a:gridCol>
+              </a:tblGrid>
+              <a:tr h="417888">
+                <a:tc>
+                  <a:txBody>
+                    <a:bodyPr/>
+                    <a:lstStyle/>
+                    <a:p>
+                      <a:r>
+                        <a:rPr lang="en-SG" u="sng" dirty="0"/>
+                        <a:t>ft1:FinanceTracker</a:t>
+                      </a:r>
+                      <a:endParaRPr lang="en-SG" sz="1600" u="sng" dirty="0"/>
+                    </a:p>
+                  </a:txBody>
+                  <a:tcPr/>
+                </a:tc>
+                <a:extLst>
+                  <a:ext uri="{0D108BD9-81ED-4DB2-BD59-A6C34878D82A}">
+                    <a16:rowId xmlns:a16="http://schemas.microsoft.com/office/drawing/2014/main" val="2194462629"/>
+                  </a:ext>
+                </a:extLst>
+              </a:tr>
+            </a:tbl>
+          </a:graphicData>
+        </a:graphic>
+      </p:graphicFrame>
+      <p:graphicFrame>
+        <p:nvGraphicFramePr>
+          <p:cNvPr id="35" name="Table 34">
+            <a:extLst>
+              <a:ext uri="{FF2B5EF4-FFF2-40B4-BE49-F238E27FC236}">
+                <a16:creationId xmlns:a16="http://schemas.microsoft.com/office/drawing/2014/main" id="{FB4AFDE5-6E69-49E5-8A94-3889E69FF12C}"/>
+              </a:ext>
+            </a:extLst>
+          </p:cNvPr>
+          <p:cNvGraphicFramePr>
+            <a:graphicFrameLocks noGrp="1"/>
+          </p:cNvGraphicFramePr>
+          <p:nvPr>
+            <p:extLst>
+              <p:ext uri="{D42A27DB-BD31-4B8C-83A1-F6EECF244321}">
+                <p14:modId xmlns:p14="http://schemas.microsoft.com/office/powerpoint/2010/main" val="4223298075"/>
+              </p:ext>
+            </p:extLst>
+          </p:nvPr>
+        </p:nvGraphicFramePr>
+        <p:xfrm>
+          <a:off x="4683536" y="3913690"/>
+          <a:ext cx="1967207" cy="417888"/>
+        </p:xfrm>
+        <a:graphic>
+          <a:graphicData uri="http://schemas.openxmlformats.org/drawingml/2006/table">
+            <a:tbl>
+              <a:tblPr>
+                <a:tableStyleId>{638B1855-1B75-4FBE-930C-398BA8C253C6}</a:tableStyleId>
+              </a:tblPr>
+              <a:tblGrid>
+                <a:gridCol w="1967207">
+                  <a:extLst>
+                    <a:ext uri="{9D8B030D-6E8A-4147-A177-3AD203B41FA5}">
+                      <a16:colId xmlns:a16="http://schemas.microsoft.com/office/drawing/2014/main" val="4240773277"/>
+                    </a:ext>
+                  </a:extLst>
+                </a:gridCol>
+              </a:tblGrid>
+              <a:tr h="417888">
+                <a:tc>
+                  <a:txBody>
+                    <a:bodyPr/>
+                    <a:lstStyle/>
+                    <a:p>
+                      <a:r>
+                        <a:rPr lang="en-SG" u="sng" dirty="0"/>
+                        <a:t>ft2:FinanceTracker</a:t>
+                      </a:r>
+                      <a:endParaRPr lang="en-SG" sz="1600" u="sng" dirty="0"/>
+                    </a:p>
+                  </a:txBody>
+                  <a:tcPr/>
+                </a:tc>
+                <a:extLst>
+                  <a:ext uri="{0D108BD9-81ED-4DB2-BD59-A6C34878D82A}">
+                    <a16:rowId xmlns:a16="http://schemas.microsoft.com/office/drawing/2014/main" val="2194462629"/>
+                  </a:ext>
+                </a:extLst>
+              </a:tr>
+            </a:tbl>
+          </a:graphicData>
+        </a:graphic>
+      </p:graphicFrame>
     </p:spTree>
     <p:extLst>
       <p:ext uri="{BB962C8B-B14F-4D97-AF65-F5344CB8AC3E}">

--- a/docs/diagrams/UndoRedoNewCommand3StateListDiagram.pptx
+++ b/docs/diagrams/UndoRedoNewCommand3StateListDiagram.pptx
@@ -112,10 +112,6 @@
 </p:presentation>
 </file>
 
-<file path=ppt/revisionInfo.xml><?xml version="1.0" encoding="utf-8"?>
-<p1510:revInfo xmlns:a="http://schemas.openxmlformats.org/drawingml/2006/main" xmlns:r="http://schemas.openxmlformats.org/officeDocument/2006/relationships" xmlns:p1510="http://schemas.microsoft.com/office/powerpoint/2015/10/main"/>
-</file>
-
 <file path=ppt/slideLayouts/slideLayout1.xml><?xml version="1.0" encoding="utf-8"?>
 <p:sldLayout xmlns:a="http://schemas.openxmlformats.org/drawingml/2006/main" xmlns:r="http://schemas.openxmlformats.org/officeDocument/2006/relationships" xmlns:p="http://schemas.openxmlformats.org/presentationml/2006/main" type="title" preserve="1">
   <p:cSld name="Title Slide">
@@ -265,7 +261,7 @@
           <a:p>
             <a:fld id="{03EC4E3E-8101-482F-A883-8B55DAFF7C07}" type="datetimeFigureOut">
               <a:rPr lang="en-SG" smtClean="0"/>
-              <a:t>6/7/2018</a:t>
+              <a:t>5/4/19</a:t>
             </a:fld>
             <a:endParaRPr lang="en-SG"/>
           </a:p>
@@ -465,7 +461,7 @@
           <a:p>
             <a:fld id="{03EC4E3E-8101-482F-A883-8B55DAFF7C07}" type="datetimeFigureOut">
               <a:rPr lang="en-SG" smtClean="0"/>
-              <a:t>6/7/2018</a:t>
+              <a:t>5/4/19</a:t>
             </a:fld>
             <a:endParaRPr lang="en-SG"/>
           </a:p>
@@ -675,7 +671,7 @@
           <a:p>
             <a:fld id="{03EC4E3E-8101-482F-A883-8B55DAFF7C07}" type="datetimeFigureOut">
               <a:rPr lang="en-SG" smtClean="0"/>
-              <a:t>6/7/2018</a:t>
+              <a:t>5/4/19</a:t>
             </a:fld>
             <a:endParaRPr lang="en-SG"/>
           </a:p>
@@ -875,7 +871,7 @@
           <a:p>
             <a:fld id="{03EC4E3E-8101-482F-A883-8B55DAFF7C07}" type="datetimeFigureOut">
               <a:rPr lang="en-SG" smtClean="0"/>
-              <a:t>6/7/2018</a:t>
+              <a:t>5/4/19</a:t>
             </a:fld>
             <a:endParaRPr lang="en-SG"/>
           </a:p>
@@ -1151,7 +1147,7 @@
           <a:p>
             <a:fld id="{03EC4E3E-8101-482F-A883-8B55DAFF7C07}" type="datetimeFigureOut">
               <a:rPr lang="en-SG" smtClean="0"/>
-              <a:t>6/7/2018</a:t>
+              <a:t>5/4/19</a:t>
             </a:fld>
             <a:endParaRPr lang="en-SG"/>
           </a:p>
@@ -1419,7 +1415,7 @@
           <a:p>
             <a:fld id="{03EC4E3E-8101-482F-A883-8B55DAFF7C07}" type="datetimeFigureOut">
               <a:rPr lang="en-SG" smtClean="0"/>
-              <a:t>6/7/2018</a:t>
+              <a:t>5/4/19</a:t>
             </a:fld>
             <a:endParaRPr lang="en-SG"/>
           </a:p>
@@ -1834,7 +1830,7 @@
           <a:p>
             <a:fld id="{03EC4E3E-8101-482F-A883-8B55DAFF7C07}" type="datetimeFigureOut">
               <a:rPr lang="en-SG" smtClean="0"/>
-              <a:t>6/7/2018</a:t>
+              <a:t>5/4/19</a:t>
             </a:fld>
             <a:endParaRPr lang="en-SG"/>
           </a:p>
@@ -1976,7 +1972,7 @@
           <a:p>
             <a:fld id="{03EC4E3E-8101-482F-A883-8B55DAFF7C07}" type="datetimeFigureOut">
               <a:rPr lang="en-SG" smtClean="0"/>
-              <a:t>6/7/2018</a:t>
+              <a:t>5/4/19</a:t>
             </a:fld>
             <a:endParaRPr lang="en-SG"/>
           </a:p>
@@ -2089,7 +2085,7 @@
           <a:p>
             <a:fld id="{03EC4E3E-8101-482F-A883-8B55DAFF7C07}" type="datetimeFigureOut">
               <a:rPr lang="en-SG" smtClean="0"/>
-              <a:t>6/7/2018</a:t>
+              <a:t>5/4/19</a:t>
             </a:fld>
             <a:endParaRPr lang="en-SG"/>
           </a:p>
@@ -2402,7 +2398,7 @@
           <a:p>
             <a:fld id="{03EC4E3E-8101-482F-A883-8B55DAFF7C07}" type="datetimeFigureOut">
               <a:rPr lang="en-SG" smtClean="0"/>
-              <a:t>6/7/2018</a:t>
+              <a:t>5/4/19</a:t>
             </a:fld>
             <a:endParaRPr lang="en-SG"/>
           </a:p>
@@ -2691,7 +2687,7 @@
           <a:p>
             <a:fld id="{03EC4E3E-8101-482F-A883-8B55DAFF7C07}" type="datetimeFigureOut">
               <a:rPr lang="en-SG" smtClean="0"/>
-              <a:t>6/7/2018</a:t>
+              <a:t>5/4/19</a:t>
             </a:fld>
             <a:endParaRPr lang="en-SG"/>
           </a:p>
@@ -2934,7 +2930,7 @@
           <a:p>
             <a:fld id="{03EC4E3E-8101-482F-A883-8B55DAFF7C07}" type="datetimeFigureOut">
               <a:rPr lang="en-SG" smtClean="0"/>
-              <a:t>6/7/2018</a:t>
+              <a:t>5/4/19</a:t>
             </a:fld>
             <a:endParaRPr lang="en-SG"/>
           </a:p>
@@ -3454,7 +3450,7 @@
           <p:nvPr>
             <p:extLst>
               <p:ext uri="{D42A27DB-BD31-4B8C-83A1-F6EECF244321}">
-                <p14:modId xmlns:p14="http://schemas.microsoft.com/office/powerpoint/2010/main" val="2776987765"/>
+                <p14:modId xmlns:p14="http://schemas.microsoft.com/office/powerpoint/2010/main" val="3900993941"/>
               </p:ext>
             </p:extLst>
           </p:nvPr>
@@ -3484,15 +3480,11 @@
                     <a:bodyPr/>
                     <a:lstStyle/>
                     <a:p>
+                      <a:pPr algn="ctr"/>
                       <a:r>
                         <a:rPr lang="en-SG" u="sng" dirty="0"/>
-                        <a:t>ab0:</a:t>
+                        <a:t>fd0:FoodDiary</a:t>
                       </a:r>
-                      <a:r>
-                        <a:rPr lang="en-SG" sz="1800" u="sng" dirty="0"/>
-                        <a:t>AddressBook</a:t>
-                      </a:r>
-                      <a:endParaRPr lang="en-SG" sz="1600" u="sng" dirty="0"/>
                     </a:p>
                   </a:txBody>
                   <a:tcPr/>
@@ -3658,7 +3650,7 @@
           <p:nvPr>
             <p:extLst>
               <p:ext uri="{D42A27DB-BD31-4B8C-83A1-F6EECF244321}">
-                <p14:modId xmlns:p14="http://schemas.microsoft.com/office/powerpoint/2010/main" val="1878903007"/>
+                <p14:modId xmlns:p14="http://schemas.microsoft.com/office/powerpoint/2010/main" val="2895574977"/>
               </p:ext>
             </p:extLst>
           </p:nvPr>
@@ -3688,15 +3680,11 @@
                     <a:bodyPr/>
                     <a:lstStyle/>
                     <a:p>
+                      <a:pPr algn="ctr"/>
                       <a:r>
                         <a:rPr lang="en-SG" u="sng" dirty="0"/>
-                        <a:t>ab2:</a:t>
+                        <a:t>fd2:FoodDiary</a:t>
                       </a:r>
-                      <a:r>
-                        <a:rPr lang="en-SG" sz="1800" u="sng" dirty="0"/>
-                        <a:t>AddressBook</a:t>
-                      </a:r>
-                      <a:endParaRPr lang="en-SG" sz="1600" u="sng" dirty="0"/>
                     </a:p>
                   </a:txBody>
                   <a:tcPr/>
@@ -3726,7 +3714,7 @@
           <p:nvPr>
             <p:extLst>
               <p:ext uri="{D42A27DB-BD31-4B8C-83A1-F6EECF244321}">
-                <p14:modId xmlns:p14="http://schemas.microsoft.com/office/powerpoint/2010/main" val="547626409"/>
+                <p14:modId xmlns:p14="http://schemas.microsoft.com/office/powerpoint/2010/main" val="3156636521"/>
               </p:ext>
             </p:extLst>
           </p:nvPr>
@@ -3756,15 +3744,11 @@
                     <a:bodyPr/>
                     <a:lstStyle/>
                     <a:p>
+                      <a:pPr algn="ctr"/>
                       <a:r>
                         <a:rPr lang="en-SG" u="sng" dirty="0"/>
-                        <a:t>ab1:</a:t>
+                        <a:t>fd1:FoodDiary</a:t>
                       </a:r>
-                      <a:r>
-                        <a:rPr lang="en-SG" sz="1800" u="sng" dirty="0"/>
-                        <a:t>AddressBook</a:t>
-                      </a:r>
-                      <a:endParaRPr lang="en-SG" sz="1600" u="sng" dirty="0"/>
                     </a:p>
                   </a:txBody>
                   <a:tcPr/>
@@ -3794,7 +3778,7 @@
           <p:nvPr>
             <p:extLst>
               <p:ext uri="{D42A27DB-BD31-4B8C-83A1-F6EECF244321}">
-                <p14:modId xmlns:p14="http://schemas.microsoft.com/office/powerpoint/2010/main" val="1824208515"/>
+                <p14:modId xmlns:p14="http://schemas.microsoft.com/office/powerpoint/2010/main" val="1995936711"/>
               </p:ext>
             </p:extLst>
           </p:nvPr>
@@ -3824,15 +3808,11 @@
                     <a:bodyPr/>
                     <a:lstStyle/>
                     <a:p>
+                      <a:pPr algn="ctr"/>
                       <a:r>
                         <a:rPr lang="en-SG" u="sng" dirty="0"/>
-                        <a:t>ab0:</a:t>
+                        <a:t>fd0:FoodDiary</a:t>
                       </a:r>
-                      <a:r>
-                        <a:rPr lang="en-SG" sz="1800" u="sng" dirty="0"/>
-                        <a:t>AddressBook</a:t>
-                      </a:r>
-                      <a:endParaRPr lang="en-SG" sz="1600" u="sng" dirty="0"/>
                     </a:p>
                   </a:txBody>
                   <a:tcPr/>
@@ -3862,7 +3842,7 @@
           <p:nvPr>
             <p:extLst>
               <p:ext uri="{D42A27DB-BD31-4B8C-83A1-F6EECF244321}">
-                <p14:modId xmlns:p14="http://schemas.microsoft.com/office/powerpoint/2010/main" val="1414922247"/>
+                <p14:modId xmlns:p14="http://schemas.microsoft.com/office/powerpoint/2010/main" val="2196970736"/>
               </p:ext>
             </p:extLst>
           </p:nvPr>
@@ -3892,15 +3872,11 @@
                     <a:bodyPr/>
                     <a:lstStyle/>
                     <a:p>
+                      <a:pPr algn="ctr"/>
                       <a:r>
                         <a:rPr lang="en-SG" u="sng" dirty="0"/>
-                        <a:t>ab2:</a:t>
+                        <a:t>fd2:FoodDiary</a:t>
                       </a:r>
-                      <a:r>
-                        <a:rPr lang="en-SG" sz="1800" u="sng" dirty="0"/>
-                        <a:t>AddressBook</a:t>
-                      </a:r>
-                      <a:endParaRPr lang="en-SG" sz="1600" u="sng" dirty="0"/>
                     </a:p>
                   </a:txBody>
                   <a:tcPr/>
@@ -3930,7 +3906,7 @@
           <p:nvPr>
             <p:extLst>
               <p:ext uri="{D42A27DB-BD31-4B8C-83A1-F6EECF244321}">
-                <p14:modId xmlns:p14="http://schemas.microsoft.com/office/powerpoint/2010/main" val="1703544754"/>
+                <p14:modId xmlns:p14="http://schemas.microsoft.com/office/powerpoint/2010/main" val="2168931583"/>
               </p:ext>
             </p:extLst>
           </p:nvPr>
@@ -3960,15 +3936,11 @@
                     <a:bodyPr/>
                     <a:lstStyle/>
                     <a:p>
+                      <a:pPr algn="ctr"/>
                       <a:r>
                         <a:rPr lang="en-SG" u="sng" dirty="0"/>
-                        <a:t>ab1:</a:t>
+                        <a:t>fd1:FoodDiary</a:t>
                       </a:r>
-                      <a:r>
-                        <a:rPr lang="en-SG" sz="1800" u="sng" dirty="0"/>
-                        <a:t>AddressBook</a:t>
-                      </a:r>
-                      <a:endParaRPr lang="en-SG" sz="1600" u="sng" dirty="0"/>
                     </a:p>
                   </a:txBody>
                   <a:tcPr/>

--- a/docs/diagrams/UndoRedoNewCommand3StateListDiagram.pptx
+++ b/docs/diagrams/UndoRedoNewCommand3StateListDiagram.pptx
@@ -112,10 +112,6 @@
 </p:presentation>
 </file>
 
-<file path=ppt/revisionInfo.xml><?xml version="1.0" encoding="utf-8"?>
-<p1510:revInfo xmlns:a="http://schemas.openxmlformats.org/drawingml/2006/main" xmlns:r="http://schemas.openxmlformats.org/officeDocument/2006/relationships" xmlns:p1510="http://schemas.microsoft.com/office/powerpoint/2015/10/main"/>
-</file>
-
 <file path=ppt/slideLayouts/slideLayout1.xml><?xml version="1.0" encoding="utf-8"?>
 <p:sldLayout xmlns:a="http://schemas.openxmlformats.org/drawingml/2006/main" xmlns:r="http://schemas.openxmlformats.org/officeDocument/2006/relationships" xmlns:p="http://schemas.openxmlformats.org/presentationml/2006/main" type="title" preserve="1">
   <p:cSld name="Title Slide">
@@ -265,7 +261,7 @@
           <a:p>
             <a:fld id="{03EC4E3E-8101-482F-A883-8B55DAFF7C07}" type="datetimeFigureOut">
               <a:rPr lang="en-SG" smtClean="0"/>
-              <a:t>6/7/2018</a:t>
+              <a:t>13/4/2019</a:t>
             </a:fld>
             <a:endParaRPr lang="en-SG"/>
           </a:p>
@@ -465,7 +461,7 @@
           <a:p>
             <a:fld id="{03EC4E3E-8101-482F-A883-8B55DAFF7C07}" type="datetimeFigureOut">
               <a:rPr lang="en-SG" smtClean="0"/>
-              <a:t>6/7/2018</a:t>
+              <a:t>13/4/2019</a:t>
             </a:fld>
             <a:endParaRPr lang="en-SG"/>
           </a:p>
@@ -675,7 +671,7 @@
           <a:p>
             <a:fld id="{03EC4E3E-8101-482F-A883-8B55DAFF7C07}" type="datetimeFigureOut">
               <a:rPr lang="en-SG" smtClean="0"/>
-              <a:t>6/7/2018</a:t>
+              <a:t>13/4/2019</a:t>
             </a:fld>
             <a:endParaRPr lang="en-SG"/>
           </a:p>
@@ -875,7 +871,7 @@
           <a:p>
             <a:fld id="{03EC4E3E-8101-482F-A883-8B55DAFF7C07}" type="datetimeFigureOut">
               <a:rPr lang="en-SG" smtClean="0"/>
-              <a:t>6/7/2018</a:t>
+              <a:t>13/4/2019</a:t>
             </a:fld>
             <a:endParaRPr lang="en-SG"/>
           </a:p>
@@ -1151,7 +1147,7 @@
           <a:p>
             <a:fld id="{03EC4E3E-8101-482F-A883-8B55DAFF7C07}" type="datetimeFigureOut">
               <a:rPr lang="en-SG" smtClean="0"/>
-              <a:t>6/7/2018</a:t>
+              <a:t>13/4/2019</a:t>
             </a:fld>
             <a:endParaRPr lang="en-SG"/>
           </a:p>
@@ -1419,7 +1415,7 @@
           <a:p>
             <a:fld id="{03EC4E3E-8101-482F-A883-8B55DAFF7C07}" type="datetimeFigureOut">
               <a:rPr lang="en-SG" smtClean="0"/>
-              <a:t>6/7/2018</a:t>
+              <a:t>13/4/2019</a:t>
             </a:fld>
             <a:endParaRPr lang="en-SG"/>
           </a:p>
@@ -1834,7 +1830,7 @@
           <a:p>
             <a:fld id="{03EC4E3E-8101-482F-A883-8B55DAFF7C07}" type="datetimeFigureOut">
               <a:rPr lang="en-SG" smtClean="0"/>
-              <a:t>6/7/2018</a:t>
+              <a:t>13/4/2019</a:t>
             </a:fld>
             <a:endParaRPr lang="en-SG"/>
           </a:p>
@@ -1976,7 +1972,7 @@
           <a:p>
             <a:fld id="{03EC4E3E-8101-482F-A883-8B55DAFF7C07}" type="datetimeFigureOut">
               <a:rPr lang="en-SG" smtClean="0"/>
-              <a:t>6/7/2018</a:t>
+              <a:t>13/4/2019</a:t>
             </a:fld>
             <a:endParaRPr lang="en-SG"/>
           </a:p>
@@ -2089,7 +2085,7 @@
           <a:p>
             <a:fld id="{03EC4E3E-8101-482F-A883-8B55DAFF7C07}" type="datetimeFigureOut">
               <a:rPr lang="en-SG" smtClean="0"/>
-              <a:t>6/7/2018</a:t>
+              <a:t>13/4/2019</a:t>
             </a:fld>
             <a:endParaRPr lang="en-SG"/>
           </a:p>
@@ -2402,7 +2398,7 @@
           <a:p>
             <a:fld id="{03EC4E3E-8101-482F-A883-8B55DAFF7C07}" type="datetimeFigureOut">
               <a:rPr lang="en-SG" smtClean="0"/>
-              <a:t>6/7/2018</a:t>
+              <a:t>13/4/2019</a:t>
             </a:fld>
             <a:endParaRPr lang="en-SG"/>
           </a:p>
@@ -2691,7 +2687,7 @@
           <a:p>
             <a:fld id="{03EC4E3E-8101-482F-A883-8B55DAFF7C07}" type="datetimeFigureOut">
               <a:rPr lang="en-SG" smtClean="0"/>
-              <a:t>6/7/2018</a:t>
+              <a:t>13/4/2019</a:t>
             </a:fld>
             <a:endParaRPr lang="en-SG"/>
           </a:p>
@@ -2934,7 +2930,7 @@
           <a:p>
             <a:fld id="{03EC4E3E-8101-482F-A883-8B55DAFF7C07}" type="datetimeFigureOut">
               <a:rPr lang="en-SG" smtClean="0"/>
-              <a:t>6/7/2018</a:t>
+              <a:t>13/4/2019</a:t>
             </a:fld>
             <a:endParaRPr lang="en-SG"/>
           </a:p>
@@ -3409,7 +3405,7 @@
         </p:nvSpPr>
         <p:spPr>
           <a:xfrm>
-            <a:off x="1844917" y="2745771"/>
+            <a:off x="2141895" y="2745771"/>
             <a:ext cx="3207000" cy="369332"/>
           </a:xfrm>
           <a:prstGeom prst="rect">
@@ -3425,88 +3421,14 @@
           <a:p>
             <a:pPr algn="ctr"/>
             <a:r>
-              <a:rPr lang="en-SG" dirty="0" err="1">
-                <a:latin typeface="Consolas" panose="020B0609020204030204" pitchFamily="49" charset="0"/>
-              </a:rPr>
-              <a:t>currentStatePointer</a:t>
-            </a:r>
-            <a:r>
               <a:rPr lang="en-SG" dirty="0">
                 <a:latin typeface="Consolas" panose="020B0609020204030204" pitchFamily="49" charset="0"/>
               </a:rPr>
-              <a:t> = 1</a:t>
-            </a:r>
-          </a:p>
-        </p:txBody>
-      </p:sp>
-      <p:graphicFrame>
-        <p:nvGraphicFramePr>
-          <p:cNvPr id="17" name="Table 16">
-            <a:extLst>
-              <a:ext uri="{FF2B5EF4-FFF2-40B4-BE49-F238E27FC236}">
-                <a16:creationId xmlns:a16="http://schemas.microsoft.com/office/drawing/2014/main" id="{F545FAB8-F1CE-4886-9BDE-E772BCB0A9C4}"/>
-              </a:ext>
-            </a:extLst>
-          </p:cNvPr>
-          <p:cNvGraphicFramePr>
-            <a:graphicFrameLocks noGrp="1"/>
-          </p:cNvGraphicFramePr>
-          <p:nvPr>
-            <p:extLst>
-              <p:ext uri="{D42A27DB-BD31-4B8C-83A1-F6EECF244321}">
-                <p14:modId xmlns:p14="http://schemas.microsoft.com/office/powerpoint/2010/main" val="2776987765"/>
-              </p:ext>
-            </p:extLst>
-          </p:nvPr>
-        </p:nvGraphicFramePr>
-        <p:xfrm>
-          <a:off x="473240" y="1476102"/>
-          <a:ext cx="1825597" cy="417888"/>
-        </p:xfrm>
-        <a:graphic>
-          <a:graphicData uri="http://schemas.openxmlformats.org/drawingml/2006/table">
-            <a:tbl>
-              <a:tblPr>
-                <a:tableStyleId>{638B1855-1B75-4FBE-930C-398BA8C253C6}</a:tableStyleId>
-              </a:tblPr>
-              <a:tblGrid>
-                <a:gridCol w="1825597">
-                  <a:extLst>
-                    <a:ext uri="{9D8B030D-6E8A-4147-A177-3AD203B41FA5}">
-                      <a16:colId xmlns:a16="http://schemas.microsoft.com/office/drawing/2014/main" val="4240773277"/>
-                    </a:ext>
-                  </a:extLst>
-                </a:gridCol>
-              </a:tblGrid>
-              <a:tr h="417888">
-                <a:tc>
-                  <a:txBody>
-                    <a:bodyPr/>
-                    <a:lstStyle/>
-                    <a:p>
-                      <a:r>
-                        <a:rPr lang="en-SG" u="sng" dirty="0"/>
-                        <a:t>ab0:</a:t>
-                      </a:r>
-                      <a:r>
-                        <a:rPr lang="en-SG" sz="1800" u="sng" dirty="0"/>
-                        <a:t>AddressBook</a:t>
-                      </a:r>
-                      <a:endParaRPr lang="en-SG" sz="1600" u="sng" dirty="0"/>
-                    </a:p>
-                  </a:txBody>
-                  <a:tcPr/>
-                </a:tc>
-                <a:extLst>
-                  <a:ext uri="{0D108BD9-81ED-4DB2-BD59-A6C34878D82A}">
-                    <a16:rowId xmlns:a16="http://schemas.microsoft.com/office/drawing/2014/main" val="2194462629"/>
-                  </a:ext>
-                </a:extLst>
-              </a:tr>
-            </a:tbl>
-          </a:graphicData>
-        </a:graphic>
-      </p:graphicFrame>
+              <a:t>currentStatePointer = 1</a:t>
+            </a:r>
+          </a:p>
+        </p:txBody>
+      </p:sp>
       <p:sp>
         <p:nvSpPr>
           <p:cNvPr id="20" name="Rectangle 19"/>
@@ -3567,7 +3489,7 @@
         </p:nvSpPr>
         <p:spPr>
           <a:xfrm>
-            <a:off x="1844917" y="5180749"/>
+            <a:off x="2939070" y="5180749"/>
             <a:ext cx="3207000" cy="369332"/>
           </a:xfrm>
           <a:prstGeom prst="rect">
@@ -3583,16 +3505,10 @@
           <a:p>
             <a:pPr algn="ctr"/>
             <a:r>
-              <a:rPr lang="en-SG" dirty="0" err="1">
-                <a:latin typeface="Consolas" panose="020B0609020204030204" pitchFamily="49" charset="0"/>
-              </a:rPr>
-              <a:t>currentStatePointer</a:t>
-            </a:r>
-            <a:r>
               <a:rPr lang="en-SG" dirty="0">
                 <a:latin typeface="Consolas" panose="020B0609020204030204" pitchFamily="49" charset="0"/>
               </a:rPr>
-              <a:t> = 1</a:t>
+              <a:t>currentStatePointer = 1</a:t>
             </a:r>
           </a:p>
         </p:txBody>
@@ -3643,346 +3559,6 @@
           </a:p>
         </p:txBody>
       </p:sp>
-      <p:graphicFrame>
-        <p:nvGraphicFramePr>
-          <p:cNvPr id="15" name="Table 14">
-            <a:extLst>
-              <a:ext uri="{FF2B5EF4-FFF2-40B4-BE49-F238E27FC236}">
-                <a16:creationId xmlns:a16="http://schemas.microsoft.com/office/drawing/2014/main" id="{F545FAB8-F1CE-4886-9BDE-E772BCB0A9C4}"/>
-              </a:ext>
-            </a:extLst>
-          </p:cNvPr>
-          <p:cNvGraphicFramePr>
-            <a:graphicFrameLocks noGrp="1"/>
-          </p:cNvGraphicFramePr>
-          <p:nvPr>
-            <p:extLst>
-              <p:ext uri="{D42A27DB-BD31-4B8C-83A1-F6EECF244321}">
-                <p14:modId xmlns:p14="http://schemas.microsoft.com/office/powerpoint/2010/main" val="1878903007"/>
-              </p:ext>
-            </p:extLst>
-          </p:nvPr>
-        </p:nvGraphicFramePr>
-        <p:xfrm>
-          <a:off x="4423446" y="1476102"/>
-          <a:ext cx="1825597" cy="417888"/>
-        </p:xfrm>
-        <a:graphic>
-          <a:graphicData uri="http://schemas.openxmlformats.org/drawingml/2006/table">
-            <a:tbl>
-              <a:tblPr>
-                <a:tableStyleId>{638B1855-1B75-4FBE-930C-398BA8C253C6}</a:tableStyleId>
-              </a:tblPr>
-              <a:tblGrid>
-                <a:gridCol w="1825597">
-                  <a:extLst>
-                    <a:ext uri="{9D8B030D-6E8A-4147-A177-3AD203B41FA5}">
-                      <a16:colId xmlns:a16="http://schemas.microsoft.com/office/drawing/2014/main" val="4240773277"/>
-                    </a:ext>
-                  </a:extLst>
-                </a:gridCol>
-              </a:tblGrid>
-              <a:tr h="417888">
-                <a:tc>
-                  <a:txBody>
-                    <a:bodyPr/>
-                    <a:lstStyle/>
-                    <a:p>
-                      <a:r>
-                        <a:rPr lang="en-SG" u="sng" dirty="0"/>
-                        <a:t>ab2:</a:t>
-                      </a:r>
-                      <a:r>
-                        <a:rPr lang="en-SG" sz="1800" u="sng" dirty="0"/>
-                        <a:t>AddressBook</a:t>
-                      </a:r>
-                      <a:endParaRPr lang="en-SG" sz="1600" u="sng" dirty="0"/>
-                    </a:p>
-                  </a:txBody>
-                  <a:tcPr/>
-                </a:tc>
-                <a:extLst>
-                  <a:ext uri="{0D108BD9-81ED-4DB2-BD59-A6C34878D82A}">
-                    <a16:rowId xmlns:a16="http://schemas.microsoft.com/office/drawing/2014/main" val="2194462629"/>
-                  </a:ext>
-                </a:extLst>
-              </a:tr>
-            </a:tbl>
-          </a:graphicData>
-        </a:graphic>
-      </p:graphicFrame>
-      <p:graphicFrame>
-        <p:nvGraphicFramePr>
-          <p:cNvPr id="28" name="Table 27">
-            <a:extLst>
-              <a:ext uri="{FF2B5EF4-FFF2-40B4-BE49-F238E27FC236}">
-                <a16:creationId xmlns:a16="http://schemas.microsoft.com/office/drawing/2014/main" id="{F545FAB8-F1CE-4886-9BDE-E772BCB0A9C4}"/>
-              </a:ext>
-            </a:extLst>
-          </p:cNvPr>
-          <p:cNvGraphicFramePr>
-            <a:graphicFrameLocks noGrp="1"/>
-          </p:cNvGraphicFramePr>
-          <p:nvPr>
-            <p:extLst>
-              <p:ext uri="{D42A27DB-BD31-4B8C-83A1-F6EECF244321}">
-                <p14:modId xmlns:p14="http://schemas.microsoft.com/office/powerpoint/2010/main" val="547626409"/>
-              </p:ext>
-            </p:extLst>
-          </p:nvPr>
-        </p:nvGraphicFramePr>
-        <p:xfrm>
-          <a:off x="2448342" y="1476102"/>
-          <a:ext cx="1825597" cy="417888"/>
-        </p:xfrm>
-        <a:graphic>
-          <a:graphicData uri="http://schemas.openxmlformats.org/drawingml/2006/table">
-            <a:tbl>
-              <a:tblPr>
-                <a:tableStyleId>{638B1855-1B75-4FBE-930C-398BA8C253C6}</a:tableStyleId>
-              </a:tblPr>
-              <a:tblGrid>
-                <a:gridCol w="1825597">
-                  <a:extLst>
-                    <a:ext uri="{9D8B030D-6E8A-4147-A177-3AD203B41FA5}">
-                      <a16:colId xmlns:a16="http://schemas.microsoft.com/office/drawing/2014/main" val="4240773277"/>
-                    </a:ext>
-                  </a:extLst>
-                </a:gridCol>
-              </a:tblGrid>
-              <a:tr h="417888">
-                <a:tc>
-                  <a:txBody>
-                    <a:bodyPr/>
-                    <a:lstStyle/>
-                    <a:p>
-                      <a:r>
-                        <a:rPr lang="en-SG" u="sng" dirty="0"/>
-                        <a:t>ab1:</a:t>
-                      </a:r>
-                      <a:r>
-                        <a:rPr lang="en-SG" sz="1800" u="sng" dirty="0"/>
-                        <a:t>AddressBook</a:t>
-                      </a:r>
-                      <a:endParaRPr lang="en-SG" sz="1600" u="sng" dirty="0"/>
-                    </a:p>
-                  </a:txBody>
-                  <a:tcPr/>
-                </a:tc>
-                <a:extLst>
-                  <a:ext uri="{0D108BD9-81ED-4DB2-BD59-A6C34878D82A}">
-                    <a16:rowId xmlns:a16="http://schemas.microsoft.com/office/drawing/2014/main" val="2194462629"/>
-                  </a:ext>
-                </a:extLst>
-              </a:tr>
-            </a:tbl>
-          </a:graphicData>
-        </a:graphic>
-      </p:graphicFrame>
-      <p:graphicFrame>
-        <p:nvGraphicFramePr>
-          <p:cNvPr id="29" name="Table 28">
-            <a:extLst>
-              <a:ext uri="{FF2B5EF4-FFF2-40B4-BE49-F238E27FC236}">
-                <a16:creationId xmlns:a16="http://schemas.microsoft.com/office/drawing/2014/main" id="{F545FAB8-F1CE-4886-9BDE-E772BCB0A9C4}"/>
-              </a:ext>
-            </a:extLst>
-          </p:cNvPr>
-          <p:cNvGraphicFramePr>
-            <a:graphicFrameLocks noGrp="1"/>
-          </p:cNvGraphicFramePr>
-          <p:nvPr>
-            <p:extLst>
-              <p:ext uri="{D42A27DB-BD31-4B8C-83A1-F6EECF244321}">
-                <p14:modId xmlns:p14="http://schemas.microsoft.com/office/powerpoint/2010/main" val="1824208515"/>
-              </p:ext>
-            </p:extLst>
-          </p:nvPr>
-        </p:nvGraphicFramePr>
-        <p:xfrm>
-          <a:off x="473239" y="3926589"/>
-          <a:ext cx="1825597" cy="417888"/>
-        </p:xfrm>
-        <a:graphic>
-          <a:graphicData uri="http://schemas.openxmlformats.org/drawingml/2006/table">
-            <a:tbl>
-              <a:tblPr>
-                <a:tableStyleId>{638B1855-1B75-4FBE-930C-398BA8C253C6}</a:tableStyleId>
-              </a:tblPr>
-              <a:tblGrid>
-                <a:gridCol w="1825597">
-                  <a:extLst>
-                    <a:ext uri="{9D8B030D-6E8A-4147-A177-3AD203B41FA5}">
-                      <a16:colId xmlns:a16="http://schemas.microsoft.com/office/drawing/2014/main" val="4240773277"/>
-                    </a:ext>
-                  </a:extLst>
-                </a:gridCol>
-              </a:tblGrid>
-              <a:tr h="417888">
-                <a:tc>
-                  <a:txBody>
-                    <a:bodyPr/>
-                    <a:lstStyle/>
-                    <a:p>
-                      <a:r>
-                        <a:rPr lang="en-SG" u="sng" dirty="0"/>
-                        <a:t>ab0:</a:t>
-                      </a:r>
-                      <a:r>
-                        <a:rPr lang="en-SG" sz="1800" u="sng" dirty="0"/>
-                        <a:t>AddressBook</a:t>
-                      </a:r>
-                      <a:endParaRPr lang="en-SG" sz="1600" u="sng" dirty="0"/>
-                    </a:p>
-                  </a:txBody>
-                  <a:tcPr/>
-                </a:tc>
-                <a:extLst>
-                  <a:ext uri="{0D108BD9-81ED-4DB2-BD59-A6C34878D82A}">
-                    <a16:rowId xmlns:a16="http://schemas.microsoft.com/office/drawing/2014/main" val="2194462629"/>
-                  </a:ext>
-                </a:extLst>
-              </a:tr>
-            </a:tbl>
-          </a:graphicData>
-        </a:graphic>
-      </p:graphicFrame>
-      <p:graphicFrame>
-        <p:nvGraphicFramePr>
-          <p:cNvPr id="30" name="Table 29">
-            <a:extLst>
-              <a:ext uri="{FF2B5EF4-FFF2-40B4-BE49-F238E27FC236}">
-                <a16:creationId xmlns:a16="http://schemas.microsoft.com/office/drawing/2014/main" id="{F545FAB8-F1CE-4886-9BDE-E772BCB0A9C4}"/>
-              </a:ext>
-            </a:extLst>
-          </p:cNvPr>
-          <p:cNvGraphicFramePr>
-            <a:graphicFrameLocks noGrp="1"/>
-          </p:cNvGraphicFramePr>
-          <p:nvPr>
-            <p:extLst>
-              <p:ext uri="{D42A27DB-BD31-4B8C-83A1-F6EECF244321}">
-                <p14:modId xmlns:p14="http://schemas.microsoft.com/office/powerpoint/2010/main" val="1414922247"/>
-              </p:ext>
-            </p:extLst>
-          </p:nvPr>
-        </p:nvGraphicFramePr>
-        <p:xfrm>
-          <a:off x="4423446" y="3926589"/>
-          <a:ext cx="1825597" cy="417888"/>
-        </p:xfrm>
-        <a:graphic>
-          <a:graphicData uri="http://schemas.openxmlformats.org/drawingml/2006/table">
-            <a:tbl>
-              <a:tblPr>
-                <a:tableStyleId>{638B1855-1B75-4FBE-930C-398BA8C253C6}</a:tableStyleId>
-              </a:tblPr>
-              <a:tblGrid>
-                <a:gridCol w="1825597">
-                  <a:extLst>
-                    <a:ext uri="{9D8B030D-6E8A-4147-A177-3AD203B41FA5}">
-                      <a16:colId xmlns:a16="http://schemas.microsoft.com/office/drawing/2014/main" val="4240773277"/>
-                    </a:ext>
-                  </a:extLst>
-                </a:gridCol>
-              </a:tblGrid>
-              <a:tr h="417888">
-                <a:tc>
-                  <a:txBody>
-                    <a:bodyPr/>
-                    <a:lstStyle/>
-                    <a:p>
-                      <a:r>
-                        <a:rPr lang="en-SG" u="sng" dirty="0"/>
-                        <a:t>ab2:</a:t>
-                      </a:r>
-                      <a:r>
-                        <a:rPr lang="en-SG" sz="1800" u="sng" dirty="0"/>
-                        <a:t>AddressBook</a:t>
-                      </a:r>
-                      <a:endParaRPr lang="en-SG" sz="1600" u="sng" dirty="0"/>
-                    </a:p>
-                  </a:txBody>
-                  <a:tcPr/>
-                </a:tc>
-                <a:extLst>
-                  <a:ext uri="{0D108BD9-81ED-4DB2-BD59-A6C34878D82A}">
-                    <a16:rowId xmlns:a16="http://schemas.microsoft.com/office/drawing/2014/main" val="2194462629"/>
-                  </a:ext>
-                </a:extLst>
-              </a:tr>
-            </a:tbl>
-          </a:graphicData>
-        </a:graphic>
-      </p:graphicFrame>
-      <p:graphicFrame>
-        <p:nvGraphicFramePr>
-          <p:cNvPr id="31" name="Table 30">
-            <a:extLst>
-              <a:ext uri="{FF2B5EF4-FFF2-40B4-BE49-F238E27FC236}">
-                <a16:creationId xmlns:a16="http://schemas.microsoft.com/office/drawing/2014/main" id="{F545FAB8-F1CE-4886-9BDE-E772BCB0A9C4}"/>
-              </a:ext>
-            </a:extLst>
-          </p:cNvPr>
-          <p:cNvGraphicFramePr>
-            <a:graphicFrameLocks noGrp="1"/>
-          </p:cNvGraphicFramePr>
-          <p:nvPr>
-            <p:extLst>
-              <p:ext uri="{D42A27DB-BD31-4B8C-83A1-F6EECF244321}">
-                <p14:modId xmlns:p14="http://schemas.microsoft.com/office/powerpoint/2010/main" val="1703544754"/>
-              </p:ext>
-            </p:extLst>
-          </p:nvPr>
-        </p:nvGraphicFramePr>
-        <p:xfrm>
-          <a:off x="2448343" y="3926589"/>
-          <a:ext cx="1825597" cy="417888"/>
-        </p:xfrm>
-        <a:graphic>
-          <a:graphicData uri="http://schemas.openxmlformats.org/drawingml/2006/table">
-            <a:tbl>
-              <a:tblPr>
-                <a:tableStyleId>{638B1855-1B75-4FBE-930C-398BA8C253C6}</a:tableStyleId>
-              </a:tblPr>
-              <a:tblGrid>
-                <a:gridCol w="1825597">
-                  <a:extLst>
-                    <a:ext uri="{9D8B030D-6E8A-4147-A177-3AD203B41FA5}">
-                      <a16:colId xmlns:a16="http://schemas.microsoft.com/office/drawing/2014/main" val="4240773277"/>
-                    </a:ext>
-                  </a:extLst>
-                </a:gridCol>
-              </a:tblGrid>
-              <a:tr h="417888">
-                <a:tc>
-                  <a:txBody>
-                    <a:bodyPr/>
-                    <a:lstStyle/>
-                    <a:p>
-                      <a:r>
-                        <a:rPr lang="en-SG" u="sng" dirty="0"/>
-                        <a:t>ab1:</a:t>
-                      </a:r>
-                      <a:r>
-                        <a:rPr lang="en-SG" sz="1800" u="sng" dirty="0"/>
-                        <a:t>AddressBook</a:t>
-                      </a:r>
-                      <a:endParaRPr lang="en-SG" sz="1600" u="sng" dirty="0"/>
-                    </a:p>
-                  </a:txBody>
-                  <a:tcPr/>
-                </a:tc>
-                <a:extLst>
-                  <a:ext uri="{0D108BD9-81ED-4DB2-BD59-A6C34878D82A}">
-                    <a16:rowId xmlns:a16="http://schemas.microsoft.com/office/drawing/2014/main" val="2194462629"/>
-                  </a:ext>
-                </a:extLst>
-              </a:tr>
-            </a:tbl>
-          </a:graphicData>
-        </a:graphic>
-      </p:graphicFrame>
       <p:cxnSp>
         <p:nvCxnSpPr>
           <p:cNvPr id="18" name="Straight Arrow Connector 17">
@@ -3999,7 +3575,7 @@
         </p:nvCxnSpPr>
         <p:spPr>
           <a:xfrm flipV="1">
-            <a:off x="3338818" y="2038898"/>
+            <a:off x="3635796" y="2038898"/>
             <a:ext cx="0" cy="706873"/>
           </a:xfrm>
           <a:prstGeom prst="straightConnector1">
@@ -4043,7 +3619,7 @@
         </p:nvCxnSpPr>
         <p:spPr>
           <a:xfrm flipV="1">
-            <a:off x="3302417" y="4496762"/>
+            <a:off x="4396570" y="4496762"/>
             <a:ext cx="0" cy="706873"/>
           </a:xfrm>
           <a:prstGeom prst="straightConnector1">
@@ -4071,6 +3647,414 @@
           </a:fontRef>
         </p:style>
       </p:cxnSp>
+      <p:graphicFrame>
+        <p:nvGraphicFramePr>
+          <p:cNvPr id="26" name="Table 25">
+            <a:extLst>
+              <a:ext uri="{FF2B5EF4-FFF2-40B4-BE49-F238E27FC236}">
+                <a16:creationId xmlns:a16="http://schemas.microsoft.com/office/drawing/2014/main" id="{6BD73B78-B851-4E28-B4FF-6B8A895D725D}"/>
+              </a:ext>
+            </a:extLst>
+          </p:cNvPr>
+          <p:cNvGraphicFramePr>
+            <a:graphicFrameLocks noGrp="1"/>
+          </p:cNvGraphicFramePr>
+          <p:nvPr>
+            <p:extLst>
+              <p:ext uri="{D42A27DB-BD31-4B8C-83A1-F6EECF244321}">
+                <p14:modId xmlns:p14="http://schemas.microsoft.com/office/powerpoint/2010/main" val="2326335836"/>
+              </p:ext>
+            </p:extLst>
+          </p:nvPr>
+        </p:nvGraphicFramePr>
+        <p:xfrm>
+          <a:off x="473239" y="1476102"/>
+          <a:ext cx="2543499" cy="417888"/>
+        </p:xfrm>
+        <a:graphic>
+          <a:graphicData uri="http://schemas.openxmlformats.org/drawingml/2006/table">
+            <a:tbl>
+              <a:tblPr>
+                <a:tableStyleId>{638B1855-1B75-4FBE-930C-398BA8C253C6}</a:tableStyleId>
+              </a:tblPr>
+              <a:tblGrid>
+                <a:gridCol w="2543499">
+                  <a:extLst>
+                    <a:ext uri="{9D8B030D-6E8A-4147-A177-3AD203B41FA5}">
+                      <a16:colId xmlns:a16="http://schemas.microsoft.com/office/drawing/2014/main" val="4240773277"/>
+                    </a:ext>
+                  </a:extLst>
+                </a:gridCol>
+              </a:tblGrid>
+              <a:tr h="417888">
+                <a:tc>
+                  <a:txBody>
+                    <a:bodyPr/>
+                    <a:lstStyle/>
+                    <a:p>
+                      <a:r>
+                        <a:rPr lang="en-SG" u="sng" dirty="0"/>
+                        <a:t>em0:</a:t>
+                      </a:r>
+                      <a:r>
+                        <a:rPr lang="en-SG" sz="1800" u="sng" dirty="0"/>
+                        <a:t>EquipmentManager</a:t>
+                      </a:r>
+                      <a:endParaRPr lang="en-SG" sz="1600" u="sng" dirty="0"/>
+                    </a:p>
+                  </a:txBody>
+                  <a:tcPr/>
+                </a:tc>
+                <a:extLst>
+                  <a:ext uri="{0D108BD9-81ED-4DB2-BD59-A6C34878D82A}">
+                    <a16:rowId xmlns:a16="http://schemas.microsoft.com/office/drawing/2014/main" val="2194462629"/>
+                  </a:ext>
+                </a:extLst>
+              </a:tr>
+            </a:tbl>
+          </a:graphicData>
+        </a:graphic>
+      </p:graphicFrame>
+      <p:graphicFrame>
+        <p:nvGraphicFramePr>
+          <p:cNvPr id="27" name="Table 26">
+            <a:extLst>
+              <a:ext uri="{FF2B5EF4-FFF2-40B4-BE49-F238E27FC236}">
+                <a16:creationId xmlns:a16="http://schemas.microsoft.com/office/drawing/2014/main" id="{744B9C6C-9B99-48B0-BFFB-151D3F924D57}"/>
+              </a:ext>
+            </a:extLst>
+          </p:cNvPr>
+          <p:cNvGraphicFramePr>
+            <a:graphicFrameLocks noGrp="1"/>
+          </p:cNvGraphicFramePr>
+          <p:nvPr>
+            <p:extLst>
+              <p:ext uri="{D42A27DB-BD31-4B8C-83A1-F6EECF244321}">
+                <p14:modId xmlns:p14="http://schemas.microsoft.com/office/powerpoint/2010/main" val="3129466149"/>
+              </p:ext>
+            </p:extLst>
+          </p:nvPr>
+        </p:nvGraphicFramePr>
+        <p:xfrm>
+          <a:off x="3125180" y="1469584"/>
+          <a:ext cx="2543499" cy="417888"/>
+        </p:xfrm>
+        <a:graphic>
+          <a:graphicData uri="http://schemas.openxmlformats.org/drawingml/2006/table">
+            <a:tbl>
+              <a:tblPr>
+                <a:tableStyleId>{638B1855-1B75-4FBE-930C-398BA8C253C6}</a:tableStyleId>
+              </a:tblPr>
+              <a:tblGrid>
+                <a:gridCol w="2543499">
+                  <a:extLst>
+                    <a:ext uri="{9D8B030D-6E8A-4147-A177-3AD203B41FA5}">
+                      <a16:colId xmlns:a16="http://schemas.microsoft.com/office/drawing/2014/main" val="4240773277"/>
+                    </a:ext>
+                  </a:extLst>
+                </a:gridCol>
+              </a:tblGrid>
+              <a:tr h="417888">
+                <a:tc>
+                  <a:txBody>
+                    <a:bodyPr/>
+                    <a:lstStyle/>
+                    <a:p>
+                      <a:r>
+                        <a:rPr lang="en-SG" u="sng" dirty="0"/>
+                        <a:t>em1:</a:t>
+                      </a:r>
+                      <a:r>
+                        <a:rPr lang="en-SG" sz="1800" u="sng" dirty="0"/>
+                        <a:t>EquipmentManager</a:t>
+                      </a:r>
+                      <a:endParaRPr lang="en-SG" sz="1600" u="sng" dirty="0"/>
+                    </a:p>
+                  </a:txBody>
+                  <a:tcPr/>
+                </a:tc>
+                <a:extLst>
+                  <a:ext uri="{0D108BD9-81ED-4DB2-BD59-A6C34878D82A}">
+                    <a16:rowId xmlns:a16="http://schemas.microsoft.com/office/drawing/2014/main" val="2194462629"/>
+                  </a:ext>
+                </a:extLst>
+              </a:tr>
+            </a:tbl>
+          </a:graphicData>
+        </a:graphic>
+      </p:graphicFrame>
+      <p:graphicFrame>
+        <p:nvGraphicFramePr>
+          <p:cNvPr id="32" name="Table 31">
+            <a:extLst>
+              <a:ext uri="{FF2B5EF4-FFF2-40B4-BE49-F238E27FC236}">
+                <a16:creationId xmlns:a16="http://schemas.microsoft.com/office/drawing/2014/main" id="{75A50620-CC80-4909-8DB0-42CAF3F8074B}"/>
+              </a:ext>
+            </a:extLst>
+          </p:cNvPr>
+          <p:cNvGraphicFramePr>
+            <a:graphicFrameLocks noGrp="1"/>
+          </p:cNvGraphicFramePr>
+          <p:nvPr>
+            <p:extLst>
+              <p:ext uri="{D42A27DB-BD31-4B8C-83A1-F6EECF244321}">
+                <p14:modId xmlns:p14="http://schemas.microsoft.com/office/powerpoint/2010/main" val="418130801"/>
+              </p:ext>
+            </p:extLst>
+          </p:nvPr>
+        </p:nvGraphicFramePr>
+        <p:xfrm>
+          <a:off x="473239" y="3913796"/>
+          <a:ext cx="2543499" cy="417888"/>
+        </p:xfrm>
+        <a:graphic>
+          <a:graphicData uri="http://schemas.openxmlformats.org/drawingml/2006/table">
+            <a:tbl>
+              <a:tblPr>
+                <a:tableStyleId>{638B1855-1B75-4FBE-930C-398BA8C253C6}</a:tableStyleId>
+              </a:tblPr>
+              <a:tblGrid>
+                <a:gridCol w="2543499">
+                  <a:extLst>
+                    <a:ext uri="{9D8B030D-6E8A-4147-A177-3AD203B41FA5}">
+                      <a16:colId xmlns:a16="http://schemas.microsoft.com/office/drawing/2014/main" val="4240773277"/>
+                    </a:ext>
+                  </a:extLst>
+                </a:gridCol>
+              </a:tblGrid>
+              <a:tr h="417888">
+                <a:tc>
+                  <a:txBody>
+                    <a:bodyPr/>
+                    <a:lstStyle/>
+                    <a:p>
+                      <a:r>
+                        <a:rPr lang="en-SG" u="sng" dirty="0"/>
+                        <a:t>em0:</a:t>
+                      </a:r>
+                      <a:r>
+                        <a:rPr lang="en-SG" sz="1800" u="sng" dirty="0"/>
+                        <a:t>EquipmentManager</a:t>
+                      </a:r>
+                      <a:endParaRPr lang="en-SG" sz="1600" u="sng" dirty="0"/>
+                    </a:p>
+                  </a:txBody>
+                  <a:tcPr/>
+                </a:tc>
+                <a:extLst>
+                  <a:ext uri="{0D108BD9-81ED-4DB2-BD59-A6C34878D82A}">
+                    <a16:rowId xmlns:a16="http://schemas.microsoft.com/office/drawing/2014/main" val="2194462629"/>
+                  </a:ext>
+                </a:extLst>
+              </a:tr>
+            </a:tbl>
+          </a:graphicData>
+        </a:graphic>
+      </p:graphicFrame>
+      <p:graphicFrame>
+        <p:nvGraphicFramePr>
+          <p:cNvPr id="33" name="Table 32">
+            <a:extLst>
+              <a:ext uri="{FF2B5EF4-FFF2-40B4-BE49-F238E27FC236}">
+                <a16:creationId xmlns:a16="http://schemas.microsoft.com/office/drawing/2014/main" id="{AAB0E9F5-566E-47C6-A6A5-BA850537BF67}"/>
+              </a:ext>
+            </a:extLst>
+          </p:cNvPr>
+          <p:cNvGraphicFramePr>
+            <a:graphicFrameLocks noGrp="1"/>
+          </p:cNvGraphicFramePr>
+          <p:nvPr>
+            <p:extLst>
+              <p:ext uri="{D42A27DB-BD31-4B8C-83A1-F6EECF244321}">
+                <p14:modId xmlns:p14="http://schemas.microsoft.com/office/powerpoint/2010/main" val="3293910300"/>
+              </p:ext>
+            </p:extLst>
+          </p:nvPr>
+        </p:nvGraphicFramePr>
+        <p:xfrm>
+          <a:off x="3125180" y="3915093"/>
+          <a:ext cx="2543499" cy="417888"/>
+        </p:xfrm>
+        <a:graphic>
+          <a:graphicData uri="http://schemas.openxmlformats.org/drawingml/2006/table">
+            <a:tbl>
+              <a:tblPr>
+                <a:tableStyleId>{638B1855-1B75-4FBE-930C-398BA8C253C6}</a:tableStyleId>
+              </a:tblPr>
+              <a:tblGrid>
+                <a:gridCol w="2543499">
+                  <a:extLst>
+                    <a:ext uri="{9D8B030D-6E8A-4147-A177-3AD203B41FA5}">
+                      <a16:colId xmlns:a16="http://schemas.microsoft.com/office/drawing/2014/main" val="4240773277"/>
+                    </a:ext>
+                  </a:extLst>
+                </a:gridCol>
+              </a:tblGrid>
+              <a:tr h="417888">
+                <a:tc>
+                  <a:txBody>
+                    <a:bodyPr/>
+                    <a:lstStyle/>
+                    <a:p>
+                      <a:r>
+                        <a:rPr lang="en-SG" u="sng" dirty="0"/>
+                        <a:t>em1:</a:t>
+                      </a:r>
+                      <a:r>
+                        <a:rPr lang="en-SG" sz="1800" u="sng" dirty="0"/>
+                        <a:t>EquipmentManager</a:t>
+                      </a:r>
+                      <a:endParaRPr lang="en-SG" sz="1600" u="sng" dirty="0"/>
+                    </a:p>
+                  </a:txBody>
+                  <a:tcPr/>
+                </a:tc>
+                <a:extLst>
+                  <a:ext uri="{0D108BD9-81ED-4DB2-BD59-A6C34878D82A}">
+                    <a16:rowId xmlns:a16="http://schemas.microsoft.com/office/drawing/2014/main" val="2194462629"/>
+                  </a:ext>
+                </a:extLst>
+              </a:tr>
+            </a:tbl>
+          </a:graphicData>
+        </a:graphic>
+      </p:graphicFrame>
+      <p:graphicFrame>
+        <p:nvGraphicFramePr>
+          <p:cNvPr id="34" name="Table 33">
+            <a:extLst>
+              <a:ext uri="{FF2B5EF4-FFF2-40B4-BE49-F238E27FC236}">
+                <a16:creationId xmlns:a16="http://schemas.microsoft.com/office/drawing/2014/main" id="{9F971F79-69E0-4A1B-B312-76763B5652A9}"/>
+              </a:ext>
+            </a:extLst>
+          </p:cNvPr>
+          <p:cNvGraphicFramePr>
+            <a:graphicFrameLocks noGrp="1"/>
+          </p:cNvGraphicFramePr>
+          <p:nvPr>
+            <p:extLst>
+              <p:ext uri="{D42A27DB-BD31-4B8C-83A1-F6EECF244321}">
+                <p14:modId xmlns:p14="http://schemas.microsoft.com/office/powerpoint/2010/main" val="562888257"/>
+              </p:ext>
+            </p:extLst>
+          </p:nvPr>
+        </p:nvGraphicFramePr>
+        <p:xfrm>
+          <a:off x="5777119" y="1469584"/>
+          <a:ext cx="2543499" cy="417888"/>
+        </p:xfrm>
+        <a:graphic>
+          <a:graphicData uri="http://schemas.openxmlformats.org/drawingml/2006/table">
+            <a:tbl>
+              <a:tblPr>
+                <a:tableStyleId>{638B1855-1B75-4FBE-930C-398BA8C253C6}</a:tableStyleId>
+              </a:tblPr>
+              <a:tblGrid>
+                <a:gridCol w="2543499">
+                  <a:extLst>
+                    <a:ext uri="{9D8B030D-6E8A-4147-A177-3AD203B41FA5}">
+                      <a16:colId xmlns:a16="http://schemas.microsoft.com/office/drawing/2014/main" val="4240773277"/>
+                    </a:ext>
+                  </a:extLst>
+                </a:gridCol>
+              </a:tblGrid>
+              <a:tr h="417888">
+                <a:tc>
+                  <a:txBody>
+                    <a:bodyPr/>
+                    <a:lstStyle/>
+                    <a:p>
+                      <a:r>
+                        <a:rPr lang="en-SG" u="sng" dirty="0"/>
+                        <a:t>em2:</a:t>
+                      </a:r>
+                      <a:r>
+                        <a:rPr lang="en-SG" sz="1800" u="sng" dirty="0"/>
+                        <a:t>EquipmentManager</a:t>
+                      </a:r>
+                      <a:endParaRPr lang="en-SG" sz="1600" u="sng" dirty="0"/>
+                    </a:p>
+                  </a:txBody>
+                  <a:tcPr/>
+                </a:tc>
+                <a:extLst>
+                  <a:ext uri="{0D108BD9-81ED-4DB2-BD59-A6C34878D82A}">
+                    <a16:rowId xmlns:a16="http://schemas.microsoft.com/office/drawing/2014/main" val="2194462629"/>
+                  </a:ext>
+                </a:extLst>
+              </a:tr>
+            </a:tbl>
+          </a:graphicData>
+        </a:graphic>
+      </p:graphicFrame>
+      <p:graphicFrame>
+        <p:nvGraphicFramePr>
+          <p:cNvPr id="35" name="Table 34">
+            <a:extLst>
+              <a:ext uri="{FF2B5EF4-FFF2-40B4-BE49-F238E27FC236}">
+                <a16:creationId xmlns:a16="http://schemas.microsoft.com/office/drawing/2014/main" id="{73024D5F-DC1B-4513-9073-0169E9EF6D63}"/>
+              </a:ext>
+            </a:extLst>
+          </p:cNvPr>
+          <p:cNvGraphicFramePr>
+            <a:graphicFrameLocks noGrp="1"/>
+          </p:cNvGraphicFramePr>
+          <p:nvPr>
+            <p:extLst>
+              <p:ext uri="{D42A27DB-BD31-4B8C-83A1-F6EECF244321}">
+                <p14:modId xmlns:p14="http://schemas.microsoft.com/office/powerpoint/2010/main" val="3214272584"/>
+              </p:ext>
+            </p:extLst>
+          </p:nvPr>
+        </p:nvGraphicFramePr>
+        <p:xfrm>
+          <a:off x="5777120" y="3913796"/>
+          <a:ext cx="2543499" cy="417888"/>
+        </p:xfrm>
+        <a:graphic>
+          <a:graphicData uri="http://schemas.openxmlformats.org/drawingml/2006/table">
+            <a:tbl>
+              <a:tblPr>
+                <a:tableStyleId>{638B1855-1B75-4FBE-930C-398BA8C253C6}</a:tableStyleId>
+              </a:tblPr>
+              <a:tblGrid>
+                <a:gridCol w="2543499">
+                  <a:extLst>
+                    <a:ext uri="{9D8B030D-6E8A-4147-A177-3AD203B41FA5}">
+                      <a16:colId xmlns:a16="http://schemas.microsoft.com/office/drawing/2014/main" val="4240773277"/>
+                    </a:ext>
+                  </a:extLst>
+                </a:gridCol>
+              </a:tblGrid>
+              <a:tr h="417888">
+                <a:tc>
+                  <a:txBody>
+                    <a:bodyPr/>
+                    <a:lstStyle/>
+                    <a:p>
+                      <a:r>
+                        <a:rPr lang="en-SG" u="sng" dirty="0"/>
+                        <a:t>em2:</a:t>
+                      </a:r>
+                      <a:r>
+                        <a:rPr lang="en-SG" sz="1800" u="sng" dirty="0"/>
+                        <a:t>EquipmentManager</a:t>
+                      </a:r>
+                      <a:endParaRPr lang="en-SG" sz="1600" u="sng" dirty="0"/>
+                    </a:p>
+                  </a:txBody>
+                  <a:tcPr/>
+                </a:tc>
+                <a:extLst>
+                  <a:ext uri="{0D108BD9-81ED-4DB2-BD59-A6C34878D82A}">
+                    <a16:rowId xmlns:a16="http://schemas.microsoft.com/office/drawing/2014/main" val="2194462629"/>
+                  </a:ext>
+                </a:extLst>
+              </a:tr>
+            </a:tbl>
+          </a:graphicData>
+        </a:graphic>
+      </p:graphicFrame>
     </p:spTree>
     <p:extLst>
       <p:ext uri="{BB962C8B-B14F-4D97-AF65-F5344CB8AC3E}">
